--- a/Documentation/AudioSegmentation.pptx
+++ b/Documentation/AudioSegmentation.pptx
@@ -6,6 +6,10 @@
   </p:sldMasterIdLst>
   <p:sldIdLst>
     <p:sldId id="256" r:id="rId2"/>
+    <p:sldId id="257" r:id="rId3"/>
+    <p:sldId id="258" r:id="rId4"/>
+    <p:sldId id="259" r:id="rId5"/>
+    <p:sldId id="260" r:id="rId6"/>
   </p:sldIdLst>
   <p:sldSz cx="12192000" cy="6858000"/>
   <p:notesSz cx="6858000" cy="9144000"/>
@@ -104,6 +108,11 @@
       </a:defRPr>
     </a:lvl9pPr>
   </p:defaultTextStyle>
+  <p:extLst>
+    <p:ext uri="{EFAFB233-063F-42B5-8137-9DF3F51BA10A}">
+      <p15:sldGuideLst xmlns:p15="http://schemas.microsoft.com/office/powerpoint/2012/main"/>
+    </p:ext>
+  </p:extLst>
 </p:presentation>
 </file>
 
@@ -254,7 +263,7 @@
           <a:p>
             <a:fld id="{3B90312C-5D04-492E-8CFD-2D0A49CD6FBA}" type="datetimeFigureOut">
               <a:rPr lang="en-US" smtClean="0"/>
-              <a:t>12/24/2022</a:t>
+              <a:t>12/26/2022</a:t>
             </a:fld>
             <a:endParaRPr lang="en-US"/>
           </a:p>
@@ -452,7 +461,7 @@
           <a:p>
             <a:fld id="{3B90312C-5D04-492E-8CFD-2D0A49CD6FBA}" type="datetimeFigureOut">
               <a:rPr lang="en-US" smtClean="0"/>
-              <a:t>12/24/2022</a:t>
+              <a:t>12/26/2022</a:t>
             </a:fld>
             <a:endParaRPr lang="en-US"/>
           </a:p>
@@ -660,7 +669,7 @@
           <a:p>
             <a:fld id="{3B90312C-5D04-492E-8CFD-2D0A49CD6FBA}" type="datetimeFigureOut">
               <a:rPr lang="en-US" smtClean="0"/>
-              <a:t>12/24/2022</a:t>
+              <a:t>12/26/2022</a:t>
             </a:fld>
             <a:endParaRPr lang="en-US"/>
           </a:p>
@@ -858,7 +867,7 @@
           <a:p>
             <a:fld id="{3B90312C-5D04-492E-8CFD-2D0A49CD6FBA}" type="datetimeFigureOut">
               <a:rPr lang="en-US" smtClean="0"/>
-              <a:t>12/24/2022</a:t>
+              <a:t>12/26/2022</a:t>
             </a:fld>
             <a:endParaRPr lang="en-US"/>
           </a:p>
@@ -1133,7 +1142,7 @@
           <a:p>
             <a:fld id="{3B90312C-5D04-492E-8CFD-2D0A49CD6FBA}" type="datetimeFigureOut">
               <a:rPr lang="en-US" smtClean="0"/>
-              <a:t>12/24/2022</a:t>
+              <a:t>12/26/2022</a:t>
             </a:fld>
             <a:endParaRPr lang="en-US"/>
           </a:p>
@@ -1398,7 +1407,7 @@
           <a:p>
             <a:fld id="{3B90312C-5D04-492E-8CFD-2D0A49CD6FBA}" type="datetimeFigureOut">
               <a:rPr lang="en-US" smtClean="0"/>
-              <a:t>12/24/2022</a:t>
+              <a:t>12/26/2022</a:t>
             </a:fld>
             <a:endParaRPr lang="en-US"/>
           </a:p>
@@ -1810,7 +1819,7 @@
           <a:p>
             <a:fld id="{3B90312C-5D04-492E-8CFD-2D0A49CD6FBA}" type="datetimeFigureOut">
               <a:rPr lang="en-US" smtClean="0"/>
-              <a:t>12/24/2022</a:t>
+              <a:t>12/26/2022</a:t>
             </a:fld>
             <a:endParaRPr lang="en-US"/>
           </a:p>
@@ -1951,7 +1960,7 @@
           <a:p>
             <a:fld id="{3B90312C-5D04-492E-8CFD-2D0A49CD6FBA}" type="datetimeFigureOut">
               <a:rPr lang="en-US" smtClean="0"/>
-              <a:t>12/24/2022</a:t>
+              <a:t>12/26/2022</a:t>
             </a:fld>
             <a:endParaRPr lang="en-US"/>
           </a:p>
@@ -2064,7 +2073,7 @@
           <a:p>
             <a:fld id="{3B90312C-5D04-492E-8CFD-2D0A49CD6FBA}" type="datetimeFigureOut">
               <a:rPr lang="en-US" smtClean="0"/>
-              <a:t>12/24/2022</a:t>
+              <a:t>12/26/2022</a:t>
             </a:fld>
             <a:endParaRPr lang="en-US"/>
           </a:p>
@@ -2375,7 +2384,7 @@
           <a:p>
             <a:fld id="{3B90312C-5D04-492E-8CFD-2D0A49CD6FBA}" type="datetimeFigureOut">
               <a:rPr lang="en-US" smtClean="0"/>
-              <a:t>12/24/2022</a:t>
+              <a:t>12/26/2022</a:t>
             </a:fld>
             <a:endParaRPr lang="en-US"/>
           </a:p>
@@ -2663,7 +2672,7 @@
           <a:p>
             <a:fld id="{3B90312C-5D04-492E-8CFD-2D0A49CD6FBA}" type="datetimeFigureOut">
               <a:rPr lang="en-US" smtClean="0"/>
-              <a:t>12/24/2022</a:t>
+              <a:t>12/26/2022</a:t>
             </a:fld>
             <a:endParaRPr lang="en-US"/>
           </a:p>
@@ -2904,7 +2913,7 @@
           <a:p>
             <a:fld id="{3B90312C-5D04-492E-8CFD-2D0A49CD6FBA}" type="datetimeFigureOut">
               <a:rPr lang="en-US" smtClean="0"/>
-              <a:t>12/24/2022</a:t>
+              <a:t>12/26/2022</a:t>
             </a:fld>
             <a:endParaRPr lang="en-US"/>
           </a:p>
@@ -4227,8 +4236,8 @@
         </p:nvSpPr>
         <p:spPr>
           <a:xfrm>
-            <a:off x="9435965" y="1632410"/>
-            <a:ext cx="619080" cy="261610"/>
+            <a:off x="9410059" y="1635323"/>
+            <a:ext cx="675185" cy="253916"/>
           </a:xfrm>
           <a:prstGeom prst="rect">
             <a:avLst/>
@@ -4242,12 +4251,12 @@
           <a:lstStyle/>
           <a:p>
             <a:r>
-              <a:rPr lang="pt-BR" sz="1050" b="1" i="1" dirty="0" err="1">
+              <a:rPr lang="pt-BR" sz="1050" b="1" i="1" dirty="0">
                 <a:solidFill>
                   <a:srgbClr val="FF0000"/>
                 </a:solidFill>
               </a:rPr>
-              <a:t>Discard</a:t>
+              <a:t>Descarte</a:t>
             </a:r>
             <a:endParaRPr lang="en-US" sz="1050" b="1" i="1" dirty="0">
               <a:solidFill>
@@ -4261,6 +4270,8971 @@
     <p:extLst>
       <p:ext uri="{BB962C8B-B14F-4D97-AF65-F5344CB8AC3E}">
         <p14:creationId xmlns:p14="http://schemas.microsoft.com/office/powerpoint/2010/main" val="3869278006"/>
+      </p:ext>
+    </p:extLst>
+  </p:cSld>
+  <p:clrMapOvr>
+    <a:masterClrMapping/>
+  </p:clrMapOvr>
+</p:sld>
+</file>
+
+<file path=ppt/slides/slide2.xml><?xml version="1.0" encoding="utf-8"?>
+<p:sld xmlns:a="http://schemas.openxmlformats.org/drawingml/2006/main" xmlns:r="http://schemas.openxmlformats.org/officeDocument/2006/relationships" xmlns:p="http://schemas.openxmlformats.org/presentationml/2006/main">
+  <p:cSld>
+    <p:spTree>
+      <p:nvGrpSpPr>
+        <p:cNvPr id="1" name=""/>
+        <p:cNvGrpSpPr/>
+        <p:nvPr/>
+      </p:nvGrpSpPr>
+      <p:grpSpPr>
+        <a:xfrm>
+          <a:off x="0" y="0"/>
+          <a:ext cx="0" cy="0"/>
+          <a:chOff x="0" y="0"/>
+          <a:chExt cx="0" cy="0"/>
+        </a:xfrm>
+      </p:grpSpPr>
+      <p:pic>
+        <p:nvPicPr>
+          <p:cNvPr id="5" name="Picture 4">
+            <a:extLst>
+              <a:ext uri="{FF2B5EF4-FFF2-40B4-BE49-F238E27FC236}">
+                <a16:creationId xmlns:a16="http://schemas.microsoft.com/office/drawing/2014/main" id="{A624836A-DE0E-4BC9-816F-7355E05C7DAF}"/>
+              </a:ext>
+            </a:extLst>
+          </p:cNvPr>
+          <p:cNvPicPr>
+            <a:picLocks noChangeAspect="1"/>
+          </p:cNvPicPr>
+          <p:nvPr/>
+        </p:nvPicPr>
+        <p:blipFill rotWithShape="1">
+          <a:blip r:embed="rId2"/>
+          <a:srcRect r="14121"/>
+          <a:stretch/>
+        </p:blipFill>
+        <p:spPr>
+          <a:xfrm>
+            <a:off x="2397827" y="2194687"/>
+            <a:ext cx="6351890" cy="2468626"/>
+          </a:xfrm>
+          <a:prstGeom prst="rect">
+            <a:avLst/>
+          </a:prstGeom>
+        </p:spPr>
+      </p:pic>
+      <p:sp>
+        <p:nvSpPr>
+          <p:cNvPr id="6" name="TextBox 5">
+            <a:extLst>
+              <a:ext uri="{FF2B5EF4-FFF2-40B4-BE49-F238E27FC236}">
+                <a16:creationId xmlns:a16="http://schemas.microsoft.com/office/drawing/2014/main" id="{F1D3BA21-1B0A-4508-9A18-F32F5A3706B7}"/>
+              </a:ext>
+            </a:extLst>
+          </p:cNvPr>
+          <p:cNvSpPr txBox="1"/>
+          <p:nvPr/>
+        </p:nvSpPr>
+        <p:spPr>
+          <a:xfrm>
+            <a:off x="4046220" y="2164207"/>
+            <a:ext cx="1164486" cy="369332"/>
+          </a:xfrm>
+          <a:prstGeom prst="rect">
+            <a:avLst/>
+          </a:prstGeom>
+          <a:solidFill>
+            <a:srgbClr val="FBFBFB"/>
+          </a:solidFill>
+        </p:spPr>
+        <p:txBody>
+          <a:bodyPr wrap="none" rtlCol="0">
+            <a:spAutoFit/>
+          </a:bodyPr>
+          <a:lstStyle/>
+          <a:p>
+            <a:r>
+              <a:rPr lang="pt-BR" b="1" i="1" dirty="0"/>
+              <a:t>Amostra 1</a:t>
+            </a:r>
+            <a:endParaRPr lang="en-US" b="1" i="1" dirty="0"/>
+          </a:p>
+        </p:txBody>
+      </p:sp>
+      <p:sp>
+        <p:nvSpPr>
+          <p:cNvPr id="7" name="TextBox 6">
+            <a:extLst>
+              <a:ext uri="{FF2B5EF4-FFF2-40B4-BE49-F238E27FC236}">
+                <a16:creationId xmlns:a16="http://schemas.microsoft.com/office/drawing/2014/main" id="{B7092231-031E-4920-96F0-388F2C11730E}"/>
+              </a:ext>
+            </a:extLst>
+          </p:cNvPr>
+          <p:cNvSpPr txBox="1"/>
+          <p:nvPr/>
+        </p:nvSpPr>
+        <p:spPr>
+          <a:xfrm>
+            <a:off x="4628463" y="4221607"/>
+            <a:ext cx="1174232" cy="369332"/>
+          </a:xfrm>
+          <a:prstGeom prst="rect">
+            <a:avLst/>
+          </a:prstGeom>
+          <a:solidFill>
+            <a:srgbClr val="EAEAEA"/>
+          </a:solidFill>
+        </p:spPr>
+        <p:txBody>
+          <a:bodyPr wrap="none" rtlCol="0">
+            <a:spAutoFit/>
+          </a:bodyPr>
+          <a:lstStyle/>
+          <a:p>
+            <a:r>
+              <a:rPr lang="pt-BR" b="1" i="1" dirty="0"/>
+              <a:t>Amostra 2</a:t>
+            </a:r>
+            <a:endParaRPr lang="en-US" b="1" i="1" dirty="0"/>
+          </a:p>
+        </p:txBody>
+      </p:sp>
+      <p:sp>
+        <p:nvSpPr>
+          <p:cNvPr id="8" name="TextBox 7">
+            <a:extLst>
+              <a:ext uri="{FF2B5EF4-FFF2-40B4-BE49-F238E27FC236}">
+                <a16:creationId xmlns:a16="http://schemas.microsoft.com/office/drawing/2014/main" id="{93ECDE91-EBD3-4231-8ABF-4EE7380C218B}"/>
+              </a:ext>
+            </a:extLst>
+          </p:cNvPr>
+          <p:cNvSpPr txBox="1"/>
+          <p:nvPr/>
+        </p:nvSpPr>
+        <p:spPr>
+          <a:xfrm>
+            <a:off x="6182943" y="2194687"/>
+            <a:ext cx="1458861" cy="369332"/>
+          </a:xfrm>
+          <a:prstGeom prst="rect">
+            <a:avLst/>
+          </a:prstGeom>
+          <a:solidFill>
+            <a:srgbClr val="FBFBFB"/>
+          </a:solidFill>
+        </p:spPr>
+        <p:txBody>
+          <a:bodyPr wrap="none" rtlCol="0">
+            <a:spAutoFit/>
+          </a:bodyPr>
+          <a:lstStyle/>
+          <a:p>
+            <a:r>
+              <a:rPr lang="pt-BR" b="1" i="1" dirty="0"/>
+              <a:t>Sobreposição</a:t>
+            </a:r>
+            <a:endParaRPr lang="en-US" b="1" i="1" dirty="0"/>
+          </a:p>
+        </p:txBody>
+      </p:sp>
+      <p:sp>
+        <p:nvSpPr>
+          <p:cNvPr id="9" name="TextBox 8">
+            <a:extLst>
+              <a:ext uri="{FF2B5EF4-FFF2-40B4-BE49-F238E27FC236}">
+                <a16:creationId xmlns:a16="http://schemas.microsoft.com/office/drawing/2014/main" id="{B4A65B7C-032A-4CCD-96B3-68D0FE7738DF}"/>
+              </a:ext>
+            </a:extLst>
+          </p:cNvPr>
+          <p:cNvSpPr txBox="1"/>
+          <p:nvPr/>
+        </p:nvSpPr>
+        <p:spPr>
+          <a:xfrm>
+            <a:off x="6425968" y="3676106"/>
+            <a:ext cx="964734" cy="646331"/>
+          </a:xfrm>
+          <a:prstGeom prst="rect">
+            <a:avLst/>
+          </a:prstGeom>
+          <a:solidFill>
+            <a:srgbClr val="EEEEEE"/>
+          </a:solidFill>
+        </p:spPr>
+        <p:txBody>
+          <a:bodyPr wrap="square" rtlCol="0">
+            <a:spAutoFit/>
+          </a:bodyPr>
+          <a:lstStyle/>
+          <a:p>
+            <a:br>
+              <a:rPr lang="pt-BR" b="1" i="1" dirty="0"/>
+            </a:br>
+            <a:endParaRPr lang="en-US" b="1" i="1" dirty="0"/>
+          </a:p>
+        </p:txBody>
+      </p:sp>
+      <p:sp>
+        <p:nvSpPr>
+          <p:cNvPr id="10" name="Rectangle 9">
+            <a:extLst>
+              <a:ext uri="{FF2B5EF4-FFF2-40B4-BE49-F238E27FC236}">
+                <a16:creationId xmlns:a16="http://schemas.microsoft.com/office/drawing/2014/main" id="{76098B7E-609C-4B16-887A-5216943E6336}"/>
+              </a:ext>
+            </a:extLst>
+          </p:cNvPr>
+          <p:cNvSpPr/>
+          <p:nvPr/>
+        </p:nvSpPr>
+        <p:spPr>
+          <a:xfrm>
+            <a:off x="3376613" y="2635250"/>
+            <a:ext cx="2495550" cy="1203325"/>
+          </a:xfrm>
+          <a:prstGeom prst="rect">
+            <a:avLst/>
+          </a:prstGeom>
+          <a:solidFill>
+            <a:srgbClr val="00B050">
+              <a:alpha val="30196"/>
+            </a:srgbClr>
+          </a:solidFill>
+          <a:ln>
+            <a:noFill/>
+          </a:ln>
+        </p:spPr>
+        <p:style>
+          <a:lnRef idx="2">
+            <a:schemeClr val="accent1">
+              <a:shade val="50000"/>
+            </a:schemeClr>
+          </a:lnRef>
+          <a:fillRef idx="1">
+            <a:schemeClr val="accent1"/>
+          </a:fillRef>
+          <a:effectRef idx="0">
+            <a:schemeClr val="accent1"/>
+          </a:effectRef>
+          <a:fontRef idx="minor">
+            <a:schemeClr val="lt1"/>
+          </a:fontRef>
+        </p:style>
+        <p:txBody>
+          <a:bodyPr rtlCol="0" anchor="ctr"/>
+          <a:lstStyle/>
+          <a:p>
+            <a:pPr algn="ctr"/>
+            <a:endParaRPr lang="en-US"/>
+          </a:p>
+        </p:txBody>
+      </p:sp>
+      <p:sp>
+        <p:nvSpPr>
+          <p:cNvPr id="11" name="Rectangle 10">
+            <a:extLst>
+              <a:ext uri="{FF2B5EF4-FFF2-40B4-BE49-F238E27FC236}">
+                <a16:creationId xmlns:a16="http://schemas.microsoft.com/office/drawing/2014/main" id="{0AEFD828-364D-40A8-B932-FF3E01CA2DA6}"/>
+              </a:ext>
+            </a:extLst>
+          </p:cNvPr>
+          <p:cNvSpPr/>
+          <p:nvPr/>
+        </p:nvSpPr>
+        <p:spPr>
+          <a:xfrm>
+            <a:off x="3921126" y="2870851"/>
+            <a:ext cx="2487168" cy="1203324"/>
+          </a:xfrm>
+          <a:prstGeom prst="rect">
+            <a:avLst/>
+          </a:prstGeom>
+          <a:solidFill>
+            <a:srgbClr val="FF0000">
+              <a:alpha val="10196"/>
+            </a:srgbClr>
+          </a:solidFill>
+          <a:ln>
+            <a:noFill/>
+          </a:ln>
+        </p:spPr>
+        <p:style>
+          <a:lnRef idx="2">
+            <a:schemeClr val="accent1">
+              <a:shade val="50000"/>
+            </a:schemeClr>
+          </a:lnRef>
+          <a:fillRef idx="1">
+            <a:schemeClr val="accent1"/>
+          </a:fillRef>
+          <a:effectRef idx="0">
+            <a:schemeClr val="accent1"/>
+          </a:effectRef>
+          <a:fontRef idx="minor">
+            <a:schemeClr val="lt1"/>
+          </a:fontRef>
+        </p:style>
+        <p:txBody>
+          <a:bodyPr rtlCol="0" anchor="ctr"/>
+          <a:lstStyle/>
+          <a:p>
+            <a:pPr algn="ctr"/>
+            <a:endParaRPr lang="en-US"/>
+          </a:p>
+        </p:txBody>
+      </p:sp>
+      <p:pic>
+        <p:nvPicPr>
+          <p:cNvPr id="13" name="Picture 12">
+            <a:extLst>
+              <a:ext uri="{FF2B5EF4-FFF2-40B4-BE49-F238E27FC236}">
+                <a16:creationId xmlns:a16="http://schemas.microsoft.com/office/drawing/2014/main" id="{10A9A98A-49FB-4597-B05A-6A605C7F58BD}"/>
+              </a:ext>
+            </a:extLst>
+          </p:cNvPr>
+          <p:cNvPicPr>
+            <a:picLocks noChangeAspect="1"/>
+          </p:cNvPicPr>
+          <p:nvPr/>
+        </p:nvPicPr>
+        <p:blipFill>
+          <a:blip r:embed="rId3"/>
+          <a:stretch>
+            <a:fillRect/>
+          </a:stretch>
+        </p:blipFill>
+        <p:spPr>
+          <a:xfrm>
+            <a:off x="5892569" y="2875613"/>
+            <a:ext cx="496326" cy="1026795"/>
+          </a:xfrm>
+          <a:prstGeom prst="rect">
+            <a:avLst/>
+          </a:prstGeom>
+        </p:spPr>
+      </p:pic>
+    </p:spTree>
+    <p:extLst>
+      <p:ext uri="{BB962C8B-B14F-4D97-AF65-F5344CB8AC3E}">
+        <p14:creationId xmlns:p14="http://schemas.microsoft.com/office/powerpoint/2010/main" val="2240092716"/>
+      </p:ext>
+    </p:extLst>
+  </p:cSld>
+  <p:clrMapOvr>
+    <a:masterClrMapping/>
+  </p:clrMapOvr>
+</p:sld>
+</file>
+
+<file path=ppt/slides/slide3.xml><?xml version="1.0" encoding="utf-8"?>
+<p:sld xmlns:a="http://schemas.openxmlformats.org/drawingml/2006/main" xmlns:r="http://schemas.openxmlformats.org/officeDocument/2006/relationships" xmlns:p="http://schemas.openxmlformats.org/presentationml/2006/main">
+  <p:cSld>
+    <p:spTree>
+      <p:nvGrpSpPr>
+        <p:cNvPr id="1" name=""/>
+        <p:cNvGrpSpPr/>
+        <p:nvPr/>
+      </p:nvGrpSpPr>
+      <p:grpSpPr>
+        <a:xfrm>
+          <a:off x="0" y="0"/>
+          <a:ext cx="0" cy="0"/>
+          <a:chOff x="0" y="0"/>
+          <a:chExt cx="0" cy="0"/>
+        </a:xfrm>
+      </p:grpSpPr>
+      <p:pic>
+        <p:nvPicPr>
+          <p:cNvPr id="5" name="Picture 4">
+            <a:extLst>
+              <a:ext uri="{FF2B5EF4-FFF2-40B4-BE49-F238E27FC236}">
+                <a16:creationId xmlns:a16="http://schemas.microsoft.com/office/drawing/2014/main" id="{5BCCA54C-9774-4F60-B005-29CBF3E4B123}"/>
+              </a:ext>
+            </a:extLst>
+          </p:cNvPr>
+          <p:cNvPicPr>
+            <a:picLocks noChangeAspect="1"/>
+          </p:cNvPicPr>
+          <p:nvPr/>
+        </p:nvPicPr>
+        <p:blipFill>
+          <a:blip r:embed="rId2"/>
+          <a:stretch>
+            <a:fillRect/>
+          </a:stretch>
+        </p:blipFill>
+        <p:spPr>
+          <a:xfrm>
+            <a:off x="767927" y="940260"/>
+            <a:ext cx="4293136" cy="3286864"/>
+          </a:xfrm>
+          <a:prstGeom prst="rect">
+            <a:avLst/>
+          </a:prstGeom>
+          <a:ln>
+            <a:solidFill>
+              <a:schemeClr val="bg1"/>
+            </a:solidFill>
+          </a:ln>
+        </p:spPr>
+      </p:pic>
+      <p:pic>
+        <p:nvPicPr>
+          <p:cNvPr id="7" name="Picture 6">
+            <a:extLst>
+              <a:ext uri="{FF2B5EF4-FFF2-40B4-BE49-F238E27FC236}">
+                <a16:creationId xmlns:a16="http://schemas.microsoft.com/office/drawing/2014/main" id="{AA45A09B-EF98-499F-9350-8A2B6EA741FA}"/>
+              </a:ext>
+            </a:extLst>
+          </p:cNvPr>
+          <p:cNvPicPr>
+            <a:picLocks noChangeAspect="1"/>
+          </p:cNvPicPr>
+          <p:nvPr/>
+        </p:nvPicPr>
+        <p:blipFill>
+          <a:blip r:embed="rId3"/>
+          <a:stretch>
+            <a:fillRect/>
+          </a:stretch>
+        </p:blipFill>
+        <p:spPr>
+          <a:xfrm>
+            <a:off x="5069511" y="940260"/>
+            <a:ext cx="4818987" cy="3286864"/>
+          </a:xfrm>
+          <a:prstGeom prst="rect">
+            <a:avLst/>
+          </a:prstGeom>
+          <a:ln>
+            <a:solidFill>
+              <a:schemeClr val="bg1"/>
+            </a:solidFill>
+          </a:ln>
+        </p:spPr>
+      </p:pic>
+      <p:sp>
+        <p:nvSpPr>
+          <p:cNvPr id="11" name="Rectangle 10">
+            <a:extLst>
+              <a:ext uri="{FF2B5EF4-FFF2-40B4-BE49-F238E27FC236}">
+                <a16:creationId xmlns:a16="http://schemas.microsoft.com/office/drawing/2014/main" id="{0E7116A1-6DB8-4254-A696-213D429A3BDE}"/>
+              </a:ext>
+            </a:extLst>
+          </p:cNvPr>
+          <p:cNvSpPr/>
+          <p:nvPr/>
+        </p:nvSpPr>
+        <p:spPr>
+          <a:xfrm>
+            <a:off x="2026416" y="2513842"/>
+            <a:ext cx="2119313" cy="152400"/>
+          </a:xfrm>
+          <a:prstGeom prst="rect">
+            <a:avLst/>
+          </a:prstGeom>
+          <a:solidFill>
+            <a:schemeClr val="bg1"/>
+          </a:solidFill>
+          <a:ln>
+            <a:solidFill>
+              <a:schemeClr val="bg1"/>
+            </a:solidFill>
+          </a:ln>
+        </p:spPr>
+        <p:style>
+          <a:lnRef idx="2">
+            <a:schemeClr val="accent1">
+              <a:shade val="50000"/>
+            </a:schemeClr>
+          </a:lnRef>
+          <a:fillRef idx="1">
+            <a:schemeClr val="accent1"/>
+          </a:fillRef>
+          <a:effectRef idx="0">
+            <a:schemeClr val="accent1"/>
+          </a:effectRef>
+          <a:fontRef idx="minor">
+            <a:schemeClr val="lt1"/>
+          </a:fontRef>
+        </p:style>
+        <p:txBody>
+          <a:bodyPr rtlCol="0" anchor="ctr"/>
+          <a:lstStyle/>
+          <a:p>
+            <a:pPr algn="ctr"/>
+            <a:r>
+              <a:rPr lang="pt-BR" sz="1100" b="1" dirty="0">
+                <a:solidFill>
+                  <a:schemeClr val="tx1"/>
+                </a:solidFill>
+              </a:rPr>
+              <a:t>Sinal B – Domínio do Tempo</a:t>
+            </a:r>
+            <a:endParaRPr lang="en-US" sz="1100" b="1" dirty="0">
+              <a:solidFill>
+                <a:schemeClr val="tx1"/>
+              </a:solidFill>
+            </a:endParaRPr>
+          </a:p>
+        </p:txBody>
+      </p:sp>
+      <p:sp>
+        <p:nvSpPr>
+          <p:cNvPr id="12" name="Rectangle 11">
+            <a:extLst>
+              <a:ext uri="{FF2B5EF4-FFF2-40B4-BE49-F238E27FC236}">
+                <a16:creationId xmlns:a16="http://schemas.microsoft.com/office/drawing/2014/main" id="{14742610-C56A-4B37-8B6F-5ADA11197579}"/>
+              </a:ext>
+            </a:extLst>
+          </p:cNvPr>
+          <p:cNvSpPr/>
+          <p:nvPr/>
+        </p:nvSpPr>
+        <p:spPr>
+          <a:xfrm>
+            <a:off x="2015870" y="1003762"/>
+            <a:ext cx="2119313" cy="152400"/>
+          </a:xfrm>
+          <a:prstGeom prst="rect">
+            <a:avLst/>
+          </a:prstGeom>
+          <a:solidFill>
+            <a:schemeClr val="bg1"/>
+          </a:solidFill>
+          <a:ln>
+            <a:solidFill>
+              <a:schemeClr val="bg1"/>
+            </a:solidFill>
+          </a:ln>
+        </p:spPr>
+        <p:style>
+          <a:lnRef idx="2">
+            <a:schemeClr val="accent1">
+              <a:shade val="50000"/>
+            </a:schemeClr>
+          </a:lnRef>
+          <a:fillRef idx="1">
+            <a:schemeClr val="accent1"/>
+          </a:fillRef>
+          <a:effectRef idx="0">
+            <a:schemeClr val="accent1"/>
+          </a:effectRef>
+          <a:fontRef idx="minor">
+            <a:schemeClr val="lt1"/>
+          </a:fontRef>
+        </p:style>
+        <p:txBody>
+          <a:bodyPr rtlCol="0" anchor="ctr"/>
+          <a:lstStyle/>
+          <a:p>
+            <a:pPr algn="ctr"/>
+            <a:r>
+              <a:rPr lang="pt-BR" sz="1100" b="1" dirty="0">
+                <a:solidFill>
+                  <a:schemeClr val="tx1"/>
+                </a:solidFill>
+              </a:rPr>
+              <a:t>Sinal A – Domínio do Tempo</a:t>
+            </a:r>
+            <a:endParaRPr lang="en-US" sz="1100" b="1" dirty="0">
+              <a:solidFill>
+                <a:schemeClr val="tx1"/>
+              </a:solidFill>
+            </a:endParaRPr>
+          </a:p>
+        </p:txBody>
+      </p:sp>
+      <p:sp>
+        <p:nvSpPr>
+          <p:cNvPr id="13" name="Rectangle 12">
+            <a:extLst>
+              <a:ext uri="{FF2B5EF4-FFF2-40B4-BE49-F238E27FC236}">
+                <a16:creationId xmlns:a16="http://schemas.microsoft.com/office/drawing/2014/main" id="{32D1CD34-359B-4F49-8F17-2D037853B459}"/>
+              </a:ext>
+            </a:extLst>
+          </p:cNvPr>
+          <p:cNvSpPr/>
+          <p:nvPr/>
+        </p:nvSpPr>
+        <p:spPr>
+          <a:xfrm>
+            <a:off x="6187402" y="2507492"/>
+            <a:ext cx="2119313" cy="152400"/>
+          </a:xfrm>
+          <a:prstGeom prst="rect">
+            <a:avLst/>
+          </a:prstGeom>
+          <a:solidFill>
+            <a:schemeClr val="bg1"/>
+          </a:solidFill>
+          <a:ln>
+            <a:solidFill>
+              <a:schemeClr val="bg1"/>
+            </a:solidFill>
+          </a:ln>
+        </p:spPr>
+        <p:style>
+          <a:lnRef idx="2">
+            <a:schemeClr val="accent1">
+              <a:shade val="50000"/>
+            </a:schemeClr>
+          </a:lnRef>
+          <a:fillRef idx="1">
+            <a:schemeClr val="accent1"/>
+          </a:fillRef>
+          <a:effectRef idx="0">
+            <a:schemeClr val="accent1"/>
+          </a:effectRef>
+          <a:fontRef idx="minor">
+            <a:schemeClr val="lt1"/>
+          </a:fontRef>
+        </p:style>
+        <p:txBody>
+          <a:bodyPr rtlCol="0" anchor="ctr"/>
+          <a:lstStyle/>
+          <a:p>
+            <a:pPr algn="ctr"/>
+            <a:r>
+              <a:rPr lang="pt-BR" sz="1100" b="1" dirty="0">
+                <a:solidFill>
+                  <a:schemeClr val="tx1"/>
+                </a:solidFill>
+              </a:rPr>
+              <a:t>Sinal B – Domínio da Frequência</a:t>
+            </a:r>
+            <a:endParaRPr lang="en-US" sz="1100" b="1" dirty="0">
+              <a:solidFill>
+                <a:schemeClr val="tx1"/>
+              </a:solidFill>
+            </a:endParaRPr>
+          </a:p>
+        </p:txBody>
+      </p:sp>
+      <p:sp>
+        <p:nvSpPr>
+          <p:cNvPr id="14" name="Rectangle 13">
+            <a:extLst>
+              <a:ext uri="{FF2B5EF4-FFF2-40B4-BE49-F238E27FC236}">
+                <a16:creationId xmlns:a16="http://schemas.microsoft.com/office/drawing/2014/main" id="{F8C7E6C4-D28A-4895-9BD8-2FDE13743CE1}"/>
+              </a:ext>
+            </a:extLst>
+          </p:cNvPr>
+          <p:cNvSpPr/>
+          <p:nvPr/>
+        </p:nvSpPr>
+        <p:spPr>
+          <a:xfrm>
+            <a:off x="6248584" y="1013288"/>
+            <a:ext cx="2119313" cy="152400"/>
+          </a:xfrm>
+          <a:prstGeom prst="rect">
+            <a:avLst/>
+          </a:prstGeom>
+          <a:solidFill>
+            <a:schemeClr val="bg1"/>
+          </a:solidFill>
+          <a:ln>
+            <a:solidFill>
+              <a:schemeClr val="bg1"/>
+            </a:solidFill>
+          </a:ln>
+        </p:spPr>
+        <p:style>
+          <a:lnRef idx="2">
+            <a:schemeClr val="accent1">
+              <a:shade val="50000"/>
+            </a:schemeClr>
+          </a:lnRef>
+          <a:fillRef idx="1">
+            <a:schemeClr val="accent1"/>
+          </a:fillRef>
+          <a:effectRef idx="0">
+            <a:schemeClr val="accent1"/>
+          </a:effectRef>
+          <a:fontRef idx="minor">
+            <a:schemeClr val="lt1"/>
+          </a:fontRef>
+        </p:style>
+        <p:txBody>
+          <a:bodyPr rtlCol="0" anchor="ctr"/>
+          <a:lstStyle/>
+          <a:p>
+            <a:pPr algn="ctr"/>
+            <a:r>
+              <a:rPr lang="pt-BR" sz="1100" b="1" dirty="0">
+                <a:solidFill>
+                  <a:schemeClr val="tx1"/>
+                </a:solidFill>
+              </a:rPr>
+              <a:t>Sinal A – Domínio da Frequência</a:t>
+            </a:r>
+            <a:endParaRPr lang="en-US" sz="1100" b="1" dirty="0">
+              <a:solidFill>
+                <a:schemeClr val="tx1"/>
+              </a:solidFill>
+            </a:endParaRPr>
+          </a:p>
+        </p:txBody>
+      </p:sp>
+      <p:sp>
+        <p:nvSpPr>
+          <p:cNvPr id="15" name="Rectangle 14">
+            <a:extLst>
+              <a:ext uri="{FF2B5EF4-FFF2-40B4-BE49-F238E27FC236}">
+                <a16:creationId xmlns:a16="http://schemas.microsoft.com/office/drawing/2014/main" id="{FB20E633-4275-49AC-9290-9AC410614D80}"/>
+              </a:ext>
+            </a:extLst>
+          </p:cNvPr>
+          <p:cNvSpPr/>
+          <p:nvPr/>
+        </p:nvSpPr>
+        <p:spPr>
+          <a:xfrm>
+            <a:off x="2026416" y="4034650"/>
+            <a:ext cx="2119313" cy="152400"/>
+          </a:xfrm>
+          <a:prstGeom prst="rect">
+            <a:avLst/>
+          </a:prstGeom>
+          <a:solidFill>
+            <a:schemeClr val="bg1"/>
+          </a:solidFill>
+          <a:ln>
+            <a:solidFill>
+              <a:schemeClr val="bg1"/>
+            </a:solidFill>
+          </a:ln>
+        </p:spPr>
+        <p:style>
+          <a:lnRef idx="2">
+            <a:schemeClr val="accent1">
+              <a:shade val="50000"/>
+            </a:schemeClr>
+          </a:lnRef>
+          <a:fillRef idx="1">
+            <a:schemeClr val="accent1"/>
+          </a:fillRef>
+          <a:effectRef idx="0">
+            <a:schemeClr val="accent1"/>
+          </a:effectRef>
+          <a:fontRef idx="minor">
+            <a:schemeClr val="lt1"/>
+          </a:fontRef>
+        </p:style>
+        <p:txBody>
+          <a:bodyPr rtlCol="0" anchor="ctr"/>
+          <a:lstStyle/>
+          <a:p>
+            <a:pPr algn="ctr"/>
+            <a:r>
+              <a:rPr lang="pt-BR" sz="1100" dirty="0">
+                <a:solidFill>
+                  <a:schemeClr val="tx1"/>
+                </a:solidFill>
+              </a:rPr>
+              <a:t>Tempo [s]</a:t>
+            </a:r>
+            <a:endParaRPr lang="en-US" sz="1100" dirty="0">
+              <a:solidFill>
+                <a:schemeClr val="tx1"/>
+              </a:solidFill>
+            </a:endParaRPr>
+          </a:p>
+        </p:txBody>
+      </p:sp>
+      <p:sp>
+        <p:nvSpPr>
+          <p:cNvPr id="16" name="Rectangle 15">
+            <a:extLst>
+              <a:ext uri="{FF2B5EF4-FFF2-40B4-BE49-F238E27FC236}">
+                <a16:creationId xmlns:a16="http://schemas.microsoft.com/office/drawing/2014/main" id="{D6E57909-2958-4DA6-9DAA-BA13E2041DDC}"/>
+              </a:ext>
+            </a:extLst>
+          </p:cNvPr>
+          <p:cNvSpPr/>
+          <p:nvPr/>
+        </p:nvSpPr>
+        <p:spPr>
+          <a:xfrm>
+            <a:off x="6259130" y="4001696"/>
+            <a:ext cx="2119313" cy="152400"/>
+          </a:xfrm>
+          <a:prstGeom prst="rect">
+            <a:avLst/>
+          </a:prstGeom>
+          <a:solidFill>
+            <a:schemeClr val="bg1"/>
+          </a:solidFill>
+          <a:ln>
+            <a:solidFill>
+              <a:schemeClr val="bg1"/>
+            </a:solidFill>
+          </a:ln>
+        </p:spPr>
+        <p:style>
+          <a:lnRef idx="2">
+            <a:schemeClr val="accent1">
+              <a:shade val="50000"/>
+            </a:schemeClr>
+          </a:lnRef>
+          <a:fillRef idx="1">
+            <a:schemeClr val="accent1"/>
+          </a:fillRef>
+          <a:effectRef idx="0">
+            <a:schemeClr val="accent1"/>
+          </a:effectRef>
+          <a:fontRef idx="minor">
+            <a:schemeClr val="lt1"/>
+          </a:fontRef>
+        </p:style>
+        <p:txBody>
+          <a:bodyPr rtlCol="0" anchor="ctr"/>
+          <a:lstStyle/>
+          <a:p>
+            <a:pPr algn="ctr"/>
+            <a:r>
+              <a:rPr lang="pt-BR" sz="1100" dirty="0">
+                <a:solidFill>
+                  <a:schemeClr val="tx1"/>
+                </a:solidFill>
+              </a:rPr>
+              <a:t>Tempo [s]</a:t>
+            </a:r>
+            <a:endParaRPr lang="en-US" sz="1100" dirty="0">
+              <a:solidFill>
+                <a:schemeClr val="tx1"/>
+              </a:solidFill>
+            </a:endParaRPr>
+          </a:p>
+        </p:txBody>
+      </p:sp>
+      <p:sp>
+        <p:nvSpPr>
+          <p:cNvPr id="17" name="Rectangle 16">
+            <a:extLst>
+              <a:ext uri="{FF2B5EF4-FFF2-40B4-BE49-F238E27FC236}">
+                <a16:creationId xmlns:a16="http://schemas.microsoft.com/office/drawing/2014/main" id="{C62AE94D-E753-4F5D-A9DC-83C84226583F}"/>
+              </a:ext>
+            </a:extLst>
+          </p:cNvPr>
+          <p:cNvSpPr/>
+          <p:nvPr/>
+        </p:nvSpPr>
+        <p:spPr>
+          <a:xfrm rot="16200000">
+            <a:off x="-122423" y="3211690"/>
+            <a:ext cx="2119313" cy="152400"/>
+          </a:xfrm>
+          <a:prstGeom prst="rect">
+            <a:avLst/>
+          </a:prstGeom>
+          <a:solidFill>
+            <a:schemeClr val="bg1"/>
+          </a:solidFill>
+          <a:ln>
+            <a:solidFill>
+              <a:schemeClr val="bg1"/>
+            </a:solidFill>
+          </a:ln>
+        </p:spPr>
+        <p:style>
+          <a:lnRef idx="2">
+            <a:schemeClr val="accent1">
+              <a:shade val="50000"/>
+            </a:schemeClr>
+          </a:lnRef>
+          <a:fillRef idx="1">
+            <a:schemeClr val="accent1"/>
+          </a:fillRef>
+          <a:effectRef idx="0">
+            <a:schemeClr val="accent1"/>
+          </a:effectRef>
+          <a:fontRef idx="minor">
+            <a:schemeClr val="lt1"/>
+          </a:fontRef>
+        </p:style>
+        <p:txBody>
+          <a:bodyPr rtlCol="0" anchor="ctr"/>
+          <a:lstStyle/>
+          <a:p>
+            <a:pPr algn="ctr"/>
+            <a:r>
+              <a:rPr lang="pt-BR" sz="1100" dirty="0">
+                <a:solidFill>
+                  <a:schemeClr val="tx1"/>
+                </a:solidFill>
+              </a:rPr>
+              <a:t>Amplitude [-]</a:t>
+            </a:r>
+            <a:endParaRPr lang="en-US" sz="1100" dirty="0">
+              <a:solidFill>
+                <a:schemeClr val="tx1"/>
+              </a:solidFill>
+            </a:endParaRPr>
+          </a:p>
+        </p:txBody>
+      </p:sp>
+      <p:sp>
+        <p:nvSpPr>
+          <p:cNvPr id="18" name="Rectangle 17">
+            <a:extLst>
+              <a:ext uri="{FF2B5EF4-FFF2-40B4-BE49-F238E27FC236}">
+                <a16:creationId xmlns:a16="http://schemas.microsoft.com/office/drawing/2014/main" id="{5322D51A-DBD7-4F54-BD51-75198760D1CF}"/>
+              </a:ext>
+            </a:extLst>
+          </p:cNvPr>
+          <p:cNvSpPr/>
+          <p:nvPr/>
+        </p:nvSpPr>
+        <p:spPr>
+          <a:xfrm rot="16200000">
+            <a:off x="-123256" y="1702930"/>
+            <a:ext cx="2119313" cy="152400"/>
+          </a:xfrm>
+          <a:prstGeom prst="rect">
+            <a:avLst/>
+          </a:prstGeom>
+          <a:solidFill>
+            <a:schemeClr val="bg1"/>
+          </a:solidFill>
+          <a:ln>
+            <a:solidFill>
+              <a:schemeClr val="bg1"/>
+            </a:solidFill>
+          </a:ln>
+        </p:spPr>
+        <p:style>
+          <a:lnRef idx="2">
+            <a:schemeClr val="accent1">
+              <a:shade val="50000"/>
+            </a:schemeClr>
+          </a:lnRef>
+          <a:fillRef idx="1">
+            <a:schemeClr val="accent1"/>
+          </a:fillRef>
+          <a:effectRef idx="0">
+            <a:schemeClr val="accent1"/>
+          </a:effectRef>
+          <a:fontRef idx="minor">
+            <a:schemeClr val="lt1"/>
+          </a:fontRef>
+        </p:style>
+        <p:txBody>
+          <a:bodyPr rtlCol="0" anchor="ctr"/>
+          <a:lstStyle/>
+          <a:p>
+            <a:pPr algn="ctr"/>
+            <a:r>
+              <a:rPr lang="pt-BR" sz="1100" dirty="0">
+                <a:solidFill>
+                  <a:schemeClr val="tx1"/>
+                </a:solidFill>
+              </a:rPr>
+              <a:t>Amplitude [-]</a:t>
+            </a:r>
+            <a:endParaRPr lang="en-US" sz="1100" dirty="0">
+              <a:solidFill>
+                <a:schemeClr val="tx1"/>
+              </a:solidFill>
+            </a:endParaRPr>
+          </a:p>
+        </p:txBody>
+      </p:sp>
+      <p:sp>
+        <p:nvSpPr>
+          <p:cNvPr id="19" name="Rectangle 18">
+            <a:extLst>
+              <a:ext uri="{FF2B5EF4-FFF2-40B4-BE49-F238E27FC236}">
+                <a16:creationId xmlns:a16="http://schemas.microsoft.com/office/drawing/2014/main" id="{50606F12-5D85-4BA2-8F56-753E9AA6D9A2}"/>
+              </a:ext>
+            </a:extLst>
+          </p:cNvPr>
+          <p:cNvSpPr/>
+          <p:nvPr/>
+        </p:nvSpPr>
+        <p:spPr>
+          <a:xfrm rot="5400000">
+            <a:off x="8267046" y="3143111"/>
+            <a:ext cx="2119313" cy="152400"/>
+          </a:xfrm>
+          <a:prstGeom prst="rect">
+            <a:avLst/>
+          </a:prstGeom>
+          <a:solidFill>
+            <a:schemeClr val="bg1"/>
+          </a:solidFill>
+          <a:ln>
+            <a:solidFill>
+              <a:schemeClr val="bg1"/>
+            </a:solidFill>
+          </a:ln>
+        </p:spPr>
+        <p:style>
+          <a:lnRef idx="2">
+            <a:schemeClr val="accent1">
+              <a:shade val="50000"/>
+            </a:schemeClr>
+          </a:lnRef>
+          <a:fillRef idx="1">
+            <a:schemeClr val="accent1"/>
+          </a:fillRef>
+          <a:effectRef idx="0">
+            <a:schemeClr val="accent1"/>
+          </a:effectRef>
+          <a:fontRef idx="minor">
+            <a:schemeClr val="lt1"/>
+          </a:fontRef>
+        </p:style>
+        <p:txBody>
+          <a:bodyPr rtlCol="0" anchor="ctr"/>
+          <a:lstStyle/>
+          <a:p>
+            <a:pPr algn="ctr"/>
+            <a:r>
+              <a:rPr lang="pt-BR" sz="1100" dirty="0">
+                <a:solidFill>
+                  <a:schemeClr val="tx1"/>
+                </a:solidFill>
+              </a:rPr>
+              <a:t>Amplitude [-]</a:t>
+            </a:r>
+            <a:endParaRPr lang="en-US" sz="1100" dirty="0">
+              <a:solidFill>
+                <a:schemeClr val="tx1"/>
+              </a:solidFill>
+            </a:endParaRPr>
+          </a:p>
+        </p:txBody>
+      </p:sp>
+      <p:sp>
+        <p:nvSpPr>
+          <p:cNvPr id="20" name="Rectangle 19">
+            <a:extLst>
+              <a:ext uri="{FF2B5EF4-FFF2-40B4-BE49-F238E27FC236}">
+                <a16:creationId xmlns:a16="http://schemas.microsoft.com/office/drawing/2014/main" id="{943CF6E9-37F7-4C90-992A-11CC9BE0E398}"/>
+              </a:ext>
+            </a:extLst>
+          </p:cNvPr>
+          <p:cNvSpPr/>
+          <p:nvPr/>
+        </p:nvSpPr>
+        <p:spPr>
+          <a:xfrm rot="5400000">
+            <a:off x="8266213" y="1702931"/>
+            <a:ext cx="2119313" cy="152400"/>
+          </a:xfrm>
+          <a:prstGeom prst="rect">
+            <a:avLst/>
+          </a:prstGeom>
+          <a:solidFill>
+            <a:schemeClr val="bg1"/>
+          </a:solidFill>
+          <a:ln>
+            <a:solidFill>
+              <a:schemeClr val="bg1"/>
+            </a:solidFill>
+          </a:ln>
+        </p:spPr>
+        <p:style>
+          <a:lnRef idx="2">
+            <a:schemeClr val="accent1">
+              <a:shade val="50000"/>
+            </a:schemeClr>
+          </a:lnRef>
+          <a:fillRef idx="1">
+            <a:schemeClr val="accent1"/>
+          </a:fillRef>
+          <a:effectRef idx="0">
+            <a:schemeClr val="accent1"/>
+          </a:effectRef>
+          <a:fontRef idx="minor">
+            <a:schemeClr val="lt1"/>
+          </a:fontRef>
+        </p:style>
+        <p:txBody>
+          <a:bodyPr rtlCol="0" anchor="ctr"/>
+          <a:lstStyle/>
+          <a:p>
+            <a:pPr algn="ctr"/>
+            <a:r>
+              <a:rPr lang="pt-BR" sz="1100" dirty="0">
+                <a:solidFill>
+                  <a:schemeClr val="tx1"/>
+                </a:solidFill>
+              </a:rPr>
+              <a:t>Amplitude [-]</a:t>
+            </a:r>
+            <a:endParaRPr lang="en-US" sz="1100" dirty="0">
+              <a:solidFill>
+                <a:schemeClr val="tx1"/>
+              </a:solidFill>
+            </a:endParaRPr>
+          </a:p>
+        </p:txBody>
+      </p:sp>
+      <p:sp>
+        <p:nvSpPr>
+          <p:cNvPr id="21" name="Rectangle 20">
+            <a:extLst>
+              <a:ext uri="{FF2B5EF4-FFF2-40B4-BE49-F238E27FC236}">
+                <a16:creationId xmlns:a16="http://schemas.microsoft.com/office/drawing/2014/main" id="{76B0DAFC-A2F7-480C-8739-F4EF4E9C5C8E}"/>
+              </a:ext>
+            </a:extLst>
+          </p:cNvPr>
+          <p:cNvSpPr/>
+          <p:nvPr/>
+        </p:nvSpPr>
+        <p:spPr>
+          <a:xfrm rot="16200000">
+            <a:off x="4278543" y="3163020"/>
+            <a:ext cx="2119313" cy="152400"/>
+          </a:xfrm>
+          <a:prstGeom prst="rect">
+            <a:avLst/>
+          </a:prstGeom>
+          <a:solidFill>
+            <a:schemeClr val="bg1"/>
+          </a:solidFill>
+          <a:ln>
+            <a:solidFill>
+              <a:schemeClr val="bg1"/>
+            </a:solidFill>
+          </a:ln>
+        </p:spPr>
+        <p:style>
+          <a:lnRef idx="2">
+            <a:schemeClr val="accent1">
+              <a:shade val="50000"/>
+            </a:schemeClr>
+          </a:lnRef>
+          <a:fillRef idx="1">
+            <a:schemeClr val="accent1"/>
+          </a:fillRef>
+          <a:effectRef idx="0">
+            <a:schemeClr val="accent1"/>
+          </a:effectRef>
+          <a:fontRef idx="minor">
+            <a:schemeClr val="lt1"/>
+          </a:fontRef>
+        </p:style>
+        <p:txBody>
+          <a:bodyPr rtlCol="0" anchor="ctr"/>
+          <a:lstStyle/>
+          <a:p>
+            <a:pPr algn="ctr"/>
+            <a:r>
+              <a:rPr lang="pt-BR" sz="1100" dirty="0">
+                <a:solidFill>
+                  <a:schemeClr val="tx1"/>
+                </a:solidFill>
+              </a:rPr>
+              <a:t>Frequência [Hz]</a:t>
+            </a:r>
+            <a:endParaRPr lang="en-US" sz="1100" dirty="0">
+              <a:solidFill>
+                <a:schemeClr val="tx1"/>
+              </a:solidFill>
+            </a:endParaRPr>
+          </a:p>
+        </p:txBody>
+      </p:sp>
+      <p:sp>
+        <p:nvSpPr>
+          <p:cNvPr id="22" name="Rectangle 21">
+            <a:extLst>
+              <a:ext uri="{FF2B5EF4-FFF2-40B4-BE49-F238E27FC236}">
+                <a16:creationId xmlns:a16="http://schemas.microsoft.com/office/drawing/2014/main" id="{B131058C-F541-4BCB-A50E-77FD3A7EC119}"/>
+              </a:ext>
+            </a:extLst>
+          </p:cNvPr>
+          <p:cNvSpPr/>
+          <p:nvPr/>
+        </p:nvSpPr>
+        <p:spPr>
+          <a:xfrm rot="16200000">
+            <a:off x="4277710" y="1654260"/>
+            <a:ext cx="2119313" cy="152400"/>
+          </a:xfrm>
+          <a:prstGeom prst="rect">
+            <a:avLst/>
+          </a:prstGeom>
+          <a:solidFill>
+            <a:schemeClr val="bg1"/>
+          </a:solidFill>
+          <a:ln>
+            <a:solidFill>
+              <a:schemeClr val="bg1"/>
+            </a:solidFill>
+          </a:ln>
+        </p:spPr>
+        <p:style>
+          <a:lnRef idx="2">
+            <a:schemeClr val="accent1">
+              <a:shade val="50000"/>
+            </a:schemeClr>
+          </a:lnRef>
+          <a:fillRef idx="1">
+            <a:schemeClr val="accent1"/>
+          </a:fillRef>
+          <a:effectRef idx="0">
+            <a:schemeClr val="accent1"/>
+          </a:effectRef>
+          <a:fontRef idx="minor">
+            <a:schemeClr val="lt1"/>
+          </a:fontRef>
+        </p:style>
+        <p:txBody>
+          <a:bodyPr rtlCol="0" anchor="ctr"/>
+          <a:lstStyle/>
+          <a:p>
+            <a:pPr algn="ctr"/>
+            <a:r>
+              <a:rPr lang="pt-BR" sz="1100" dirty="0">
+                <a:solidFill>
+                  <a:schemeClr val="tx1"/>
+                </a:solidFill>
+              </a:rPr>
+              <a:t>Frequência [Hz]</a:t>
+            </a:r>
+            <a:endParaRPr lang="en-US" sz="1100" dirty="0">
+              <a:solidFill>
+                <a:schemeClr val="tx1"/>
+              </a:solidFill>
+            </a:endParaRPr>
+          </a:p>
+        </p:txBody>
+      </p:sp>
+      <p:cxnSp>
+        <p:nvCxnSpPr>
+          <p:cNvPr id="24" name="Straight Arrow Connector 23">
+            <a:extLst>
+              <a:ext uri="{FF2B5EF4-FFF2-40B4-BE49-F238E27FC236}">
+                <a16:creationId xmlns:a16="http://schemas.microsoft.com/office/drawing/2014/main" id="{4E0A5D26-13E7-483A-8D4B-F7A5F02F1716}"/>
+              </a:ext>
+            </a:extLst>
+          </p:cNvPr>
+          <p:cNvCxnSpPr/>
+          <p:nvPr/>
+        </p:nvCxnSpPr>
+        <p:spPr>
+          <a:xfrm>
+            <a:off x="4873304" y="1753438"/>
+            <a:ext cx="293303" cy="0"/>
+          </a:xfrm>
+          <a:prstGeom prst="straightConnector1">
+            <a:avLst/>
+          </a:prstGeom>
+          <a:ln>
+            <a:tailEnd type="triangle"/>
+          </a:ln>
+        </p:spPr>
+        <p:style>
+          <a:lnRef idx="1">
+            <a:schemeClr val="accent1"/>
+          </a:lnRef>
+          <a:fillRef idx="0">
+            <a:schemeClr val="accent1"/>
+          </a:fillRef>
+          <a:effectRef idx="0">
+            <a:schemeClr val="accent1"/>
+          </a:effectRef>
+          <a:fontRef idx="minor">
+            <a:schemeClr val="tx1"/>
+          </a:fontRef>
+        </p:style>
+      </p:cxnSp>
+      <p:cxnSp>
+        <p:nvCxnSpPr>
+          <p:cNvPr id="25" name="Straight Arrow Connector 24">
+            <a:extLst>
+              <a:ext uri="{FF2B5EF4-FFF2-40B4-BE49-F238E27FC236}">
+                <a16:creationId xmlns:a16="http://schemas.microsoft.com/office/drawing/2014/main" id="{611F1B60-1F4E-44E3-8A3C-93B340ADAA77}"/>
+              </a:ext>
+            </a:extLst>
+          </p:cNvPr>
+          <p:cNvCxnSpPr/>
+          <p:nvPr/>
+        </p:nvCxnSpPr>
+        <p:spPr>
+          <a:xfrm>
+            <a:off x="4873304" y="3285058"/>
+            <a:ext cx="293303" cy="0"/>
+          </a:xfrm>
+          <a:prstGeom prst="straightConnector1">
+            <a:avLst/>
+          </a:prstGeom>
+          <a:ln>
+            <a:tailEnd type="triangle"/>
+          </a:ln>
+        </p:spPr>
+        <p:style>
+          <a:lnRef idx="1">
+            <a:schemeClr val="accent1"/>
+          </a:lnRef>
+          <a:fillRef idx="0">
+            <a:schemeClr val="accent1"/>
+          </a:fillRef>
+          <a:effectRef idx="0">
+            <a:schemeClr val="accent1"/>
+          </a:effectRef>
+          <a:fontRef idx="minor">
+            <a:schemeClr val="tx1"/>
+          </a:fontRef>
+        </p:style>
+      </p:cxnSp>
+    </p:spTree>
+    <p:extLst>
+      <p:ext uri="{BB962C8B-B14F-4D97-AF65-F5344CB8AC3E}">
+        <p14:creationId xmlns:p14="http://schemas.microsoft.com/office/powerpoint/2010/main" val="924539594"/>
+      </p:ext>
+    </p:extLst>
+  </p:cSld>
+  <p:clrMapOvr>
+    <a:masterClrMapping/>
+  </p:clrMapOvr>
+</p:sld>
+</file>
+
+<file path=ppt/slides/slide4.xml><?xml version="1.0" encoding="utf-8"?>
+<p:sld xmlns:a="http://schemas.openxmlformats.org/drawingml/2006/main" xmlns:r="http://schemas.openxmlformats.org/officeDocument/2006/relationships" xmlns:p="http://schemas.openxmlformats.org/presentationml/2006/main">
+  <p:cSld>
+    <p:spTree>
+      <p:nvGrpSpPr>
+        <p:cNvPr id="1" name=""/>
+        <p:cNvGrpSpPr/>
+        <p:nvPr/>
+      </p:nvGrpSpPr>
+      <p:grpSpPr>
+        <a:xfrm>
+          <a:off x="0" y="0"/>
+          <a:ext cx="0" cy="0"/>
+          <a:chOff x="0" y="0"/>
+          <a:chExt cx="0" cy="0"/>
+        </a:xfrm>
+      </p:grpSpPr>
+      <p:pic>
+        <p:nvPicPr>
+          <p:cNvPr id="13" name="Picture 12">
+            <a:extLst>
+              <a:ext uri="{FF2B5EF4-FFF2-40B4-BE49-F238E27FC236}">
+                <a16:creationId xmlns:a16="http://schemas.microsoft.com/office/drawing/2014/main" id="{5A0AC368-165C-41A1-919B-06A109971763}"/>
+              </a:ext>
+            </a:extLst>
+          </p:cNvPr>
+          <p:cNvPicPr>
+            <a:picLocks noChangeAspect="1"/>
+          </p:cNvPicPr>
+          <p:nvPr/>
+        </p:nvPicPr>
+        <p:blipFill>
+          <a:blip r:embed="rId2"/>
+          <a:stretch>
+            <a:fillRect/>
+          </a:stretch>
+        </p:blipFill>
+        <p:spPr>
+          <a:xfrm>
+            <a:off x="5661020" y="2123336"/>
+            <a:ext cx="3414087" cy="2278083"/>
+          </a:xfrm>
+          <a:prstGeom prst="rect">
+            <a:avLst/>
+          </a:prstGeom>
+        </p:spPr>
+      </p:pic>
+      <p:pic>
+        <p:nvPicPr>
+          <p:cNvPr id="11" name="Picture 10">
+            <a:extLst>
+              <a:ext uri="{FF2B5EF4-FFF2-40B4-BE49-F238E27FC236}">
+                <a16:creationId xmlns:a16="http://schemas.microsoft.com/office/drawing/2014/main" id="{31F1C291-303B-4583-8A5B-1A8D58DC0738}"/>
+              </a:ext>
+            </a:extLst>
+          </p:cNvPr>
+          <p:cNvPicPr>
+            <a:picLocks noChangeAspect="1"/>
+          </p:cNvPicPr>
+          <p:nvPr/>
+        </p:nvPicPr>
+        <p:blipFill>
+          <a:blip r:embed="rId3"/>
+          <a:stretch>
+            <a:fillRect/>
+          </a:stretch>
+        </p:blipFill>
+        <p:spPr>
+          <a:xfrm>
+            <a:off x="2615331" y="2162861"/>
+            <a:ext cx="3313029" cy="2210651"/>
+          </a:xfrm>
+          <a:prstGeom prst="rect">
+            <a:avLst/>
+          </a:prstGeom>
+        </p:spPr>
+      </p:pic>
+      <p:sp>
+        <p:nvSpPr>
+          <p:cNvPr id="7" name="TextBox 6">
+            <a:extLst>
+              <a:ext uri="{FF2B5EF4-FFF2-40B4-BE49-F238E27FC236}">
+                <a16:creationId xmlns:a16="http://schemas.microsoft.com/office/drawing/2014/main" id="{150F11A6-90C2-48B9-B8CF-BAB28970AFAB}"/>
+              </a:ext>
+            </a:extLst>
+          </p:cNvPr>
+          <p:cNvSpPr txBox="1"/>
+          <p:nvPr/>
+        </p:nvSpPr>
+        <p:spPr>
+          <a:xfrm>
+            <a:off x="7882534" y="2118626"/>
+            <a:ext cx="327334" cy="246221"/>
+          </a:xfrm>
+          <a:prstGeom prst="rect">
+            <a:avLst/>
+          </a:prstGeom>
+          <a:noFill/>
+        </p:spPr>
+        <p:txBody>
+          <a:bodyPr wrap="none" rtlCol="0">
+            <a:spAutoFit/>
+          </a:bodyPr>
+          <a:lstStyle/>
+          <a:p>
+            <a:r>
+              <a:rPr lang="pt-BR" sz="1000" b="1" dirty="0"/>
+              <a:t>(a)</a:t>
+            </a:r>
+            <a:endParaRPr lang="en-US" sz="1000" b="1" dirty="0"/>
+          </a:p>
+        </p:txBody>
+      </p:sp>
+      <p:sp>
+        <p:nvSpPr>
+          <p:cNvPr id="8" name="TextBox 7">
+            <a:extLst>
+              <a:ext uri="{FF2B5EF4-FFF2-40B4-BE49-F238E27FC236}">
+                <a16:creationId xmlns:a16="http://schemas.microsoft.com/office/drawing/2014/main" id="{6058D7FB-6019-46A2-B862-2066F2ACB602}"/>
+              </a:ext>
+            </a:extLst>
+          </p:cNvPr>
+          <p:cNvSpPr txBox="1"/>
+          <p:nvPr/>
+        </p:nvSpPr>
+        <p:spPr>
+          <a:xfrm>
+            <a:off x="4659432" y="2126897"/>
+            <a:ext cx="346570" cy="261610"/>
+          </a:xfrm>
+          <a:prstGeom prst="rect">
+            <a:avLst/>
+          </a:prstGeom>
+          <a:noFill/>
+        </p:spPr>
+        <p:txBody>
+          <a:bodyPr wrap="none" rtlCol="0">
+            <a:spAutoFit/>
+          </a:bodyPr>
+          <a:lstStyle/>
+          <a:p>
+            <a:r>
+              <a:rPr lang="pt-BR" sz="1050" b="1" dirty="0"/>
+              <a:t>(b)</a:t>
+            </a:r>
+            <a:endParaRPr lang="en-US" sz="1050" b="1" dirty="0"/>
+          </a:p>
+        </p:txBody>
+      </p:sp>
+      <p:sp>
+        <p:nvSpPr>
+          <p:cNvPr id="9" name="TextBox 8">
+            <a:extLst>
+              <a:ext uri="{FF2B5EF4-FFF2-40B4-BE49-F238E27FC236}">
+                <a16:creationId xmlns:a16="http://schemas.microsoft.com/office/drawing/2014/main" id="{59B264AD-8DB8-4793-93EB-8FC10C4E45E6}"/>
+              </a:ext>
+            </a:extLst>
+          </p:cNvPr>
+          <p:cNvSpPr txBox="1"/>
+          <p:nvPr/>
+        </p:nvSpPr>
+        <p:spPr>
+          <a:xfrm>
+            <a:off x="8438518" y="3195965"/>
+            <a:ext cx="317716" cy="246221"/>
+          </a:xfrm>
+          <a:prstGeom prst="rect">
+            <a:avLst/>
+          </a:prstGeom>
+          <a:noFill/>
+        </p:spPr>
+        <p:txBody>
+          <a:bodyPr wrap="none" rtlCol="0">
+            <a:spAutoFit/>
+          </a:bodyPr>
+          <a:lstStyle/>
+          <a:p>
+            <a:r>
+              <a:rPr lang="pt-BR" sz="1000" b="1" dirty="0"/>
+              <a:t>(c)</a:t>
+            </a:r>
+            <a:endParaRPr lang="en-US" sz="1000" b="1" dirty="0"/>
+          </a:p>
+        </p:txBody>
+      </p:sp>
+    </p:spTree>
+    <p:extLst>
+      <p:ext uri="{BB962C8B-B14F-4D97-AF65-F5344CB8AC3E}">
+        <p14:creationId xmlns:p14="http://schemas.microsoft.com/office/powerpoint/2010/main" val="4038492926"/>
+      </p:ext>
+    </p:extLst>
+  </p:cSld>
+  <p:clrMapOvr>
+    <a:masterClrMapping/>
+  </p:clrMapOvr>
+</p:sld>
+</file>
+
+<file path=ppt/slides/slide5.xml><?xml version="1.0" encoding="utf-8"?>
+<p:sld xmlns:a="http://schemas.openxmlformats.org/drawingml/2006/main" xmlns:r="http://schemas.openxmlformats.org/officeDocument/2006/relationships" xmlns:p="http://schemas.openxmlformats.org/presentationml/2006/main">
+  <p:cSld>
+    <p:spTree>
+      <p:nvGrpSpPr>
+        <p:cNvPr id="1" name=""/>
+        <p:cNvGrpSpPr/>
+        <p:nvPr/>
+      </p:nvGrpSpPr>
+      <p:grpSpPr>
+        <a:xfrm>
+          <a:off x="0" y="0"/>
+          <a:ext cx="0" cy="0"/>
+          <a:chOff x="0" y="0"/>
+          <a:chExt cx="0" cy="0"/>
+        </a:xfrm>
+      </p:grpSpPr>
+      <p:cxnSp>
+        <p:nvCxnSpPr>
+          <p:cNvPr id="4" name="Straight Arrow Connector 3">
+            <a:extLst>
+              <a:ext uri="{FF2B5EF4-FFF2-40B4-BE49-F238E27FC236}">
+                <a16:creationId xmlns:a16="http://schemas.microsoft.com/office/drawing/2014/main" id="{F3FBDD3B-4F0A-477C-9150-CE933DB324F1}"/>
+              </a:ext>
+            </a:extLst>
+          </p:cNvPr>
+          <p:cNvCxnSpPr>
+            <a:cxnSpLocks/>
+          </p:cNvCxnSpPr>
+          <p:nvPr/>
+        </p:nvCxnSpPr>
+        <p:spPr>
+          <a:xfrm>
+            <a:off x="2019300" y="2246276"/>
+            <a:ext cx="152400" cy="0"/>
+          </a:xfrm>
+          <a:prstGeom prst="straightConnector1">
+            <a:avLst/>
+          </a:prstGeom>
+          <a:ln w="38100">
+            <a:solidFill>
+              <a:schemeClr val="tx1"/>
+            </a:solidFill>
+            <a:tailEnd type="triangle"/>
+          </a:ln>
+        </p:spPr>
+        <p:style>
+          <a:lnRef idx="1">
+            <a:schemeClr val="accent1"/>
+          </a:lnRef>
+          <a:fillRef idx="0">
+            <a:schemeClr val="accent1"/>
+          </a:fillRef>
+          <a:effectRef idx="0">
+            <a:schemeClr val="accent1"/>
+          </a:effectRef>
+          <a:fontRef idx="minor">
+            <a:schemeClr val="tx1"/>
+          </a:fontRef>
+        </p:style>
+      </p:cxnSp>
+      <p:sp>
+        <p:nvSpPr>
+          <p:cNvPr id="5" name="Rectangle 4">
+            <a:extLst>
+              <a:ext uri="{FF2B5EF4-FFF2-40B4-BE49-F238E27FC236}">
+                <a16:creationId xmlns:a16="http://schemas.microsoft.com/office/drawing/2014/main" id="{E01C2F63-1A5C-4D73-A6A0-2A9B2212EA3A}"/>
+              </a:ext>
+            </a:extLst>
+          </p:cNvPr>
+          <p:cNvSpPr/>
+          <p:nvPr/>
+        </p:nvSpPr>
+        <p:spPr>
+          <a:xfrm>
+            <a:off x="2199998" y="1659732"/>
+            <a:ext cx="914400" cy="1192529"/>
+          </a:xfrm>
+          <a:prstGeom prst="rect">
+            <a:avLst/>
+          </a:prstGeom>
+          <a:solidFill>
+            <a:schemeClr val="bg1">
+              <a:lumMod val="50000"/>
+            </a:schemeClr>
+          </a:solidFill>
+          <a:ln>
+            <a:solidFill>
+              <a:schemeClr val="tx1">
+                <a:lumMod val="95000"/>
+                <a:lumOff val="5000"/>
+              </a:schemeClr>
+            </a:solidFill>
+          </a:ln>
+        </p:spPr>
+        <p:style>
+          <a:lnRef idx="2">
+            <a:schemeClr val="accent1">
+              <a:shade val="50000"/>
+            </a:schemeClr>
+          </a:lnRef>
+          <a:fillRef idx="1">
+            <a:schemeClr val="accent1"/>
+          </a:fillRef>
+          <a:effectRef idx="0">
+            <a:schemeClr val="accent1"/>
+          </a:effectRef>
+          <a:fontRef idx="minor">
+            <a:schemeClr val="lt1"/>
+          </a:fontRef>
+        </p:style>
+        <p:txBody>
+          <a:bodyPr rtlCol="0" anchor="ctr"/>
+          <a:lstStyle/>
+          <a:p>
+            <a:pPr algn="ctr"/>
+            <a:r>
+              <a:rPr lang="pt-BR" sz="1050" b="1" dirty="0"/>
+              <a:t>Convolução</a:t>
+            </a:r>
+            <a:br>
+              <a:rPr lang="pt-BR" sz="1400" dirty="0"/>
+            </a:br>
+            <a:r>
+              <a:rPr lang="pt-BR" sz="1000" dirty="0"/>
+              <a:t>80 filtros</a:t>
+            </a:r>
+          </a:p>
+          <a:p>
+            <a:pPr algn="ctr"/>
+            <a:r>
+              <a:rPr lang="pt-BR" sz="1000" dirty="0"/>
+              <a:t>Kernel 3x3</a:t>
+            </a:r>
+          </a:p>
+          <a:p>
+            <a:pPr algn="ctr"/>
+            <a:br>
+              <a:rPr lang="pt-BR" sz="1400" dirty="0"/>
+            </a:br>
+            <a:r>
+              <a:rPr lang="pt-BR" sz="1050" b="1" dirty="0"/>
+              <a:t>MaxPooling</a:t>
+            </a:r>
+            <a:br>
+              <a:rPr lang="pt-BR" sz="1400" b="1" dirty="0"/>
+            </a:br>
+            <a:r>
+              <a:rPr lang="pt-BR" sz="1000" dirty="0"/>
+              <a:t>Kernel 2x2</a:t>
+            </a:r>
+            <a:endParaRPr lang="en-US" sz="1000" dirty="0"/>
+          </a:p>
+        </p:txBody>
+      </p:sp>
+      <p:sp>
+        <p:nvSpPr>
+          <p:cNvPr id="6" name="TextBox 5">
+            <a:extLst>
+              <a:ext uri="{FF2B5EF4-FFF2-40B4-BE49-F238E27FC236}">
+                <a16:creationId xmlns:a16="http://schemas.microsoft.com/office/drawing/2014/main" id="{BDA836F9-B969-4E2B-AB47-C237BF558039}"/>
+              </a:ext>
+            </a:extLst>
+          </p:cNvPr>
+          <p:cNvSpPr txBox="1"/>
+          <p:nvPr/>
+        </p:nvSpPr>
+        <p:spPr>
+          <a:xfrm>
+            <a:off x="1136864" y="2702486"/>
+            <a:ext cx="732445" cy="369332"/>
+          </a:xfrm>
+          <a:prstGeom prst="rect">
+            <a:avLst/>
+          </a:prstGeom>
+          <a:noFill/>
+        </p:spPr>
+        <p:txBody>
+          <a:bodyPr wrap="none" rtlCol="0">
+            <a:spAutoFit/>
+          </a:bodyPr>
+          <a:lstStyle/>
+          <a:p>
+            <a:r>
+              <a:rPr lang="pt-BR" b="1" i="1" dirty="0">
+                <a:solidFill>
+                  <a:schemeClr val="accent1"/>
+                </a:solidFill>
+              </a:rPr>
+              <a:t>MFCC</a:t>
+            </a:r>
+            <a:endParaRPr lang="en-US" b="1" i="1" dirty="0">
+              <a:solidFill>
+                <a:schemeClr val="accent1"/>
+              </a:solidFill>
+            </a:endParaRPr>
+          </a:p>
+        </p:txBody>
+      </p:sp>
+      <p:grpSp>
+        <p:nvGrpSpPr>
+          <p:cNvPr id="7" name="Group 6">
+            <a:extLst>
+              <a:ext uri="{FF2B5EF4-FFF2-40B4-BE49-F238E27FC236}">
+                <a16:creationId xmlns:a16="http://schemas.microsoft.com/office/drawing/2014/main" id="{EAC0F539-1BFC-43EA-8144-517AF778F441}"/>
+              </a:ext>
+            </a:extLst>
+          </p:cNvPr>
+          <p:cNvGrpSpPr/>
+          <p:nvPr/>
+        </p:nvGrpSpPr>
+        <p:grpSpPr>
+          <a:xfrm>
+            <a:off x="1068944" y="1808332"/>
+            <a:ext cx="868560" cy="895327"/>
+            <a:chOff x="785816" y="1549248"/>
+            <a:chExt cx="1193994" cy="1403481"/>
+          </a:xfrm>
+        </p:grpSpPr>
+        <p:grpSp>
+          <p:nvGrpSpPr>
+            <p:cNvPr id="8" name="Group 7">
+              <a:extLst>
+                <a:ext uri="{FF2B5EF4-FFF2-40B4-BE49-F238E27FC236}">
+                  <a16:creationId xmlns:a16="http://schemas.microsoft.com/office/drawing/2014/main" id="{B0709B56-41A6-420A-8F93-5D918AA103C3}"/>
+                </a:ext>
+              </a:extLst>
+            </p:cNvPr>
+            <p:cNvGrpSpPr/>
+            <p:nvPr/>
+          </p:nvGrpSpPr>
+          <p:grpSpPr>
+            <a:xfrm>
+              <a:off x="785816" y="2251799"/>
+              <a:ext cx="1192489" cy="700930"/>
+              <a:chOff x="475775" y="1870795"/>
+              <a:chExt cx="1464427" cy="762684"/>
+            </a:xfrm>
+          </p:grpSpPr>
+          <p:grpSp>
+            <p:nvGrpSpPr>
+              <p:cNvPr id="43" name="Group 42">
+                <a:extLst>
+                  <a:ext uri="{FF2B5EF4-FFF2-40B4-BE49-F238E27FC236}">
+                    <a16:creationId xmlns:a16="http://schemas.microsoft.com/office/drawing/2014/main" id="{0398E9DE-37D1-4A18-8674-4C2855453D89}"/>
+                  </a:ext>
+                </a:extLst>
+              </p:cNvPr>
+              <p:cNvGrpSpPr/>
+              <p:nvPr/>
+            </p:nvGrpSpPr>
+            <p:grpSpPr>
+              <a:xfrm>
+                <a:off x="1025802" y="1870795"/>
+                <a:ext cx="914400" cy="760683"/>
+                <a:chOff x="1894482" y="1200235"/>
+                <a:chExt cx="914400" cy="760683"/>
+              </a:xfrm>
+            </p:grpSpPr>
+            <p:sp>
+              <p:nvSpPr>
+                <p:cNvPr id="56" name="Rectangle 55">
+                  <a:extLst>
+                    <a:ext uri="{FF2B5EF4-FFF2-40B4-BE49-F238E27FC236}">
+                      <a16:creationId xmlns:a16="http://schemas.microsoft.com/office/drawing/2014/main" id="{31FE4754-748B-4568-9E12-44438A0C4F47}"/>
+                    </a:ext>
+                  </a:extLst>
+                </p:cNvPr>
+                <p:cNvSpPr/>
+                <p:nvPr/>
+              </p:nvSpPr>
+              <p:spPr>
+                <a:xfrm>
+                  <a:off x="1894482" y="1200235"/>
+                  <a:ext cx="182880" cy="182880"/>
+                </a:xfrm>
+                <a:prstGeom prst="rect">
+                  <a:avLst/>
+                </a:prstGeom>
+              </p:spPr>
+              <p:style>
+                <a:lnRef idx="2">
+                  <a:schemeClr val="accent1">
+                    <a:shade val="50000"/>
+                  </a:schemeClr>
+                </a:lnRef>
+                <a:fillRef idx="1">
+                  <a:schemeClr val="accent1"/>
+                </a:fillRef>
+                <a:effectRef idx="0">
+                  <a:schemeClr val="accent1"/>
+                </a:effectRef>
+                <a:fontRef idx="minor">
+                  <a:schemeClr val="lt1"/>
+                </a:fontRef>
+              </p:style>
+              <p:txBody>
+                <a:bodyPr rtlCol="0" anchor="ctr"/>
+                <a:lstStyle/>
+                <a:p>
+                  <a:pPr algn="ctr"/>
+                  <a:endParaRPr lang="en-US" dirty="0"/>
+                </a:p>
+              </p:txBody>
+            </p:sp>
+            <p:sp>
+              <p:nvSpPr>
+                <p:cNvPr id="57" name="Rectangle 56">
+                  <a:extLst>
+                    <a:ext uri="{FF2B5EF4-FFF2-40B4-BE49-F238E27FC236}">
+                      <a16:creationId xmlns:a16="http://schemas.microsoft.com/office/drawing/2014/main" id="{0DB652B3-3E8A-446E-A236-FDBB69DFF97E}"/>
+                    </a:ext>
+                  </a:extLst>
+                </p:cNvPr>
+                <p:cNvSpPr/>
+                <p:nvPr/>
+              </p:nvSpPr>
+              <p:spPr>
+                <a:xfrm>
+                  <a:off x="1894482" y="1392836"/>
+                  <a:ext cx="182880" cy="182880"/>
+                </a:xfrm>
+                <a:prstGeom prst="rect">
+                  <a:avLst/>
+                </a:prstGeom>
+                <a:solidFill>
+                  <a:schemeClr val="accent1">
+                    <a:lumMod val="40000"/>
+                    <a:lumOff val="60000"/>
+                  </a:schemeClr>
+                </a:solidFill>
+              </p:spPr>
+              <p:style>
+                <a:lnRef idx="2">
+                  <a:schemeClr val="accent1">
+                    <a:shade val="50000"/>
+                  </a:schemeClr>
+                </a:lnRef>
+                <a:fillRef idx="1">
+                  <a:schemeClr val="accent1"/>
+                </a:fillRef>
+                <a:effectRef idx="0">
+                  <a:schemeClr val="accent1"/>
+                </a:effectRef>
+                <a:fontRef idx="minor">
+                  <a:schemeClr val="lt1"/>
+                </a:fontRef>
+              </p:style>
+              <p:txBody>
+                <a:bodyPr rtlCol="0" anchor="ctr"/>
+                <a:lstStyle/>
+                <a:p>
+                  <a:pPr algn="ctr"/>
+                  <a:endParaRPr lang="en-US"/>
+                </a:p>
+              </p:txBody>
+            </p:sp>
+            <p:sp>
+              <p:nvSpPr>
+                <p:cNvPr id="58" name="Rectangle 57">
+                  <a:extLst>
+                    <a:ext uri="{FF2B5EF4-FFF2-40B4-BE49-F238E27FC236}">
+                      <a16:creationId xmlns:a16="http://schemas.microsoft.com/office/drawing/2014/main" id="{0D1B34A4-C850-48F1-ABCB-45D9957B6225}"/>
+                    </a:ext>
+                  </a:extLst>
+                </p:cNvPr>
+                <p:cNvSpPr/>
+                <p:nvPr/>
+              </p:nvSpPr>
+              <p:spPr>
+                <a:xfrm>
+                  <a:off x="2077362" y="1200235"/>
+                  <a:ext cx="182880" cy="182880"/>
+                </a:xfrm>
+                <a:prstGeom prst="rect">
+                  <a:avLst/>
+                </a:prstGeom>
+                <a:solidFill>
+                  <a:srgbClr val="7030A0"/>
+                </a:solidFill>
+              </p:spPr>
+              <p:style>
+                <a:lnRef idx="2">
+                  <a:schemeClr val="accent1">
+                    <a:shade val="50000"/>
+                  </a:schemeClr>
+                </a:lnRef>
+                <a:fillRef idx="1">
+                  <a:schemeClr val="accent1"/>
+                </a:fillRef>
+                <a:effectRef idx="0">
+                  <a:schemeClr val="accent1"/>
+                </a:effectRef>
+                <a:fontRef idx="minor">
+                  <a:schemeClr val="lt1"/>
+                </a:fontRef>
+              </p:style>
+              <p:txBody>
+                <a:bodyPr rtlCol="0" anchor="ctr"/>
+                <a:lstStyle/>
+                <a:p>
+                  <a:pPr algn="ctr"/>
+                  <a:endParaRPr lang="en-US" dirty="0"/>
+                </a:p>
+              </p:txBody>
+            </p:sp>
+            <p:sp>
+              <p:nvSpPr>
+                <p:cNvPr id="59" name="Rectangle 58">
+                  <a:extLst>
+                    <a:ext uri="{FF2B5EF4-FFF2-40B4-BE49-F238E27FC236}">
+                      <a16:creationId xmlns:a16="http://schemas.microsoft.com/office/drawing/2014/main" id="{573125B2-AE9E-48E4-9138-CC7384DBCC36}"/>
+                    </a:ext>
+                  </a:extLst>
+                </p:cNvPr>
+                <p:cNvSpPr/>
+                <p:nvPr/>
+              </p:nvSpPr>
+              <p:spPr>
+                <a:xfrm>
+                  <a:off x="2077362" y="1392836"/>
+                  <a:ext cx="182880" cy="182880"/>
+                </a:xfrm>
+                <a:prstGeom prst="rect">
+                  <a:avLst/>
+                </a:prstGeom>
+                <a:solidFill>
+                  <a:srgbClr val="7030A0"/>
+                </a:solidFill>
+              </p:spPr>
+              <p:style>
+                <a:lnRef idx="2">
+                  <a:schemeClr val="accent1">
+                    <a:shade val="50000"/>
+                  </a:schemeClr>
+                </a:lnRef>
+                <a:fillRef idx="1">
+                  <a:schemeClr val="accent1"/>
+                </a:fillRef>
+                <a:effectRef idx="0">
+                  <a:schemeClr val="accent1"/>
+                </a:effectRef>
+                <a:fontRef idx="minor">
+                  <a:schemeClr val="lt1"/>
+                </a:fontRef>
+              </p:style>
+              <p:txBody>
+                <a:bodyPr rtlCol="0" anchor="ctr"/>
+                <a:lstStyle/>
+                <a:p>
+                  <a:pPr algn="ctr"/>
+                  <a:endParaRPr lang="en-US"/>
+                </a:p>
+              </p:txBody>
+            </p:sp>
+            <p:sp>
+              <p:nvSpPr>
+                <p:cNvPr id="60" name="Rectangle 59">
+                  <a:extLst>
+                    <a:ext uri="{FF2B5EF4-FFF2-40B4-BE49-F238E27FC236}">
+                      <a16:creationId xmlns:a16="http://schemas.microsoft.com/office/drawing/2014/main" id="{0255FF91-6FB2-4F07-9F94-BE613A7B46C8}"/>
+                    </a:ext>
+                  </a:extLst>
+                </p:cNvPr>
+                <p:cNvSpPr/>
+                <p:nvPr/>
+              </p:nvSpPr>
+              <p:spPr>
+                <a:xfrm>
+                  <a:off x="2260242" y="1200235"/>
+                  <a:ext cx="182880" cy="182880"/>
+                </a:xfrm>
+                <a:prstGeom prst="rect">
+                  <a:avLst/>
+                </a:prstGeom>
+              </p:spPr>
+              <p:style>
+                <a:lnRef idx="2">
+                  <a:schemeClr val="accent1">
+                    <a:shade val="50000"/>
+                  </a:schemeClr>
+                </a:lnRef>
+                <a:fillRef idx="1">
+                  <a:schemeClr val="accent1"/>
+                </a:fillRef>
+                <a:effectRef idx="0">
+                  <a:schemeClr val="accent1"/>
+                </a:effectRef>
+                <a:fontRef idx="minor">
+                  <a:schemeClr val="lt1"/>
+                </a:fontRef>
+              </p:style>
+              <p:txBody>
+                <a:bodyPr rtlCol="0" anchor="ctr"/>
+                <a:lstStyle/>
+                <a:p>
+                  <a:pPr algn="ctr"/>
+                  <a:endParaRPr lang="en-US" dirty="0"/>
+                </a:p>
+              </p:txBody>
+            </p:sp>
+            <p:sp>
+              <p:nvSpPr>
+                <p:cNvPr id="61" name="Rectangle 60">
+                  <a:extLst>
+                    <a:ext uri="{FF2B5EF4-FFF2-40B4-BE49-F238E27FC236}">
+                      <a16:creationId xmlns:a16="http://schemas.microsoft.com/office/drawing/2014/main" id="{4C062423-4A2B-41B5-AB98-FBE1CE05A27C}"/>
+                    </a:ext>
+                  </a:extLst>
+                </p:cNvPr>
+                <p:cNvSpPr/>
+                <p:nvPr/>
+              </p:nvSpPr>
+              <p:spPr>
+                <a:xfrm>
+                  <a:off x="2260242" y="1392836"/>
+                  <a:ext cx="182880" cy="182880"/>
+                </a:xfrm>
+                <a:prstGeom prst="rect">
+                  <a:avLst/>
+                </a:prstGeom>
+              </p:spPr>
+              <p:style>
+                <a:lnRef idx="2">
+                  <a:schemeClr val="accent1">
+                    <a:shade val="50000"/>
+                  </a:schemeClr>
+                </a:lnRef>
+                <a:fillRef idx="1">
+                  <a:schemeClr val="accent1"/>
+                </a:fillRef>
+                <a:effectRef idx="0">
+                  <a:schemeClr val="accent1"/>
+                </a:effectRef>
+                <a:fontRef idx="minor">
+                  <a:schemeClr val="lt1"/>
+                </a:fontRef>
+              </p:style>
+              <p:txBody>
+                <a:bodyPr rtlCol="0" anchor="ctr"/>
+                <a:lstStyle/>
+                <a:p>
+                  <a:pPr algn="ctr"/>
+                  <a:endParaRPr lang="en-US"/>
+                </a:p>
+              </p:txBody>
+            </p:sp>
+            <p:sp>
+              <p:nvSpPr>
+                <p:cNvPr id="62" name="Rectangle 61">
+                  <a:extLst>
+                    <a:ext uri="{FF2B5EF4-FFF2-40B4-BE49-F238E27FC236}">
+                      <a16:creationId xmlns:a16="http://schemas.microsoft.com/office/drawing/2014/main" id="{F35C1D99-B6B3-4EBD-A56A-6B0B597CF8BF}"/>
+                    </a:ext>
+                  </a:extLst>
+                </p:cNvPr>
+                <p:cNvSpPr/>
+                <p:nvPr/>
+              </p:nvSpPr>
+              <p:spPr>
+                <a:xfrm>
+                  <a:off x="1894482" y="1585437"/>
+                  <a:ext cx="182880" cy="182880"/>
+                </a:xfrm>
+                <a:prstGeom prst="rect">
+                  <a:avLst/>
+                </a:prstGeom>
+                <a:solidFill>
+                  <a:schemeClr val="accent1">
+                    <a:lumMod val="40000"/>
+                    <a:lumOff val="60000"/>
+                  </a:schemeClr>
+                </a:solidFill>
+              </p:spPr>
+              <p:style>
+                <a:lnRef idx="2">
+                  <a:schemeClr val="accent1">
+                    <a:shade val="50000"/>
+                  </a:schemeClr>
+                </a:lnRef>
+                <a:fillRef idx="1">
+                  <a:schemeClr val="accent1"/>
+                </a:fillRef>
+                <a:effectRef idx="0">
+                  <a:schemeClr val="accent1"/>
+                </a:effectRef>
+                <a:fontRef idx="minor">
+                  <a:schemeClr val="lt1"/>
+                </a:fontRef>
+              </p:style>
+              <p:txBody>
+                <a:bodyPr rtlCol="0" anchor="ctr"/>
+                <a:lstStyle/>
+                <a:p>
+                  <a:pPr algn="ctr"/>
+                  <a:endParaRPr lang="en-US" dirty="0"/>
+                </a:p>
+              </p:txBody>
+            </p:sp>
+            <p:sp>
+              <p:nvSpPr>
+                <p:cNvPr id="63" name="Rectangle 62">
+                  <a:extLst>
+                    <a:ext uri="{FF2B5EF4-FFF2-40B4-BE49-F238E27FC236}">
+                      <a16:creationId xmlns:a16="http://schemas.microsoft.com/office/drawing/2014/main" id="{9652B623-9BCC-4F71-9274-B6F9F6C8B4DA}"/>
+                    </a:ext>
+                  </a:extLst>
+                </p:cNvPr>
+                <p:cNvSpPr/>
+                <p:nvPr/>
+              </p:nvSpPr>
+              <p:spPr>
+                <a:xfrm>
+                  <a:off x="1894482" y="1778038"/>
+                  <a:ext cx="182880" cy="182880"/>
+                </a:xfrm>
+                <a:prstGeom prst="rect">
+                  <a:avLst/>
+                </a:prstGeom>
+              </p:spPr>
+              <p:style>
+                <a:lnRef idx="2">
+                  <a:schemeClr val="accent1">
+                    <a:shade val="50000"/>
+                  </a:schemeClr>
+                </a:lnRef>
+                <a:fillRef idx="1">
+                  <a:schemeClr val="accent1"/>
+                </a:fillRef>
+                <a:effectRef idx="0">
+                  <a:schemeClr val="accent1"/>
+                </a:effectRef>
+                <a:fontRef idx="minor">
+                  <a:schemeClr val="lt1"/>
+                </a:fontRef>
+              </p:style>
+              <p:txBody>
+                <a:bodyPr rtlCol="0" anchor="ctr"/>
+                <a:lstStyle/>
+                <a:p>
+                  <a:pPr algn="ctr"/>
+                  <a:endParaRPr lang="en-US"/>
+                </a:p>
+              </p:txBody>
+            </p:sp>
+            <p:sp>
+              <p:nvSpPr>
+                <p:cNvPr id="64" name="Rectangle 63">
+                  <a:extLst>
+                    <a:ext uri="{FF2B5EF4-FFF2-40B4-BE49-F238E27FC236}">
+                      <a16:creationId xmlns:a16="http://schemas.microsoft.com/office/drawing/2014/main" id="{886D9F94-2FA1-437F-A5F3-3CAA11594489}"/>
+                    </a:ext>
+                  </a:extLst>
+                </p:cNvPr>
+                <p:cNvSpPr/>
+                <p:nvPr/>
+              </p:nvSpPr>
+              <p:spPr>
+                <a:xfrm>
+                  <a:off x="2077362" y="1585437"/>
+                  <a:ext cx="182880" cy="182880"/>
+                </a:xfrm>
+                <a:prstGeom prst="rect">
+                  <a:avLst/>
+                </a:prstGeom>
+                <a:solidFill>
+                  <a:srgbClr val="7030A0"/>
+                </a:solidFill>
+              </p:spPr>
+              <p:style>
+                <a:lnRef idx="2">
+                  <a:schemeClr val="accent1">
+                    <a:shade val="50000"/>
+                  </a:schemeClr>
+                </a:lnRef>
+                <a:fillRef idx="1">
+                  <a:schemeClr val="accent1"/>
+                </a:fillRef>
+                <a:effectRef idx="0">
+                  <a:schemeClr val="accent1"/>
+                </a:effectRef>
+                <a:fontRef idx="minor">
+                  <a:schemeClr val="lt1"/>
+                </a:fontRef>
+              </p:style>
+              <p:txBody>
+                <a:bodyPr rtlCol="0" anchor="ctr"/>
+                <a:lstStyle/>
+                <a:p>
+                  <a:pPr algn="ctr"/>
+                  <a:endParaRPr lang="en-US" dirty="0"/>
+                </a:p>
+              </p:txBody>
+            </p:sp>
+            <p:sp>
+              <p:nvSpPr>
+                <p:cNvPr id="65" name="Rectangle 64">
+                  <a:extLst>
+                    <a:ext uri="{FF2B5EF4-FFF2-40B4-BE49-F238E27FC236}">
+                      <a16:creationId xmlns:a16="http://schemas.microsoft.com/office/drawing/2014/main" id="{D722B57C-8C6A-40DA-9702-42053389F54B}"/>
+                    </a:ext>
+                  </a:extLst>
+                </p:cNvPr>
+                <p:cNvSpPr/>
+                <p:nvPr/>
+              </p:nvSpPr>
+              <p:spPr>
+                <a:xfrm>
+                  <a:off x="2077362" y="1778038"/>
+                  <a:ext cx="182880" cy="182880"/>
+                </a:xfrm>
+                <a:prstGeom prst="rect">
+                  <a:avLst/>
+                </a:prstGeom>
+                <a:solidFill>
+                  <a:srgbClr val="7030A0"/>
+                </a:solidFill>
+              </p:spPr>
+              <p:style>
+                <a:lnRef idx="2">
+                  <a:schemeClr val="accent1">
+                    <a:shade val="50000"/>
+                  </a:schemeClr>
+                </a:lnRef>
+                <a:fillRef idx="1">
+                  <a:schemeClr val="accent1"/>
+                </a:fillRef>
+                <a:effectRef idx="0">
+                  <a:schemeClr val="accent1"/>
+                </a:effectRef>
+                <a:fontRef idx="minor">
+                  <a:schemeClr val="lt1"/>
+                </a:fontRef>
+              </p:style>
+              <p:txBody>
+                <a:bodyPr rtlCol="0" anchor="ctr"/>
+                <a:lstStyle/>
+                <a:p>
+                  <a:pPr algn="ctr"/>
+                  <a:endParaRPr lang="en-US"/>
+                </a:p>
+              </p:txBody>
+            </p:sp>
+            <p:sp>
+              <p:nvSpPr>
+                <p:cNvPr id="66" name="Rectangle 65">
+                  <a:extLst>
+                    <a:ext uri="{FF2B5EF4-FFF2-40B4-BE49-F238E27FC236}">
+                      <a16:creationId xmlns:a16="http://schemas.microsoft.com/office/drawing/2014/main" id="{A18707B3-BFE9-46BB-82A8-9251F4FF9625}"/>
+                    </a:ext>
+                  </a:extLst>
+                </p:cNvPr>
+                <p:cNvSpPr/>
+                <p:nvPr/>
+              </p:nvSpPr>
+              <p:spPr>
+                <a:xfrm>
+                  <a:off x="2260242" y="1585437"/>
+                  <a:ext cx="182880" cy="182880"/>
+                </a:xfrm>
+                <a:prstGeom prst="rect">
+                  <a:avLst/>
+                </a:prstGeom>
+              </p:spPr>
+              <p:style>
+                <a:lnRef idx="2">
+                  <a:schemeClr val="accent1">
+                    <a:shade val="50000"/>
+                  </a:schemeClr>
+                </a:lnRef>
+                <a:fillRef idx="1">
+                  <a:schemeClr val="accent1"/>
+                </a:fillRef>
+                <a:effectRef idx="0">
+                  <a:schemeClr val="accent1"/>
+                </a:effectRef>
+                <a:fontRef idx="minor">
+                  <a:schemeClr val="lt1"/>
+                </a:fontRef>
+              </p:style>
+              <p:txBody>
+                <a:bodyPr rtlCol="0" anchor="ctr"/>
+                <a:lstStyle/>
+                <a:p>
+                  <a:pPr algn="ctr"/>
+                  <a:endParaRPr lang="en-US" dirty="0"/>
+                </a:p>
+              </p:txBody>
+            </p:sp>
+            <p:sp>
+              <p:nvSpPr>
+                <p:cNvPr id="67" name="Rectangle 66">
+                  <a:extLst>
+                    <a:ext uri="{FF2B5EF4-FFF2-40B4-BE49-F238E27FC236}">
+                      <a16:creationId xmlns:a16="http://schemas.microsoft.com/office/drawing/2014/main" id="{B55BE7D4-AE0F-447B-806D-D04BA1E477D3}"/>
+                    </a:ext>
+                  </a:extLst>
+                </p:cNvPr>
+                <p:cNvSpPr/>
+                <p:nvPr/>
+              </p:nvSpPr>
+              <p:spPr>
+                <a:xfrm>
+                  <a:off x="2260242" y="1778038"/>
+                  <a:ext cx="182880" cy="182880"/>
+                </a:xfrm>
+                <a:prstGeom prst="rect">
+                  <a:avLst/>
+                </a:prstGeom>
+              </p:spPr>
+              <p:style>
+                <a:lnRef idx="2">
+                  <a:schemeClr val="accent1">
+                    <a:shade val="50000"/>
+                  </a:schemeClr>
+                </a:lnRef>
+                <a:fillRef idx="1">
+                  <a:schemeClr val="accent1"/>
+                </a:fillRef>
+                <a:effectRef idx="0">
+                  <a:schemeClr val="accent1"/>
+                </a:effectRef>
+                <a:fontRef idx="minor">
+                  <a:schemeClr val="lt1"/>
+                </a:fontRef>
+              </p:style>
+              <p:txBody>
+                <a:bodyPr rtlCol="0" anchor="ctr"/>
+                <a:lstStyle/>
+                <a:p>
+                  <a:pPr algn="ctr"/>
+                  <a:endParaRPr lang="en-US"/>
+                </a:p>
+              </p:txBody>
+            </p:sp>
+            <p:sp>
+              <p:nvSpPr>
+                <p:cNvPr id="68" name="Rectangle 67">
+                  <a:extLst>
+                    <a:ext uri="{FF2B5EF4-FFF2-40B4-BE49-F238E27FC236}">
+                      <a16:creationId xmlns:a16="http://schemas.microsoft.com/office/drawing/2014/main" id="{D733DCB3-8C4D-468F-A8BB-8D4906B7B0EF}"/>
+                    </a:ext>
+                  </a:extLst>
+                </p:cNvPr>
+                <p:cNvSpPr/>
+                <p:nvPr/>
+              </p:nvSpPr>
+              <p:spPr>
+                <a:xfrm>
+                  <a:off x="2443122" y="1200235"/>
+                  <a:ext cx="182880" cy="182880"/>
+                </a:xfrm>
+                <a:prstGeom prst="rect">
+                  <a:avLst/>
+                </a:prstGeom>
+                <a:solidFill>
+                  <a:srgbClr val="7030A0"/>
+                </a:solidFill>
+              </p:spPr>
+              <p:style>
+                <a:lnRef idx="2">
+                  <a:schemeClr val="accent1">
+                    <a:shade val="50000"/>
+                  </a:schemeClr>
+                </a:lnRef>
+                <a:fillRef idx="1">
+                  <a:schemeClr val="accent1"/>
+                </a:fillRef>
+                <a:effectRef idx="0">
+                  <a:schemeClr val="accent1"/>
+                </a:effectRef>
+                <a:fontRef idx="minor">
+                  <a:schemeClr val="lt1"/>
+                </a:fontRef>
+              </p:style>
+              <p:txBody>
+                <a:bodyPr rtlCol="0" anchor="ctr"/>
+                <a:lstStyle/>
+                <a:p>
+                  <a:pPr algn="ctr"/>
+                  <a:endParaRPr lang="en-US" dirty="0"/>
+                </a:p>
+              </p:txBody>
+            </p:sp>
+            <p:sp>
+              <p:nvSpPr>
+                <p:cNvPr id="69" name="Rectangle 68">
+                  <a:extLst>
+                    <a:ext uri="{FF2B5EF4-FFF2-40B4-BE49-F238E27FC236}">
+                      <a16:creationId xmlns:a16="http://schemas.microsoft.com/office/drawing/2014/main" id="{4D8E7C46-E648-40D9-B1A2-442E35715F51}"/>
+                    </a:ext>
+                  </a:extLst>
+                </p:cNvPr>
+                <p:cNvSpPr/>
+                <p:nvPr/>
+              </p:nvSpPr>
+              <p:spPr>
+                <a:xfrm>
+                  <a:off x="2443122" y="1392836"/>
+                  <a:ext cx="182880" cy="182880"/>
+                </a:xfrm>
+                <a:prstGeom prst="rect">
+                  <a:avLst/>
+                </a:prstGeom>
+                <a:solidFill>
+                  <a:srgbClr val="7030A0"/>
+                </a:solidFill>
+              </p:spPr>
+              <p:style>
+                <a:lnRef idx="2">
+                  <a:schemeClr val="accent1">
+                    <a:shade val="50000"/>
+                  </a:schemeClr>
+                </a:lnRef>
+                <a:fillRef idx="1">
+                  <a:schemeClr val="accent1"/>
+                </a:fillRef>
+                <a:effectRef idx="0">
+                  <a:schemeClr val="accent1"/>
+                </a:effectRef>
+                <a:fontRef idx="minor">
+                  <a:schemeClr val="lt1"/>
+                </a:fontRef>
+              </p:style>
+              <p:txBody>
+                <a:bodyPr rtlCol="0" anchor="ctr"/>
+                <a:lstStyle/>
+                <a:p>
+                  <a:pPr algn="ctr"/>
+                  <a:endParaRPr lang="en-US"/>
+                </a:p>
+              </p:txBody>
+            </p:sp>
+            <p:sp>
+              <p:nvSpPr>
+                <p:cNvPr id="70" name="Rectangle 69">
+                  <a:extLst>
+                    <a:ext uri="{FF2B5EF4-FFF2-40B4-BE49-F238E27FC236}">
+                      <a16:creationId xmlns:a16="http://schemas.microsoft.com/office/drawing/2014/main" id="{74098151-23F1-44A3-896E-1246496D8E19}"/>
+                    </a:ext>
+                  </a:extLst>
+                </p:cNvPr>
+                <p:cNvSpPr/>
+                <p:nvPr/>
+              </p:nvSpPr>
+              <p:spPr>
+                <a:xfrm>
+                  <a:off x="2443122" y="1585437"/>
+                  <a:ext cx="182880" cy="182880"/>
+                </a:xfrm>
+                <a:prstGeom prst="rect">
+                  <a:avLst/>
+                </a:prstGeom>
+              </p:spPr>
+              <p:style>
+                <a:lnRef idx="2">
+                  <a:schemeClr val="accent1">
+                    <a:shade val="50000"/>
+                  </a:schemeClr>
+                </a:lnRef>
+                <a:fillRef idx="1">
+                  <a:schemeClr val="accent1"/>
+                </a:fillRef>
+                <a:effectRef idx="0">
+                  <a:schemeClr val="accent1"/>
+                </a:effectRef>
+                <a:fontRef idx="minor">
+                  <a:schemeClr val="lt1"/>
+                </a:fontRef>
+              </p:style>
+              <p:txBody>
+                <a:bodyPr rtlCol="0" anchor="ctr"/>
+                <a:lstStyle/>
+                <a:p>
+                  <a:pPr algn="ctr"/>
+                  <a:endParaRPr lang="en-US" dirty="0"/>
+                </a:p>
+              </p:txBody>
+            </p:sp>
+            <p:sp>
+              <p:nvSpPr>
+                <p:cNvPr id="71" name="Rectangle 70">
+                  <a:extLst>
+                    <a:ext uri="{FF2B5EF4-FFF2-40B4-BE49-F238E27FC236}">
+                      <a16:creationId xmlns:a16="http://schemas.microsoft.com/office/drawing/2014/main" id="{4F8275D0-C302-466B-A589-8A5ACA837595}"/>
+                    </a:ext>
+                  </a:extLst>
+                </p:cNvPr>
+                <p:cNvSpPr/>
+                <p:nvPr/>
+              </p:nvSpPr>
+              <p:spPr>
+                <a:xfrm>
+                  <a:off x="2443122" y="1778038"/>
+                  <a:ext cx="182880" cy="182880"/>
+                </a:xfrm>
+                <a:prstGeom prst="rect">
+                  <a:avLst/>
+                </a:prstGeom>
+              </p:spPr>
+              <p:style>
+                <a:lnRef idx="2">
+                  <a:schemeClr val="accent1">
+                    <a:shade val="50000"/>
+                  </a:schemeClr>
+                </a:lnRef>
+                <a:fillRef idx="1">
+                  <a:schemeClr val="accent1"/>
+                </a:fillRef>
+                <a:effectRef idx="0">
+                  <a:schemeClr val="accent1"/>
+                </a:effectRef>
+                <a:fontRef idx="minor">
+                  <a:schemeClr val="lt1"/>
+                </a:fontRef>
+              </p:style>
+              <p:txBody>
+                <a:bodyPr rtlCol="0" anchor="ctr"/>
+                <a:lstStyle/>
+                <a:p>
+                  <a:pPr algn="ctr"/>
+                  <a:endParaRPr lang="en-US"/>
+                </a:p>
+              </p:txBody>
+            </p:sp>
+            <p:sp>
+              <p:nvSpPr>
+                <p:cNvPr id="72" name="Rectangle 71">
+                  <a:extLst>
+                    <a:ext uri="{FF2B5EF4-FFF2-40B4-BE49-F238E27FC236}">
+                      <a16:creationId xmlns:a16="http://schemas.microsoft.com/office/drawing/2014/main" id="{8D7C7251-58F4-4C6C-9F77-23EC501CD59D}"/>
+                    </a:ext>
+                  </a:extLst>
+                </p:cNvPr>
+                <p:cNvSpPr/>
+                <p:nvPr/>
+              </p:nvSpPr>
+              <p:spPr>
+                <a:xfrm>
+                  <a:off x="2626002" y="1200235"/>
+                  <a:ext cx="182880" cy="182880"/>
+                </a:xfrm>
+                <a:prstGeom prst="rect">
+                  <a:avLst/>
+                </a:prstGeom>
+                <a:solidFill>
+                  <a:schemeClr val="accent1">
+                    <a:lumMod val="40000"/>
+                    <a:lumOff val="60000"/>
+                  </a:schemeClr>
+                </a:solidFill>
+              </p:spPr>
+              <p:style>
+                <a:lnRef idx="2">
+                  <a:schemeClr val="accent1">
+                    <a:shade val="50000"/>
+                  </a:schemeClr>
+                </a:lnRef>
+                <a:fillRef idx="1">
+                  <a:schemeClr val="accent1"/>
+                </a:fillRef>
+                <a:effectRef idx="0">
+                  <a:schemeClr val="accent1"/>
+                </a:effectRef>
+                <a:fontRef idx="minor">
+                  <a:schemeClr val="lt1"/>
+                </a:fontRef>
+              </p:style>
+              <p:txBody>
+                <a:bodyPr rtlCol="0" anchor="ctr"/>
+                <a:lstStyle/>
+                <a:p>
+                  <a:pPr algn="ctr"/>
+                  <a:endParaRPr lang="en-US" dirty="0"/>
+                </a:p>
+              </p:txBody>
+            </p:sp>
+            <p:sp>
+              <p:nvSpPr>
+                <p:cNvPr id="73" name="Rectangle 72">
+                  <a:extLst>
+                    <a:ext uri="{FF2B5EF4-FFF2-40B4-BE49-F238E27FC236}">
+                      <a16:creationId xmlns:a16="http://schemas.microsoft.com/office/drawing/2014/main" id="{6A2C175D-17D3-40F4-9B13-201D73CF45AD}"/>
+                    </a:ext>
+                  </a:extLst>
+                </p:cNvPr>
+                <p:cNvSpPr/>
+                <p:nvPr/>
+              </p:nvSpPr>
+              <p:spPr>
+                <a:xfrm>
+                  <a:off x="2626002" y="1392836"/>
+                  <a:ext cx="182880" cy="182880"/>
+                </a:xfrm>
+                <a:prstGeom prst="rect">
+                  <a:avLst/>
+                </a:prstGeom>
+                <a:solidFill>
+                  <a:schemeClr val="accent1">
+                    <a:lumMod val="40000"/>
+                    <a:lumOff val="60000"/>
+                  </a:schemeClr>
+                </a:solidFill>
+              </p:spPr>
+              <p:style>
+                <a:lnRef idx="2">
+                  <a:schemeClr val="accent1">
+                    <a:shade val="50000"/>
+                  </a:schemeClr>
+                </a:lnRef>
+                <a:fillRef idx="1">
+                  <a:schemeClr val="accent1"/>
+                </a:fillRef>
+                <a:effectRef idx="0">
+                  <a:schemeClr val="accent1"/>
+                </a:effectRef>
+                <a:fontRef idx="minor">
+                  <a:schemeClr val="lt1"/>
+                </a:fontRef>
+              </p:style>
+              <p:txBody>
+                <a:bodyPr rtlCol="0" anchor="ctr"/>
+                <a:lstStyle/>
+                <a:p>
+                  <a:pPr algn="ctr"/>
+                  <a:endParaRPr lang="en-US"/>
+                </a:p>
+              </p:txBody>
+            </p:sp>
+            <p:sp>
+              <p:nvSpPr>
+                <p:cNvPr id="74" name="Rectangle 73">
+                  <a:extLst>
+                    <a:ext uri="{FF2B5EF4-FFF2-40B4-BE49-F238E27FC236}">
+                      <a16:creationId xmlns:a16="http://schemas.microsoft.com/office/drawing/2014/main" id="{6D03B70E-09D7-4B75-B7A4-B6F931F4094A}"/>
+                    </a:ext>
+                  </a:extLst>
+                </p:cNvPr>
+                <p:cNvSpPr/>
+                <p:nvPr/>
+              </p:nvSpPr>
+              <p:spPr>
+                <a:xfrm>
+                  <a:off x="2626002" y="1585437"/>
+                  <a:ext cx="182880" cy="182880"/>
+                </a:xfrm>
+                <a:prstGeom prst="rect">
+                  <a:avLst/>
+                </a:prstGeom>
+              </p:spPr>
+              <p:style>
+                <a:lnRef idx="2">
+                  <a:schemeClr val="accent1">
+                    <a:shade val="50000"/>
+                  </a:schemeClr>
+                </a:lnRef>
+                <a:fillRef idx="1">
+                  <a:schemeClr val="accent1"/>
+                </a:fillRef>
+                <a:effectRef idx="0">
+                  <a:schemeClr val="accent1"/>
+                </a:effectRef>
+                <a:fontRef idx="minor">
+                  <a:schemeClr val="lt1"/>
+                </a:fontRef>
+              </p:style>
+              <p:txBody>
+                <a:bodyPr rtlCol="0" anchor="ctr"/>
+                <a:lstStyle/>
+                <a:p>
+                  <a:pPr algn="ctr"/>
+                  <a:endParaRPr lang="en-US" dirty="0"/>
+                </a:p>
+              </p:txBody>
+            </p:sp>
+            <p:sp>
+              <p:nvSpPr>
+                <p:cNvPr id="75" name="Rectangle 74">
+                  <a:extLst>
+                    <a:ext uri="{FF2B5EF4-FFF2-40B4-BE49-F238E27FC236}">
+                      <a16:creationId xmlns:a16="http://schemas.microsoft.com/office/drawing/2014/main" id="{AFCC48F8-D6AB-42FB-B73A-20E5B80E691A}"/>
+                    </a:ext>
+                  </a:extLst>
+                </p:cNvPr>
+                <p:cNvSpPr/>
+                <p:nvPr/>
+              </p:nvSpPr>
+              <p:spPr>
+                <a:xfrm>
+                  <a:off x="2626002" y="1778038"/>
+                  <a:ext cx="182880" cy="182880"/>
+                </a:xfrm>
+                <a:prstGeom prst="rect">
+                  <a:avLst/>
+                </a:prstGeom>
+              </p:spPr>
+              <p:style>
+                <a:lnRef idx="2">
+                  <a:schemeClr val="accent1">
+                    <a:shade val="50000"/>
+                  </a:schemeClr>
+                </a:lnRef>
+                <a:fillRef idx="1">
+                  <a:schemeClr val="accent1"/>
+                </a:fillRef>
+                <a:effectRef idx="0">
+                  <a:schemeClr val="accent1"/>
+                </a:effectRef>
+                <a:fontRef idx="minor">
+                  <a:schemeClr val="lt1"/>
+                </a:fontRef>
+              </p:style>
+              <p:txBody>
+                <a:bodyPr rtlCol="0" anchor="ctr"/>
+                <a:lstStyle/>
+                <a:p>
+                  <a:pPr algn="ctr"/>
+                  <a:endParaRPr lang="en-US"/>
+                </a:p>
+              </p:txBody>
+            </p:sp>
+          </p:grpSp>
+          <p:sp>
+            <p:nvSpPr>
+              <p:cNvPr id="44" name="Rectangle 43">
+                <a:extLst>
+                  <a:ext uri="{FF2B5EF4-FFF2-40B4-BE49-F238E27FC236}">
+                    <a16:creationId xmlns:a16="http://schemas.microsoft.com/office/drawing/2014/main" id="{7FBD6CF0-DBE8-44DC-8BD6-BF0175E6E62E}"/>
+                  </a:ext>
+                </a:extLst>
+              </p:cNvPr>
+              <p:cNvSpPr/>
+              <p:nvPr/>
+            </p:nvSpPr>
+            <p:spPr>
+              <a:xfrm>
+                <a:off x="475775" y="1872796"/>
+                <a:ext cx="182880" cy="182880"/>
+              </a:xfrm>
+              <a:prstGeom prst="rect">
+                <a:avLst/>
+              </a:prstGeom>
+            </p:spPr>
+            <p:style>
+              <a:lnRef idx="2">
+                <a:schemeClr val="accent1">
+                  <a:shade val="50000"/>
+                </a:schemeClr>
+              </a:lnRef>
+              <a:fillRef idx="1">
+                <a:schemeClr val="accent1"/>
+              </a:fillRef>
+              <a:effectRef idx="0">
+                <a:schemeClr val="accent1"/>
+              </a:effectRef>
+              <a:fontRef idx="minor">
+                <a:schemeClr val="lt1"/>
+              </a:fontRef>
+            </p:style>
+            <p:txBody>
+              <a:bodyPr rtlCol="0" anchor="ctr"/>
+              <a:lstStyle/>
+              <a:p>
+                <a:pPr algn="ctr"/>
+                <a:endParaRPr lang="en-US" u="sng" dirty="0"/>
+              </a:p>
+            </p:txBody>
+          </p:sp>
+          <p:sp>
+            <p:nvSpPr>
+              <p:cNvPr id="45" name="Rectangle 44">
+                <a:extLst>
+                  <a:ext uri="{FF2B5EF4-FFF2-40B4-BE49-F238E27FC236}">
+                    <a16:creationId xmlns:a16="http://schemas.microsoft.com/office/drawing/2014/main" id="{D6D099FF-A6F0-43FA-8F6B-266BF6051895}"/>
+                  </a:ext>
+                </a:extLst>
+              </p:cNvPr>
+              <p:cNvSpPr/>
+              <p:nvPr/>
+            </p:nvSpPr>
+            <p:spPr>
+              <a:xfrm>
+                <a:off x="475775" y="2065397"/>
+                <a:ext cx="182880" cy="182880"/>
+              </a:xfrm>
+              <a:prstGeom prst="rect">
+                <a:avLst/>
+              </a:prstGeom>
+            </p:spPr>
+            <p:style>
+              <a:lnRef idx="2">
+                <a:schemeClr val="accent1">
+                  <a:shade val="50000"/>
+                </a:schemeClr>
+              </a:lnRef>
+              <a:fillRef idx="1">
+                <a:schemeClr val="accent1"/>
+              </a:fillRef>
+              <a:effectRef idx="0">
+                <a:schemeClr val="accent1"/>
+              </a:effectRef>
+              <a:fontRef idx="minor">
+                <a:schemeClr val="lt1"/>
+              </a:fontRef>
+            </p:style>
+            <p:txBody>
+              <a:bodyPr rtlCol="0" anchor="ctr"/>
+              <a:lstStyle/>
+              <a:p>
+                <a:pPr algn="ctr"/>
+                <a:endParaRPr lang="en-US" u="sng"/>
+              </a:p>
+            </p:txBody>
+          </p:sp>
+          <p:sp>
+            <p:nvSpPr>
+              <p:cNvPr id="46" name="Rectangle 45">
+                <a:extLst>
+                  <a:ext uri="{FF2B5EF4-FFF2-40B4-BE49-F238E27FC236}">
+                    <a16:creationId xmlns:a16="http://schemas.microsoft.com/office/drawing/2014/main" id="{96B8FE03-0D1F-4ED5-A2D5-A2C0AEED0135}"/>
+                  </a:ext>
+                </a:extLst>
+              </p:cNvPr>
+              <p:cNvSpPr/>
+              <p:nvPr/>
+            </p:nvSpPr>
+            <p:spPr>
+              <a:xfrm>
+                <a:off x="475775" y="2257998"/>
+                <a:ext cx="182880" cy="182880"/>
+              </a:xfrm>
+              <a:prstGeom prst="rect">
+                <a:avLst/>
+              </a:prstGeom>
+            </p:spPr>
+            <p:style>
+              <a:lnRef idx="2">
+                <a:schemeClr val="accent1">
+                  <a:shade val="50000"/>
+                </a:schemeClr>
+              </a:lnRef>
+              <a:fillRef idx="1">
+                <a:schemeClr val="accent1"/>
+              </a:fillRef>
+              <a:effectRef idx="0">
+                <a:schemeClr val="accent1"/>
+              </a:effectRef>
+              <a:fontRef idx="minor">
+                <a:schemeClr val="lt1"/>
+              </a:fontRef>
+            </p:style>
+            <p:txBody>
+              <a:bodyPr rtlCol="0" anchor="ctr"/>
+              <a:lstStyle/>
+              <a:p>
+                <a:pPr algn="ctr"/>
+                <a:endParaRPr lang="en-US" u="sng" dirty="0"/>
+              </a:p>
+            </p:txBody>
+          </p:sp>
+          <p:sp>
+            <p:nvSpPr>
+              <p:cNvPr id="47" name="Rectangle 46">
+                <a:extLst>
+                  <a:ext uri="{FF2B5EF4-FFF2-40B4-BE49-F238E27FC236}">
+                    <a16:creationId xmlns:a16="http://schemas.microsoft.com/office/drawing/2014/main" id="{CC713BAA-203A-48CD-9AA2-30033285AE7F}"/>
+                  </a:ext>
+                </a:extLst>
+              </p:cNvPr>
+              <p:cNvSpPr/>
+              <p:nvPr/>
+            </p:nvSpPr>
+            <p:spPr>
+              <a:xfrm>
+                <a:off x="475775" y="2450599"/>
+                <a:ext cx="182880" cy="182880"/>
+              </a:xfrm>
+              <a:prstGeom prst="rect">
+                <a:avLst/>
+              </a:prstGeom>
+            </p:spPr>
+            <p:style>
+              <a:lnRef idx="2">
+                <a:schemeClr val="accent1">
+                  <a:shade val="50000"/>
+                </a:schemeClr>
+              </a:lnRef>
+              <a:fillRef idx="1">
+                <a:schemeClr val="accent1"/>
+              </a:fillRef>
+              <a:effectRef idx="0">
+                <a:schemeClr val="accent1"/>
+              </a:effectRef>
+              <a:fontRef idx="minor">
+                <a:schemeClr val="lt1"/>
+              </a:fontRef>
+            </p:style>
+            <p:txBody>
+              <a:bodyPr rtlCol="0" anchor="ctr"/>
+              <a:lstStyle/>
+              <a:p>
+                <a:pPr algn="ctr"/>
+                <a:endParaRPr lang="en-US" u="sng"/>
+              </a:p>
+            </p:txBody>
+          </p:sp>
+          <p:sp>
+            <p:nvSpPr>
+              <p:cNvPr id="48" name="Rectangle 47">
+                <a:extLst>
+                  <a:ext uri="{FF2B5EF4-FFF2-40B4-BE49-F238E27FC236}">
+                    <a16:creationId xmlns:a16="http://schemas.microsoft.com/office/drawing/2014/main" id="{788D1BA0-7270-41B6-BA85-34CEC4822D6A}"/>
+                  </a:ext>
+                </a:extLst>
+              </p:cNvPr>
+              <p:cNvSpPr/>
+              <p:nvPr/>
+            </p:nvSpPr>
+            <p:spPr>
+              <a:xfrm>
+                <a:off x="658655" y="1872796"/>
+                <a:ext cx="182880" cy="182880"/>
+              </a:xfrm>
+              <a:prstGeom prst="rect">
+                <a:avLst/>
+              </a:prstGeom>
+              <a:solidFill>
+                <a:srgbClr val="7030A0"/>
+              </a:solidFill>
+            </p:spPr>
+            <p:style>
+              <a:lnRef idx="2">
+                <a:schemeClr val="accent1">
+                  <a:shade val="50000"/>
+                </a:schemeClr>
+              </a:lnRef>
+              <a:fillRef idx="1">
+                <a:schemeClr val="accent1"/>
+              </a:fillRef>
+              <a:effectRef idx="0">
+                <a:schemeClr val="accent1"/>
+              </a:effectRef>
+              <a:fontRef idx="minor">
+                <a:schemeClr val="lt1"/>
+              </a:fontRef>
+            </p:style>
+            <p:txBody>
+              <a:bodyPr rtlCol="0" anchor="ctr"/>
+              <a:lstStyle/>
+              <a:p>
+                <a:pPr algn="ctr"/>
+                <a:endParaRPr lang="en-US" u="sng" dirty="0"/>
+              </a:p>
+            </p:txBody>
+          </p:sp>
+          <p:sp>
+            <p:nvSpPr>
+              <p:cNvPr id="49" name="Rectangle 48">
+                <a:extLst>
+                  <a:ext uri="{FF2B5EF4-FFF2-40B4-BE49-F238E27FC236}">
+                    <a16:creationId xmlns:a16="http://schemas.microsoft.com/office/drawing/2014/main" id="{DB7D857D-36E4-4DAD-8426-710EBBF5CCBF}"/>
+                  </a:ext>
+                </a:extLst>
+              </p:cNvPr>
+              <p:cNvSpPr/>
+              <p:nvPr/>
+            </p:nvSpPr>
+            <p:spPr>
+              <a:xfrm>
+                <a:off x="658655" y="2065397"/>
+                <a:ext cx="182880" cy="182880"/>
+              </a:xfrm>
+              <a:prstGeom prst="rect">
+                <a:avLst/>
+              </a:prstGeom>
+              <a:solidFill>
+                <a:srgbClr val="7030A0"/>
+              </a:solidFill>
+            </p:spPr>
+            <p:style>
+              <a:lnRef idx="2">
+                <a:schemeClr val="accent1">
+                  <a:shade val="50000"/>
+                </a:schemeClr>
+              </a:lnRef>
+              <a:fillRef idx="1">
+                <a:schemeClr val="accent1"/>
+              </a:fillRef>
+              <a:effectRef idx="0">
+                <a:schemeClr val="accent1"/>
+              </a:effectRef>
+              <a:fontRef idx="minor">
+                <a:schemeClr val="lt1"/>
+              </a:fontRef>
+            </p:style>
+            <p:txBody>
+              <a:bodyPr rtlCol="0" anchor="ctr"/>
+              <a:lstStyle/>
+              <a:p>
+                <a:pPr algn="ctr"/>
+                <a:endParaRPr lang="en-US" u="sng"/>
+              </a:p>
+            </p:txBody>
+          </p:sp>
+          <p:sp>
+            <p:nvSpPr>
+              <p:cNvPr id="50" name="Rectangle 49">
+                <a:extLst>
+                  <a:ext uri="{FF2B5EF4-FFF2-40B4-BE49-F238E27FC236}">
+                    <a16:creationId xmlns:a16="http://schemas.microsoft.com/office/drawing/2014/main" id="{0E486506-D70F-4A2C-98C1-FB6F75D2EB0B}"/>
+                  </a:ext>
+                </a:extLst>
+              </p:cNvPr>
+              <p:cNvSpPr/>
+              <p:nvPr/>
+            </p:nvSpPr>
+            <p:spPr>
+              <a:xfrm>
+                <a:off x="658655" y="2257998"/>
+                <a:ext cx="182880" cy="182880"/>
+              </a:xfrm>
+              <a:prstGeom prst="rect">
+                <a:avLst/>
+              </a:prstGeom>
+            </p:spPr>
+            <p:style>
+              <a:lnRef idx="2">
+                <a:schemeClr val="accent1">
+                  <a:shade val="50000"/>
+                </a:schemeClr>
+              </a:lnRef>
+              <a:fillRef idx="1">
+                <a:schemeClr val="accent1"/>
+              </a:fillRef>
+              <a:effectRef idx="0">
+                <a:schemeClr val="accent1"/>
+              </a:effectRef>
+              <a:fontRef idx="minor">
+                <a:schemeClr val="lt1"/>
+              </a:fontRef>
+            </p:style>
+            <p:txBody>
+              <a:bodyPr rtlCol="0" anchor="ctr"/>
+              <a:lstStyle/>
+              <a:p>
+                <a:pPr algn="ctr"/>
+                <a:endParaRPr lang="en-US" u="sng" dirty="0"/>
+              </a:p>
+            </p:txBody>
+          </p:sp>
+          <p:sp>
+            <p:nvSpPr>
+              <p:cNvPr id="51" name="Rectangle 50">
+                <a:extLst>
+                  <a:ext uri="{FF2B5EF4-FFF2-40B4-BE49-F238E27FC236}">
+                    <a16:creationId xmlns:a16="http://schemas.microsoft.com/office/drawing/2014/main" id="{DEDE5F1A-A9ED-41A7-B903-8CE17F74EE5A}"/>
+                  </a:ext>
+                </a:extLst>
+              </p:cNvPr>
+              <p:cNvSpPr/>
+              <p:nvPr/>
+            </p:nvSpPr>
+            <p:spPr>
+              <a:xfrm>
+                <a:off x="658655" y="2450599"/>
+                <a:ext cx="182880" cy="182880"/>
+              </a:xfrm>
+              <a:prstGeom prst="rect">
+                <a:avLst/>
+              </a:prstGeom>
+            </p:spPr>
+            <p:style>
+              <a:lnRef idx="2">
+                <a:schemeClr val="accent1">
+                  <a:shade val="50000"/>
+                </a:schemeClr>
+              </a:lnRef>
+              <a:fillRef idx="1">
+                <a:schemeClr val="accent1"/>
+              </a:fillRef>
+              <a:effectRef idx="0">
+                <a:schemeClr val="accent1"/>
+              </a:effectRef>
+              <a:fontRef idx="minor">
+                <a:schemeClr val="lt1"/>
+              </a:fontRef>
+            </p:style>
+            <p:txBody>
+              <a:bodyPr rtlCol="0" anchor="ctr"/>
+              <a:lstStyle/>
+              <a:p>
+                <a:pPr algn="ctr"/>
+                <a:endParaRPr lang="en-US" u="sng"/>
+              </a:p>
+            </p:txBody>
+          </p:sp>
+          <p:sp>
+            <p:nvSpPr>
+              <p:cNvPr id="52" name="Rectangle 51">
+                <a:extLst>
+                  <a:ext uri="{FF2B5EF4-FFF2-40B4-BE49-F238E27FC236}">
+                    <a16:creationId xmlns:a16="http://schemas.microsoft.com/office/drawing/2014/main" id="{7C874693-7B3E-470F-A2D8-F52A408B6AFA}"/>
+                  </a:ext>
+                </a:extLst>
+              </p:cNvPr>
+              <p:cNvSpPr/>
+              <p:nvPr/>
+            </p:nvSpPr>
+            <p:spPr>
+              <a:xfrm>
+                <a:off x="841535" y="1872796"/>
+                <a:ext cx="182880" cy="182880"/>
+              </a:xfrm>
+              <a:prstGeom prst="rect">
+                <a:avLst/>
+              </a:prstGeom>
+              <a:solidFill>
+                <a:schemeClr val="accent1">
+                  <a:lumMod val="40000"/>
+                  <a:lumOff val="60000"/>
+                </a:schemeClr>
+              </a:solidFill>
+            </p:spPr>
+            <p:style>
+              <a:lnRef idx="2">
+                <a:schemeClr val="accent1">
+                  <a:shade val="50000"/>
+                </a:schemeClr>
+              </a:lnRef>
+              <a:fillRef idx="1">
+                <a:schemeClr val="accent1"/>
+              </a:fillRef>
+              <a:effectRef idx="0">
+                <a:schemeClr val="accent1"/>
+              </a:effectRef>
+              <a:fontRef idx="minor">
+                <a:schemeClr val="lt1"/>
+              </a:fontRef>
+            </p:style>
+            <p:txBody>
+              <a:bodyPr rtlCol="0" anchor="ctr"/>
+              <a:lstStyle/>
+              <a:p>
+                <a:pPr algn="ctr"/>
+                <a:endParaRPr lang="en-US" u="sng" dirty="0"/>
+              </a:p>
+            </p:txBody>
+          </p:sp>
+          <p:sp>
+            <p:nvSpPr>
+              <p:cNvPr id="53" name="Rectangle 52">
+                <a:extLst>
+                  <a:ext uri="{FF2B5EF4-FFF2-40B4-BE49-F238E27FC236}">
+                    <a16:creationId xmlns:a16="http://schemas.microsoft.com/office/drawing/2014/main" id="{F414F7B6-EC11-4DA1-B432-2674DD7B127F}"/>
+                  </a:ext>
+                </a:extLst>
+              </p:cNvPr>
+              <p:cNvSpPr/>
+              <p:nvPr/>
+            </p:nvSpPr>
+            <p:spPr>
+              <a:xfrm>
+                <a:off x="841535" y="2065397"/>
+                <a:ext cx="182880" cy="182880"/>
+              </a:xfrm>
+              <a:prstGeom prst="rect">
+                <a:avLst/>
+              </a:prstGeom>
+              <a:solidFill>
+                <a:schemeClr val="accent1">
+                  <a:lumMod val="40000"/>
+                  <a:lumOff val="60000"/>
+                </a:schemeClr>
+              </a:solidFill>
+            </p:spPr>
+            <p:style>
+              <a:lnRef idx="2">
+                <a:schemeClr val="accent1">
+                  <a:shade val="50000"/>
+                </a:schemeClr>
+              </a:lnRef>
+              <a:fillRef idx="1">
+                <a:schemeClr val="accent1"/>
+              </a:fillRef>
+              <a:effectRef idx="0">
+                <a:schemeClr val="accent1"/>
+              </a:effectRef>
+              <a:fontRef idx="minor">
+                <a:schemeClr val="lt1"/>
+              </a:fontRef>
+            </p:style>
+            <p:txBody>
+              <a:bodyPr rtlCol="0" anchor="ctr"/>
+              <a:lstStyle/>
+              <a:p>
+                <a:pPr algn="ctr"/>
+                <a:endParaRPr lang="en-US" u="sng"/>
+              </a:p>
+            </p:txBody>
+          </p:sp>
+          <p:sp>
+            <p:nvSpPr>
+              <p:cNvPr id="54" name="Rectangle 53">
+                <a:extLst>
+                  <a:ext uri="{FF2B5EF4-FFF2-40B4-BE49-F238E27FC236}">
+                    <a16:creationId xmlns:a16="http://schemas.microsoft.com/office/drawing/2014/main" id="{2D065074-EC49-4320-AB1D-F07C61394A52}"/>
+                  </a:ext>
+                </a:extLst>
+              </p:cNvPr>
+              <p:cNvSpPr/>
+              <p:nvPr/>
+            </p:nvSpPr>
+            <p:spPr>
+              <a:xfrm>
+                <a:off x="841535" y="2257998"/>
+                <a:ext cx="182880" cy="182880"/>
+              </a:xfrm>
+              <a:prstGeom prst="rect">
+                <a:avLst/>
+              </a:prstGeom>
+            </p:spPr>
+            <p:style>
+              <a:lnRef idx="2">
+                <a:schemeClr val="accent1">
+                  <a:shade val="50000"/>
+                </a:schemeClr>
+              </a:lnRef>
+              <a:fillRef idx="1">
+                <a:schemeClr val="accent1"/>
+              </a:fillRef>
+              <a:effectRef idx="0">
+                <a:schemeClr val="accent1"/>
+              </a:effectRef>
+              <a:fontRef idx="minor">
+                <a:schemeClr val="lt1"/>
+              </a:fontRef>
+            </p:style>
+            <p:txBody>
+              <a:bodyPr rtlCol="0" anchor="ctr"/>
+              <a:lstStyle/>
+              <a:p>
+                <a:pPr algn="ctr"/>
+                <a:endParaRPr lang="en-US" u="sng" dirty="0"/>
+              </a:p>
+            </p:txBody>
+          </p:sp>
+          <p:sp>
+            <p:nvSpPr>
+              <p:cNvPr id="55" name="Rectangle 54">
+                <a:extLst>
+                  <a:ext uri="{FF2B5EF4-FFF2-40B4-BE49-F238E27FC236}">
+                    <a16:creationId xmlns:a16="http://schemas.microsoft.com/office/drawing/2014/main" id="{704F7089-310C-4B0F-8833-96DF4B1F6291}"/>
+                  </a:ext>
+                </a:extLst>
+              </p:cNvPr>
+              <p:cNvSpPr/>
+              <p:nvPr/>
+            </p:nvSpPr>
+            <p:spPr>
+              <a:xfrm>
+                <a:off x="841535" y="2450599"/>
+                <a:ext cx="182880" cy="182880"/>
+              </a:xfrm>
+              <a:prstGeom prst="rect">
+                <a:avLst/>
+              </a:prstGeom>
+            </p:spPr>
+            <p:style>
+              <a:lnRef idx="2">
+                <a:schemeClr val="accent1">
+                  <a:shade val="50000"/>
+                </a:schemeClr>
+              </a:lnRef>
+              <a:fillRef idx="1">
+                <a:schemeClr val="accent1"/>
+              </a:fillRef>
+              <a:effectRef idx="0">
+                <a:schemeClr val="accent1"/>
+              </a:effectRef>
+              <a:fontRef idx="minor">
+                <a:schemeClr val="lt1"/>
+              </a:fontRef>
+            </p:style>
+            <p:txBody>
+              <a:bodyPr rtlCol="0" anchor="ctr"/>
+              <a:lstStyle/>
+              <a:p>
+                <a:pPr algn="ctr"/>
+                <a:endParaRPr lang="en-US" u="sng"/>
+              </a:p>
+            </p:txBody>
+          </p:sp>
+        </p:grpSp>
+        <p:grpSp>
+          <p:nvGrpSpPr>
+            <p:cNvPr id="9" name="Group 8">
+              <a:extLst>
+                <a:ext uri="{FF2B5EF4-FFF2-40B4-BE49-F238E27FC236}">
+                  <a16:creationId xmlns:a16="http://schemas.microsoft.com/office/drawing/2014/main" id="{A5503BE2-11A3-4B8B-935C-9ED176C2FCA1}"/>
+                </a:ext>
+              </a:extLst>
+            </p:cNvPr>
+            <p:cNvGrpSpPr/>
+            <p:nvPr/>
+          </p:nvGrpSpPr>
+          <p:grpSpPr>
+            <a:xfrm>
+              <a:off x="787321" y="1549248"/>
+              <a:ext cx="1192489" cy="700930"/>
+              <a:chOff x="475775" y="1870795"/>
+              <a:chExt cx="1464427" cy="762684"/>
+            </a:xfrm>
+          </p:grpSpPr>
+          <p:grpSp>
+            <p:nvGrpSpPr>
+              <p:cNvPr id="10" name="Group 9">
+                <a:extLst>
+                  <a:ext uri="{FF2B5EF4-FFF2-40B4-BE49-F238E27FC236}">
+                    <a16:creationId xmlns:a16="http://schemas.microsoft.com/office/drawing/2014/main" id="{479A0BCC-1DE6-42E1-9033-4EC0DB492233}"/>
+                  </a:ext>
+                </a:extLst>
+              </p:cNvPr>
+              <p:cNvGrpSpPr/>
+              <p:nvPr/>
+            </p:nvGrpSpPr>
+            <p:grpSpPr>
+              <a:xfrm>
+                <a:off x="1025802" y="1870795"/>
+                <a:ext cx="914400" cy="760683"/>
+                <a:chOff x="1894482" y="1200235"/>
+                <a:chExt cx="914400" cy="760683"/>
+              </a:xfrm>
+            </p:grpSpPr>
+            <p:sp>
+              <p:nvSpPr>
+                <p:cNvPr id="23" name="Rectangle 22">
+                  <a:extLst>
+                    <a:ext uri="{FF2B5EF4-FFF2-40B4-BE49-F238E27FC236}">
+                      <a16:creationId xmlns:a16="http://schemas.microsoft.com/office/drawing/2014/main" id="{AC90BF54-FA31-4CE0-B5C1-0A7A14C56735}"/>
+                    </a:ext>
+                  </a:extLst>
+                </p:cNvPr>
+                <p:cNvSpPr/>
+                <p:nvPr/>
+              </p:nvSpPr>
+              <p:spPr>
+                <a:xfrm>
+                  <a:off x="1894482" y="1200235"/>
+                  <a:ext cx="182880" cy="182880"/>
+                </a:xfrm>
+                <a:prstGeom prst="rect">
+                  <a:avLst/>
+                </a:prstGeom>
+              </p:spPr>
+              <p:style>
+                <a:lnRef idx="2">
+                  <a:schemeClr val="accent1">
+                    <a:shade val="50000"/>
+                  </a:schemeClr>
+                </a:lnRef>
+                <a:fillRef idx="1">
+                  <a:schemeClr val="accent1"/>
+                </a:fillRef>
+                <a:effectRef idx="0">
+                  <a:schemeClr val="accent1"/>
+                </a:effectRef>
+                <a:fontRef idx="minor">
+                  <a:schemeClr val="lt1"/>
+                </a:fontRef>
+              </p:style>
+              <p:txBody>
+                <a:bodyPr rtlCol="0" anchor="ctr"/>
+                <a:lstStyle/>
+                <a:p>
+                  <a:pPr algn="ctr"/>
+                  <a:endParaRPr lang="en-US" dirty="0"/>
+                </a:p>
+              </p:txBody>
+            </p:sp>
+            <p:sp>
+              <p:nvSpPr>
+                <p:cNvPr id="24" name="Rectangle 23">
+                  <a:extLst>
+                    <a:ext uri="{FF2B5EF4-FFF2-40B4-BE49-F238E27FC236}">
+                      <a16:creationId xmlns:a16="http://schemas.microsoft.com/office/drawing/2014/main" id="{0FD677CA-D710-4CB3-A147-CDE4ABC3429B}"/>
+                    </a:ext>
+                  </a:extLst>
+                </p:cNvPr>
+                <p:cNvSpPr/>
+                <p:nvPr/>
+              </p:nvSpPr>
+              <p:spPr>
+                <a:xfrm>
+                  <a:off x="1894482" y="1392836"/>
+                  <a:ext cx="182880" cy="182880"/>
+                </a:xfrm>
+                <a:prstGeom prst="rect">
+                  <a:avLst/>
+                </a:prstGeom>
+                <a:solidFill>
+                  <a:schemeClr val="accent1">
+                    <a:lumMod val="40000"/>
+                    <a:lumOff val="60000"/>
+                  </a:schemeClr>
+                </a:solidFill>
+              </p:spPr>
+              <p:style>
+                <a:lnRef idx="2">
+                  <a:schemeClr val="accent1">
+                    <a:shade val="50000"/>
+                  </a:schemeClr>
+                </a:lnRef>
+                <a:fillRef idx="1">
+                  <a:schemeClr val="accent1"/>
+                </a:fillRef>
+                <a:effectRef idx="0">
+                  <a:schemeClr val="accent1"/>
+                </a:effectRef>
+                <a:fontRef idx="minor">
+                  <a:schemeClr val="lt1"/>
+                </a:fontRef>
+              </p:style>
+              <p:txBody>
+                <a:bodyPr rtlCol="0" anchor="ctr"/>
+                <a:lstStyle/>
+                <a:p>
+                  <a:pPr algn="ctr"/>
+                  <a:endParaRPr lang="en-US"/>
+                </a:p>
+              </p:txBody>
+            </p:sp>
+            <p:sp>
+              <p:nvSpPr>
+                <p:cNvPr id="25" name="Rectangle 24">
+                  <a:extLst>
+                    <a:ext uri="{FF2B5EF4-FFF2-40B4-BE49-F238E27FC236}">
+                      <a16:creationId xmlns:a16="http://schemas.microsoft.com/office/drawing/2014/main" id="{36E2C432-23B5-4A1D-B1D7-DA9DBA407F46}"/>
+                    </a:ext>
+                  </a:extLst>
+                </p:cNvPr>
+                <p:cNvSpPr/>
+                <p:nvPr/>
+              </p:nvSpPr>
+              <p:spPr>
+                <a:xfrm>
+                  <a:off x="2077362" y="1200235"/>
+                  <a:ext cx="182880" cy="182880"/>
+                </a:xfrm>
+                <a:prstGeom prst="rect">
+                  <a:avLst/>
+                </a:prstGeom>
+                <a:solidFill>
+                  <a:srgbClr val="7030A0"/>
+                </a:solidFill>
+              </p:spPr>
+              <p:style>
+                <a:lnRef idx="2">
+                  <a:schemeClr val="accent1">
+                    <a:shade val="50000"/>
+                  </a:schemeClr>
+                </a:lnRef>
+                <a:fillRef idx="1">
+                  <a:schemeClr val="accent1"/>
+                </a:fillRef>
+                <a:effectRef idx="0">
+                  <a:schemeClr val="accent1"/>
+                </a:effectRef>
+                <a:fontRef idx="minor">
+                  <a:schemeClr val="lt1"/>
+                </a:fontRef>
+              </p:style>
+              <p:txBody>
+                <a:bodyPr rtlCol="0" anchor="ctr"/>
+                <a:lstStyle/>
+                <a:p>
+                  <a:pPr algn="ctr"/>
+                  <a:endParaRPr lang="en-US" dirty="0"/>
+                </a:p>
+              </p:txBody>
+            </p:sp>
+            <p:sp>
+              <p:nvSpPr>
+                <p:cNvPr id="26" name="Rectangle 25">
+                  <a:extLst>
+                    <a:ext uri="{FF2B5EF4-FFF2-40B4-BE49-F238E27FC236}">
+                      <a16:creationId xmlns:a16="http://schemas.microsoft.com/office/drawing/2014/main" id="{CC681DDE-AB3E-4714-A5B2-837DEB06F162}"/>
+                    </a:ext>
+                  </a:extLst>
+                </p:cNvPr>
+                <p:cNvSpPr/>
+                <p:nvPr/>
+              </p:nvSpPr>
+              <p:spPr>
+                <a:xfrm>
+                  <a:off x="2077362" y="1392836"/>
+                  <a:ext cx="182880" cy="182880"/>
+                </a:xfrm>
+                <a:prstGeom prst="rect">
+                  <a:avLst/>
+                </a:prstGeom>
+                <a:solidFill>
+                  <a:srgbClr val="7030A0"/>
+                </a:solidFill>
+              </p:spPr>
+              <p:style>
+                <a:lnRef idx="2">
+                  <a:schemeClr val="accent1">
+                    <a:shade val="50000"/>
+                  </a:schemeClr>
+                </a:lnRef>
+                <a:fillRef idx="1">
+                  <a:schemeClr val="accent1"/>
+                </a:fillRef>
+                <a:effectRef idx="0">
+                  <a:schemeClr val="accent1"/>
+                </a:effectRef>
+                <a:fontRef idx="minor">
+                  <a:schemeClr val="lt1"/>
+                </a:fontRef>
+              </p:style>
+              <p:txBody>
+                <a:bodyPr rtlCol="0" anchor="ctr"/>
+                <a:lstStyle/>
+                <a:p>
+                  <a:pPr algn="ctr"/>
+                  <a:endParaRPr lang="en-US"/>
+                </a:p>
+              </p:txBody>
+            </p:sp>
+            <p:sp>
+              <p:nvSpPr>
+                <p:cNvPr id="27" name="Rectangle 26">
+                  <a:extLst>
+                    <a:ext uri="{FF2B5EF4-FFF2-40B4-BE49-F238E27FC236}">
+                      <a16:creationId xmlns:a16="http://schemas.microsoft.com/office/drawing/2014/main" id="{D9BB1761-DB48-4D30-840D-C2CCDA17A59D}"/>
+                    </a:ext>
+                  </a:extLst>
+                </p:cNvPr>
+                <p:cNvSpPr/>
+                <p:nvPr/>
+              </p:nvSpPr>
+              <p:spPr>
+                <a:xfrm>
+                  <a:off x="2260242" y="1200235"/>
+                  <a:ext cx="182880" cy="182880"/>
+                </a:xfrm>
+                <a:prstGeom prst="rect">
+                  <a:avLst/>
+                </a:prstGeom>
+              </p:spPr>
+              <p:style>
+                <a:lnRef idx="2">
+                  <a:schemeClr val="accent1">
+                    <a:shade val="50000"/>
+                  </a:schemeClr>
+                </a:lnRef>
+                <a:fillRef idx="1">
+                  <a:schemeClr val="accent1"/>
+                </a:fillRef>
+                <a:effectRef idx="0">
+                  <a:schemeClr val="accent1"/>
+                </a:effectRef>
+                <a:fontRef idx="minor">
+                  <a:schemeClr val="lt1"/>
+                </a:fontRef>
+              </p:style>
+              <p:txBody>
+                <a:bodyPr rtlCol="0" anchor="ctr"/>
+                <a:lstStyle/>
+                <a:p>
+                  <a:pPr algn="ctr"/>
+                  <a:endParaRPr lang="en-US" dirty="0"/>
+                </a:p>
+              </p:txBody>
+            </p:sp>
+            <p:sp>
+              <p:nvSpPr>
+                <p:cNvPr id="28" name="Rectangle 27">
+                  <a:extLst>
+                    <a:ext uri="{FF2B5EF4-FFF2-40B4-BE49-F238E27FC236}">
+                      <a16:creationId xmlns:a16="http://schemas.microsoft.com/office/drawing/2014/main" id="{6B27BD8B-202B-4E2B-85EE-ABFD8613494E}"/>
+                    </a:ext>
+                  </a:extLst>
+                </p:cNvPr>
+                <p:cNvSpPr/>
+                <p:nvPr/>
+              </p:nvSpPr>
+              <p:spPr>
+                <a:xfrm>
+                  <a:off x="2260242" y="1392836"/>
+                  <a:ext cx="182880" cy="182880"/>
+                </a:xfrm>
+                <a:prstGeom prst="rect">
+                  <a:avLst/>
+                </a:prstGeom>
+              </p:spPr>
+              <p:style>
+                <a:lnRef idx="2">
+                  <a:schemeClr val="accent1">
+                    <a:shade val="50000"/>
+                  </a:schemeClr>
+                </a:lnRef>
+                <a:fillRef idx="1">
+                  <a:schemeClr val="accent1"/>
+                </a:fillRef>
+                <a:effectRef idx="0">
+                  <a:schemeClr val="accent1"/>
+                </a:effectRef>
+                <a:fontRef idx="minor">
+                  <a:schemeClr val="lt1"/>
+                </a:fontRef>
+              </p:style>
+              <p:txBody>
+                <a:bodyPr rtlCol="0" anchor="ctr"/>
+                <a:lstStyle/>
+                <a:p>
+                  <a:pPr algn="ctr"/>
+                  <a:endParaRPr lang="en-US"/>
+                </a:p>
+              </p:txBody>
+            </p:sp>
+            <p:sp>
+              <p:nvSpPr>
+                <p:cNvPr id="29" name="Rectangle 28">
+                  <a:extLst>
+                    <a:ext uri="{FF2B5EF4-FFF2-40B4-BE49-F238E27FC236}">
+                      <a16:creationId xmlns:a16="http://schemas.microsoft.com/office/drawing/2014/main" id="{CCE21F82-7E64-4CA6-AB50-6C7896D6B3AF}"/>
+                    </a:ext>
+                  </a:extLst>
+                </p:cNvPr>
+                <p:cNvSpPr/>
+                <p:nvPr/>
+              </p:nvSpPr>
+              <p:spPr>
+                <a:xfrm>
+                  <a:off x="1894482" y="1585437"/>
+                  <a:ext cx="182880" cy="182880"/>
+                </a:xfrm>
+                <a:prstGeom prst="rect">
+                  <a:avLst/>
+                </a:prstGeom>
+                <a:solidFill>
+                  <a:schemeClr val="accent1">
+                    <a:lumMod val="40000"/>
+                    <a:lumOff val="60000"/>
+                  </a:schemeClr>
+                </a:solidFill>
+              </p:spPr>
+              <p:style>
+                <a:lnRef idx="2">
+                  <a:schemeClr val="accent1">
+                    <a:shade val="50000"/>
+                  </a:schemeClr>
+                </a:lnRef>
+                <a:fillRef idx="1">
+                  <a:schemeClr val="accent1"/>
+                </a:fillRef>
+                <a:effectRef idx="0">
+                  <a:schemeClr val="accent1"/>
+                </a:effectRef>
+                <a:fontRef idx="minor">
+                  <a:schemeClr val="lt1"/>
+                </a:fontRef>
+              </p:style>
+              <p:txBody>
+                <a:bodyPr rtlCol="0" anchor="ctr"/>
+                <a:lstStyle/>
+                <a:p>
+                  <a:pPr algn="ctr"/>
+                  <a:endParaRPr lang="en-US" dirty="0"/>
+                </a:p>
+              </p:txBody>
+            </p:sp>
+            <p:sp>
+              <p:nvSpPr>
+                <p:cNvPr id="30" name="Rectangle 29">
+                  <a:extLst>
+                    <a:ext uri="{FF2B5EF4-FFF2-40B4-BE49-F238E27FC236}">
+                      <a16:creationId xmlns:a16="http://schemas.microsoft.com/office/drawing/2014/main" id="{A9CD837E-7931-4802-884A-7015330AC6BA}"/>
+                    </a:ext>
+                  </a:extLst>
+                </p:cNvPr>
+                <p:cNvSpPr/>
+                <p:nvPr/>
+              </p:nvSpPr>
+              <p:spPr>
+                <a:xfrm>
+                  <a:off x="1894482" y="1778038"/>
+                  <a:ext cx="182880" cy="182880"/>
+                </a:xfrm>
+                <a:prstGeom prst="rect">
+                  <a:avLst/>
+                </a:prstGeom>
+              </p:spPr>
+              <p:style>
+                <a:lnRef idx="2">
+                  <a:schemeClr val="accent1">
+                    <a:shade val="50000"/>
+                  </a:schemeClr>
+                </a:lnRef>
+                <a:fillRef idx="1">
+                  <a:schemeClr val="accent1"/>
+                </a:fillRef>
+                <a:effectRef idx="0">
+                  <a:schemeClr val="accent1"/>
+                </a:effectRef>
+                <a:fontRef idx="minor">
+                  <a:schemeClr val="lt1"/>
+                </a:fontRef>
+              </p:style>
+              <p:txBody>
+                <a:bodyPr rtlCol="0" anchor="ctr"/>
+                <a:lstStyle/>
+                <a:p>
+                  <a:pPr algn="ctr"/>
+                  <a:endParaRPr lang="en-US"/>
+                </a:p>
+              </p:txBody>
+            </p:sp>
+            <p:sp>
+              <p:nvSpPr>
+                <p:cNvPr id="31" name="Rectangle 30">
+                  <a:extLst>
+                    <a:ext uri="{FF2B5EF4-FFF2-40B4-BE49-F238E27FC236}">
+                      <a16:creationId xmlns:a16="http://schemas.microsoft.com/office/drawing/2014/main" id="{124BC675-6059-42C8-A9B4-D7B1F8077C6E}"/>
+                    </a:ext>
+                  </a:extLst>
+                </p:cNvPr>
+                <p:cNvSpPr/>
+                <p:nvPr/>
+              </p:nvSpPr>
+              <p:spPr>
+                <a:xfrm>
+                  <a:off x="2077362" y="1585437"/>
+                  <a:ext cx="182880" cy="182880"/>
+                </a:xfrm>
+                <a:prstGeom prst="rect">
+                  <a:avLst/>
+                </a:prstGeom>
+                <a:solidFill>
+                  <a:srgbClr val="7030A0"/>
+                </a:solidFill>
+              </p:spPr>
+              <p:style>
+                <a:lnRef idx="2">
+                  <a:schemeClr val="accent1">
+                    <a:shade val="50000"/>
+                  </a:schemeClr>
+                </a:lnRef>
+                <a:fillRef idx="1">
+                  <a:schemeClr val="accent1"/>
+                </a:fillRef>
+                <a:effectRef idx="0">
+                  <a:schemeClr val="accent1"/>
+                </a:effectRef>
+                <a:fontRef idx="minor">
+                  <a:schemeClr val="lt1"/>
+                </a:fontRef>
+              </p:style>
+              <p:txBody>
+                <a:bodyPr rtlCol="0" anchor="ctr"/>
+                <a:lstStyle/>
+                <a:p>
+                  <a:pPr algn="ctr"/>
+                  <a:endParaRPr lang="en-US" dirty="0"/>
+                </a:p>
+              </p:txBody>
+            </p:sp>
+            <p:sp>
+              <p:nvSpPr>
+                <p:cNvPr id="32" name="Rectangle 31">
+                  <a:extLst>
+                    <a:ext uri="{FF2B5EF4-FFF2-40B4-BE49-F238E27FC236}">
+                      <a16:creationId xmlns:a16="http://schemas.microsoft.com/office/drawing/2014/main" id="{66D00B32-D3F2-48EF-BD69-ACB1078D6867}"/>
+                    </a:ext>
+                  </a:extLst>
+                </p:cNvPr>
+                <p:cNvSpPr/>
+                <p:nvPr/>
+              </p:nvSpPr>
+              <p:spPr>
+                <a:xfrm>
+                  <a:off x="2077362" y="1778038"/>
+                  <a:ext cx="182880" cy="182880"/>
+                </a:xfrm>
+                <a:prstGeom prst="rect">
+                  <a:avLst/>
+                </a:prstGeom>
+                <a:solidFill>
+                  <a:srgbClr val="7030A0"/>
+                </a:solidFill>
+              </p:spPr>
+              <p:style>
+                <a:lnRef idx="2">
+                  <a:schemeClr val="accent1">
+                    <a:shade val="50000"/>
+                  </a:schemeClr>
+                </a:lnRef>
+                <a:fillRef idx="1">
+                  <a:schemeClr val="accent1"/>
+                </a:fillRef>
+                <a:effectRef idx="0">
+                  <a:schemeClr val="accent1"/>
+                </a:effectRef>
+                <a:fontRef idx="minor">
+                  <a:schemeClr val="lt1"/>
+                </a:fontRef>
+              </p:style>
+              <p:txBody>
+                <a:bodyPr rtlCol="0" anchor="ctr"/>
+                <a:lstStyle/>
+                <a:p>
+                  <a:pPr algn="ctr"/>
+                  <a:endParaRPr lang="en-US"/>
+                </a:p>
+              </p:txBody>
+            </p:sp>
+            <p:sp>
+              <p:nvSpPr>
+                <p:cNvPr id="33" name="Rectangle 32">
+                  <a:extLst>
+                    <a:ext uri="{FF2B5EF4-FFF2-40B4-BE49-F238E27FC236}">
+                      <a16:creationId xmlns:a16="http://schemas.microsoft.com/office/drawing/2014/main" id="{D1485935-D2F7-4547-AC7A-0592E85FFF41}"/>
+                    </a:ext>
+                  </a:extLst>
+                </p:cNvPr>
+                <p:cNvSpPr/>
+                <p:nvPr/>
+              </p:nvSpPr>
+              <p:spPr>
+                <a:xfrm>
+                  <a:off x="2260242" y="1585437"/>
+                  <a:ext cx="182880" cy="182880"/>
+                </a:xfrm>
+                <a:prstGeom prst="rect">
+                  <a:avLst/>
+                </a:prstGeom>
+              </p:spPr>
+              <p:style>
+                <a:lnRef idx="2">
+                  <a:schemeClr val="accent1">
+                    <a:shade val="50000"/>
+                  </a:schemeClr>
+                </a:lnRef>
+                <a:fillRef idx="1">
+                  <a:schemeClr val="accent1"/>
+                </a:fillRef>
+                <a:effectRef idx="0">
+                  <a:schemeClr val="accent1"/>
+                </a:effectRef>
+                <a:fontRef idx="minor">
+                  <a:schemeClr val="lt1"/>
+                </a:fontRef>
+              </p:style>
+              <p:txBody>
+                <a:bodyPr rtlCol="0" anchor="ctr"/>
+                <a:lstStyle/>
+                <a:p>
+                  <a:pPr algn="ctr"/>
+                  <a:endParaRPr lang="en-US" dirty="0"/>
+                </a:p>
+              </p:txBody>
+            </p:sp>
+            <p:sp>
+              <p:nvSpPr>
+                <p:cNvPr id="34" name="Rectangle 33">
+                  <a:extLst>
+                    <a:ext uri="{FF2B5EF4-FFF2-40B4-BE49-F238E27FC236}">
+                      <a16:creationId xmlns:a16="http://schemas.microsoft.com/office/drawing/2014/main" id="{805BE3E1-AFE9-4C94-BADE-F4018ABECF3D}"/>
+                    </a:ext>
+                  </a:extLst>
+                </p:cNvPr>
+                <p:cNvSpPr/>
+                <p:nvPr/>
+              </p:nvSpPr>
+              <p:spPr>
+                <a:xfrm>
+                  <a:off x="2260242" y="1778038"/>
+                  <a:ext cx="182880" cy="182880"/>
+                </a:xfrm>
+                <a:prstGeom prst="rect">
+                  <a:avLst/>
+                </a:prstGeom>
+              </p:spPr>
+              <p:style>
+                <a:lnRef idx="2">
+                  <a:schemeClr val="accent1">
+                    <a:shade val="50000"/>
+                  </a:schemeClr>
+                </a:lnRef>
+                <a:fillRef idx="1">
+                  <a:schemeClr val="accent1"/>
+                </a:fillRef>
+                <a:effectRef idx="0">
+                  <a:schemeClr val="accent1"/>
+                </a:effectRef>
+                <a:fontRef idx="minor">
+                  <a:schemeClr val="lt1"/>
+                </a:fontRef>
+              </p:style>
+              <p:txBody>
+                <a:bodyPr rtlCol="0" anchor="ctr"/>
+                <a:lstStyle/>
+                <a:p>
+                  <a:pPr algn="ctr"/>
+                  <a:endParaRPr lang="en-US"/>
+                </a:p>
+              </p:txBody>
+            </p:sp>
+            <p:sp>
+              <p:nvSpPr>
+                <p:cNvPr id="35" name="Rectangle 34">
+                  <a:extLst>
+                    <a:ext uri="{FF2B5EF4-FFF2-40B4-BE49-F238E27FC236}">
+                      <a16:creationId xmlns:a16="http://schemas.microsoft.com/office/drawing/2014/main" id="{B735146F-B04F-4D79-8958-EFB679C3C7E2}"/>
+                    </a:ext>
+                  </a:extLst>
+                </p:cNvPr>
+                <p:cNvSpPr/>
+                <p:nvPr/>
+              </p:nvSpPr>
+              <p:spPr>
+                <a:xfrm>
+                  <a:off x="2443122" y="1200235"/>
+                  <a:ext cx="182880" cy="182880"/>
+                </a:xfrm>
+                <a:prstGeom prst="rect">
+                  <a:avLst/>
+                </a:prstGeom>
+                <a:solidFill>
+                  <a:srgbClr val="7030A0"/>
+                </a:solidFill>
+              </p:spPr>
+              <p:style>
+                <a:lnRef idx="2">
+                  <a:schemeClr val="accent1">
+                    <a:shade val="50000"/>
+                  </a:schemeClr>
+                </a:lnRef>
+                <a:fillRef idx="1">
+                  <a:schemeClr val="accent1"/>
+                </a:fillRef>
+                <a:effectRef idx="0">
+                  <a:schemeClr val="accent1"/>
+                </a:effectRef>
+                <a:fontRef idx="minor">
+                  <a:schemeClr val="lt1"/>
+                </a:fontRef>
+              </p:style>
+              <p:txBody>
+                <a:bodyPr rtlCol="0" anchor="ctr"/>
+                <a:lstStyle/>
+                <a:p>
+                  <a:pPr algn="ctr"/>
+                  <a:endParaRPr lang="en-US" dirty="0"/>
+                </a:p>
+              </p:txBody>
+            </p:sp>
+            <p:sp>
+              <p:nvSpPr>
+                <p:cNvPr id="36" name="Rectangle 35">
+                  <a:extLst>
+                    <a:ext uri="{FF2B5EF4-FFF2-40B4-BE49-F238E27FC236}">
+                      <a16:creationId xmlns:a16="http://schemas.microsoft.com/office/drawing/2014/main" id="{C577EBC0-BAC3-4D88-BB04-31CC3EB9442B}"/>
+                    </a:ext>
+                  </a:extLst>
+                </p:cNvPr>
+                <p:cNvSpPr/>
+                <p:nvPr/>
+              </p:nvSpPr>
+              <p:spPr>
+                <a:xfrm>
+                  <a:off x="2443122" y="1392836"/>
+                  <a:ext cx="182880" cy="182880"/>
+                </a:xfrm>
+                <a:prstGeom prst="rect">
+                  <a:avLst/>
+                </a:prstGeom>
+                <a:solidFill>
+                  <a:srgbClr val="7030A0"/>
+                </a:solidFill>
+              </p:spPr>
+              <p:style>
+                <a:lnRef idx="2">
+                  <a:schemeClr val="accent1">
+                    <a:shade val="50000"/>
+                  </a:schemeClr>
+                </a:lnRef>
+                <a:fillRef idx="1">
+                  <a:schemeClr val="accent1"/>
+                </a:fillRef>
+                <a:effectRef idx="0">
+                  <a:schemeClr val="accent1"/>
+                </a:effectRef>
+                <a:fontRef idx="minor">
+                  <a:schemeClr val="lt1"/>
+                </a:fontRef>
+              </p:style>
+              <p:txBody>
+                <a:bodyPr rtlCol="0" anchor="ctr"/>
+                <a:lstStyle/>
+                <a:p>
+                  <a:pPr algn="ctr"/>
+                  <a:endParaRPr lang="en-US"/>
+                </a:p>
+              </p:txBody>
+            </p:sp>
+            <p:sp>
+              <p:nvSpPr>
+                <p:cNvPr id="37" name="Rectangle 36">
+                  <a:extLst>
+                    <a:ext uri="{FF2B5EF4-FFF2-40B4-BE49-F238E27FC236}">
+                      <a16:creationId xmlns:a16="http://schemas.microsoft.com/office/drawing/2014/main" id="{0E38F635-0C1F-46BE-B895-1CF647903975}"/>
+                    </a:ext>
+                  </a:extLst>
+                </p:cNvPr>
+                <p:cNvSpPr/>
+                <p:nvPr/>
+              </p:nvSpPr>
+              <p:spPr>
+                <a:xfrm>
+                  <a:off x="2443122" y="1585437"/>
+                  <a:ext cx="182880" cy="182880"/>
+                </a:xfrm>
+                <a:prstGeom prst="rect">
+                  <a:avLst/>
+                </a:prstGeom>
+              </p:spPr>
+              <p:style>
+                <a:lnRef idx="2">
+                  <a:schemeClr val="accent1">
+                    <a:shade val="50000"/>
+                  </a:schemeClr>
+                </a:lnRef>
+                <a:fillRef idx="1">
+                  <a:schemeClr val="accent1"/>
+                </a:fillRef>
+                <a:effectRef idx="0">
+                  <a:schemeClr val="accent1"/>
+                </a:effectRef>
+                <a:fontRef idx="minor">
+                  <a:schemeClr val="lt1"/>
+                </a:fontRef>
+              </p:style>
+              <p:txBody>
+                <a:bodyPr rtlCol="0" anchor="ctr"/>
+                <a:lstStyle/>
+                <a:p>
+                  <a:pPr algn="ctr"/>
+                  <a:endParaRPr lang="en-US" dirty="0"/>
+                </a:p>
+              </p:txBody>
+            </p:sp>
+            <p:sp>
+              <p:nvSpPr>
+                <p:cNvPr id="38" name="Rectangle 37">
+                  <a:extLst>
+                    <a:ext uri="{FF2B5EF4-FFF2-40B4-BE49-F238E27FC236}">
+                      <a16:creationId xmlns:a16="http://schemas.microsoft.com/office/drawing/2014/main" id="{204DD4CF-2301-439D-9586-987520BDE4C7}"/>
+                    </a:ext>
+                  </a:extLst>
+                </p:cNvPr>
+                <p:cNvSpPr/>
+                <p:nvPr/>
+              </p:nvSpPr>
+              <p:spPr>
+                <a:xfrm>
+                  <a:off x="2443122" y="1778038"/>
+                  <a:ext cx="182880" cy="182880"/>
+                </a:xfrm>
+                <a:prstGeom prst="rect">
+                  <a:avLst/>
+                </a:prstGeom>
+              </p:spPr>
+              <p:style>
+                <a:lnRef idx="2">
+                  <a:schemeClr val="accent1">
+                    <a:shade val="50000"/>
+                  </a:schemeClr>
+                </a:lnRef>
+                <a:fillRef idx="1">
+                  <a:schemeClr val="accent1"/>
+                </a:fillRef>
+                <a:effectRef idx="0">
+                  <a:schemeClr val="accent1"/>
+                </a:effectRef>
+                <a:fontRef idx="minor">
+                  <a:schemeClr val="lt1"/>
+                </a:fontRef>
+              </p:style>
+              <p:txBody>
+                <a:bodyPr rtlCol="0" anchor="ctr"/>
+                <a:lstStyle/>
+                <a:p>
+                  <a:pPr algn="ctr"/>
+                  <a:endParaRPr lang="en-US"/>
+                </a:p>
+              </p:txBody>
+            </p:sp>
+            <p:sp>
+              <p:nvSpPr>
+                <p:cNvPr id="39" name="Rectangle 38">
+                  <a:extLst>
+                    <a:ext uri="{FF2B5EF4-FFF2-40B4-BE49-F238E27FC236}">
+                      <a16:creationId xmlns:a16="http://schemas.microsoft.com/office/drawing/2014/main" id="{D420B895-CB07-4596-99F5-624273F2909E}"/>
+                    </a:ext>
+                  </a:extLst>
+                </p:cNvPr>
+                <p:cNvSpPr/>
+                <p:nvPr/>
+              </p:nvSpPr>
+              <p:spPr>
+                <a:xfrm>
+                  <a:off x="2626002" y="1200235"/>
+                  <a:ext cx="182880" cy="182880"/>
+                </a:xfrm>
+                <a:prstGeom prst="rect">
+                  <a:avLst/>
+                </a:prstGeom>
+                <a:solidFill>
+                  <a:schemeClr val="accent1">
+                    <a:lumMod val="40000"/>
+                    <a:lumOff val="60000"/>
+                  </a:schemeClr>
+                </a:solidFill>
+              </p:spPr>
+              <p:style>
+                <a:lnRef idx="2">
+                  <a:schemeClr val="accent1">
+                    <a:shade val="50000"/>
+                  </a:schemeClr>
+                </a:lnRef>
+                <a:fillRef idx="1">
+                  <a:schemeClr val="accent1"/>
+                </a:fillRef>
+                <a:effectRef idx="0">
+                  <a:schemeClr val="accent1"/>
+                </a:effectRef>
+                <a:fontRef idx="minor">
+                  <a:schemeClr val="lt1"/>
+                </a:fontRef>
+              </p:style>
+              <p:txBody>
+                <a:bodyPr rtlCol="0" anchor="ctr"/>
+                <a:lstStyle/>
+                <a:p>
+                  <a:pPr algn="ctr"/>
+                  <a:endParaRPr lang="en-US" dirty="0"/>
+                </a:p>
+              </p:txBody>
+            </p:sp>
+            <p:sp>
+              <p:nvSpPr>
+                <p:cNvPr id="40" name="Rectangle 39">
+                  <a:extLst>
+                    <a:ext uri="{FF2B5EF4-FFF2-40B4-BE49-F238E27FC236}">
+                      <a16:creationId xmlns:a16="http://schemas.microsoft.com/office/drawing/2014/main" id="{2BF3072E-2199-46FA-B23D-F3F616BAC008}"/>
+                    </a:ext>
+                  </a:extLst>
+                </p:cNvPr>
+                <p:cNvSpPr/>
+                <p:nvPr/>
+              </p:nvSpPr>
+              <p:spPr>
+                <a:xfrm>
+                  <a:off x="2626002" y="1392836"/>
+                  <a:ext cx="182880" cy="182880"/>
+                </a:xfrm>
+                <a:prstGeom prst="rect">
+                  <a:avLst/>
+                </a:prstGeom>
+                <a:solidFill>
+                  <a:schemeClr val="accent1">
+                    <a:lumMod val="40000"/>
+                    <a:lumOff val="60000"/>
+                  </a:schemeClr>
+                </a:solidFill>
+              </p:spPr>
+              <p:style>
+                <a:lnRef idx="2">
+                  <a:schemeClr val="accent1">
+                    <a:shade val="50000"/>
+                  </a:schemeClr>
+                </a:lnRef>
+                <a:fillRef idx="1">
+                  <a:schemeClr val="accent1"/>
+                </a:fillRef>
+                <a:effectRef idx="0">
+                  <a:schemeClr val="accent1"/>
+                </a:effectRef>
+                <a:fontRef idx="minor">
+                  <a:schemeClr val="lt1"/>
+                </a:fontRef>
+              </p:style>
+              <p:txBody>
+                <a:bodyPr rtlCol="0" anchor="ctr"/>
+                <a:lstStyle/>
+                <a:p>
+                  <a:pPr algn="ctr"/>
+                  <a:endParaRPr lang="en-US"/>
+                </a:p>
+              </p:txBody>
+            </p:sp>
+            <p:sp>
+              <p:nvSpPr>
+                <p:cNvPr id="41" name="Rectangle 40">
+                  <a:extLst>
+                    <a:ext uri="{FF2B5EF4-FFF2-40B4-BE49-F238E27FC236}">
+                      <a16:creationId xmlns:a16="http://schemas.microsoft.com/office/drawing/2014/main" id="{B8169CA8-AD6A-4A76-917E-4C00BAD22680}"/>
+                    </a:ext>
+                  </a:extLst>
+                </p:cNvPr>
+                <p:cNvSpPr/>
+                <p:nvPr/>
+              </p:nvSpPr>
+              <p:spPr>
+                <a:xfrm>
+                  <a:off x="2626002" y="1585437"/>
+                  <a:ext cx="182880" cy="182880"/>
+                </a:xfrm>
+                <a:prstGeom prst="rect">
+                  <a:avLst/>
+                </a:prstGeom>
+              </p:spPr>
+              <p:style>
+                <a:lnRef idx="2">
+                  <a:schemeClr val="accent1">
+                    <a:shade val="50000"/>
+                  </a:schemeClr>
+                </a:lnRef>
+                <a:fillRef idx="1">
+                  <a:schemeClr val="accent1"/>
+                </a:fillRef>
+                <a:effectRef idx="0">
+                  <a:schemeClr val="accent1"/>
+                </a:effectRef>
+                <a:fontRef idx="minor">
+                  <a:schemeClr val="lt1"/>
+                </a:fontRef>
+              </p:style>
+              <p:txBody>
+                <a:bodyPr rtlCol="0" anchor="ctr"/>
+                <a:lstStyle/>
+                <a:p>
+                  <a:pPr algn="ctr"/>
+                  <a:endParaRPr lang="en-US" dirty="0"/>
+                </a:p>
+              </p:txBody>
+            </p:sp>
+            <p:sp>
+              <p:nvSpPr>
+                <p:cNvPr id="42" name="Rectangle 41">
+                  <a:extLst>
+                    <a:ext uri="{FF2B5EF4-FFF2-40B4-BE49-F238E27FC236}">
+                      <a16:creationId xmlns:a16="http://schemas.microsoft.com/office/drawing/2014/main" id="{8DB9652D-2EBD-4C91-A5F1-4C70D1B0FC20}"/>
+                    </a:ext>
+                  </a:extLst>
+                </p:cNvPr>
+                <p:cNvSpPr/>
+                <p:nvPr/>
+              </p:nvSpPr>
+              <p:spPr>
+                <a:xfrm>
+                  <a:off x="2626002" y="1778038"/>
+                  <a:ext cx="182880" cy="182880"/>
+                </a:xfrm>
+                <a:prstGeom prst="rect">
+                  <a:avLst/>
+                </a:prstGeom>
+              </p:spPr>
+              <p:style>
+                <a:lnRef idx="2">
+                  <a:schemeClr val="accent1">
+                    <a:shade val="50000"/>
+                  </a:schemeClr>
+                </a:lnRef>
+                <a:fillRef idx="1">
+                  <a:schemeClr val="accent1"/>
+                </a:fillRef>
+                <a:effectRef idx="0">
+                  <a:schemeClr val="accent1"/>
+                </a:effectRef>
+                <a:fontRef idx="minor">
+                  <a:schemeClr val="lt1"/>
+                </a:fontRef>
+              </p:style>
+              <p:txBody>
+                <a:bodyPr rtlCol="0" anchor="ctr"/>
+                <a:lstStyle/>
+                <a:p>
+                  <a:pPr algn="ctr"/>
+                  <a:endParaRPr lang="en-US"/>
+                </a:p>
+              </p:txBody>
+            </p:sp>
+          </p:grpSp>
+          <p:sp>
+            <p:nvSpPr>
+              <p:cNvPr id="11" name="Rectangle 10">
+                <a:extLst>
+                  <a:ext uri="{FF2B5EF4-FFF2-40B4-BE49-F238E27FC236}">
+                    <a16:creationId xmlns:a16="http://schemas.microsoft.com/office/drawing/2014/main" id="{A4972FFD-7C8B-4C34-9F8A-166B7998669B}"/>
+                  </a:ext>
+                </a:extLst>
+              </p:cNvPr>
+              <p:cNvSpPr/>
+              <p:nvPr/>
+            </p:nvSpPr>
+            <p:spPr>
+              <a:xfrm>
+                <a:off x="475775" y="1872796"/>
+                <a:ext cx="182880" cy="182880"/>
+              </a:xfrm>
+              <a:prstGeom prst="rect">
+                <a:avLst/>
+              </a:prstGeom>
+            </p:spPr>
+            <p:style>
+              <a:lnRef idx="2">
+                <a:schemeClr val="accent1">
+                  <a:shade val="50000"/>
+                </a:schemeClr>
+              </a:lnRef>
+              <a:fillRef idx="1">
+                <a:schemeClr val="accent1"/>
+              </a:fillRef>
+              <a:effectRef idx="0">
+                <a:schemeClr val="accent1"/>
+              </a:effectRef>
+              <a:fontRef idx="minor">
+                <a:schemeClr val="lt1"/>
+              </a:fontRef>
+            </p:style>
+            <p:txBody>
+              <a:bodyPr rtlCol="0" anchor="ctr"/>
+              <a:lstStyle/>
+              <a:p>
+                <a:pPr algn="ctr"/>
+                <a:endParaRPr lang="en-US" u="sng" dirty="0"/>
+              </a:p>
+            </p:txBody>
+          </p:sp>
+          <p:sp>
+            <p:nvSpPr>
+              <p:cNvPr id="12" name="Rectangle 11">
+                <a:extLst>
+                  <a:ext uri="{FF2B5EF4-FFF2-40B4-BE49-F238E27FC236}">
+                    <a16:creationId xmlns:a16="http://schemas.microsoft.com/office/drawing/2014/main" id="{3197B10F-B699-40B5-9758-B37FB64A52A4}"/>
+                  </a:ext>
+                </a:extLst>
+              </p:cNvPr>
+              <p:cNvSpPr/>
+              <p:nvPr/>
+            </p:nvSpPr>
+            <p:spPr>
+              <a:xfrm>
+                <a:off x="475775" y="2065397"/>
+                <a:ext cx="182880" cy="182880"/>
+              </a:xfrm>
+              <a:prstGeom prst="rect">
+                <a:avLst/>
+              </a:prstGeom>
+            </p:spPr>
+            <p:style>
+              <a:lnRef idx="2">
+                <a:schemeClr val="accent1">
+                  <a:shade val="50000"/>
+                </a:schemeClr>
+              </a:lnRef>
+              <a:fillRef idx="1">
+                <a:schemeClr val="accent1"/>
+              </a:fillRef>
+              <a:effectRef idx="0">
+                <a:schemeClr val="accent1"/>
+              </a:effectRef>
+              <a:fontRef idx="minor">
+                <a:schemeClr val="lt1"/>
+              </a:fontRef>
+            </p:style>
+            <p:txBody>
+              <a:bodyPr rtlCol="0" anchor="ctr"/>
+              <a:lstStyle/>
+              <a:p>
+                <a:pPr algn="ctr"/>
+                <a:endParaRPr lang="en-US" u="sng"/>
+              </a:p>
+            </p:txBody>
+          </p:sp>
+          <p:sp>
+            <p:nvSpPr>
+              <p:cNvPr id="13" name="Rectangle 12">
+                <a:extLst>
+                  <a:ext uri="{FF2B5EF4-FFF2-40B4-BE49-F238E27FC236}">
+                    <a16:creationId xmlns:a16="http://schemas.microsoft.com/office/drawing/2014/main" id="{7F0E6264-C42E-4543-B820-A8BF74FB28A0}"/>
+                  </a:ext>
+                </a:extLst>
+              </p:cNvPr>
+              <p:cNvSpPr/>
+              <p:nvPr/>
+            </p:nvSpPr>
+            <p:spPr>
+              <a:xfrm>
+                <a:off x="475775" y="2257998"/>
+                <a:ext cx="182880" cy="182880"/>
+              </a:xfrm>
+              <a:prstGeom prst="rect">
+                <a:avLst/>
+              </a:prstGeom>
+            </p:spPr>
+            <p:style>
+              <a:lnRef idx="2">
+                <a:schemeClr val="accent1">
+                  <a:shade val="50000"/>
+                </a:schemeClr>
+              </a:lnRef>
+              <a:fillRef idx="1">
+                <a:schemeClr val="accent1"/>
+              </a:fillRef>
+              <a:effectRef idx="0">
+                <a:schemeClr val="accent1"/>
+              </a:effectRef>
+              <a:fontRef idx="minor">
+                <a:schemeClr val="lt1"/>
+              </a:fontRef>
+            </p:style>
+            <p:txBody>
+              <a:bodyPr rtlCol="0" anchor="ctr"/>
+              <a:lstStyle/>
+              <a:p>
+                <a:pPr algn="ctr"/>
+                <a:endParaRPr lang="en-US" u="sng" dirty="0"/>
+              </a:p>
+            </p:txBody>
+          </p:sp>
+          <p:sp>
+            <p:nvSpPr>
+              <p:cNvPr id="14" name="Rectangle 13">
+                <a:extLst>
+                  <a:ext uri="{FF2B5EF4-FFF2-40B4-BE49-F238E27FC236}">
+                    <a16:creationId xmlns:a16="http://schemas.microsoft.com/office/drawing/2014/main" id="{797DC9A5-7ADD-4DBB-8330-6CCD9BA2EBEA}"/>
+                  </a:ext>
+                </a:extLst>
+              </p:cNvPr>
+              <p:cNvSpPr/>
+              <p:nvPr/>
+            </p:nvSpPr>
+            <p:spPr>
+              <a:xfrm>
+                <a:off x="475775" y="2450599"/>
+                <a:ext cx="182880" cy="182880"/>
+              </a:xfrm>
+              <a:prstGeom prst="rect">
+                <a:avLst/>
+              </a:prstGeom>
+            </p:spPr>
+            <p:style>
+              <a:lnRef idx="2">
+                <a:schemeClr val="accent1">
+                  <a:shade val="50000"/>
+                </a:schemeClr>
+              </a:lnRef>
+              <a:fillRef idx="1">
+                <a:schemeClr val="accent1"/>
+              </a:fillRef>
+              <a:effectRef idx="0">
+                <a:schemeClr val="accent1"/>
+              </a:effectRef>
+              <a:fontRef idx="minor">
+                <a:schemeClr val="lt1"/>
+              </a:fontRef>
+            </p:style>
+            <p:txBody>
+              <a:bodyPr rtlCol="0" anchor="ctr"/>
+              <a:lstStyle/>
+              <a:p>
+                <a:pPr algn="ctr"/>
+                <a:endParaRPr lang="en-US" u="sng"/>
+              </a:p>
+            </p:txBody>
+          </p:sp>
+          <p:sp>
+            <p:nvSpPr>
+              <p:cNvPr id="15" name="Rectangle 14">
+                <a:extLst>
+                  <a:ext uri="{FF2B5EF4-FFF2-40B4-BE49-F238E27FC236}">
+                    <a16:creationId xmlns:a16="http://schemas.microsoft.com/office/drawing/2014/main" id="{102F257C-7EAB-4359-A9C1-9046B7CAE149}"/>
+                  </a:ext>
+                </a:extLst>
+              </p:cNvPr>
+              <p:cNvSpPr/>
+              <p:nvPr/>
+            </p:nvSpPr>
+            <p:spPr>
+              <a:xfrm>
+                <a:off x="658655" y="1872796"/>
+                <a:ext cx="182880" cy="182880"/>
+              </a:xfrm>
+              <a:prstGeom prst="rect">
+                <a:avLst/>
+              </a:prstGeom>
+              <a:solidFill>
+                <a:srgbClr val="7030A0"/>
+              </a:solidFill>
+            </p:spPr>
+            <p:style>
+              <a:lnRef idx="2">
+                <a:schemeClr val="accent1">
+                  <a:shade val="50000"/>
+                </a:schemeClr>
+              </a:lnRef>
+              <a:fillRef idx="1">
+                <a:schemeClr val="accent1"/>
+              </a:fillRef>
+              <a:effectRef idx="0">
+                <a:schemeClr val="accent1"/>
+              </a:effectRef>
+              <a:fontRef idx="minor">
+                <a:schemeClr val="lt1"/>
+              </a:fontRef>
+            </p:style>
+            <p:txBody>
+              <a:bodyPr rtlCol="0" anchor="ctr"/>
+              <a:lstStyle/>
+              <a:p>
+                <a:pPr algn="ctr"/>
+                <a:endParaRPr lang="en-US" u="sng" dirty="0"/>
+              </a:p>
+            </p:txBody>
+          </p:sp>
+          <p:sp>
+            <p:nvSpPr>
+              <p:cNvPr id="16" name="Rectangle 15">
+                <a:extLst>
+                  <a:ext uri="{FF2B5EF4-FFF2-40B4-BE49-F238E27FC236}">
+                    <a16:creationId xmlns:a16="http://schemas.microsoft.com/office/drawing/2014/main" id="{88674CC6-FF7E-4CEB-A526-6CE3FD74133F}"/>
+                  </a:ext>
+                </a:extLst>
+              </p:cNvPr>
+              <p:cNvSpPr/>
+              <p:nvPr/>
+            </p:nvSpPr>
+            <p:spPr>
+              <a:xfrm>
+                <a:off x="658655" y="2065397"/>
+                <a:ext cx="182880" cy="182880"/>
+              </a:xfrm>
+              <a:prstGeom prst="rect">
+                <a:avLst/>
+              </a:prstGeom>
+              <a:solidFill>
+                <a:srgbClr val="7030A0"/>
+              </a:solidFill>
+            </p:spPr>
+            <p:style>
+              <a:lnRef idx="2">
+                <a:schemeClr val="accent1">
+                  <a:shade val="50000"/>
+                </a:schemeClr>
+              </a:lnRef>
+              <a:fillRef idx="1">
+                <a:schemeClr val="accent1"/>
+              </a:fillRef>
+              <a:effectRef idx="0">
+                <a:schemeClr val="accent1"/>
+              </a:effectRef>
+              <a:fontRef idx="minor">
+                <a:schemeClr val="lt1"/>
+              </a:fontRef>
+            </p:style>
+            <p:txBody>
+              <a:bodyPr rtlCol="0" anchor="ctr"/>
+              <a:lstStyle/>
+              <a:p>
+                <a:pPr algn="ctr"/>
+                <a:endParaRPr lang="en-US" u="sng"/>
+              </a:p>
+            </p:txBody>
+          </p:sp>
+          <p:sp>
+            <p:nvSpPr>
+              <p:cNvPr id="17" name="Rectangle 16">
+                <a:extLst>
+                  <a:ext uri="{FF2B5EF4-FFF2-40B4-BE49-F238E27FC236}">
+                    <a16:creationId xmlns:a16="http://schemas.microsoft.com/office/drawing/2014/main" id="{94E17E31-37A1-4779-B359-68F530CC60A0}"/>
+                  </a:ext>
+                </a:extLst>
+              </p:cNvPr>
+              <p:cNvSpPr/>
+              <p:nvPr/>
+            </p:nvSpPr>
+            <p:spPr>
+              <a:xfrm>
+                <a:off x="658655" y="2257998"/>
+                <a:ext cx="182880" cy="182880"/>
+              </a:xfrm>
+              <a:prstGeom prst="rect">
+                <a:avLst/>
+              </a:prstGeom>
+            </p:spPr>
+            <p:style>
+              <a:lnRef idx="2">
+                <a:schemeClr val="accent1">
+                  <a:shade val="50000"/>
+                </a:schemeClr>
+              </a:lnRef>
+              <a:fillRef idx="1">
+                <a:schemeClr val="accent1"/>
+              </a:fillRef>
+              <a:effectRef idx="0">
+                <a:schemeClr val="accent1"/>
+              </a:effectRef>
+              <a:fontRef idx="minor">
+                <a:schemeClr val="lt1"/>
+              </a:fontRef>
+            </p:style>
+            <p:txBody>
+              <a:bodyPr rtlCol="0" anchor="ctr"/>
+              <a:lstStyle/>
+              <a:p>
+                <a:pPr algn="ctr"/>
+                <a:endParaRPr lang="en-US" u="sng" dirty="0"/>
+              </a:p>
+            </p:txBody>
+          </p:sp>
+          <p:sp>
+            <p:nvSpPr>
+              <p:cNvPr id="18" name="Rectangle 17">
+                <a:extLst>
+                  <a:ext uri="{FF2B5EF4-FFF2-40B4-BE49-F238E27FC236}">
+                    <a16:creationId xmlns:a16="http://schemas.microsoft.com/office/drawing/2014/main" id="{D54DBDE1-962F-444C-BC66-B9B8C9452FB6}"/>
+                  </a:ext>
+                </a:extLst>
+              </p:cNvPr>
+              <p:cNvSpPr/>
+              <p:nvPr/>
+            </p:nvSpPr>
+            <p:spPr>
+              <a:xfrm>
+                <a:off x="658655" y="2450599"/>
+                <a:ext cx="182880" cy="182880"/>
+              </a:xfrm>
+              <a:prstGeom prst="rect">
+                <a:avLst/>
+              </a:prstGeom>
+            </p:spPr>
+            <p:style>
+              <a:lnRef idx="2">
+                <a:schemeClr val="accent1">
+                  <a:shade val="50000"/>
+                </a:schemeClr>
+              </a:lnRef>
+              <a:fillRef idx="1">
+                <a:schemeClr val="accent1"/>
+              </a:fillRef>
+              <a:effectRef idx="0">
+                <a:schemeClr val="accent1"/>
+              </a:effectRef>
+              <a:fontRef idx="minor">
+                <a:schemeClr val="lt1"/>
+              </a:fontRef>
+            </p:style>
+            <p:txBody>
+              <a:bodyPr rtlCol="0" anchor="ctr"/>
+              <a:lstStyle/>
+              <a:p>
+                <a:pPr algn="ctr"/>
+                <a:endParaRPr lang="en-US" u="sng"/>
+              </a:p>
+            </p:txBody>
+          </p:sp>
+          <p:sp>
+            <p:nvSpPr>
+              <p:cNvPr id="19" name="Rectangle 18">
+                <a:extLst>
+                  <a:ext uri="{FF2B5EF4-FFF2-40B4-BE49-F238E27FC236}">
+                    <a16:creationId xmlns:a16="http://schemas.microsoft.com/office/drawing/2014/main" id="{836E3779-8112-4070-9BBE-28A44B6F25E6}"/>
+                  </a:ext>
+                </a:extLst>
+              </p:cNvPr>
+              <p:cNvSpPr/>
+              <p:nvPr/>
+            </p:nvSpPr>
+            <p:spPr>
+              <a:xfrm>
+                <a:off x="841535" y="1872796"/>
+                <a:ext cx="182880" cy="182880"/>
+              </a:xfrm>
+              <a:prstGeom prst="rect">
+                <a:avLst/>
+              </a:prstGeom>
+              <a:solidFill>
+                <a:schemeClr val="accent1">
+                  <a:lumMod val="40000"/>
+                  <a:lumOff val="60000"/>
+                </a:schemeClr>
+              </a:solidFill>
+            </p:spPr>
+            <p:style>
+              <a:lnRef idx="2">
+                <a:schemeClr val="accent1">
+                  <a:shade val="50000"/>
+                </a:schemeClr>
+              </a:lnRef>
+              <a:fillRef idx="1">
+                <a:schemeClr val="accent1"/>
+              </a:fillRef>
+              <a:effectRef idx="0">
+                <a:schemeClr val="accent1"/>
+              </a:effectRef>
+              <a:fontRef idx="minor">
+                <a:schemeClr val="lt1"/>
+              </a:fontRef>
+            </p:style>
+            <p:txBody>
+              <a:bodyPr rtlCol="0" anchor="ctr"/>
+              <a:lstStyle/>
+              <a:p>
+                <a:pPr algn="ctr"/>
+                <a:endParaRPr lang="en-US" u="sng" dirty="0"/>
+              </a:p>
+            </p:txBody>
+          </p:sp>
+          <p:sp>
+            <p:nvSpPr>
+              <p:cNvPr id="20" name="Rectangle 19">
+                <a:extLst>
+                  <a:ext uri="{FF2B5EF4-FFF2-40B4-BE49-F238E27FC236}">
+                    <a16:creationId xmlns:a16="http://schemas.microsoft.com/office/drawing/2014/main" id="{064BC3E8-5D3A-4B43-B832-57FAB3E48209}"/>
+                  </a:ext>
+                </a:extLst>
+              </p:cNvPr>
+              <p:cNvSpPr/>
+              <p:nvPr/>
+            </p:nvSpPr>
+            <p:spPr>
+              <a:xfrm>
+                <a:off x="841535" y="2065397"/>
+                <a:ext cx="182880" cy="182880"/>
+              </a:xfrm>
+              <a:prstGeom prst="rect">
+                <a:avLst/>
+              </a:prstGeom>
+              <a:solidFill>
+                <a:schemeClr val="accent1">
+                  <a:lumMod val="40000"/>
+                  <a:lumOff val="60000"/>
+                </a:schemeClr>
+              </a:solidFill>
+            </p:spPr>
+            <p:style>
+              <a:lnRef idx="2">
+                <a:schemeClr val="accent1">
+                  <a:shade val="50000"/>
+                </a:schemeClr>
+              </a:lnRef>
+              <a:fillRef idx="1">
+                <a:schemeClr val="accent1"/>
+              </a:fillRef>
+              <a:effectRef idx="0">
+                <a:schemeClr val="accent1"/>
+              </a:effectRef>
+              <a:fontRef idx="minor">
+                <a:schemeClr val="lt1"/>
+              </a:fontRef>
+            </p:style>
+            <p:txBody>
+              <a:bodyPr rtlCol="0" anchor="ctr"/>
+              <a:lstStyle/>
+              <a:p>
+                <a:pPr algn="ctr"/>
+                <a:endParaRPr lang="en-US" u="sng"/>
+              </a:p>
+            </p:txBody>
+          </p:sp>
+          <p:sp>
+            <p:nvSpPr>
+              <p:cNvPr id="21" name="Rectangle 20">
+                <a:extLst>
+                  <a:ext uri="{FF2B5EF4-FFF2-40B4-BE49-F238E27FC236}">
+                    <a16:creationId xmlns:a16="http://schemas.microsoft.com/office/drawing/2014/main" id="{9115F1C2-459D-4944-8A8F-3525E65DB859}"/>
+                  </a:ext>
+                </a:extLst>
+              </p:cNvPr>
+              <p:cNvSpPr/>
+              <p:nvPr/>
+            </p:nvSpPr>
+            <p:spPr>
+              <a:xfrm>
+                <a:off x="841535" y="2257998"/>
+                <a:ext cx="182880" cy="182880"/>
+              </a:xfrm>
+              <a:prstGeom prst="rect">
+                <a:avLst/>
+              </a:prstGeom>
+            </p:spPr>
+            <p:style>
+              <a:lnRef idx="2">
+                <a:schemeClr val="accent1">
+                  <a:shade val="50000"/>
+                </a:schemeClr>
+              </a:lnRef>
+              <a:fillRef idx="1">
+                <a:schemeClr val="accent1"/>
+              </a:fillRef>
+              <a:effectRef idx="0">
+                <a:schemeClr val="accent1"/>
+              </a:effectRef>
+              <a:fontRef idx="minor">
+                <a:schemeClr val="lt1"/>
+              </a:fontRef>
+            </p:style>
+            <p:txBody>
+              <a:bodyPr rtlCol="0" anchor="ctr"/>
+              <a:lstStyle/>
+              <a:p>
+                <a:pPr algn="ctr"/>
+                <a:endParaRPr lang="en-US" u="sng" dirty="0"/>
+              </a:p>
+            </p:txBody>
+          </p:sp>
+          <p:sp>
+            <p:nvSpPr>
+              <p:cNvPr id="22" name="Rectangle 21">
+                <a:extLst>
+                  <a:ext uri="{FF2B5EF4-FFF2-40B4-BE49-F238E27FC236}">
+                    <a16:creationId xmlns:a16="http://schemas.microsoft.com/office/drawing/2014/main" id="{F2F555C1-E839-4C76-8ADB-F1B519134017}"/>
+                  </a:ext>
+                </a:extLst>
+              </p:cNvPr>
+              <p:cNvSpPr/>
+              <p:nvPr/>
+            </p:nvSpPr>
+            <p:spPr>
+              <a:xfrm>
+                <a:off x="841535" y="2450599"/>
+                <a:ext cx="182880" cy="182880"/>
+              </a:xfrm>
+              <a:prstGeom prst="rect">
+                <a:avLst/>
+              </a:prstGeom>
+            </p:spPr>
+            <p:style>
+              <a:lnRef idx="2">
+                <a:schemeClr val="accent1">
+                  <a:shade val="50000"/>
+                </a:schemeClr>
+              </a:lnRef>
+              <a:fillRef idx="1">
+                <a:schemeClr val="accent1"/>
+              </a:fillRef>
+              <a:effectRef idx="0">
+                <a:schemeClr val="accent1"/>
+              </a:effectRef>
+              <a:fontRef idx="minor">
+                <a:schemeClr val="lt1"/>
+              </a:fontRef>
+            </p:style>
+            <p:txBody>
+              <a:bodyPr rtlCol="0" anchor="ctr"/>
+              <a:lstStyle/>
+              <a:p>
+                <a:pPr algn="ctr"/>
+                <a:endParaRPr lang="en-US" u="sng"/>
+              </a:p>
+            </p:txBody>
+          </p:sp>
+        </p:grpSp>
+      </p:grpSp>
+      <p:cxnSp>
+        <p:nvCxnSpPr>
+          <p:cNvPr id="76" name="Straight Arrow Connector 75">
+            <a:extLst>
+              <a:ext uri="{FF2B5EF4-FFF2-40B4-BE49-F238E27FC236}">
+                <a16:creationId xmlns:a16="http://schemas.microsoft.com/office/drawing/2014/main" id="{7A50D3DE-B903-4C6C-B2C6-AB09D02F991D}"/>
+              </a:ext>
+            </a:extLst>
+          </p:cNvPr>
+          <p:cNvCxnSpPr>
+            <a:cxnSpLocks/>
+          </p:cNvCxnSpPr>
+          <p:nvPr/>
+        </p:nvCxnSpPr>
+        <p:spPr>
+          <a:xfrm>
+            <a:off x="3152326" y="2252626"/>
+            <a:ext cx="152400" cy="0"/>
+          </a:xfrm>
+          <a:prstGeom prst="straightConnector1">
+            <a:avLst/>
+          </a:prstGeom>
+          <a:ln w="38100">
+            <a:solidFill>
+              <a:schemeClr val="tx1"/>
+            </a:solidFill>
+            <a:tailEnd type="triangle"/>
+          </a:ln>
+        </p:spPr>
+        <p:style>
+          <a:lnRef idx="1">
+            <a:schemeClr val="accent1"/>
+          </a:lnRef>
+          <a:fillRef idx="0">
+            <a:schemeClr val="accent1"/>
+          </a:fillRef>
+          <a:effectRef idx="0">
+            <a:schemeClr val="accent1"/>
+          </a:effectRef>
+          <a:fontRef idx="minor">
+            <a:schemeClr val="tx1"/>
+          </a:fontRef>
+        </p:style>
+      </p:cxnSp>
+      <p:sp>
+        <p:nvSpPr>
+          <p:cNvPr id="77" name="Rectangle 76">
+            <a:extLst>
+              <a:ext uri="{FF2B5EF4-FFF2-40B4-BE49-F238E27FC236}">
+                <a16:creationId xmlns:a16="http://schemas.microsoft.com/office/drawing/2014/main" id="{E0DCD288-82E3-4B60-8715-7143B4438E15}"/>
+              </a:ext>
+            </a:extLst>
+          </p:cNvPr>
+          <p:cNvSpPr/>
+          <p:nvPr/>
+        </p:nvSpPr>
+        <p:spPr>
+          <a:xfrm>
+            <a:off x="3677193" y="2153123"/>
+            <a:ext cx="108330" cy="107219"/>
+          </a:xfrm>
+          <a:prstGeom prst="rect">
+            <a:avLst/>
+          </a:prstGeom>
+        </p:spPr>
+        <p:style>
+          <a:lnRef idx="2">
+            <a:schemeClr val="accent1">
+              <a:shade val="50000"/>
+            </a:schemeClr>
+          </a:lnRef>
+          <a:fillRef idx="1">
+            <a:schemeClr val="accent1"/>
+          </a:fillRef>
+          <a:effectRef idx="0">
+            <a:schemeClr val="accent1"/>
+          </a:effectRef>
+          <a:fontRef idx="minor">
+            <a:schemeClr val="lt1"/>
+          </a:fontRef>
+        </p:style>
+        <p:txBody>
+          <a:bodyPr rtlCol="0" anchor="ctr"/>
+          <a:lstStyle/>
+          <a:p>
+            <a:pPr algn="ctr"/>
+            <a:endParaRPr lang="en-US" dirty="0"/>
+          </a:p>
+        </p:txBody>
+      </p:sp>
+      <p:sp>
+        <p:nvSpPr>
+          <p:cNvPr id="78" name="Rectangle 77">
+            <a:extLst>
+              <a:ext uri="{FF2B5EF4-FFF2-40B4-BE49-F238E27FC236}">
+                <a16:creationId xmlns:a16="http://schemas.microsoft.com/office/drawing/2014/main" id="{DAE40F3D-A7F3-4621-BC2E-D11D03BCB567}"/>
+              </a:ext>
+            </a:extLst>
+          </p:cNvPr>
+          <p:cNvSpPr/>
+          <p:nvPr/>
+        </p:nvSpPr>
+        <p:spPr>
+          <a:xfrm>
+            <a:off x="3677193" y="2253976"/>
+            <a:ext cx="108330" cy="107219"/>
+          </a:xfrm>
+          <a:prstGeom prst="rect">
+            <a:avLst/>
+          </a:prstGeom>
+          <a:solidFill>
+            <a:schemeClr val="accent1">
+              <a:lumMod val="40000"/>
+              <a:lumOff val="60000"/>
+            </a:schemeClr>
+          </a:solidFill>
+        </p:spPr>
+        <p:style>
+          <a:lnRef idx="2">
+            <a:schemeClr val="accent1">
+              <a:shade val="50000"/>
+            </a:schemeClr>
+          </a:lnRef>
+          <a:fillRef idx="1">
+            <a:schemeClr val="accent1"/>
+          </a:fillRef>
+          <a:effectRef idx="0">
+            <a:schemeClr val="accent1"/>
+          </a:effectRef>
+          <a:fontRef idx="minor">
+            <a:schemeClr val="lt1"/>
+          </a:fontRef>
+        </p:style>
+        <p:txBody>
+          <a:bodyPr rtlCol="0" anchor="ctr"/>
+          <a:lstStyle/>
+          <a:p>
+            <a:pPr algn="ctr"/>
+            <a:endParaRPr lang="en-US"/>
+          </a:p>
+        </p:txBody>
+      </p:sp>
+      <p:sp>
+        <p:nvSpPr>
+          <p:cNvPr id="79" name="Rectangle 78">
+            <a:extLst>
+              <a:ext uri="{FF2B5EF4-FFF2-40B4-BE49-F238E27FC236}">
+                <a16:creationId xmlns:a16="http://schemas.microsoft.com/office/drawing/2014/main" id="{C53EDE30-8A97-43C7-AF00-2582EC0F1285}"/>
+              </a:ext>
+            </a:extLst>
+          </p:cNvPr>
+          <p:cNvSpPr/>
+          <p:nvPr/>
+        </p:nvSpPr>
+        <p:spPr>
+          <a:xfrm>
+            <a:off x="3785523" y="2153123"/>
+            <a:ext cx="108330" cy="107219"/>
+          </a:xfrm>
+          <a:prstGeom prst="rect">
+            <a:avLst/>
+          </a:prstGeom>
+          <a:solidFill>
+            <a:srgbClr val="7030A0"/>
+          </a:solidFill>
+        </p:spPr>
+        <p:style>
+          <a:lnRef idx="2">
+            <a:schemeClr val="accent1">
+              <a:shade val="50000"/>
+            </a:schemeClr>
+          </a:lnRef>
+          <a:fillRef idx="1">
+            <a:schemeClr val="accent1"/>
+          </a:fillRef>
+          <a:effectRef idx="0">
+            <a:schemeClr val="accent1"/>
+          </a:effectRef>
+          <a:fontRef idx="minor">
+            <a:schemeClr val="lt1"/>
+          </a:fontRef>
+        </p:style>
+        <p:txBody>
+          <a:bodyPr rtlCol="0" anchor="ctr"/>
+          <a:lstStyle/>
+          <a:p>
+            <a:pPr algn="ctr"/>
+            <a:endParaRPr lang="en-US" dirty="0"/>
+          </a:p>
+        </p:txBody>
+      </p:sp>
+      <p:sp>
+        <p:nvSpPr>
+          <p:cNvPr id="80" name="Rectangle 79">
+            <a:extLst>
+              <a:ext uri="{FF2B5EF4-FFF2-40B4-BE49-F238E27FC236}">
+                <a16:creationId xmlns:a16="http://schemas.microsoft.com/office/drawing/2014/main" id="{75EF6DAC-95ED-4862-A758-3B7AEE22B3F0}"/>
+              </a:ext>
+            </a:extLst>
+          </p:cNvPr>
+          <p:cNvSpPr/>
+          <p:nvPr/>
+        </p:nvSpPr>
+        <p:spPr>
+          <a:xfrm>
+            <a:off x="3785523" y="2253976"/>
+            <a:ext cx="108330" cy="107219"/>
+          </a:xfrm>
+          <a:prstGeom prst="rect">
+            <a:avLst/>
+          </a:prstGeom>
+          <a:solidFill>
+            <a:srgbClr val="7030A0"/>
+          </a:solidFill>
+        </p:spPr>
+        <p:style>
+          <a:lnRef idx="2">
+            <a:schemeClr val="accent1">
+              <a:shade val="50000"/>
+            </a:schemeClr>
+          </a:lnRef>
+          <a:fillRef idx="1">
+            <a:schemeClr val="accent1"/>
+          </a:fillRef>
+          <a:effectRef idx="0">
+            <a:schemeClr val="accent1"/>
+          </a:effectRef>
+          <a:fontRef idx="minor">
+            <a:schemeClr val="lt1"/>
+          </a:fontRef>
+        </p:style>
+        <p:txBody>
+          <a:bodyPr rtlCol="0" anchor="ctr"/>
+          <a:lstStyle/>
+          <a:p>
+            <a:pPr algn="ctr"/>
+            <a:endParaRPr lang="en-US"/>
+          </a:p>
+        </p:txBody>
+      </p:sp>
+      <p:sp>
+        <p:nvSpPr>
+          <p:cNvPr id="81" name="Rectangle 80">
+            <a:extLst>
+              <a:ext uri="{FF2B5EF4-FFF2-40B4-BE49-F238E27FC236}">
+                <a16:creationId xmlns:a16="http://schemas.microsoft.com/office/drawing/2014/main" id="{E3523515-DEB3-4E42-9DF5-202A80AFF79D}"/>
+              </a:ext>
+            </a:extLst>
+          </p:cNvPr>
+          <p:cNvSpPr/>
+          <p:nvPr/>
+        </p:nvSpPr>
+        <p:spPr>
+          <a:xfrm>
+            <a:off x="3893854" y="2153123"/>
+            <a:ext cx="108330" cy="107219"/>
+          </a:xfrm>
+          <a:prstGeom prst="rect">
+            <a:avLst/>
+          </a:prstGeom>
+        </p:spPr>
+        <p:style>
+          <a:lnRef idx="2">
+            <a:schemeClr val="accent1">
+              <a:shade val="50000"/>
+            </a:schemeClr>
+          </a:lnRef>
+          <a:fillRef idx="1">
+            <a:schemeClr val="accent1"/>
+          </a:fillRef>
+          <a:effectRef idx="0">
+            <a:schemeClr val="accent1"/>
+          </a:effectRef>
+          <a:fontRef idx="minor">
+            <a:schemeClr val="lt1"/>
+          </a:fontRef>
+        </p:style>
+        <p:txBody>
+          <a:bodyPr rtlCol="0" anchor="ctr"/>
+          <a:lstStyle/>
+          <a:p>
+            <a:pPr algn="ctr"/>
+            <a:endParaRPr lang="en-US" dirty="0"/>
+          </a:p>
+        </p:txBody>
+      </p:sp>
+      <p:sp>
+        <p:nvSpPr>
+          <p:cNvPr id="82" name="Rectangle 81">
+            <a:extLst>
+              <a:ext uri="{FF2B5EF4-FFF2-40B4-BE49-F238E27FC236}">
+                <a16:creationId xmlns:a16="http://schemas.microsoft.com/office/drawing/2014/main" id="{86140869-D380-4711-9325-7FCA96A4D66F}"/>
+              </a:ext>
+            </a:extLst>
+          </p:cNvPr>
+          <p:cNvSpPr/>
+          <p:nvPr/>
+        </p:nvSpPr>
+        <p:spPr>
+          <a:xfrm>
+            <a:off x="3893854" y="2253976"/>
+            <a:ext cx="108330" cy="107219"/>
+          </a:xfrm>
+          <a:prstGeom prst="rect">
+            <a:avLst/>
+          </a:prstGeom>
+        </p:spPr>
+        <p:style>
+          <a:lnRef idx="2">
+            <a:schemeClr val="accent1">
+              <a:shade val="50000"/>
+            </a:schemeClr>
+          </a:lnRef>
+          <a:fillRef idx="1">
+            <a:schemeClr val="accent1"/>
+          </a:fillRef>
+          <a:effectRef idx="0">
+            <a:schemeClr val="accent1"/>
+          </a:effectRef>
+          <a:fontRef idx="minor">
+            <a:schemeClr val="lt1"/>
+          </a:fontRef>
+        </p:style>
+        <p:txBody>
+          <a:bodyPr rtlCol="0" anchor="ctr"/>
+          <a:lstStyle/>
+          <a:p>
+            <a:pPr algn="ctr"/>
+            <a:endParaRPr lang="en-US"/>
+          </a:p>
+        </p:txBody>
+      </p:sp>
+      <p:sp>
+        <p:nvSpPr>
+          <p:cNvPr id="83" name="Rectangle 82">
+            <a:extLst>
+              <a:ext uri="{FF2B5EF4-FFF2-40B4-BE49-F238E27FC236}">
+                <a16:creationId xmlns:a16="http://schemas.microsoft.com/office/drawing/2014/main" id="{5DD81A16-2C3B-4642-BB20-06199E1D6894}"/>
+              </a:ext>
+            </a:extLst>
+          </p:cNvPr>
+          <p:cNvSpPr/>
+          <p:nvPr/>
+        </p:nvSpPr>
+        <p:spPr>
+          <a:xfrm>
+            <a:off x="3677193" y="2366894"/>
+            <a:ext cx="108330" cy="107219"/>
+          </a:xfrm>
+          <a:prstGeom prst="rect">
+            <a:avLst/>
+          </a:prstGeom>
+          <a:solidFill>
+            <a:schemeClr val="accent1">
+              <a:lumMod val="40000"/>
+              <a:lumOff val="60000"/>
+            </a:schemeClr>
+          </a:solidFill>
+        </p:spPr>
+        <p:style>
+          <a:lnRef idx="2">
+            <a:schemeClr val="accent1">
+              <a:shade val="50000"/>
+            </a:schemeClr>
+          </a:lnRef>
+          <a:fillRef idx="1">
+            <a:schemeClr val="accent1"/>
+          </a:fillRef>
+          <a:effectRef idx="0">
+            <a:schemeClr val="accent1"/>
+          </a:effectRef>
+          <a:fontRef idx="minor">
+            <a:schemeClr val="lt1"/>
+          </a:fontRef>
+        </p:style>
+        <p:txBody>
+          <a:bodyPr rtlCol="0" anchor="ctr"/>
+          <a:lstStyle/>
+          <a:p>
+            <a:pPr algn="ctr"/>
+            <a:endParaRPr lang="en-US" dirty="0"/>
+          </a:p>
+        </p:txBody>
+      </p:sp>
+      <p:sp>
+        <p:nvSpPr>
+          <p:cNvPr id="84" name="Rectangle 83">
+            <a:extLst>
+              <a:ext uri="{FF2B5EF4-FFF2-40B4-BE49-F238E27FC236}">
+                <a16:creationId xmlns:a16="http://schemas.microsoft.com/office/drawing/2014/main" id="{F52395AE-93EE-476D-A702-CE223D9DD0C9}"/>
+              </a:ext>
+            </a:extLst>
+          </p:cNvPr>
+          <p:cNvSpPr/>
+          <p:nvPr/>
+        </p:nvSpPr>
+        <p:spPr>
+          <a:xfrm>
+            <a:off x="3677193" y="2479812"/>
+            <a:ext cx="108330" cy="107219"/>
+          </a:xfrm>
+          <a:prstGeom prst="rect">
+            <a:avLst/>
+          </a:prstGeom>
+        </p:spPr>
+        <p:style>
+          <a:lnRef idx="2">
+            <a:schemeClr val="accent1">
+              <a:shade val="50000"/>
+            </a:schemeClr>
+          </a:lnRef>
+          <a:fillRef idx="1">
+            <a:schemeClr val="accent1"/>
+          </a:fillRef>
+          <a:effectRef idx="0">
+            <a:schemeClr val="accent1"/>
+          </a:effectRef>
+          <a:fontRef idx="minor">
+            <a:schemeClr val="lt1"/>
+          </a:fontRef>
+        </p:style>
+        <p:txBody>
+          <a:bodyPr rtlCol="0" anchor="ctr"/>
+          <a:lstStyle/>
+          <a:p>
+            <a:pPr algn="ctr"/>
+            <a:endParaRPr lang="en-US"/>
+          </a:p>
+        </p:txBody>
+      </p:sp>
+      <p:sp>
+        <p:nvSpPr>
+          <p:cNvPr id="85" name="Rectangle 84">
+            <a:extLst>
+              <a:ext uri="{FF2B5EF4-FFF2-40B4-BE49-F238E27FC236}">
+                <a16:creationId xmlns:a16="http://schemas.microsoft.com/office/drawing/2014/main" id="{FE0F63B0-2916-4A05-8FE8-2D03ECFCD483}"/>
+              </a:ext>
+            </a:extLst>
+          </p:cNvPr>
+          <p:cNvSpPr/>
+          <p:nvPr/>
+        </p:nvSpPr>
+        <p:spPr>
+          <a:xfrm>
+            <a:off x="3785523" y="2366894"/>
+            <a:ext cx="108330" cy="107219"/>
+          </a:xfrm>
+          <a:prstGeom prst="rect">
+            <a:avLst/>
+          </a:prstGeom>
+          <a:solidFill>
+            <a:srgbClr val="7030A0"/>
+          </a:solidFill>
+        </p:spPr>
+        <p:style>
+          <a:lnRef idx="2">
+            <a:schemeClr val="accent1">
+              <a:shade val="50000"/>
+            </a:schemeClr>
+          </a:lnRef>
+          <a:fillRef idx="1">
+            <a:schemeClr val="accent1"/>
+          </a:fillRef>
+          <a:effectRef idx="0">
+            <a:schemeClr val="accent1"/>
+          </a:effectRef>
+          <a:fontRef idx="minor">
+            <a:schemeClr val="lt1"/>
+          </a:fontRef>
+        </p:style>
+        <p:txBody>
+          <a:bodyPr rtlCol="0" anchor="ctr"/>
+          <a:lstStyle/>
+          <a:p>
+            <a:pPr algn="ctr"/>
+            <a:endParaRPr lang="en-US" dirty="0"/>
+          </a:p>
+        </p:txBody>
+      </p:sp>
+      <p:sp>
+        <p:nvSpPr>
+          <p:cNvPr id="86" name="Rectangle 85">
+            <a:extLst>
+              <a:ext uri="{FF2B5EF4-FFF2-40B4-BE49-F238E27FC236}">
+                <a16:creationId xmlns:a16="http://schemas.microsoft.com/office/drawing/2014/main" id="{A17E082E-B82D-49AB-9954-9B5355880D94}"/>
+              </a:ext>
+            </a:extLst>
+          </p:cNvPr>
+          <p:cNvSpPr/>
+          <p:nvPr/>
+        </p:nvSpPr>
+        <p:spPr>
+          <a:xfrm>
+            <a:off x="3785523" y="2479812"/>
+            <a:ext cx="108330" cy="107219"/>
+          </a:xfrm>
+          <a:prstGeom prst="rect">
+            <a:avLst/>
+          </a:prstGeom>
+          <a:solidFill>
+            <a:srgbClr val="7030A0"/>
+          </a:solidFill>
+        </p:spPr>
+        <p:style>
+          <a:lnRef idx="2">
+            <a:schemeClr val="accent1">
+              <a:shade val="50000"/>
+            </a:schemeClr>
+          </a:lnRef>
+          <a:fillRef idx="1">
+            <a:schemeClr val="accent1"/>
+          </a:fillRef>
+          <a:effectRef idx="0">
+            <a:schemeClr val="accent1"/>
+          </a:effectRef>
+          <a:fontRef idx="minor">
+            <a:schemeClr val="lt1"/>
+          </a:fontRef>
+        </p:style>
+        <p:txBody>
+          <a:bodyPr rtlCol="0" anchor="ctr"/>
+          <a:lstStyle/>
+          <a:p>
+            <a:pPr algn="ctr"/>
+            <a:endParaRPr lang="en-US"/>
+          </a:p>
+        </p:txBody>
+      </p:sp>
+      <p:sp>
+        <p:nvSpPr>
+          <p:cNvPr id="87" name="Rectangle 86">
+            <a:extLst>
+              <a:ext uri="{FF2B5EF4-FFF2-40B4-BE49-F238E27FC236}">
+                <a16:creationId xmlns:a16="http://schemas.microsoft.com/office/drawing/2014/main" id="{1B9BEF61-F008-4F44-BED4-DC01BE5AA00F}"/>
+              </a:ext>
+            </a:extLst>
+          </p:cNvPr>
+          <p:cNvSpPr/>
+          <p:nvPr/>
+        </p:nvSpPr>
+        <p:spPr>
+          <a:xfrm>
+            <a:off x="3893854" y="2366894"/>
+            <a:ext cx="108330" cy="107219"/>
+          </a:xfrm>
+          <a:prstGeom prst="rect">
+            <a:avLst/>
+          </a:prstGeom>
+        </p:spPr>
+        <p:style>
+          <a:lnRef idx="2">
+            <a:schemeClr val="accent1">
+              <a:shade val="50000"/>
+            </a:schemeClr>
+          </a:lnRef>
+          <a:fillRef idx="1">
+            <a:schemeClr val="accent1"/>
+          </a:fillRef>
+          <a:effectRef idx="0">
+            <a:schemeClr val="accent1"/>
+          </a:effectRef>
+          <a:fontRef idx="minor">
+            <a:schemeClr val="lt1"/>
+          </a:fontRef>
+        </p:style>
+        <p:txBody>
+          <a:bodyPr rtlCol="0" anchor="ctr"/>
+          <a:lstStyle/>
+          <a:p>
+            <a:pPr algn="ctr"/>
+            <a:endParaRPr lang="en-US" dirty="0"/>
+          </a:p>
+        </p:txBody>
+      </p:sp>
+      <p:sp>
+        <p:nvSpPr>
+          <p:cNvPr id="88" name="Rectangle 87">
+            <a:extLst>
+              <a:ext uri="{FF2B5EF4-FFF2-40B4-BE49-F238E27FC236}">
+                <a16:creationId xmlns:a16="http://schemas.microsoft.com/office/drawing/2014/main" id="{042F35D0-25F2-426A-B2E9-EE3F76A70A4C}"/>
+              </a:ext>
+            </a:extLst>
+          </p:cNvPr>
+          <p:cNvSpPr/>
+          <p:nvPr/>
+        </p:nvSpPr>
+        <p:spPr>
+          <a:xfrm>
+            <a:off x="3893854" y="2479812"/>
+            <a:ext cx="108330" cy="107219"/>
+          </a:xfrm>
+          <a:prstGeom prst="rect">
+            <a:avLst/>
+          </a:prstGeom>
+        </p:spPr>
+        <p:style>
+          <a:lnRef idx="2">
+            <a:schemeClr val="accent1">
+              <a:shade val="50000"/>
+            </a:schemeClr>
+          </a:lnRef>
+          <a:fillRef idx="1">
+            <a:schemeClr val="accent1"/>
+          </a:fillRef>
+          <a:effectRef idx="0">
+            <a:schemeClr val="accent1"/>
+          </a:effectRef>
+          <a:fontRef idx="minor">
+            <a:schemeClr val="lt1"/>
+          </a:fontRef>
+        </p:style>
+        <p:txBody>
+          <a:bodyPr rtlCol="0" anchor="ctr"/>
+          <a:lstStyle/>
+          <a:p>
+            <a:pPr algn="ctr"/>
+            <a:endParaRPr lang="en-US"/>
+          </a:p>
+        </p:txBody>
+      </p:sp>
+      <p:sp>
+        <p:nvSpPr>
+          <p:cNvPr id="89" name="Rectangle 88">
+            <a:extLst>
+              <a:ext uri="{FF2B5EF4-FFF2-40B4-BE49-F238E27FC236}">
+                <a16:creationId xmlns:a16="http://schemas.microsoft.com/office/drawing/2014/main" id="{ED4109B5-67F3-4803-9B00-D2F140CB2ECC}"/>
+              </a:ext>
+            </a:extLst>
+          </p:cNvPr>
+          <p:cNvSpPr/>
+          <p:nvPr/>
+        </p:nvSpPr>
+        <p:spPr>
+          <a:xfrm>
+            <a:off x="3359769" y="2146676"/>
+            <a:ext cx="108330" cy="107219"/>
+          </a:xfrm>
+          <a:prstGeom prst="rect">
+            <a:avLst/>
+          </a:prstGeom>
+        </p:spPr>
+        <p:style>
+          <a:lnRef idx="2">
+            <a:schemeClr val="accent1">
+              <a:shade val="50000"/>
+            </a:schemeClr>
+          </a:lnRef>
+          <a:fillRef idx="1">
+            <a:schemeClr val="accent1"/>
+          </a:fillRef>
+          <a:effectRef idx="0">
+            <a:schemeClr val="accent1"/>
+          </a:effectRef>
+          <a:fontRef idx="minor">
+            <a:schemeClr val="lt1"/>
+          </a:fontRef>
+        </p:style>
+        <p:txBody>
+          <a:bodyPr rtlCol="0" anchor="ctr"/>
+          <a:lstStyle/>
+          <a:p>
+            <a:pPr algn="ctr"/>
+            <a:endParaRPr lang="en-US" u="sng" dirty="0"/>
+          </a:p>
+        </p:txBody>
+      </p:sp>
+      <p:sp>
+        <p:nvSpPr>
+          <p:cNvPr id="90" name="Rectangle 89">
+            <a:extLst>
+              <a:ext uri="{FF2B5EF4-FFF2-40B4-BE49-F238E27FC236}">
+                <a16:creationId xmlns:a16="http://schemas.microsoft.com/office/drawing/2014/main" id="{069718ED-0432-4189-9138-9AC0526A8E54}"/>
+              </a:ext>
+            </a:extLst>
+          </p:cNvPr>
+          <p:cNvSpPr/>
+          <p:nvPr/>
+        </p:nvSpPr>
+        <p:spPr>
+          <a:xfrm>
+            <a:off x="3359769" y="2259594"/>
+            <a:ext cx="108330" cy="107219"/>
+          </a:xfrm>
+          <a:prstGeom prst="rect">
+            <a:avLst/>
+          </a:prstGeom>
+        </p:spPr>
+        <p:style>
+          <a:lnRef idx="2">
+            <a:schemeClr val="accent1">
+              <a:shade val="50000"/>
+            </a:schemeClr>
+          </a:lnRef>
+          <a:fillRef idx="1">
+            <a:schemeClr val="accent1"/>
+          </a:fillRef>
+          <a:effectRef idx="0">
+            <a:schemeClr val="accent1"/>
+          </a:effectRef>
+          <a:fontRef idx="minor">
+            <a:schemeClr val="lt1"/>
+          </a:fontRef>
+        </p:style>
+        <p:txBody>
+          <a:bodyPr rtlCol="0" anchor="ctr"/>
+          <a:lstStyle/>
+          <a:p>
+            <a:pPr algn="ctr"/>
+            <a:endParaRPr lang="en-US" u="sng"/>
+          </a:p>
+        </p:txBody>
+      </p:sp>
+      <p:sp>
+        <p:nvSpPr>
+          <p:cNvPr id="91" name="Rectangle 90">
+            <a:extLst>
+              <a:ext uri="{FF2B5EF4-FFF2-40B4-BE49-F238E27FC236}">
+                <a16:creationId xmlns:a16="http://schemas.microsoft.com/office/drawing/2014/main" id="{BC10CA44-5298-4C54-8922-FEAA84943DA4}"/>
+              </a:ext>
+            </a:extLst>
+          </p:cNvPr>
+          <p:cNvSpPr/>
+          <p:nvPr/>
+        </p:nvSpPr>
+        <p:spPr>
+          <a:xfrm>
+            <a:off x="3359769" y="2372512"/>
+            <a:ext cx="108330" cy="107219"/>
+          </a:xfrm>
+          <a:prstGeom prst="rect">
+            <a:avLst/>
+          </a:prstGeom>
+        </p:spPr>
+        <p:style>
+          <a:lnRef idx="2">
+            <a:schemeClr val="accent1">
+              <a:shade val="50000"/>
+            </a:schemeClr>
+          </a:lnRef>
+          <a:fillRef idx="1">
+            <a:schemeClr val="accent1"/>
+          </a:fillRef>
+          <a:effectRef idx="0">
+            <a:schemeClr val="accent1"/>
+          </a:effectRef>
+          <a:fontRef idx="minor">
+            <a:schemeClr val="lt1"/>
+          </a:fontRef>
+        </p:style>
+        <p:txBody>
+          <a:bodyPr rtlCol="0" anchor="ctr"/>
+          <a:lstStyle/>
+          <a:p>
+            <a:pPr algn="ctr"/>
+            <a:endParaRPr lang="en-US" u="sng" dirty="0"/>
+          </a:p>
+        </p:txBody>
+      </p:sp>
+      <p:sp>
+        <p:nvSpPr>
+          <p:cNvPr id="92" name="Rectangle 91">
+            <a:extLst>
+              <a:ext uri="{FF2B5EF4-FFF2-40B4-BE49-F238E27FC236}">
+                <a16:creationId xmlns:a16="http://schemas.microsoft.com/office/drawing/2014/main" id="{28CD9394-3ADE-4197-B179-E0C89E094867}"/>
+              </a:ext>
+            </a:extLst>
+          </p:cNvPr>
+          <p:cNvSpPr/>
+          <p:nvPr/>
+        </p:nvSpPr>
+        <p:spPr>
+          <a:xfrm>
+            <a:off x="3359769" y="2477041"/>
+            <a:ext cx="108330" cy="107219"/>
+          </a:xfrm>
+          <a:prstGeom prst="rect">
+            <a:avLst/>
+          </a:prstGeom>
+        </p:spPr>
+        <p:style>
+          <a:lnRef idx="2">
+            <a:schemeClr val="accent1">
+              <a:shade val="50000"/>
+            </a:schemeClr>
+          </a:lnRef>
+          <a:fillRef idx="1">
+            <a:schemeClr val="accent1"/>
+          </a:fillRef>
+          <a:effectRef idx="0">
+            <a:schemeClr val="accent1"/>
+          </a:effectRef>
+          <a:fontRef idx="minor">
+            <a:schemeClr val="lt1"/>
+          </a:fontRef>
+        </p:style>
+        <p:txBody>
+          <a:bodyPr rtlCol="0" anchor="ctr"/>
+          <a:lstStyle/>
+          <a:p>
+            <a:pPr algn="ctr"/>
+            <a:endParaRPr lang="en-US" u="sng"/>
+          </a:p>
+        </p:txBody>
+      </p:sp>
+      <p:sp>
+        <p:nvSpPr>
+          <p:cNvPr id="93" name="Rectangle 92">
+            <a:extLst>
+              <a:ext uri="{FF2B5EF4-FFF2-40B4-BE49-F238E27FC236}">
+                <a16:creationId xmlns:a16="http://schemas.microsoft.com/office/drawing/2014/main" id="{3EE1421C-95B3-4333-AB20-BD7408FB207F}"/>
+              </a:ext>
+            </a:extLst>
+          </p:cNvPr>
+          <p:cNvSpPr/>
+          <p:nvPr/>
+        </p:nvSpPr>
+        <p:spPr>
+          <a:xfrm>
+            <a:off x="3459710" y="2146676"/>
+            <a:ext cx="108330" cy="107219"/>
+          </a:xfrm>
+          <a:prstGeom prst="rect">
+            <a:avLst/>
+          </a:prstGeom>
+          <a:solidFill>
+            <a:srgbClr val="7030A0"/>
+          </a:solidFill>
+        </p:spPr>
+        <p:style>
+          <a:lnRef idx="2">
+            <a:schemeClr val="accent1">
+              <a:shade val="50000"/>
+            </a:schemeClr>
+          </a:lnRef>
+          <a:fillRef idx="1">
+            <a:schemeClr val="accent1"/>
+          </a:fillRef>
+          <a:effectRef idx="0">
+            <a:schemeClr val="accent1"/>
+          </a:effectRef>
+          <a:fontRef idx="minor">
+            <a:schemeClr val="lt1"/>
+          </a:fontRef>
+        </p:style>
+        <p:txBody>
+          <a:bodyPr rtlCol="0" anchor="ctr"/>
+          <a:lstStyle/>
+          <a:p>
+            <a:pPr algn="ctr"/>
+            <a:endParaRPr lang="en-US" u="sng" dirty="0"/>
+          </a:p>
+        </p:txBody>
+      </p:sp>
+      <p:sp>
+        <p:nvSpPr>
+          <p:cNvPr id="94" name="Rectangle 93">
+            <a:extLst>
+              <a:ext uri="{FF2B5EF4-FFF2-40B4-BE49-F238E27FC236}">
+                <a16:creationId xmlns:a16="http://schemas.microsoft.com/office/drawing/2014/main" id="{777E3E68-240C-4671-9C33-248E8A2BF01E}"/>
+              </a:ext>
+            </a:extLst>
+          </p:cNvPr>
+          <p:cNvSpPr/>
+          <p:nvPr/>
+        </p:nvSpPr>
+        <p:spPr>
+          <a:xfrm>
+            <a:off x="3459710" y="2259594"/>
+            <a:ext cx="108330" cy="107219"/>
+          </a:xfrm>
+          <a:prstGeom prst="rect">
+            <a:avLst/>
+          </a:prstGeom>
+          <a:solidFill>
+            <a:srgbClr val="7030A0"/>
+          </a:solidFill>
+        </p:spPr>
+        <p:style>
+          <a:lnRef idx="2">
+            <a:schemeClr val="accent1">
+              <a:shade val="50000"/>
+            </a:schemeClr>
+          </a:lnRef>
+          <a:fillRef idx="1">
+            <a:schemeClr val="accent1"/>
+          </a:fillRef>
+          <a:effectRef idx="0">
+            <a:schemeClr val="accent1"/>
+          </a:effectRef>
+          <a:fontRef idx="minor">
+            <a:schemeClr val="lt1"/>
+          </a:fontRef>
+        </p:style>
+        <p:txBody>
+          <a:bodyPr rtlCol="0" anchor="ctr"/>
+          <a:lstStyle/>
+          <a:p>
+            <a:pPr algn="ctr"/>
+            <a:endParaRPr lang="en-US" u="sng"/>
+          </a:p>
+        </p:txBody>
+      </p:sp>
+      <p:sp>
+        <p:nvSpPr>
+          <p:cNvPr id="95" name="Rectangle 94">
+            <a:extLst>
+              <a:ext uri="{FF2B5EF4-FFF2-40B4-BE49-F238E27FC236}">
+                <a16:creationId xmlns:a16="http://schemas.microsoft.com/office/drawing/2014/main" id="{74B65191-B1B5-4340-9C8D-FDF284253F1E}"/>
+              </a:ext>
+            </a:extLst>
+          </p:cNvPr>
+          <p:cNvSpPr/>
+          <p:nvPr/>
+        </p:nvSpPr>
+        <p:spPr>
+          <a:xfrm>
+            <a:off x="3459709" y="2372512"/>
+            <a:ext cx="108330" cy="107219"/>
+          </a:xfrm>
+          <a:prstGeom prst="rect">
+            <a:avLst/>
+          </a:prstGeom>
+        </p:spPr>
+        <p:style>
+          <a:lnRef idx="2">
+            <a:schemeClr val="accent1">
+              <a:shade val="50000"/>
+            </a:schemeClr>
+          </a:lnRef>
+          <a:fillRef idx="1">
+            <a:schemeClr val="accent1"/>
+          </a:fillRef>
+          <a:effectRef idx="0">
+            <a:schemeClr val="accent1"/>
+          </a:effectRef>
+          <a:fontRef idx="minor">
+            <a:schemeClr val="lt1"/>
+          </a:fontRef>
+        </p:style>
+        <p:txBody>
+          <a:bodyPr rtlCol="0" anchor="ctr"/>
+          <a:lstStyle/>
+          <a:p>
+            <a:pPr algn="ctr"/>
+            <a:endParaRPr lang="en-US" u="sng" dirty="0"/>
+          </a:p>
+        </p:txBody>
+      </p:sp>
+      <p:sp>
+        <p:nvSpPr>
+          <p:cNvPr id="96" name="Rectangle 95">
+            <a:extLst>
+              <a:ext uri="{FF2B5EF4-FFF2-40B4-BE49-F238E27FC236}">
+                <a16:creationId xmlns:a16="http://schemas.microsoft.com/office/drawing/2014/main" id="{C16D330C-9B4D-4B19-B52D-470B7E7F669C}"/>
+              </a:ext>
+            </a:extLst>
+          </p:cNvPr>
+          <p:cNvSpPr/>
+          <p:nvPr/>
+        </p:nvSpPr>
+        <p:spPr>
+          <a:xfrm>
+            <a:off x="3459710" y="2477041"/>
+            <a:ext cx="108330" cy="107219"/>
+          </a:xfrm>
+          <a:prstGeom prst="rect">
+            <a:avLst/>
+          </a:prstGeom>
+        </p:spPr>
+        <p:style>
+          <a:lnRef idx="2">
+            <a:schemeClr val="accent1">
+              <a:shade val="50000"/>
+            </a:schemeClr>
+          </a:lnRef>
+          <a:fillRef idx="1">
+            <a:schemeClr val="accent1"/>
+          </a:fillRef>
+          <a:effectRef idx="0">
+            <a:schemeClr val="accent1"/>
+          </a:effectRef>
+          <a:fontRef idx="minor">
+            <a:schemeClr val="lt1"/>
+          </a:fontRef>
+        </p:style>
+        <p:txBody>
+          <a:bodyPr rtlCol="0" anchor="ctr"/>
+          <a:lstStyle/>
+          <a:p>
+            <a:pPr algn="ctr"/>
+            <a:endParaRPr lang="en-US" u="sng"/>
+          </a:p>
+        </p:txBody>
+      </p:sp>
+      <p:sp>
+        <p:nvSpPr>
+          <p:cNvPr id="97" name="Rectangle 96">
+            <a:extLst>
+              <a:ext uri="{FF2B5EF4-FFF2-40B4-BE49-F238E27FC236}">
+                <a16:creationId xmlns:a16="http://schemas.microsoft.com/office/drawing/2014/main" id="{F9A64915-891F-43EF-9B51-1527CEADF589}"/>
+              </a:ext>
+            </a:extLst>
+          </p:cNvPr>
+          <p:cNvSpPr/>
+          <p:nvPr/>
+        </p:nvSpPr>
+        <p:spPr>
+          <a:xfrm>
+            <a:off x="3568041" y="2146675"/>
+            <a:ext cx="108330" cy="107219"/>
+          </a:xfrm>
+          <a:prstGeom prst="rect">
+            <a:avLst/>
+          </a:prstGeom>
+          <a:solidFill>
+            <a:schemeClr val="accent1">
+              <a:lumMod val="40000"/>
+              <a:lumOff val="60000"/>
+            </a:schemeClr>
+          </a:solidFill>
+        </p:spPr>
+        <p:style>
+          <a:lnRef idx="2">
+            <a:schemeClr val="accent1">
+              <a:shade val="50000"/>
+            </a:schemeClr>
+          </a:lnRef>
+          <a:fillRef idx="1">
+            <a:schemeClr val="accent1"/>
+          </a:fillRef>
+          <a:effectRef idx="0">
+            <a:schemeClr val="accent1"/>
+          </a:effectRef>
+          <a:fontRef idx="minor">
+            <a:schemeClr val="lt1"/>
+          </a:fontRef>
+        </p:style>
+        <p:txBody>
+          <a:bodyPr rtlCol="0" anchor="ctr"/>
+          <a:lstStyle/>
+          <a:p>
+            <a:pPr algn="ctr"/>
+            <a:endParaRPr lang="en-US" u="sng" dirty="0"/>
+          </a:p>
+        </p:txBody>
+      </p:sp>
+      <p:sp>
+        <p:nvSpPr>
+          <p:cNvPr id="98" name="Rectangle 97">
+            <a:extLst>
+              <a:ext uri="{FF2B5EF4-FFF2-40B4-BE49-F238E27FC236}">
+                <a16:creationId xmlns:a16="http://schemas.microsoft.com/office/drawing/2014/main" id="{B04C44BB-D865-4811-A7B9-09C3E0E5E231}"/>
+              </a:ext>
+            </a:extLst>
+          </p:cNvPr>
+          <p:cNvSpPr/>
+          <p:nvPr/>
+        </p:nvSpPr>
+        <p:spPr>
+          <a:xfrm>
+            <a:off x="3568041" y="2259593"/>
+            <a:ext cx="108330" cy="107219"/>
+          </a:xfrm>
+          <a:prstGeom prst="rect">
+            <a:avLst/>
+          </a:prstGeom>
+          <a:solidFill>
+            <a:schemeClr val="accent1">
+              <a:lumMod val="40000"/>
+              <a:lumOff val="60000"/>
+            </a:schemeClr>
+          </a:solidFill>
+        </p:spPr>
+        <p:style>
+          <a:lnRef idx="2">
+            <a:schemeClr val="accent1">
+              <a:shade val="50000"/>
+            </a:schemeClr>
+          </a:lnRef>
+          <a:fillRef idx="1">
+            <a:schemeClr val="accent1"/>
+          </a:fillRef>
+          <a:effectRef idx="0">
+            <a:schemeClr val="accent1"/>
+          </a:effectRef>
+          <a:fontRef idx="minor">
+            <a:schemeClr val="lt1"/>
+          </a:fontRef>
+        </p:style>
+        <p:txBody>
+          <a:bodyPr rtlCol="0" anchor="ctr"/>
+          <a:lstStyle/>
+          <a:p>
+            <a:pPr algn="ctr"/>
+            <a:endParaRPr lang="en-US" u="sng"/>
+          </a:p>
+        </p:txBody>
+      </p:sp>
+      <p:sp>
+        <p:nvSpPr>
+          <p:cNvPr id="99" name="Rectangle 98">
+            <a:extLst>
+              <a:ext uri="{FF2B5EF4-FFF2-40B4-BE49-F238E27FC236}">
+                <a16:creationId xmlns:a16="http://schemas.microsoft.com/office/drawing/2014/main" id="{93729A44-454D-4C5F-A8B9-DD4356D318A8}"/>
+              </a:ext>
+            </a:extLst>
+          </p:cNvPr>
+          <p:cNvSpPr/>
+          <p:nvPr/>
+        </p:nvSpPr>
+        <p:spPr>
+          <a:xfrm>
+            <a:off x="3568040" y="2372510"/>
+            <a:ext cx="108330" cy="107219"/>
+          </a:xfrm>
+          <a:prstGeom prst="rect">
+            <a:avLst/>
+          </a:prstGeom>
+        </p:spPr>
+        <p:style>
+          <a:lnRef idx="2">
+            <a:schemeClr val="accent1">
+              <a:shade val="50000"/>
+            </a:schemeClr>
+          </a:lnRef>
+          <a:fillRef idx="1">
+            <a:schemeClr val="accent1"/>
+          </a:fillRef>
+          <a:effectRef idx="0">
+            <a:schemeClr val="accent1"/>
+          </a:effectRef>
+          <a:fontRef idx="minor">
+            <a:schemeClr val="lt1"/>
+          </a:fontRef>
+        </p:style>
+        <p:txBody>
+          <a:bodyPr rtlCol="0" anchor="ctr"/>
+          <a:lstStyle/>
+          <a:p>
+            <a:pPr algn="ctr"/>
+            <a:endParaRPr lang="en-US" u="sng" dirty="0"/>
+          </a:p>
+        </p:txBody>
+      </p:sp>
+      <p:sp>
+        <p:nvSpPr>
+          <p:cNvPr id="100" name="Rectangle 99">
+            <a:extLst>
+              <a:ext uri="{FF2B5EF4-FFF2-40B4-BE49-F238E27FC236}">
+                <a16:creationId xmlns:a16="http://schemas.microsoft.com/office/drawing/2014/main" id="{9D503CEB-6474-43B0-BD8F-42B15B3236C2}"/>
+              </a:ext>
+            </a:extLst>
+          </p:cNvPr>
+          <p:cNvSpPr/>
+          <p:nvPr/>
+        </p:nvSpPr>
+        <p:spPr>
+          <a:xfrm>
+            <a:off x="3568041" y="2477042"/>
+            <a:ext cx="108330" cy="107219"/>
+          </a:xfrm>
+          <a:prstGeom prst="rect">
+            <a:avLst/>
+          </a:prstGeom>
+        </p:spPr>
+        <p:style>
+          <a:lnRef idx="2">
+            <a:schemeClr val="accent1">
+              <a:shade val="50000"/>
+            </a:schemeClr>
+          </a:lnRef>
+          <a:fillRef idx="1">
+            <a:schemeClr val="accent1"/>
+          </a:fillRef>
+          <a:effectRef idx="0">
+            <a:schemeClr val="accent1"/>
+          </a:effectRef>
+          <a:fontRef idx="minor">
+            <a:schemeClr val="lt1"/>
+          </a:fontRef>
+        </p:style>
+        <p:txBody>
+          <a:bodyPr rtlCol="0" anchor="ctr"/>
+          <a:lstStyle/>
+          <a:p>
+            <a:pPr algn="ctr"/>
+            <a:endParaRPr lang="en-US" u="sng"/>
+          </a:p>
+        </p:txBody>
+      </p:sp>
+      <p:sp>
+        <p:nvSpPr>
+          <p:cNvPr id="101" name="Rectangle 100">
+            <a:extLst>
+              <a:ext uri="{FF2B5EF4-FFF2-40B4-BE49-F238E27FC236}">
+                <a16:creationId xmlns:a16="http://schemas.microsoft.com/office/drawing/2014/main" id="{9B5B3DEE-DC0D-4BCB-AA16-7FB9A2F05FFC}"/>
+              </a:ext>
+            </a:extLst>
+          </p:cNvPr>
+          <p:cNvSpPr/>
+          <p:nvPr/>
+        </p:nvSpPr>
+        <p:spPr>
+          <a:xfrm>
+            <a:off x="3678288" y="1930778"/>
+            <a:ext cx="108330" cy="107219"/>
+          </a:xfrm>
+          <a:prstGeom prst="rect">
+            <a:avLst/>
+          </a:prstGeom>
+          <a:solidFill>
+            <a:schemeClr val="accent1">
+              <a:lumMod val="40000"/>
+              <a:lumOff val="60000"/>
+            </a:schemeClr>
+          </a:solidFill>
+        </p:spPr>
+        <p:style>
+          <a:lnRef idx="2">
+            <a:schemeClr val="accent1">
+              <a:shade val="50000"/>
+            </a:schemeClr>
+          </a:lnRef>
+          <a:fillRef idx="1">
+            <a:schemeClr val="accent1"/>
+          </a:fillRef>
+          <a:effectRef idx="0">
+            <a:schemeClr val="accent1"/>
+          </a:effectRef>
+          <a:fontRef idx="minor">
+            <a:schemeClr val="lt1"/>
+          </a:fontRef>
+        </p:style>
+        <p:txBody>
+          <a:bodyPr rtlCol="0" anchor="ctr"/>
+          <a:lstStyle/>
+          <a:p>
+            <a:pPr algn="ctr"/>
+            <a:endParaRPr lang="en-US" dirty="0"/>
+          </a:p>
+        </p:txBody>
+      </p:sp>
+      <p:sp>
+        <p:nvSpPr>
+          <p:cNvPr id="102" name="Rectangle 101">
+            <a:extLst>
+              <a:ext uri="{FF2B5EF4-FFF2-40B4-BE49-F238E27FC236}">
+                <a16:creationId xmlns:a16="http://schemas.microsoft.com/office/drawing/2014/main" id="{45D33A0B-01BD-441D-93D7-D98015683B69}"/>
+              </a:ext>
+            </a:extLst>
+          </p:cNvPr>
+          <p:cNvSpPr/>
+          <p:nvPr/>
+        </p:nvSpPr>
+        <p:spPr>
+          <a:xfrm>
+            <a:off x="3678288" y="2043696"/>
+            <a:ext cx="108330" cy="107219"/>
+          </a:xfrm>
+          <a:prstGeom prst="rect">
+            <a:avLst/>
+          </a:prstGeom>
+        </p:spPr>
+        <p:style>
+          <a:lnRef idx="2">
+            <a:schemeClr val="accent1">
+              <a:shade val="50000"/>
+            </a:schemeClr>
+          </a:lnRef>
+          <a:fillRef idx="1">
+            <a:schemeClr val="accent1"/>
+          </a:fillRef>
+          <a:effectRef idx="0">
+            <a:schemeClr val="accent1"/>
+          </a:effectRef>
+          <a:fontRef idx="minor">
+            <a:schemeClr val="lt1"/>
+          </a:fontRef>
+        </p:style>
+        <p:txBody>
+          <a:bodyPr rtlCol="0" anchor="ctr"/>
+          <a:lstStyle/>
+          <a:p>
+            <a:pPr algn="ctr"/>
+            <a:endParaRPr lang="en-US"/>
+          </a:p>
+        </p:txBody>
+      </p:sp>
+      <p:sp>
+        <p:nvSpPr>
+          <p:cNvPr id="103" name="Rectangle 102">
+            <a:extLst>
+              <a:ext uri="{FF2B5EF4-FFF2-40B4-BE49-F238E27FC236}">
+                <a16:creationId xmlns:a16="http://schemas.microsoft.com/office/drawing/2014/main" id="{85EF1A79-C541-4DD9-B6FD-9894B7A274B7}"/>
+              </a:ext>
+            </a:extLst>
+          </p:cNvPr>
+          <p:cNvSpPr/>
+          <p:nvPr/>
+        </p:nvSpPr>
+        <p:spPr>
+          <a:xfrm>
+            <a:off x="3786618" y="1930778"/>
+            <a:ext cx="108330" cy="107219"/>
+          </a:xfrm>
+          <a:prstGeom prst="rect">
+            <a:avLst/>
+          </a:prstGeom>
+          <a:solidFill>
+            <a:srgbClr val="7030A0"/>
+          </a:solidFill>
+        </p:spPr>
+        <p:style>
+          <a:lnRef idx="2">
+            <a:schemeClr val="accent1">
+              <a:shade val="50000"/>
+            </a:schemeClr>
+          </a:lnRef>
+          <a:fillRef idx="1">
+            <a:schemeClr val="accent1"/>
+          </a:fillRef>
+          <a:effectRef idx="0">
+            <a:schemeClr val="accent1"/>
+          </a:effectRef>
+          <a:fontRef idx="minor">
+            <a:schemeClr val="lt1"/>
+          </a:fontRef>
+        </p:style>
+        <p:txBody>
+          <a:bodyPr rtlCol="0" anchor="ctr"/>
+          <a:lstStyle/>
+          <a:p>
+            <a:pPr algn="ctr"/>
+            <a:endParaRPr lang="en-US" dirty="0"/>
+          </a:p>
+        </p:txBody>
+      </p:sp>
+      <p:sp>
+        <p:nvSpPr>
+          <p:cNvPr id="104" name="Rectangle 103">
+            <a:extLst>
+              <a:ext uri="{FF2B5EF4-FFF2-40B4-BE49-F238E27FC236}">
+                <a16:creationId xmlns:a16="http://schemas.microsoft.com/office/drawing/2014/main" id="{3766022B-3850-4DEA-82F3-C3E01B367951}"/>
+              </a:ext>
+            </a:extLst>
+          </p:cNvPr>
+          <p:cNvSpPr/>
+          <p:nvPr/>
+        </p:nvSpPr>
+        <p:spPr>
+          <a:xfrm>
+            <a:off x="3786618" y="2043696"/>
+            <a:ext cx="108330" cy="107219"/>
+          </a:xfrm>
+          <a:prstGeom prst="rect">
+            <a:avLst/>
+          </a:prstGeom>
+          <a:solidFill>
+            <a:srgbClr val="7030A0"/>
+          </a:solidFill>
+        </p:spPr>
+        <p:style>
+          <a:lnRef idx="2">
+            <a:schemeClr val="accent1">
+              <a:shade val="50000"/>
+            </a:schemeClr>
+          </a:lnRef>
+          <a:fillRef idx="1">
+            <a:schemeClr val="accent1"/>
+          </a:fillRef>
+          <a:effectRef idx="0">
+            <a:schemeClr val="accent1"/>
+          </a:effectRef>
+          <a:fontRef idx="minor">
+            <a:schemeClr val="lt1"/>
+          </a:fontRef>
+        </p:style>
+        <p:txBody>
+          <a:bodyPr rtlCol="0" anchor="ctr"/>
+          <a:lstStyle/>
+          <a:p>
+            <a:pPr algn="ctr"/>
+            <a:endParaRPr lang="en-US"/>
+          </a:p>
+        </p:txBody>
+      </p:sp>
+      <p:sp>
+        <p:nvSpPr>
+          <p:cNvPr id="105" name="Rectangle 104">
+            <a:extLst>
+              <a:ext uri="{FF2B5EF4-FFF2-40B4-BE49-F238E27FC236}">
+                <a16:creationId xmlns:a16="http://schemas.microsoft.com/office/drawing/2014/main" id="{4527ABD8-752C-4F96-8B35-38E3801CC9F4}"/>
+              </a:ext>
+            </a:extLst>
+          </p:cNvPr>
+          <p:cNvSpPr/>
+          <p:nvPr/>
+        </p:nvSpPr>
+        <p:spPr>
+          <a:xfrm>
+            <a:off x="3894949" y="1930778"/>
+            <a:ext cx="108330" cy="107219"/>
+          </a:xfrm>
+          <a:prstGeom prst="rect">
+            <a:avLst/>
+          </a:prstGeom>
+        </p:spPr>
+        <p:style>
+          <a:lnRef idx="2">
+            <a:schemeClr val="accent1">
+              <a:shade val="50000"/>
+            </a:schemeClr>
+          </a:lnRef>
+          <a:fillRef idx="1">
+            <a:schemeClr val="accent1"/>
+          </a:fillRef>
+          <a:effectRef idx="0">
+            <a:schemeClr val="accent1"/>
+          </a:effectRef>
+          <a:fontRef idx="minor">
+            <a:schemeClr val="lt1"/>
+          </a:fontRef>
+        </p:style>
+        <p:txBody>
+          <a:bodyPr rtlCol="0" anchor="ctr"/>
+          <a:lstStyle/>
+          <a:p>
+            <a:pPr algn="ctr"/>
+            <a:endParaRPr lang="en-US" dirty="0"/>
+          </a:p>
+        </p:txBody>
+      </p:sp>
+      <p:sp>
+        <p:nvSpPr>
+          <p:cNvPr id="106" name="Rectangle 105">
+            <a:extLst>
+              <a:ext uri="{FF2B5EF4-FFF2-40B4-BE49-F238E27FC236}">
+                <a16:creationId xmlns:a16="http://schemas.microsoft.com/office/drawing/2014/main" id="{8A62D01D-9B82-4D45-A312-6282C9E7EC76}"/>
+              </a:ext>
+            </a:extLst>
+          </p:cNvPr>
+          <p:cNvSpPr/>
+          <p:nvPr/>
+        </p:nvSpPr>
+        <p:spPr>
+          <a:xfrm>
+            <a:off x="3894949" y="2043696"/>
+            <a:ext cx="108330" cy="107219"/>
+          </a:xfrm>
+          <a:prstGeom prst="rect">
+            <a:avLst/>
+          </a:prstGeom>
+        </p:spPr>
+        <p:style>
+          <a:lnRef idx="2">
+            <a:schemeClr val="accent1">
+              <a:shade val="50000"/>
+            </a:schemeClr>
+          </a:lnRef>
+          <a:fillRef idx="1">
+            <a:schemeClr val="accent1"/>
+          </a:fillRef>
+          <a:effectRef idx="0">
+            <a:schemeClr val="accent1"/>
+          </a:effectRef>
+          <a:fontRef idx="minor">
+            <a:schemeClr val="lt1"/>
+          </a:fontRef>
+        </p:style>
+        <p:txBody>
+          <a:bodyPr rtlCol="0" anchor="ctr"/>
+          <a:lstStyle/>
+          <a:p>
+            <a:pPr algn="ctr"/>
+            <a:endParaRPr lang="en-US"/>
+          </a:p>
+        </p:txBody>
+      </p:sp>
+      <p:sp>
+        <p:nvSpPr>
+          <p:cNvPr id="107" name="Rectangle 106">
+            <a:extLst>
+              <a:ext uri="{FF2B5EF4-FFF2-40B4-BE49-F238E27FC236}">
+                <a16:creationId xmlns:a16="http://schemas.microsoft.com/office/drawing/2014/main" id="{4DF8C5AD-52B4-41DD-AA6D-0C6013F4952D}"/>
+              </a:ext>
+            </a:extLst>
+          </p:cNvPr>
+          <p:cNvSpPr/>
+          <p:nvPr/>
+        </p:nvSpPr>
+        <p:spPr>
+          <a:xfrm>
+            <a:off x="3352475" y="1932720"/>
+            <a:ext cx="108330" cy="107219"/>
+          </a:xfrm>
+          <a:prstGeom prst="rect">
+            <a:avLst/>
+          </a:prstGeom>
+        </p:spPr>
+        <p:style>
+          <a:lnRef idx="2">
+            <a:schemeClr val="accent1">
+              <a:shade val="50000"/>
+            </a:schemeClr>
+          </a:lnRef>
+          <a:fillRef idx="1">
+            <a:schemeClr val="accent1"/>
+          </a:fillRef>
+          <a:effectRef idx="0">
+            <a:schemeClr val="accent1"/>
+          </a:effectRef>
+          <a:fontRef idx="minor">
+            <a:schemeClr val="lt1"/>
+          </a:fontRef>
+        </p:style>
+        <p:txBody>
+          <a:bodyPr rtlCol="0" anchor="ctr"/>
+          <a:lstStyle/>
+          <a:p>
+            <a:pPr algn="ctr"/>
+            <a:endParaRPr lang="en-US" u="sng" dirty="0"/>
+          </a:p>
+        </p:txBody>
+      </p:sp>
+      <p:sp>
+        <p:nvSpPr>
+          <p:cNvPr id="108" name="Rectangle 107">
+            <a:extLst>
+              <a:ext uri="{FF2B5EF4-FFF2-40B4-BE49-F238E27FC236}">
+                <a16:creationId xmlns:a16="http://schemas.microsoft.com/office/drawing/2014/main" id="{7B38A5DF-1905-4AFE-B292-4A5305FF78F6}"/>
+              </a:ext>
+            </a:extLst>
+          </p:cNvPr>
+          <p:cNvSpPr/>
+          <p:nvPr/>
+        </p:nvSpPr>
+        <p:spPr>
+          <a:xfrm>
+            <a:off x="3352475" y="2037249"/>
+            <a:ext cx="108330" cy="107219"/>
+          </a:xfrm>
+          <a:prstGeom prst="rect">
+            <a:avLst/>
+          </a:prstGeom>
+        </p:spPr>
+        <p:style>
+          <a:lnRef idx="2">
+            <a:schemeClr val="accent1">
+              <a:shade val="50000"/>
+            </a:schemeClr>
+          </a:lnRef>
+          <a:fillRef idx="1">
+            <a:schemeClr val="accent1"/>
+          </a:fillRef>
+          <a:effectRef idx="0">
+            <a:schemeClr val="accent1"/>
+          </a:effectRef>
+          <a:fontRef idx="minor">
+            <a:schemeClr val="lt1"/>
+          </a:fontRef>
+        </p:style>
+        <p:txBody>
+          <a:bodyPr rtlCol="0" anchor="ctr"/>
+          <a:lstStyle/>
+          <a:p>
+            <a:pPr algn="ctr"/>
+            <a:endParaRPr lang="en-US" u="sng"/>
+          </a:p>
+        </p:txBody>
+      </p:sp>
+      <p:sp>
+        <p:nvSpPr>
+          <p:cNvPr id="109" name="Rectangle 108">
+            <a:extLst>
+              <a:ext uri="{FF2B5EF4-FFF2-40B4-BE49-F238E27FC236}">
+                <a16:creationId xmlns:a16="http://schemas.microsoft.com/office/drawing/2014/main" id="{714F63E3-3C4B-4ED8-805F-FAA4563220E9}"/>
+              </a:ext>
+            </a:extLst>
+          </p:cNvPr>
+          <p:cNvSpPr/>
+          <p:nvPr/>
+        </p:nvSpPr>
+        <p:spPr>
+          <a:xfrm>
+            <a:off x="3460805" y="1932720"/>
+            <a:ext cx="108330" cy="107219"/>
+          </a:xfrm>
+          <a:prstGeom prst="rect">
+            <a:avLst/>
+          </a:prstGeom>
+        </p:spPr>
+        <p:style>
+          <a:lnRef idx="2">
+            <a:schemeClr val="accent1">
+              <a:shade val="50000"/>
+            </a:schemeClr>
+          </a:lnRef>
+          <a:fillRef idx="1">
+            <a:schemeClr val="accent1"/>
+          </a:fillRef>
+          <a:effectRef idx="0">
+            <a:schemeClr val="accent1"/>
+          </a:effectRef>
+          <a:fontRef idx="minor">
+            <a:schemeClr val="lt1"/>
+          </a:fontRef>
+        </p:style>
+        <p:txBody>
+          <a:bodyPr rtlCol="0" anchor="ctr"/>
+          <a:lstStyle/>
+          <a:p>
+            <a:pPr algn="ctr"/>
+            <a:endParaRPr lang="en-US" u="sng" dirty="0"/>
+          </a:p>
+        </p:txBody>
+      </p:sp>
+      <p:sp>
+        <p:nvSpPr>
+          <p:cNvPr id="110" name="Rectangle 109">
+            <a:extLst>
+              <a:ext uri="{FF2B5EF4-FFF2-40B4-BE49-F238E27FC236}">
+                <a16:creationId xmlns:a16="http://schemas.microsoft.com/office/drawing/2014/main" id="{B1F8EF8E-AC71-4EB8-BD96-0568D98860E1}"/>
+              </a:ext>
+            </a:extLst>
+          </p:cNvPr>
+          <p:cNvSpPr/>
+          <p:nvPr/>
+        </p:nvSpPr>
+        <p:spPr>
+          <a:xfrm>
+            <a:off x="3460805" y="2037249"/>
+            <a:ext cx="108330" cy="107219"/>
+          </a:xfrm>
+          <a:prstGeom prst="rect">
+            <a:avLst/>
+          </a:prstGeom>
+        </p:spPr>
+        <p:style>
+          <a:lnRef idx="2">
+            <a:schemeClr val="accent1">
+              <a:shade val="50000"/>
+            </a:schemeClr>
+          </a:lnRef>
+          <a:fillRef idx="1">
+            <a:schemeClr val="accent1"/>
+          </a:fillRef>
+          <a:effectRef idx="0">
+            <a:schemeClr val="accent1"/>
+          </a:effectRef>
+          <a:fontRef idx="minor">
+            <a:schemeClr val="lt1"/>
+          </a:fontRef>
+        </p:style>
+        <p:txBody>
+          <a:bodyPr rtlCol="0" anchor="ctr"/>
+          <a:lstStyle/>
+          <a:p>
+            <a:pPr algn="ctr"/>
+            <a:endParaRPr lang="en-US" u="sng"/>
+          </a:p>
+        </p:txBody>
+      </p:sp>
+      <p:sp>
+        <p:nvSpPr>
+          <p:cNvPr id="111" name="Rectangle 110">
+            <a:extLst>
+              <a:ext uri="{FF2B5EF4-FFF2-40B4-BE49-F238E27FC236}">
+                <a16:creationId xmlns:a16="http://schemas.microsoft.com/office/drawing/2014/main" id="{1DB42377-2E0E-400D-80FB-F255CABB6309}"/>
+              </a:ext>
+            </a:extLst>
+          </p:cNvPr>
+          <p:cNvSpPr/>
+          <p:nvPr/>
+        </p:nvSpPr>
+        <p:spPr>
+          <a:xfrm>
+            <a:off x="3569136" y="1932720"/>
+            <a:ext cx="108330" cy="107219"/>
+          </a:xfrm>
+          <a:prstGeom prst="rect">
+            <a:avLst/>
+          </a:prstGeom>
+        </p:spPr>
+        <p:style>
+          <a:lnRef idx="2">
+            <a:schemeClr val="accent1">
+              <a:shade val="50000"/>
+            </a:schemeClr>
+          </a:lnRef>
+          <a:fillRef idx="1">
+            <a:schemeClr val="accent1"/>
+          </a:fillRef>
+          <a:effectRef idx="0">
+            <a:schemeClr val="accent1"/>
+          </a:effectRef>
+          <a:fontRef idx="minor">
+            <a:schemeClr val="lt1"/>
+          </a:fontRef>
+        </p:style>
+        <p:txBody>
+          <a:bodyPr rtlCol="0" anchor="ctr"/>
+          <a:lstStyle/>
+          <a:p>
+            <a:pPr algn="ctr"/>
+            <a:endParaRPr lang="en-US" u="sng" dirty="0"/>
+          </a:p>
+        </p:txBody>
+      </p:sp>
+      <p:sp>
+        <p:nvSpPr>
+          <p:cNvPr id="112" name="Rectangle 111">
+            <a:extLst>
+              <a:ext uri="{FF2B5EF4-FFF2-40B4-BE49-F238E27FC236}">
+                <a16:creationId xmlns:a16="http://schemas.microsoft.com/office/drawing/2014/main" id="{8CFB67AD-EE62-41E6-A32F-47BE4D355454}"/>
+              </a:ext>
+            </a:extLst>
+          </p:cNvPr>
+          <p:cNvSpPr/>
+          <p:nvPr/>
+        </p:nvSpPr>
+        <p:spPr>
+          <a:xfrm>
+            <a:off x="3569136" y="2037249"/>
+            <a:ext cx="108330" cy="107219"/>
+          </a:xfrm>
+          <a:prstGeom prst="rect">
+            <a:avLst/>
+          </a:prstGeom>
+        </p:spPr>
+        <p:style>
+          <a:lnRef idx="2">
+            <a:schemeClr val="accent1">
+              <a:shade val="50000"/>
+            </a:schemeClr>
+          </a:lnRef>
+          <a:fillRef idx="1">
+            <a:schemeClr val="accent1"/>
+          </a:fillRef>
+          <a:effectRef idx="0">
+            <a:schemeClr val="accent1"/>
+          </a:effectRef>
+          <a:fontRef idx="minor">
+            <a:schemeClr val="lt1"/>
+          </a:fontRef>
+        </p:style>
+        <p:txBody>
+          <a:bodyPr rtlCol="0" anchor="ctr"/>
+          <a:lstStyle/>
+          <a:p>
+            <a:pPr algn="ctr"/>
+            <a:endParaRPr lang="en-US" u="sng"/>
+          </a:p>
+        </p:txBody>
+      </p:sp>
+      <p:sp>
+        <p:nvSpPr>
+          <p:cNvPr id="113" name="Rectangle 112">
+            <a:extLst>
+              <a:ext uri="{FF2B5EF4-FFF2-40B4-BE49-F238E27FC236}">
+                <a16:creationId xmlns:a16="http://schemas.microsoft.com/office/drawing/2014/main" id="{DBCB6A87-0400-4EAF-B24F-2034B45BA354}"/>
+              </a:ext>
+            </a:extLst>
+          </p:cNvPr>
+          <p:cNvSpPr/>
+          <p:nvPr/>
+        </p:nvSpPr>
+        <p:spPr>
+          <a:xfrm>
+            <a:off x="4225786" y="1650011"/>
+            <a:ext cx="914400" cy="1192529"/>
+          </a:xfrm>
+          <a:prstGeom prst="rect">
+            <a:avLst/>
+          </a:prstGeom>
+          <a:solidFill>
+            <a:schemeClr val="bg1">
+              <a:lumMod val="50000"/>
+            </a:schemeClr>
+          </a:solidFill>
+          <a:ln>
+            <a:solidFill>
+              <a:schemeClr val="tx1">
+                <a:lumMod val="95000"/>
+                <a:lumOff val="5000"/>
+              </a:schemeClr>
+            </a:solidFill>
+          </a:ln>
+        </p:spPr>
+        <p:style>
+          <a:lnRef idx="2">
+            <a:schemeClr val="accent1">
+              <a:shade val="50000"/>
+            </a:schemeClr>
+          </a:lnRef>
+          <a:fillRef idx="1">
+            <a:schemeClr val="accent1"/>
+          </a:fillRef>
+          <a:effectRef idx="0">
+            <a:schemeClr val="accent1"/>
+          </a:effectRef>
+          <a:fontRef idx="minor">
+            <a:schemeClr val="lt1"/>
+          </a:fontRef>
+        </p:style>
+        <p:txBody>
+          <a:bodyPr rtlCol="0" anchor="ctr"/>
+          <a:lstStyle/>
+          <a:p>
+            <a:pPr algn="ctr"/>
+            <a:r>
+              <a:rPr lang="pt-BR" sz="1050" b="1" dirty="0"/>
+              <a:t>Convolução</a:t>
+            </a:r>
+            <a:br>
+              <a:rPr lang="pt-BR" sz="1400" dirty="0"/>
+            </a:br>
+            <a:r>
+              <a:rPr lang="pt-BR" sz="1000" dirty="0"/>
+              <a:t>80 filtros</a:t>
+            </a:r>
+          </a:p>
+          <a:p>
+            <a:pPr algn="ctr"/>
+            <a:r>
+              <a:rPr lang="pt-BR" sz="1000" dirty="0"/>
+              <a:t> Kernel 3x3</a:t>
+            </a:r>
+          </a:p>
+          <a:p>
+            <a:pPr algn="ctr"/>
+            <a:br>
+              <a:rPr lang="pt-BR" sz="1400" dirty="0"/>
+            </a:br>
+            <a:r>
+              <a:rPr lang="pt-BR" sz="1050" b="1" dirty="0"/>
+              <a:t>MaxPooling</a:t>
+            </a:r>
+            <a:br>
+              <a:rPr lang="pt-BR" sz="1400" b="1" dirty="0"/>
+            </a:br>
+            <a:r>
+              <a:rPr lang="pt-BR" sz="1000" dirty="0"/>
+              <a:t>Kernel 2x2</a:t>
+            </a:r>
+            <a:endParaRPr lang="en-US" sz="1000" dirty="0"/>
+          </a:p>
+        </p:txBody>
+      </p:sp>
+      <p:cxnSp>
+        <p:nvCxnSpPr>
+          <p:cNvPr id="114" name="Straight Arrow Connector 113">
+            <a:extLst>
+              <a:ext uri="{FF2B5EF4-FFF2-40B4-BE49-F238E27FC236}">
+                <a16:creationId xmlns:a16="http://schemas.microsoft.com/office/drawing/2014/main" id="{18A404EE-D33E-4B76-A692-1EDF742B9B42}"/>
+              </a:ext>
+            </a:extLst>
+          </p:cNvPr>
+          <p:cNvCxnSpPr>
+            <a:cxnSpLocks/>
+          </p:cNvCxnSpPr>
+          <p:nvPr/>
+        </p:nvCxnSpPr>
+        <p:spPr>
+          <a:xfrm>
+            <a:off x="4045303" y="2252626"/>
+            <a:ext cx="152400" cy="0"/>
+          </a:xfrm>
+          <a:prstGeom prst="straightConnector1">
+            <a:avLst/>
+          </a:prstGeom>
+          <a:ln w="38100">
+            <a:solidFill>
+              <a:schemeClr val="tx1"/>
+            </a:solidFill>
+            <a:tailEnd type="triangle"/>
+          </a:ln>
+        </p:spPr>
+        <p:style>
+          <a:lnRef idx="1">
+            <a:schemeClr val="accent1"/>
+          </a:lnRef>
+          <a:fillRef idx="0">
+            <a:schemeClr val="accent1"/>
+          </a:fillRef>
+          <a:effectRef idx="0">
+            <a:schemeClr val="accent1"/>
+          </a:effectRef>
+          <a:fontRef idx="minor">
+            <a:schemeClr val="tx1"/>
+          </a:fontRef>
+        </p:style>
+      </p:cxnSp>
+      <p:sp>
+        <p:nvSpPr>
+          <p:cNvPr id="115" name="Rectangle 114">
+            <a:extLst>
+              <a:ext uri="{FF2B5EF4-FFF2-40B4-BE49-F238E27FC236}">
+                <a16:creationId xmlns:a16="http://schemas.microsoft.com/office/drawing/2014/main" id="{1E4F794E-FD72-4A21-9EC3-2015D5212646}"/>
+              </a:ext>
+            </a:extLst>
+          </p:cNvPr>
+          <p:cNvSpPr/>
+          <p:nvPr/>
+        </p:nvSpPr>
+        <p:spPr>
+          <a:xfrm>
+            <a:off x="5587037" y="2100358"/>
+            <a:ext cx="108330" cy="107219"/>
+          </a:xfrm>
+          <a:prstGeom prst="rect">
+            <a:avLst/>
+          </a:prstGeom>
+        </p:spPr>
+        <p:style>
+          <a:lnRef idx="2">
+            <a:schemeClr val="accent1">
+              <a:shade val="50000"/>
+            </a:schemeClr>
+          </a:lnRef>
+          <a:fillRef idx="1">
+            <a:schemeClr val="accent1"/>
+          </a:fillRef>
+          <a:effectRef idx="0">
+            <a:schemeClr val="accent1"/>
+          </a:effectRef>
+          <a:fontRef idx="minor">
+            <a:schemeClr val="lt1"/>
+          </a:fontRef>
+        </p:style>
+        <p:txBody>
+          <a:bodyPr rtlCol="0" anchor="ctr"/>
+          <a:lstStyle/>
+          <a:p>
+            <a:pPr algn="ctr"/>
+            <a:endParaRPr lang="en-US" dirty="0"/>
+          </a:p>
+        </p:txBody>
+      </p:sp>
+      <p:sp>
+        <p:nvSpPr>
+          <p:cNvPr id="116" name="Rectangle 115">
+            <a:extLst>
+              <a:ext uri="{FF2B5EF4-FFF2-40B4-BE49-F238E27FC236}">
+                <a16:creationId xmlns:a16="http://schemas.microsoft.com/office/drawing/2014/main" id="{A1D3C3A9-1CAC-46BF-B1A3-74E4A6E778D5}"/>
+              </a:ext>
+            </a:extLst>
+          </p:cNvPr>
+          <p:cNvSpPr/>
+          <p:nvPr/>
+        </p:nvSpPr>
+        <p:spPr>
+          <a:xfrm>
+            <a:off x="5587037" y="2213276"/>
+            <a:ext cx="108330" cy="107219"/>
+          </a:xfrm>
+          <a:prstGeom prst="rect">
+            <a:avLst/>
+          </a:prstGeom>
+          <a:solidFill>
+            <a:schemeClr val="accent1">
+              <a:lumMod val="40000"/>
+              <a:lumOff val="60000"/>
+            </a:schemeClr>
+          </a:solidFill>
+        </p:spPr>
+        <p:style>
+          <a:lnRef idx="2">
+            <a:schemeClr val="accent1">
+              <a:shade val="50000"/>
+            </a:schemeClr>
+          </a:lnRef>
+          <a:fillRef idx="1">
+            <a:schemeClr val="accent1"/>
+          </a:fillRef>
+          <a:effectRef idx="0">
+            <a:schemeClr val="accent1"/>
+          </a:effectRef>
+          <a:fontRef idx="minor">
+            <a:schemeClr val="lt1"/>
+          </a:fontRef>
+        </p:style>
+        <p:txBody>
+          <a:bodyPr rtlCol="0" anchor="ctr"/>
+          <a:lstStyle/>
+          <a:p>
+            <a:pPr algn="ctr"/>
+            <a:endParaRPr lang="en-US"/>
+          </a:p>
+        </p:txBody>
+      </p:sp>
+      <p:sp>
+        <p:nvSpPr>
+          <p:cNvPr id="117" name="Rectangle 116">
+            <a:extLst>
+              <a:ext uri="{FF2B5EF4-FFF2-40B4-BE49-F238E27FC236}">
+                <a16:creationId xmlns:a16="http://schemas.microsoft.com/office/drawing/2014/main" id="{1727F81B-5CDF-425B-A55A-C39439B5A10A}"/>
+              </a:ext>
+            </a:extLst>
+          </p:cNvPr>
+          <p:cNvSpPr/>
+          <p:nvPr/>
+        </p:nvSpPr>
+        <p:spPr>
+          <a:xfrm>
+            <a:off x="5587037" y="2317805"/>
+            <a:ext cx="108330" cy="107219"/>
+          </a:xfrm>
+          <a:prstGeom prst="rect">
+            <a:avLst/>
+          </a:prstGeom>
+          <a:solidFill>
+            <a:schemeClr val="accent1">
+              <a:lumMod val="40000"/>
+              <a:lumOff val="60000"/>
+            </a:schemeClr>
+          </a:solidFill>
+        </p:spPr>
+        <p:style>
+          <a:lnRef idx="2">
+            <a:schemeClr val="accent1">
+              <a:shade val="50000"/>
+            </a:schemeClr>
+          </a:lnRef>
+          <a:fillRef idx="1">
+            <a:schemeClr val="accent1"/>
+          </a:fillRef>
+          <a:effectRef idx="0">
+            <a:schemeClr val="accent1"/>
+          </a:effectRef>
+          <a:fontRef idx="minor">
+            <a:schemeClr val="lt1"/>
+          </a:fontRef>
+        </p:style>
+        <p:txBody>
+          <a:bodyPr rtlCol="0" anchor="ctr"/>
+          <a:lstStyle/>
+          <a:p>
+            <a:pPr algn="ctr"/>
+            <a:endParaRPr lang="en-US" dirty="0"/>
+          </a:p>
+        </p:txBody>
+      </p:sp>
+      <p:sp>
+        <p:nvSpPr>
+          <p:cNvPr id="118" name="Rectangle 117">
+            <a:extLst>
+              <a:ext uri="{FF2B5EF4-FFF2-40B4-BE49-F238E27FC236}">
+                <a16:creationId xmlns:a16="http://schemas.microsoft.com/office/drawing/2014/main" id="{EF6136AF-D84E-4BE7-AC60-6B9103BBFF82}"/>
+              </a:ext>
+            </a:extLst>
+          </p:cNvPr>
+          <p:cNvSpPr/>
+          <p:nvPr/>
+        </p:nvSpPr>
+        <p:spPr>
+          <a:xfrm>
+            <a:off x="5369554" y="2093142"/>
+            <a:ext cx="108330" cy="107219"/>
+          </a:xfrm>
+          <a:prstGeom prst="rect">
+            <a:avLst/>
+          </a:prstGeom>
+          <a:solidFill>
+            <a:srgbClr val="7030A0"/>
+          </a:solidFill>
+        </p:spPr>
+        <p:style>
+          <a:lnRef idx="2">
+            <a:schemeClr val="accent1">
+              <a:shade val="50000"/>
+            </a:schemeClr>
+          </a:lnRef>
+          <a:fillRef idx="1">
+            <a:schemeClr val="accent1"/>
+          </a:fillRef>
+          <a:effectRef idx="0">
+            <a:schemeClr val="accent1"/>
+          </a:effectRef>
+          <a:fontRef idx="minor">
+            <a:schemeClr val="lt1"/>
+          </a:fontRef>
+        </p:style>
+        <p:txBody>
+          <a:bodyPr rtlCol="0" anchor="ctr"/>
+          <a:lstStyle/>
+          <a:p>
+            <a:pPr algn="ctr"/>
+            <a:endParaRPr lang="en-US" u="sng" dirty="0"/>
+          </a:p>
+        </p:txBody>
+      </p:sp>
+      <p:sp>
+        <p:nvSpPr>
+          <p:cNvPr id="119" name="Rectangle 118">
+            <a:extLst>
+              <a:ext uri="{FF2B5EF4-FFF2-40B4-BE49-F238E27FC236}">
+                <a16:creationId xmlns:a16="http://schemas.microsoft.com/office/drawing/2014/main" id="{0C82BF31-9365-4BDA-8F28-89CCD804D101}"/>
+              </a:ext>
+            </a:extLst>
+          </p:cNvPr>
+          <p:cNvSpPr/>
+          <p:nvPr/>
+        </p:nvSpPr>
+        <p:spPr>
+          <a:xfrm>
+            <a:off x="5369554" y="2206060"/>
+            <a:ext cx="108330" cy="107219"/>
+          </a:xfrm>
+          <a:prstGeom prst="rect">
+            <a:avLst/>
+          </a:prstGeom>
+          <a:solidFill>
+            <a:srgbClr val="7030A0"/>
+          </a:solidFill>
+        </p:spPr>
+        <p:style>
+          <a:lnRef idx="2">
+            <a:schemeClr val="accent1">
+              <a:shade val="50000"/>
+            </a:schemeClr>
+          </a:lnRef>
+          <a:fillRef idx="1">
+            <a:schemeClr val="accent1"/>
+          </a:fillRef>
+          <a:effectRef idx="0">
+            <a:schemeClr val="accent1"/>
+          </a:effectRef>
+          <a:fontRef idx="minor">
+            <a:schemeClr val="lt1"/>
+          </a:fontRef>
+        </p:style>
+        <p:txBody>
+          <a:bodyPr rtlCol="0" anchor="ctr"/>
+          <a:lstStyle/>
+          <a:p>
+            <a:pPr algn="ctr"/>
+            <a:endParaRPr lang="en-US" u="sng"/>
+          </a:p>
+        </p:txBody>
+      </p:sp>
+      <p:sp>
+        <p:nvSpPr>
+          <p:cNvPr id="120" name="Rectangle 119">
+            <a:extLst>
+              <a:ext uri="{FF2B5EF4-FFF2-40B4-BE49-F238E27FC236}">
+                <a16:creationId xmlns:a16="http://schemas.microsoft.com/office/drawing/2014/main" id="{7FC34BD9-36EC-4A9B-BB90-68934F618123}"/>
+              </a:ext>
+            </a:extLst>
+          </p:cNvPr>
+          <p:cNvSpPr/>
+          <p:nvPr/>
+        </p:nvSpPr>
+        <p:spPr>
+          <a:xfrm>
+            <a:off x="5369553" y="2318978"/>
+            <a:ext cx="108330" cy="107219"/>
+          </a:xfrm>
+          <a:prstGeom prst="rect">
+            <a:avLst/>
+          </a:prstGeom>
+        </p:spPr>
+        <p:style>
+          <a:lnRef idx="2">
+            <a:schemeClr val="accent1">
+              <a:shade val="50000"/>
+            </a:schemeClr>
+          </a:lnRef>
+          <a:fillRef idx="1">
+            <a:schemeClr val="accent1"/>
+          </a:fillRef>
+          <a:effectRef idx="0">
+            <a:schemeClr val="accent1"/>
+          </a:effectRef>
+          <a:fontRef idx="minor">
+            <a:schemeClr val="lt1"/>
+          </a:fontRef>
+        </p:style>
+        <p:txBody>
+          <a:bodyPr rtlCol="0" anchor="ctr"/>
+          <a:lstStyle/>
+          <a:p>
+            <a:pPr algn="ctr"/>
+            <a:endParaRPr lang="en-US" u="sng" dirty="0"/>
+          </a:p>
+        </p:txBody>
+      </p:sp>
+      <p:sp>
+        <p:nvSpPr>
+          <p:cNvPr id="121" name="Rectangle 120">
+            <a:extLst>
+              <a:ext uri="{FF2B5EF4-FFF2-40B4-BE49-F238E27FC236}">
+                <a16:creationId xmlns:a16="http://schemas.microsoft.com/office/drawing/2014/main" id="{E4FD5520-5889-4CDD-B24F-B1D97E4AFE17}"/>
+              </a:ext>
+            </a:extLst>
+          </p:cNvPr>
+          <p:cNvSpPr/>
+          <p:nvPr/>
+        </p:nvSpPr>
+        <p:spPr>
+          <a:xfrm>
+            <a:off x="5477885" y="2093141"/>
+            <a:ext cx="108330" cy="107219"/>
+          </a:xfrm>
+          <a:prstGeom prst="rect">
+            <a:avLst/>
+          </a:prstGeom>
+          <a:solidFill>
+            <a:schemeClr val="accent1">
+              <a:lumMod val="40000"/>
+              <a:lumOff val="60000"/>
+            </a:schemeClr>
+          </a:solidFill>
+        </p:spPr>
+        <p:style>
+          <a:lnRef idx="2">
+            <a:schemeClr val="accent1">
+              <a:shade val="50000"/>
+            </a:schemeClr>
+          </a:lnRef>
+          <a:fillRef idx="1">
+            <a:schemeClr val="accent1"/>
+          </a:fillRef>
+          <a:effectRef idx="0">
+            <a:schemeClr val="accent1"/>
+          </a:effectRef>
+          <a:fontRef idx="minor">
+            <a:schemeClr val="lt1"/>
+          </a:fontRef>
+        </p:style>
+        <p:txBody>
+          <a:bodyPr rtlCol="0" anchor="ctr"/>
+          <a:lstStyle/>
+          <a:p>
+            <a:pPr algn="ctr"/>
+            <a:endParaRPr lang="en-US" u="sng" dirty="0"/>
+          </a:p>
+        </p:txBody>
+      </p:sp>
+      <p:sp>
+        <p:nvSpPr>
+          <p:cNvPr id="122" name="Rectangle 121">
+            <a:extLst>
+              <a:ext uri="{FF2B5EF4-FFF2-40B4-BE49-F238E27FC236}">
+                <a16:creationId xmlns:a16="http://schemas.microsoft.com/office/drawing/2014/main" id="{59FBD859-1A9D-4AFE-9129-BC252387F090}"/>
+              </a:ext>
+            </a:extLst>
+          </p:cNvPr>
+          <p:cNvSpPr/>
+          <p:nvPr/>
+        </p:nvSpPr>
+        <p:spPr>
+          <a:xfrm>
+            <a:off x="5477885" y="2206059"/>
+            <a:ext cx="108330" cy="107219"/>
+          </a:xfrm>
+          <a:prstGeom prst="rect">
+            <a:avLst/>
+          </a:prstGeom>
+          <a:solidFill>
+            <a:schemeClr val="accent1">
+              <a:lumMod val="40000"/>
+              <a:lumOff val="60000"/>
+            </a:schemeClr>
+          </a:solidFill>
+        </p:spPr>
+        <p:style>
+          <a:lnRef idx="2">
+            <a:schemeClr val="accent1">
+              <a:shade val="50000"/>
+            </a:schemeClr>
+          </a:lnRef>
+          <a:fillRef idx="1">
+            <a:schemeClr val="accent1"/>
+          </a:fillRef>
+          <a:effectRef idx="0">
+            <a:schemeClr val="accent1"/>
+          </a:effectRef>
+          <a:fontRef idx="minor">
+            <a:schemeClr val="lt1"/>
+          </a:fontRef>
+        </p:style>
+        <p:txBody>
+          <a:bodyPr rtlCol="0" anchor="ctr"/>
+          <a:lstStyle/>
+          <a:p>
+            <a:pPr algn="ctr"/>
+            <a:endParaRPr lang="en-US" u="sng"/>
+          </a:p>
+        </p:txBody>
+      </p:sp>
+      <p:sp>
+        <p:nvSpPr>
+          <p:cNvPr id="123" name="Rectangle 122">
+            <a:extLst>
+              <a:ext uri="{FF2B5EF4-FFF2-40B4-BE49-F238E27FC236}">
+                <a16:creationId xmlns:a16="http://schemas.microsoft.com/office/drawing/2014/main" id="{FCB8DD6F-76ED-4D59-85D2-26F5334F2A0D}"/>
+              </a:ext>
+            </a:extLst>
+          </p:cNvPr>
+          <p:cNvSpPr/>
+          <p:nvPr/>
+        </p:nvSpPr>
+        <p:spPr>
+          <a:xfrm>
+            <a:off x="5477884" y="2318976"/>
+            <a:ext cx="108330" cy="107219"/>
+          </a:xfrm>
+          <a:prstGeom prst="rect">
+            <a:avLst/>
+          </a:prstGeom>
+        </p:spPr>
+        <p:style>
+          <a:lnRef idx="2">
+            <a:schemeClr val="accent1">
+              <a:shade val="50000"/>
+            </a:schemeClr>
+          </a:lnRef>
+          <a:fillRef idx="1">
+            <a:schemeClr val="accent1"/>
+          </a:fillRef>
+          <a:effectRef idx="0">
+            <a:schemeClr val="accent1"/>
+          </a:effectRef>
+          <a:fontRef idx="minor">
+            <a:schemeClr val="lt1"/>
+          </a:fontRef>
+        </p:style>
+        <p:txBody>
+          <a:bodyPr rtlCol="0" anchor="ctr"/>
+          <a:lstStyle/>
+          <a:p>
+            <a:pPr algn="ctr"/>
+            <a:endParaRPr lang="en-US" u="sng" dirty="0"/>
+          </a:p>
+        </p:txBody>
+      </p:sp>
+      <p:cxnSp>
+        <p:nvCxnSpPr>
+          <p:cNvPr id="124" name="Straight Arrow Connector 123">
+            <a:extLst>
+              <a:ext uri="{FF2B5EF4-FFF2-40B4-BE49-F238E27FC236}">
+                <a16:creationId xmlns:a16="http://schemas.microsoft.com/office/drawing/2014/main" id="{B6F6A485-BCCD-4661-AEA8-49AA6188E00F}"/>
+              </a:ext>
+            </a:extLst>
+          </p:cNvPr>
+          <p:cNvCxnSpPr>
+            <a:cxnSpLocks/>
+          </p:cNvCxnSpPr>
+          <p:nvPr/>
+        </p:nvCxnSpPr>
+        <p:spPr>
+          <a:xfrm>
+            <a:off x="5180770" y="2263704"/>
+            <a:ext cx="152400" cy="0"/>
+          </a:xfrm>
+          <a:prstGeom prst="straightConnector1">
+            <a:avLst/>
+          </a:prstGeom>
+          <a:ln w="38100">
+            <a:solidFill>
+              <a:schemeClr val="tx1"/>
+            </a:solidFill>
+            <a:tailEnd type="triangle"/>
+          </a:ln>
+        </p:spPr>
+        <p:style>
+          <a:lnRef idx="1">
+            <a:schemeClr val="accent1"/>
+          </a:lnRef>
+          <a:fillRef idx="0">
+            <a:schemeClr val="accent1"/>
+          </a:fillRef>
+          <a:effectRef idx="0">
+            <a:schemeClr val="accent1"/>
+          </a:effectRef>
+          <a:fontRef idx="minor">
+            <a:schemeClr val="tx1"/>
+          </a:fontRef>
+        </p:style>
+      </p:cxnSp>
+      <p:sp>
+        <p:nvSpPr>
+          <p:cNvPr id="125" name="Rectangle 124">
+            <a:extLst>
+              <a:ext uri="{FF2B5EF4-FFF2-40B4-BE49-F238E27FC236}">
+                <a16:creationId xmlns:a16="http://schemas.microsoft.com/office/drawing/2014/main" id="{8422C8E8-C673-4210-8ED9-FD38AADCB4ED}"/>
+              </a:ext>
+            </a:extLst>
+          </p:cNvPr>
+          <p:cNvSpPr/>
+          <p:nvPr/>
+        </p:nvSpPr>
+        <p:spPr>
+          <a:xfrm>
+            <a:off x="5942230" y="2021270"/>
+            <a:ext cx="866005" cy="446764"/>
+          </a:xfrm>
+          <a:prstGeom prst="rect">
+            <a:avLst/>
+          </a:prstGeom>
+          <a:solidFill>
+            <a:schemeClr val="accent6">
+              <a:lumMod val="75000"/>
+            </a:schemeClr>
+          </a:solidFill>
+          <a:ln>
+            <a:solidFill>
+              <a:schemeClr val="tx1">
+                <a:lumMod val="95000"/>
+                <a:lumOff val="5000"/>
+              </a:schemeClr>
+            </a:solidFill>
+          </a:ln>
+        </p:spPr>
+        <p:style>
+          <a:lnRef idx="2">
+            <a:schemeClr val="accent1">
+              <a:shade val="50000"/>
+            </a:schemeClr>
+          </a:lnRef>
+          <a:fillRef idx="1">
+            <a:schemeClr val="accent1"/>
+          </a:fillRef>
+          <a:effectRef idx="0">
+            <a:schemeClr val="accent1"/>
+          </a:effectRef>
+          <a:fontRef idx="minor">
+            <a:schemeClr val="lt1"/>
+          </a:fontRef>
+        </p:style>
+        <p:txBody>
+          <a:bodyPr rtlCol="0" anchor="ctr"/>
+          <a:lstStyle/>
+          <a:p>
+            <a:pPr algn="ctr"/>
+            <a:r>
+              <a:rPr lang="pt-BR" sz="900" b="1" dirty="0" err="1"/>
+              <a:t>GlobalPooling</a:t>
+            </a:r>
+            <a:endParaRPr lang="en-US" sz="1100" dirty="0"/>
+          </a:p>
+        </p:txBody>
+      </p:sp>
+      <p:cxnSp>
+        <p:nvCxnSpPr>
+          <p:cNvPr id="126" name="Straight Arrow Connector 125">
+            <a:extLst>
+              <a:ext uri="{FF2B5EF4-FFF2-40B4-BE49-F238E27FC236}">
+                <a16:creationId xmlns:a16="http://schemas.microsoft.com/office/drawing/2014/main" id="{6CFE613D-18B6-4399-BD42-9CE515319154}"/>
+              </a:ext>
+            </a:extLst>
+          </p:cNvPr>
+          <p:cNvCxnSpPr>
+            <a:cxnSpLocks/>
+          </p:cNvCxnSpPr>
+          <p:nvPr/>
+        </p:nvCxnSpPr>
+        <p:spPr>
+          <a:xfrm>
+            <a:off x="5757033" y="2259593"/>
+            <a:ext cx="152400" cy="0"/>
+          </a:xfrm>
+          <a:prstGeom prst="straightConnector1">
+            <a:avLst/>
+          </a:prstGeom>
+          <a:ln w="38100">
+            <a:solidFill>
+              <a:schemeClr val="tx1"/>
+            </a:solidFill>
+            <a:tailEnd type="triangle"/>
+          </a:ln>
+        </p:spPr>
+        <p:style>
+          <a:lnRef idx="1">
+            <a:schemeClr val="accent1"/>
+          </a:lnRef>
+          <a:fillRef idx="0">
+            <a:schemeClr val="accent1"/>
+          </a:fillRef>
+          <a:effectRef idx="0">
+            <a:schemeClr val="accent1"/>
+          </a:effectRef>
+          <a:fontRef idx="minor">
+            <a:schemeClr val="tx1"/>
+          </a:fontRef>
+        </p:style>
+      </p:cxnSp>
+      <p:grpSp>
+        <p:nvGrpSpPr>
+          <p:cNvPr id="134" name="Group 133">
+            <a:extLst>
+              <a:ext uri="{FF2B5EF4-FFF2-40B4-BE49-F238E27FC236}">
+                <a16:creationId xmlns:a16="http://schemas.microsoft.com/office/drawing/2014/main" id="{0D59E5C5-4630-42C4-8781-5B2DDC443923}"/>
+              </a:ext>
+            </a:extLst>
+          </p:cNvPr>
+          <p:cNvGrpSpPr/>
+          <p:nvPr/>
+        </p:nvGrpSpPr>
+        <p:grpSpPr>
+          <a:xfrm>
+            <a:off x="7083850" y="2199798"/>
+            <a:ext cx="495193" cy="108664"/>
+            <a:chOff x="7205770" y="2199798"/>
+            <a:chExt cx="650044" cy="108664"/>
+          </a:xfrm>
+        </p:grpSpPr>
+        <p:sp>
+          <p:nvSpPr>
+            <p:cNvPr id="127" name="Rectangle 126">
+              <a:extLst>
+                <a:ext uri="{FF2B5EF4-FFF2-40B4-BE49-F238E27FC236}">
+                  <a16:creationId xmlns:a16="http://schemas.microsoft.com/office/drawing/2014/main" id="{6A2D30EE-F101-4D24-9ACD-FDA738D690A8}"/>
+                </a:ext>
+              </a:extLst>
+            </p:cNvPr>
+            <p:cNvSpPr/>
+            <p:nvPr/>
+          </p:nvSpPr>
+          <p:spPr>
+            <a:xfrm>
+              <a:off x="7423253" y="2201007"/>
+              <a:ext cx="108330" cy="107219"/>
+            </a:xfrm>
+            <a:prstGeom prst="rect">
+              <a:avLst/>
+            </a:prstGeom>
+          </p:spPr>
+          <p:style>
+            <a:lnRef idx="2">
+              <a:schemeClr val="accent1">
+                <a:shade val="50000"/>
+              </a:schemeClr>
+            </a:lnRef>
+            <a:fillRef idx="1">
+              <a:schemeClr val="accent1"/>
+            </a:fillRef>
+            <a:effectRef idx="0">
+              <a:schemeClr val="accent1"/>
+            </a:effectRef>
+            <a:fontRef idx="minor">
+              <a:schemeClr val="lt1"/>
+            </a:fontRef>
+          </p:style>
+          <p:txBody>
+            <a:bodyPr rtlCol="0" anchor="ctr"/>
+            <a:lstStyle/>
+            <a:p>
+              <a:pPr algn="ctr"/>
+              <a:endParaRPr lang="en-US" dirty="0"/>
+            </a:p>
+          </p:txBody>
+        </p:sp>
+        <p:sp>
+          <p:nvSpPr>
+            <p:cNvPr id="128" name="Rectangle 127">
+              <a:extLst>
+                <a:ext uri="{FF2B5EF4-FFF2-40B4-BE49-F238E27FC236}">
+                  <a16:creationId xmlns:a16="http://schemas.microsoft.com/office/drawing/2014/main" id="{386D2760-80FA-4996-84CC-C63D891495A1}"/>
+                </a:ext>
+              </a:extLst>
+            </p:cNvPr>
+            <p:cNvSpPr/>
+            <p:nvPr/>
+          </p:nvSpPr>
+          <p:spPr>
+            <a:xfrm>
+              <a:off x="7747484" y="2200070"/>
+              <a:ext cx="108330" cy="107219"/>
+            </a:xfrm>
+            <a:prstGeom prst="rect">
+              <a:avLst/>
+            </a:prstGeom>
+            <a:solidFill>
+              <a:schemeClr val="accent1">
+                <a:lumMod val="40000"/>
+                <a:lumOff val="60000"/>
+              </a:schemeClr>
+            </a:solidFill>
+          </p:spPr>
+          <p:style>
+            <a:lnRef idx="2">
+              <a:schemeClr val="accent1">
+                <a:shade val="50000"/>
+              </a:schemeClr>
+            </a:lnRef>
+            <a:fillRef idx="1">
+              <a:schemeClr val="accent1"/>
+            </a:fillRef>
+            <a:effectRef idx="0">
+              <a:schemeClr val="accent1"/>
+            </a:effectRef>
+            <a:fontRef idx="minor">
+              <a:schemeClr val="lt1"/>
+            </a:fontRef>
+          </p:style>
+          <p:txBody>
+            <a:bodyPr rtlCol="0" anchor="ctr"/>
+            <a:lstStyle/>
+            <a:p>
+              <a:pPr algn="ctr"/>
+              <a:endParaRPr lang="en-US"/>
+            </a:p>
+          </p:txBody>
+        </p:sp>
+        <p:sp>
+          <p:nvSpPr>
+            <p:cNvPr id="129" name="Rectangle 128">
+              <a:extLst>
+                <a:ext uri="{FF2B5EF4-FFF2-40B4-BE49-F238E27FC236}">
+                  <a16:creationId xmlns:a16="http://schemas.microsoft.com/office/drawing/2014/main" id="{E472ED67-88BF-450E-B5C0-1B11B4395288}"/>
+                </a:ext>
+              </a:extLst>
+            </p:cNvPr>
+            <p:cNvSpPr/>
+            <p:nvPr/>
+          </p:nvSpPr>
+          <p:spPr>
+            <a:xfrm>
+              <a:off x="7205770" y="2199799"/>
+              <a:ext cx="108330" cy="107219"/>
+            </a:xfrm>
+            <a:prstGeom prst="rect">
+              <a:avLst/>
+            </a:prstGeom>
+            <a:solidFill>
+              <a:srgbClr val="7030A0"/>
+            </a:solidFill>
+          </p:spPr>
+          <p:style>
+            <a:lnRef idx="2">
+              <a:schemeClr val="accent1">
+                <a:shade val="50000"/>
+              </a:schemeClr>
+            </a:lnRef>
+            <a:fillRef idx="1">
+              <a:schemeClr val="accent1"/>
+            </a:fillRef>
+            <a:effectRef idx="0">
+              <a:schemeClr val="accent1"/>
+            </a:effectRef>
+            <a:fontRef idx="minor">
+              <a:schemeClr val="lt1"/>
+            </a:fontRef>
+          </p:style>
+          <p:txBody>
+            <a:bodyPr rtlCol="0" anchor="ctr"/>
+            <a:lstStyle/>
+            <a:p>
+              <a:pPr algn="ctr"/>
+              <a:endParaRPr lang="en-US" u="sng" dirty="0"/>
+            </a:p>
+          </p:txBody>
+        </p:sp>
+        <p:sp>
+          <p:nvSpPr>
+            <p:cNvPr id="130" name="Rectangle 129">
+              <a:extLst>
+                <a:ext uri="{FF2B5EF4-FFF2-40B4-BE49-F238E27FC236}">
+                  <a16:creationId xmlns:a16="http://schemas.microsoft.com/office/drawing/2014/main" id="{F6C86032-59A4-4262-95B2-2FE388387638}"/>
+                </a:ext>
+              </a:extLst>
+            </p:cNvPr>
+            <p:cNvSpPr/>
+            <p:nvPr/>
+          </p:nvSpPr>
+          <p:spPr>
+            <a:xfrm>
+              <a:off x="7530001" y="2201243"/>
+              <a:ext cx="108330" cy="107219"/>
+            </a:xfrm>
+            <a:prstGeom prst="rect">
+              <a:avLst/>
+            </a:prstGeom>
+            <a:solidFill>
+              <a:srgbClr val="7030A0"/>
+            </a:solidFill>
+          </p:spPr>
+          <p:style>
+            <a:lnRef idx="2">
+              <a:schemeClr val="accent1">
+                <a:shade val="50000"/>
+              </a:schemeClr>
+            </a:lnRef>
+            <a:fillRef idx="1">
+              <a:schemeClr val="accent1"/>
+            </a:fillRef>
+            <a:effectRef idx="0">
+              <a:schemeClr val="accent1"/>
+            </a:effectRef>
+            <a:fontRef idx="minor">
+              <a:schemeClr val="lt1"/>
+            </a:fontRef>
+          </p:style>
+          <p:txBody>
+            <a:bodyPr rtlCol="0" anchor="ctr"/>
+            <a:lstStyle/>
+            <a:p>
+              <a:pPr algn="ctr"/>
+              <a:endParaRPr lang="en-US" u="sng"/>
+            </a:p>
+          </p:txBody>
+        </p:sp>
+        <p:sp>
+          <p:nvSpPr>
+            <p:cNvPr id="131" name="Rectangle 130">
+              <a:extLst>
+                <a:ext uri="{FF2B5EF4-FFF2-40B4-BE49-F238E27FC236}">
+                  <a16:creationId xmlns:a16="http://schemas.microsoft.com/office/drawing/2014/main" id="{3A48EC71-5E7E-4667-8C3E-98D0BDB234CC}"/>
+                </a:ext>
+              </a:extLst>
+            </p:cNvPr>
+            <p:cNvSpPr/>
+            <p:nvPr/>
+          </p:nvSpPr>
+          <p:spPr>
+            <a:xfrm>
+              <a:off x="7314101" y="2199798"/>
+              <a:ext cx="108330" cy="107219"/>
+            </a:xfrm>
+            <a:prstGeom prst="rect">
+              <a:avLst/>
+            </a:prstGeom>
+            <a:solidFill>
+              <a:schemeClr val="accent1">
+                <a:lumMod val="40000"/>
+                <a:lumOff val="60000"/>
+              </a:schemeClr>
+            </a:solidFill>
+          </p:spPr>
+          <p:style>
+            <a:lnRef idx="2">
+              <a:schemeClr val="accent1">
+                <a:shade val="50000"/>
+              </a:schemeClr>
+            </a:lnRef>
+            <a:fillRef idx="1">
+              <a:schemeClr val="accent1"/>
+            </a:fillRef>
+            <a:effectRef idx="0">
+              <a:schemeClr val="accent1"/>
+            </a:effectRef>
+            <a:fontRef idx="minor">
+              <a:schemeClr val="lt1"/>
+            </a:fontRef>
+          </p:style>
+          <p:txBody>
+            <a:bodyPr rtlCol="0" anchor="ctr"/>
+            <a:lstStyle/>
+            <a:p>
+              <a:pPr algn="ctr"/>
+              <a:endParaRPr lang="en-US" u="sng" dirty="0"/>
+            </a:p>
+          </p:txBody>
+        </p:sp>
+        <p:sp>
+          <p:nvSpPr>
+            <p:cNvPr id="132" name="Rectangle 131">
+              <a:extLst>
+                <a:ext uri="{FF2B5EF4-FFF2-40B4-BE49-F238E27FC236}">
+                  <a16:creationId xmlns:a16="http://schemas.microsoft.com/office/drawing/2014/main" id="{9E1E5292-4FD3-4A16-8AB4-0BE9EFA0F4C6}"/>
+                </a:ext>
+              </a:extLst>
+            </p:cNvPr>
+            <p:cNvSpPr/>
+            <p:nvPr/>
+          </p:nvSpPr>
+          <p:spPr>
+            <a:xfrm>
+              <a:off x="7638332" y="2201242"/>
+              <a:ext cx="108330" cy="107219"/>
+            </a:xfrm>
+            <a:prstGeom prst="rect">
+              <a:avLst/>
+            </a:prstGeom>
+            <a:solidFill>
+              <a:schemeClr val="accent1">
+                <a:lumMod val="40000"/>
+                <a:lumOff val="60000"/>
+              </a:schemeClr>
+            </a:solidFill>
+          </p:spPr>
+          <p:style>
+            <a:lnRef idx="2">
+              <a:schemeClr val="accent1">
+                <a:shade val="50000"/>
+              </a:schemeClr>
+            </a:lnRef>
+            <a:fillRef idx="1">
+              <a:schemeClr val="accent1"/>
+            </a:fillRef>
+            <a:effectRef idx="0">
+              <a:schemeClr val="accent1"/>
+            </a:effectRef>
+            <a:fontRef idx="minor">
+              <a:schemeClr val="lt1"/>
+            </a:fontRef>
+          </p:style>
+          <p:txBody>
+            <a:bodyPr rtlCol="0" anchor="ctr"/>
+            <a:lstStyle/>
+            <a:p>
+              <a:pPr algn="ctr"/>
+              <a:endParaRPr lang="en-US" u="sng"/>
+            </a:p>
+          </p:txBody>
+        </p:sp>
+      </p:grpSp>
+      <p:cxnSp>
+        <p:nvCxnSpPr>
+          <p:cNvPr id="133" name="Straight Arrow Connector 132">
+            <a:extLst>
+              <a:ext uri="{FF2B5EF4-FFF2-40B4-BE49-F238E27FC236}">
+                <a16:creationId xmlns:a16="http://schemas.microsoft.com/office/drawing/2014/main" id="{D8EBA635-55DB-4D32-A235-D803522332F8}"/>
+              </a:ext>
+            </a:extLst>
+          </p:cNvPr>
+          <p:cNvCxnSpPr>
+            <a:cxnSpLocks/>
+          </p:cNvCxnSpPr>
+          <p:nvPr/>
+        </p:nvCxnSpPr>
+        <p:spPr>
+          <a:xfrm>
+            <a:off x="6886390" y="2252626"/>
+            <a:ext cx="152400" cy="0"/>
+          </a:xfrm>
+          <a:prstGeom prst="straightConnector1">
+            <a:avLst/>
+          </a:prstGeom>
+          <a:ln w="38100">
+            <a:solidFill>
+              <a:schemeClr val="tx1"/>
+            </a:solidFill>
+            <a:tailEnd type="triangle"/>
+          </a:ln>
+        </p:spPr>
+        <p:style>
+          <a:lnRef idx="1">
+            <a:schemeClr val="accent1"/>
+          </a:lnRef>
+          <a:fillRef idx="0">
+            <a:schemeClr val="accent1"/>
+          </a:fillRef>
+          <a:effectRef idx="0">
+            <a:schemeClr val="accent1"/>
+          </a:effectRef>
+          <a:fontRef idx="minor">
+            <a:schemeClr val="tx1"/>
+          </a:fontRef>
+        </p:style>
+      </p:cxnSp>
+      <p:cxnSp>
+        <p:nvCxnSpPr>
+          <p:cNvPr id="135" name="Straight Arrow Connector 134">
+            <a:extLst>
+              <a:ext uri="{FF2B5EF4-FFF2-40B4-BE49-F238E27FC236}">
+                <a16:creationId xmlns:a16="http://schemas.microsoft.com/office/drawing/2014/main" id="{3A401051-8325-4C93-AA73-F3D9D22171C2}"/>
+              </a:ext>
+            </a:extLst>
+          </p:cNvPr>
+          <p:cNvCxnSpPr>
+            <a:cxnSpLocks/>
+          </p:cNvCxnSpPr>
+          <p:nvPr/>
+        </p:nvCxnSpPr>
+        <p:spPr>
+          <a:xfrm>
+            <a:off x="7625530" y="2252626"/>
+            <a:ext cx="152400" cy="0"/>
+          </a:xfrm>
+          <a:prstGeom prst="straightConnector1">
+            <a:avLst/>
+          </a:prstGeom>
+          <a:ln w="38100">
+            <a:solidFill>
+              <a:schemeClr val="tx1"/>
+            </a:solidFill>
+            <a:tailEnd type="triangle"/>
+          </a:ln>
+        </p:spPr>
+        <p:style>
+          <a:lnRef idx="1">
+            <a:schemeClr val="accent1"/>
+          </a:lnRef>
+          <a:fillRef idx="0">
+            <a:schemeClr val="accent1"/>
+          </a:fillRef>
+          <a:effectRef idx="0">
+            <a:schemeClr val="accent1"/>
+          </a:effectRef>
+          <a:fontRef idx="minor">
+            <a:schemeClr val="tx1"/>
+          </a:fontRef>
+        </p:style>
+      </p:cxnSp>
+      <p:sp>
+        <p:nvSpPr>
+          <p:cNvPr id="136" name="Oval 135">
+            <a:extLst>
+              <a:ext uri="{FF2B5EF4-FFF2-40B4-BE49-F238E27FC236}">
+                <a16:creationId xmlns:a16="http://schemas.microsoft.com/office/drawing/2014/main" id="{614E2D9B-EE3B-40F0-A4A3-21734FEBEE27}"/>
+              </a:ext>
+            </a:extLst>
+          </p:cNvPr>
+          <p:cNvSpPr/>
+          <p:nvPr/>
+        </p:nvSpPr>
+        <p:spPr>
+          <a:xfrm>
+            <a:off x="8252460" y="1545428"/>
+            <a:ext cx="182880" cy="182880"/>
+          </a:xfrm>
+          <a:prstGeom prst="ellipse">
+            <a:avLst/>
+          </a:prstGeom>
+          <a:solidFill>
+            <a:schemeClr val="accent4">
+              <a:lumMod val="60000"/>
+              <a:lumOff val="40000"/>
+            </a:schemeClr>
+          </a:solidFill>
+          <a:ln>
+            <a:solidFill>
+              <a:schemeClr val="accent4">
+                <a:lumMod val="50000"/>
+              </a:schemeClr>
+            </a:solidFill>
+          </a:ln>
+        </p:spPr>
+        <p:style>
+          <a:lnRef idx="2">
+            <a:schemeClr val="accent1">
+              <a:shade val="50000"/>
+            </a:schemeClr>
+          </a:lnRef>
+          <a:fillRef idx="1">
+            <a:schemeClr val="accent1"/>
+          </a:fillRef>
+          <a:effectRef idx="0">
+            <a:schemeClr val="accent1"/>
+          </a:effectRef>
+          <a:fontRef idx="minor">
+            <a:schemeClr val="lt1"/>
+          </a:fontRef>
+        </p:style>
+        <p:txBody>
+          <a:bodyPr rtlCol="0" anchor="ctr"/>
+          <a:lstStyle/>
+          <a:p>
+            <a:pPr algn="ctr"/>
+            <a:endParaRPr lang="en-US"/>
+          </a:p>
+        </p:txBody>
+      </p:sp>
+      <p:sp>
+        <p:nvSpPr>
+          <p:cNvPr id="137" name="Oval 136">
+            <a:extLst>
+              <a:ext uri="{FF2B5EF4-FFF2-40B4-BE49-F238E27FC236}">
+                <a16:creationId xmlns:a16="http://schemas.microsoft.com/office/drawing/2014/main" id="{79BE7FD4-F534-4B60-83FE-6519AF2DEE94}"/>
+              </a:ext>
+            </a:extLst>
+          </p:cNvPr>
+          <p:cNvSpPr/>
+          <p:nvPr/>
+        </p:nvSpPr>
+        <p:spPr>
+          <a:xfrm>
+            <a:off x="8252460" y="2140215"/>
+            <a:ext cx="182880" cy="182880"/>
+          </a:xfrm>
+          <a:prstGeom prst="ellipse">
+            <a:avLst/>
+          </a:prstGeom>
+          <a:solidFill>
+            <a:schemeClr val="accent4">
+              <a:lumMod val="60000"/>
+              <a:lumOff val="40000"/>
+            </a:schemeClr>
+          </a:solidFill>
+          <a:ln>
+            <a:solidFill>
+              <a:schemeClr val="accent4">
+                <a:lumMod val="50000"/>
+              </a:schemeClr>
+            </a:solidFill>
+          </a:ln>
+        </p:spPr>
+        <p:style>
+          <a:lnRef idx="2">
+            <a:schemeClr val="accent1">
+              <a:shade val="50000"/>
+            </a:schemeClr>
+          </a:lnRef>
+          <a:fillRef idx="1">
+            <a:schemeClr val="accent1"/>
+          </a:fillRef>
+          <a:effectRef idx="0">
+            <a:schemeClr val="accent1"/>
+          </a:effectRef>
+          <a:fontRef idx="minor">
+            <a:schemeClr val="lt1"/>
+          </a:fontRef>
+        </p:style>
+        <p:txBody>
+          <a:bodyPr rtlCol="0" anchor="ctr"/>
+          <a:lstStyle/>
+          <a:p>
+            <a:pPr algn="ctr"/>
+            <a:endParaRPr lang="en-US"/>
+          </a:p>
+        </p:txBody>
+      </p:sp>
+      <p:sp>
+        <p:nvSpPr>
+          <p:cNvPr id="138" name="Oval 137">
+            <a:extLst>
+              <a:ext uri="{FF2B5EF4-FFF2-40B4-BE49-F238E27FC236}">
+                <a16:creationId xmlns:a16="http://schemas.microsoft.com/office/drawing/2014/main" id="{35BE7965-79CF-4BC0-9D0E-E129954D076E}"/>
+              </a:ext>
+            </a:extLst>
+          </p:cNvPr>
+          <p:cNvSpPr/>
+          <p:nvPr/>
+        </p:nvSpPr>
+        <p:spPr>
+          <a:xfrm>
+            <a:off x="8252460" y="2722897"/>
+            <a:ext cx="182880" cy="182880"/>
+          </a:xfrm>
+          <a:prstGeom prst="ellipse">
+            <a:avLst/>
+          </a:prstGeom>
+          <a:solidFill>
+            <a:schemeClr val="accent4">
+              <a:lumMod val="60000"/>
+              <a:lumOff val="40000"/>
+            </a:schemeClr>
+          </a:solidFill>
+          <a:ln>
+            <a:solidFill>
+              <a:schemeClr val="accent4">
+                <a:lumMod val="50000"/>
+              </a:schemeClr>
+            </a:solidFill>
+          </a:ln>
+        </p:spPr>
+        <p:style>
+          <a:lnRef idx="2">
+            <a:schemeClr val="accent1">
+              <a:shade val="50000"/>
+            </a:schemeClr>
+          </a:lnRef>
+          <a:fillRef idx="1">
+            <a:schemeClr val="accent1"/>
+          </a:fillRef>
+          <a:effectRef idx="0">
+            <a:schemeClr val="accent1"/>
+          </a:effectRef>
+          <a:fontRef idx="minor">
+            <a:schemeClr val="lt1"/>
+          </a:fontRef>
+        </p:style>
+        <p:txBody>
+          <a:bodyPr rtlCol="0" anchor="ctr"/>
+          <a:lstStyle/>
+          <a:p>
+            <a:pPr algn="ctr"/>
+            <a:endParaRPr lang="en-US"/>
+          </a:p>
+        </p:txBody>
+      </p:sp>
+      <p:sp>
+        <p:nvSpPr>
+          <p:cNvPr id="139" name="Oval 138">
+            <a:extLst>
+              <a:ext uri="{FF2B5EF4-FFF2-40B4-BE49-F238E27FC236}">
+                <a16:creationId xmlns:a16="http://schemas.microsoft.com/office/drawing/2014/main" id="{3F9B2EF7-CF27-44D8-BE91-FAC51C665B4D}"/>
+              </a:ext>
+            </a:extLst>
+          </p:cNvPr>
+          <p:cNvSpPr/>
+          <p:nvPr/>
+        </p:nvSpPr>
+        <p:spPr>
+          <a:xfrm>
+            <a:off x="8915400" y="1640961"/>
+            <a:ext cx="182880" cy="182880"/>
+          </a:xfrm>
+          <a:prstGeom prst="ellipse">
+            <a:avLst/>
+          </a:prstGeom>
+        </p:spPr>
+        <p:style>
+          <a:lnRef idx="2">
+            <a:schemeClr val="accent1">
+              <a:shade val="50000"/>
+            </a:schemeClr>
+          </a:lnRef>
+          <a:fillRef idx="1">
+            <a:schemeClr val="accent1"/>
+          </a:fillRef>
+          <a:effectRef idx="0">
+            <a:schemeClr val="accent1"/>
+          </a:effectRef>
+          <a:fontRef idx="minor">
+            <a:schemeClr val="lt1"/>
+          </a:fontRef>
+        </p:style>
+        <p:txBody>
+          <a:bodyPr rtlCol="0" anchor="ctr"/>
+          <a:lstStyle/>
+          <a:p>
+            <a:pPr algn="ctr"/>
+            <a:endParaRPr lang="en-US"/>
+          </a:p>
+        </p:txBody>
+      </p:sp>
+      <p:sp>
+        <p:nvSpPr>
+          <p:cNvPr id="140" name="Oval 139">
+            <a:extLst>
+              <a:ext uri="{FF2B5EF4-FFF2-40B4-BE49-F238E27FC236}">
+                <a16:creationId xmlns:a16="http://schemas.microsoft.com/office/drawing/2014/main" id="{079431D9-1FAC-4216-AF99-4D3304137C6F}"/>
+              </a:ext>
+            </a:extLst>
+          </p:cNvPr>
+          <p:cNvSpPr/>
+          <p:nvPr/>
+        </p:nvSpPr>
+        <p:spPr>
+          <a:xfrm>
+            <a:off x="8915400" y="2481506"/>
+            <a:ext cx="182880" cy="182880"/>
+          </a:xfrm>
+          <a:prstGeom prst="ellipse">
+            <a:avLst/>
+          </a:prstGeom>
+        </p:spPr>
+        <p:style>
+          <a:lnRef idx="2">
+            <a:schemeClr val="accent1">
+              <a:shade val="50000"/>
+            </a:schemeClr>
+          </a:lnRef>
+          <a:fillRef idx="1">
+            <a:schemeClr val="accent1"/>
+          </a:fillRef>
+          <a:effectRef idx="0">
+            <a:schemeClr val="accent1"/>
+          </a:effectRef>
+          <a:fontRef idx="minor">
+            <a:schemeClr val="lt1"/>
+          </a:fontRef>
+        </p:style>
+        <p:txBody>
+          <a:bodyPr rtlCol="0" anchor="ctr"/>
+          <a:lstStyle/>
+          <a:p>
+            <a:pPr algn="ctr"/>
+            <a:endParaRPr lang="en-US"/>
+          </a:p>
+        </p:txBody>
+      </p:sp>
+      <p:sp>
+        <p:nvSpPr>
+          <p:cNvPr id="142" name="TextBox 141">
+            <a:extLst>
+              <a:ext uri="{FF2B5EF4-FFF2-40B4-BE49-F238E27FC236}">
+                <a16:creationId xmlns:a16="http://schemas.microsoft.com/office/drawing/2014/main" id="{215AA363-9BE4-46AB-870B-0EB1EAF1DBC0}"/>
+              </a:ext>
+            </a:extLst>
+          </p:cNvPr>
+          <p:cNvSpPr txBox="1"/>
+          <p:nvPr/>
+        </p:nvSpPr>
+        <p:spPr>
+          <a:xfrm>
+            <a:off x="9523373" y="1584942"/>
+            <a:ext cx="401072" cy="276999"/>
+          </a:xfrm>
+          <a:prstGeom prst="rect">
+            <a:avLst/>
+          </a:prstGeom>
+          <a:noFill/>
+        </p:spPr>
+        <p:txBody>
+          <a:bodyPr wrap="none" rtlCol="0">
+            <a:spAutoFit/>
+          </a:bodyPr>
+          <a:lstStyle/>
+          <a:p>
+            <a:pPr algn="ctr"/>
+            <a:r>
+              <a:rPr lang="pt-BR" sz="1200" b="1" dirty="0">
+                <a:solidFill>
+                  <a:schemeClr val="accent5">
+                    <a:lumMod val="50000"/>
+                  </a:schemeClr>
+                </a:solidFill>
+              </a:rPr>
+              <a:t>MC</a:t>
+            </a:r>
+            <a:endParaRPr lang="en-US" sz="1200" b="1" dirty="0">
+              <a:solidFill>
+                <a:schemeClr val="accent5">
+                  <a:lumMod val="50000"/>
+                </a:schemeClr>
+              </a:solidFill>
+            </a:endParaRPr>
+          </a:p>
+        </p:txBody>
+      </p:sp>
+      <p:cxnSp>
+        <p:nvCxnSpPr>
+          <p:cNvPr id="144" name="Straight Connector 143">
+            <a:extLst>
+              <a:ext uri="{FF2B5EF4-FFF2-40B4-BE49-F238E27FC236}">
+                <a16:creationId xmlns:a16="http://schemas.microsoft.com/office/drawing/2014/main" id="{39935200-368D-4B6F-A445-2D75BE8353A2}"/>
+              </a:ext>
+            </a:extLst>
+          </p:cNvPr>
+          <p:cNvCxnSpPr>
+            <a:cxnSpLocks/>
+            <a:stCxn id="136" idx="2"/>
+          </p:cNvCxnSpPr>
+          <p:nvPr/>
+        </p:nvCxnSpPr>
+        <p:spPr>
+          <a:xfrm flipH="1">
+            <a:off x="7777930" y="1636868"/>
+            <a:ext cx="474530" cy="607784"/>
+          </a:xfrm>
+          <a:prstGeom prst="line">
+            <a:avLst/>
+          </a:prstGeom>
+        </p:spPr>
+        <p:style>
+          <a:lnRef idx="1">
+            <a:schemeClr val="accent1"/>
+          </a:lnRef>
+          <a:fillRef idx="0">
+            <a:schemeClr val="accent1"/>
+          </a:fillRef>
+          <a:effectRef idx="0">
+            <a:schemeClr val="accent1"/>
+          </a:effectRef>
+          <a:fontRef idx="minor">
+            <a:schemeClr val="tx1"/>
+          </a:fontRef>
+        </p:style>
+      </p:cxnSp>
+      <p:cxnSp>
+        <p:nvCxnSpPr>
+          <p:cNvPr id="145" name="Straight Connector 144">
+            <a:extLst>
+              <a:ext uri="{FF2B5EF4-FFF2-40B4-BE49-F238E27FC236}">
+                <a16:creationId xmlns:a16="http://schemas.microsoft.com/office/drawing/2014/main" id="{54B84171-C42A-47CA-8D79-7001D3237691}"/>
+              </a:ext>
+            </a:extLst>
+          </p:cNvPr>
+          <p:cNvCxnSpPr>
+            <a:cxnSpLocks/>
+            <a:stCxn id="138" idx="2"/>
+          </p:cNvCxnSpPr>
+          <p:nvPr/>
+        </p:nvCxnSpPr>
+        <p:spPr>
+          <a:xfrm flipH="1" flipV="1">
+            <a:off x="7777930" y="2244652"/>
+            <a:ext cx="474530" cy="569685"/>
+          </a:xfrm>
+          <a:prstGeom prst="line">
+            <a:avLst/>
+          </a:prstGeom>
+        </p:spPr>
+        <p:style>
+          <a:lnRef idx="1">
+            <a:schemeClr val="accent1"/>
+          </a:lnRef>
+          <a:fillRef idx="0">
+            <a:schemeClr val="accent1"/>
+          </a:fillRef>
+          <a:effectRef idx="0">
+            <a:schemeClr val="accent1"/>
+          </a:effectRef>
+          <a:fontRef idx="minor">
+            <a:schemeClr val="tx1"/>
+          </a:fontRef>
+        </p:style>
+      </p:cxnSp>
+      <p:cxnSp>
+        <p:nvCxnSpPr>
+          <p:cNvPr id="149" name="Straight Connector 148">
+            <a:extLst>
+              <a:ext uri="{FF2B5EF4-FFF2-40B4-BE49-F238E27FC236}">
+                <a16:creationId xmlns:a16="http://schemas.microsoft.com/office/drawing/2014/main" id="{0EB7422C-135F-4EA0-98B6-F9B5B2820171}"/>
+              </a:ext>
+            </a:extLst>
+          </p:cNvPr>
+          <p:cNvCxnSpPr>
+            <a:cxnSpLocks/>
+            <a:endCxn id="137" idx="2"/>
+          </p:cNvCxnSpPr>
+          <p:nvPr/>
+        </p:nvCxnSpPr>
+        <p:spPr>
+          <a:xfrm flipV="1">
+            <a:off x="7777930" y="2231655"/>
+            <a:ext cx="474530" cy="12997"/>
+          </a:xfrm>
+          <a:prstGeom prst="line">
+            <a:avLst/>
+          </a:prstGeom>
+        </p:spPr>
+        <p:style>
+          <a:lnRef idx="1">
+            <a:schemeClr val="accent1"/>
+          </a:lnRef>
+          <a:fillRef idx="0">
+            <a:schemeClr val="accent1"/>
+          </a:fillRef>
+          <a:effectRef idx="0">
+            <a:schemeClr val="accent1"/>
+          </a:effectRef>
+          <a:fontRef idx="minor">
+            <a:schemeClr val="tx1"/>
+          </a:fontRef>
+        </p:style>
+      </p:cxnSp>
+      <p:cxnSp>
+        <p:nvCxnSpPr>
+          <p:cNvPr id="154" name="Straight Connector 153">
+            <a:extLst>
+              <a:ext uri="{FF2B5EF4-FFF2-40B4-BE49-F238E27FC236}">
+                <a16:creationId xmlns:a16="http://schemas.microsoft.com/office/drawing/2014/main" id="{66317985-8312-4EA0-B04E-058BB073BC09}"/>
+              </a:ext>
+            </a:extLst>
+          </p:cNvPr>
+          <p:cNvCxnSpPr>
+            <a:stCxn id="136" idx="6"/>
+            <a:endCxn id="139" idx="2"/>
+          </p:cNvCxnSpPr>
+          <p:nvPr/>
+        </p:nvCxnSpPr>
+        <p:spPr>
+          <a:xfrm>
+            <a:off x="8435340" y="1636868"/>
+            <a:ext cx="480060" cy="95533"/>
+          </a:xfrm>
+          <a:prstGeom prst="line">
+            <a:avLst/>
+          </a:prstGeom>
+        </p:spPr>
+        <p:style>
+          <a:lnRef idx="1">
+            <a:schemeClr val="accent1"/>
+          </a:lnRef>
+          <a:fillRef idx="0">
+            <a:schemeClr val="accent1"/>
+          </a:fillRef>
+          <a:effectRef idx="0">
+            <a:schemeClr val="accent1"/>
+          </a:effectRef>
+          <a:fontRef idx="minor">
+            <a:schemeClr val="tx1"/>
+          </a:fontRef>
+        </p:style>
+      </p:cxnSp>
+      <p:cxnSp>
+        <p:nvCxnSpPr>
+          <p:cNvPr id="155" name="Straight Connector 154">
+            <a:extLst>
+              <a:ext uri="{FF2B5EF4-FFF2-40B4-BE49-F238E27FC236}">
+                <a16:creationId xmlns:a16="http://schemas.microsoft.com/office/drawing/2014/main" id="{EB985E28-7114-4B03-9FA3-3983A6F50CF1}"/>
+              </a:ext>
+            </a:extLst>
+          </p:cNvPr>
+          <p:cNvCxnSpPr>
+            <a:cxnSpLocks/>
+            <a:stCxn id="136" idx="6"/>
+            <a:endCxn id="140" idx="2"/>
+          </p:cNvCxnSpPr>
+          <p:nvPr/>
+        </p:nvCxnSpPr>
+        <p:spPr>
+          <a:xfrm>
+            <a:off x="8435340" y="1636868"/>
+            <a:ext cx="480060" cy="936078"/>
+          </a:xfrm>
+          <a:prstGeom prst="line">
+            <a:avLst/>
+          </a:prstGeom>
+        </p:spPr>
+        <p:style>
+          <a:lnRef idx="1">
+            <a:schemeClr val="accent1"/>
+          </a:lnRef>
+          <a:fillRef idx="0">
+            <a:schemeClr val="accent1"/>
+          </a:fillRef>
+          <a:effectRef idx="0">
+            <a:schemeClr val="accent1"/>
+          </a:effectRef>
+          <a:fontRef idx="minor">
+            <a:schemeClr val="tx1"/>
+          </a:fontRef>
+        </p:style>
+      </p:cxnSp>
+      <p:cxnSp>
+        <p:nvCxnSpPr>
+          <p:cNvPr id="158" name="Straight Connector 157">
+            <a:extLst>
+              <a:ext uri="{FF2B5EF4-FFF2-40B4-BE49-F238E27FC236}">
+                <a16:creationId xmlns:a16="http://schemas.microsoft.com/office/drawing/2014/main" id="{E9F41D10-6E4B-4D36-884B-E99655743C38}"/>
+              </a:ext>
+            </a:extLst>
+          </p:cNvPr>
+          <p:cNvCxnSpPr>
+            <a:cxnSpLocks/>
+            <a:stCxn id="137" idx="6"/>
+            <a:endCxn id="139" idx="2"/>
+          </p:cNvCxnSpPr>
+          <p:nvPr/>
+        </p:nvCxnSpPr>
+        <p:spPr>
+          <a:xfrm flipV="1">
+            <a:off x="8435340" y="1732401"/>
+            <a:ext cx="480060" cy="499254"/>
+          </a:xfrm>
+          <a:prstGeom prst="line">
+            <a:avLst/>
+          </a:prstGeom>
+        </p:spPr>
+        <p:style>
+          <a:lnRef idx="1">
+            <a:schemeClr val="accent1"/>
+          </a:lnRef>
+          <a:fillRef idx="0">
+            <a:schemeClr val="accent1"/>
+          </a:fillRef>
+          <a:effectRef idx="0">
+            <a:schemeClr val="accent1"/>
+          </a:effectRef>
+          <a:fontRef idx="minor">
+            <a:schemeClr val="tx1"/>
+          </a:fontRef>
+        </p:style>
+      </p:cxnSp>
+      <p:cxnSp>
+        <p:nvCxnSpPr>
+          <p:cNvPr id="161" name="Straight Connector 160">
+            <a:extLst>
+              <a:ext uri="{FF2B5EF4-FFF2-40B4-BE49-F238E27FC236}">
+                <a16:creationId xmlns:a16="http://schemas.microsoft.com/office/drawing/2014/main" id="{7208AA37-0C72-4EFA-8D85-F70038D97208}"/>
+              </a:ext>
+            </a:extLst>
+          </p:cNvPr>
+          <p:cNvCxnSpPr>
+            <a:cxnSpLocks/>
+            <a:stCxn id="137" idx="6"/>
+            <a:endCxn id="140" idx="2"/>
+          </p:cNvCxnSpPr>
+          <p:nvPr/>
+        </p:nvCxnSpPr>
+        <p:spPr>
+          <a:xfrm>
+            <a:off x="8435340" y="2231655"/>
+            <a:ext cx="480060" cy="341291"/>
+          </a:xfrm>
+          <a:prstGeom prst="line">
+            <a:avLst/>
+          </a:prstGeom>
+        </p:spPr>
+        <p:style>
+          <a:lnRef idx="1">
+            <a:schemeClr val="accent1"/>
+          </a:lnRef>
+          <a:fillRef idx="0">
+            <a:schemeClr val="accent1"/>
+          </a:fillRef>
+          <a:effectRef idx="0">
+            <a:schemeClr val="accent1"/>
+          </a:effectRef>
+          <a:fontRef idx="minor">
+            <a:schemeClr val="tx1"/>
+          </a:fontRef>
+        </p:style>
+      </p:cxnSp>
+      <p:cxnSp>
+        <p:nvCxnSpPr>
+          <p:cNvPr id="164" name="Straight Connector 163">
+            <a:extLst>
+              <a:ext uri="{FF2B5EF4-FFF2-40B4-BE49-F238E27FC236}">
+                <a16:creationId xmlns:a16="http://schemas.microsoft.com/office/drawing/2014/main" id="{3660D72A-68E5-4C0B-BE72-05DF6DE0C8CC}"/>
+              </a:ext>
+            </a:extLst>
+          </p:cNvPr>
+          <p:cNvCxnSpPr>
+            <a:cxnSpLocks/>
+            <a:stCxn id="138" idx="6"/>
+            <a:endCxn id="140" idx="2"/>
+          </p:cNvCxnSpPr>
+          <p:nvPr/>
+        </p:nvCxnSpPr>
+        <p:spPr>
+          <a:xfrm flipV="1">
+            <a:off x="8435340" y="2572946"/>
+            <a:ext cx="480060" cy="241391"/>
+          </a:xfrm>
+          <a:prstGeom prst="line">
+            <a:avLst/>
+          </a:prstGeom>
+        </p:spPr>
+        <p:style>
+          <a:lnRef idx="1">
+            <a:schemeClr val="accent1"/>
+          </a:lnRef>
+          <a:fillRef idx="0">
+            <a:schemeClr val="accent1"/>
+          </a:fillRef>
+          <a:effectRef idx="0">
+            <a:schemeClr val="accent1"/>
+          </a:effectRef>
+          <a:fontRef idx="minor">
+            <a:schemeClr val="tx1"/>
+          </a:fontRef>
+        </p:style>
+      </p:cxnSp>
+      <p:cxnSp>
+        <p:nvCxnSpPr>
+          <p:cNvPr id="167" name="Straight Connector 166">
+            <a:extLst>
+              <a:ext uri="{FF2B5EF4-FFF2-40B4-BE49-F238E27FC236}">
+                <a16:creationId xmlns:a16="http://schemas.microsoft.com/office/drawing/2014/main" id="{A683072F-F186-4ABF-B7F3-511C71DF6C90}"/>
+              </a:ext>
+            </a:extLst>
+          </p:cNvPr>
+          <p:cNvCxnSpPr>
+            <a:cxnSpLocks/>
+            <a:stCxn id="138" idx="6"/>
+            <a:endCxn id="139" idx="2"/>
+          </p:cNvCxnSpPr>
+          <p:nvPr/>
+        </p:nvCxnSpPr>
+        <p:spPr>
+          <a:xfrm flipV="1">
+            <a:off x="8435340" y="1732401"/>
+            <a:ext cx="480060" cy="1081936"/>
+          </a:xfrm>
+          <a:prstGeom prst="line">
+            <a:avLst/>
+          </a:prstGeom>
+        </p:spPr>
+        <p:style>
+          <a:lnRef idx="1">
+            <a:schemeClr val="accent1"/>
+          </a:lnRef>
+          <a:fillRef idx="0">
+            <a:schemeClr val="accent1"/>
+          </a:fillRef>
+          <a:effectRef idx="0">
+            <a:schemeClr val="accent1"/>
+          </a:effectRef>
+          <a:fontRef idx="minor">
+            <a:schemeClr val="tx1"/>
+          </a:fontRef>
+        </p:style>
+      </p:cxnSp>
+      <p:sp>
+        <p:nvSpPr>
+          <p:cNvPr id="176" name="TextBox 175">
+            <a:extLst>
+              <a:ext uri="{FF2B5EF4-FFF2-40B4-BE49-F238E27FC236}">
+                <a16:creationId xmlns:a16="http://schemas.microsoft.com/office/drawing/2014/main" id="{AC79B9FA-1DB6-448B-A2A2-DC75BF80AE4D}"/>
+              </a:ext>
+            </a:extLst>
+          </p:cNvPr>
+          <p:cNvSpPr txBox="1"/>
+          <p:nvPr/>
+        </p:nvSpPr>
+        <p:spPr>
+          <a:xfrm>
+            <a:off x="9472878" y="2430108"/>
+            <a:ext cx="502061" cy="276999"/>
+          </a:xfrm>
+          <a:prstGeom prst="rect">
+            <a:avLst/>
+          </a:prstGeom>
+          <a:noFill/>
+        </p:spPr>
+        <p:txBody>
+          <a:bodyPr wrap="none" rtlCol="0">
+            <a:spAutoFit/>
+          </a:bodyPr>
+          <a:lstStyle/>
+          <a:p>
+            <a:pPr algn="ctr"/>
+            <a:r>
+              <a:rPr lang="pt-BR" sz="1200" b="1" dirty="0">
+                <a:solidFill>
+                  <a:schemeClr val="accent5">
+                    <a:lumMod val="50000"/>
+                  </a:schemeClr>
+                </a:solidFill>
+              </a:rPr>
+              <a:t>NMC</a:t>
+            </a:r>
+            <a:endParaRPr lang="en-US" sz="1200" b="1" dirty="0">
+              <a:solidFill>
+                <a:schemeClr val="accent5">
+                  <a:lumMod val="50000"/>
+                </a:schemeClr>
+              </a:solidFill>
+            </a:endParaRPr>
+          </a:p>
+        </p:txBody>
+      </p:sp>
+      <p:cxnSp>
+        <p:nvCxnSpPr>
+          <p:cNvPr id="177" name="Straight Connector 176">
+            <a:extLst>
+              <a:ext uri="{FF2B5EF4-FFF2-40B4-BE49-F238E27FC236}">
+                <a16:creationId xmlns:a16="http://schemas.microsoft.com/office/drawing/2014/main" id="{60B5D37B-0613-4AF5-9370-EB416BF9B0EE}"/>
+              </a:ext>
+            </a:extLst>
+          </p:cNvPr>
+          <p:cNvCxnSpPr>
+            <a:cxnSpLocks/>
+            <a:stCxn id="139" idx="6"/>
+            <a:endCxn id="142" idx="1"/>
+          </p:cNvCxnSpPr>
+          <p:nvPr/>
+        </p:nvCxnSpPr>
+        <p:spPr>
+          <a:xfrm flipV="1">
+            <a:off x="9098280" y="1723442"/>
+            <a:ext cx="425093" cy="8959"/>
+          </a:xfrm>
+          <a:prstGeom prst="line">
+            <a:avLst/>
+          </a:prstGeom>
+        </p:spPr>
+        <p:style>
+          <a:lnRef idx="1">
+            <a:schemeClr val="accent1"/>
+          </a:lnRef>
+          <a:fillRef idx="0">
+            <a:schemeClr val="accent1"/>
+          </a:fillRef>
+          <a:effectRef idx="0">
+            <a:schemeClr val="accent1"/>
+          </a:effectRef>
+          <a:fontRef idx="minor">
+            <a:schemeClr val="tx1"/>
+          </a:fontRef>
+        </p:style>
+      </p:cxnSp>
+      <p:cxnSp>
+        <p:nvCxnSpPr>
+          <p:cNvPr id="180" name="Straight Connector 179">
+            <a:extLst>
+              <a:ext uri="{FF2B5EF4-FFF2-40B4-BE49-F238E27FC236}">
+                <a16:creationId xmlns:a16="http://schemas.microsoft.com/office/drawing/2014/main" id="{BDD9D487-23DD-4A8A-A39D-DF83F901A473}"/>
+              </a:ext>
+            </a:extLst>
+          </p:cNvPr>
+          <p:cNvCxnSpPr>
+            <a:cxnSpLocks/>
+            <a:stCxn id="140" idx="6"/>
+            <a:endCxn id="176" idx="1"/>
+          </p:cNvCxnSpPr>
+          <p:nvPr/>
+        </p:nvCxnSpPr>
+        <p:spPr>
+          <a:xfrm flipV="1">
+            <a:off x="9098280" y="2568608"/>
+            <a:ext cx="374598" cy="4338"/>
+          </a:xfrm>
+          <a:prstGeom prst="line">
+            <a:avLst/>
+          </a:prstGeom>
+        </p:spPr>
+        <p:style>
+          <a:lnRef idx="1">
+            <a:schemeClr val="accent1"/>
+          </a:lnRef>
+          <a:fillRef idx="0">
+            <a:schemeClr val="accent1"/>
+          </a:fillRef>
+          <a:effectRef idx="0">
+            <a:schemeClr val="accent1"/>
+          </a:effectRef>
+          <a:fontRef idx="minor">
+            <a:schemeClr val="tx1"/>
+          </a:fontRef>
+        </p:style>
+      </p:cxnSp>
+      <p:sp>
+        <p:nvSpPr>
+          <p:cNvPr id="183" name="TextBox 182">
+            <a:extLst>
+              <a:ext uri="{FF2B5EF4-FFF2-40B4-BE49-F238E27FC236}">
+                <a16:creationId xmlns:a16="http://schemas.microsoft.com/office/drawing/2014/main" id="{FD09C0E0-2161-4100-B166-1AD286F0D910}"/>
+              </a:ext>
+            </a:extLst>
+          </p:cNvPr>
+          <p:cNvSpPr txBox="1"/>
+          <p:nvPr/>
+        </p:nvSpPr>
+        <p:spPr>
+          <a:xfrm>
+            <a:off x="8143364" y="2851007"/>
+            <a:ext cx="401071" cy="584775"/>
+          </a:xfrm>
+          <a:prstGeom prst="rect">
+            <a:avLst/>
+          </a:prstGeom>
+          <a:noFill/>
+        </p:spPr>
+        <p:txBody>
+          <a:bodyPr wrap="none" rtlCol="0">
+            <a:spAutoFit/>
+          </a:bodyPr>
+          <a:lstStyle/>
+          <a:p>
+            <a:pPr algn="ctr"/>
+            <a:r>
+              <a:rPr lang="pt-BR" sz="700" b="1" dirty="0">
+                <a:solidFill>
+                  <a:schemeClr val="accent5">
+                    <a:lumMod val="50000"/>
+                  </a:schemeClr>
+                </a:solidFill>
+              </a:rPr>
+              <a:t>.</a:t>
+            </a:r>
+            <a:br>
+              <a:rPr lang="pt-BR" sz="700" b="1" dirty="0">
+                <a:solidFill>
+                  <a:schemeClr val="accent5">
+                    <a:lumMod val="50000"/>
+                  </a:schemeClr>
+                </a:solidFill>
+              </a:rPr>
+            </a:br>
+            <a:r>
+              <a:rPr lang="pt-BR" sz="700" b="1" dirty="0">
+                <a:solidFill>
+                  <a:schemeClr val="accent5">
+                    <a:lumMod val="50000"/>
+                  </a:schemeClr>
+                </a:solidFill>
+              </a:rPr>
+              <a:t>.</a:t>
+            </a:r>
+            <a:br>
+              <a:rPr lang="pt-BR" sz="700" b="1" dirty="0">
+                <a:solidFill>
+                  <a:schemeClr val="accent5">
+                    <a:lumMod val="50000"/>
+                  </a:schemeClr>
+                </a:solidFill>
+              </a:rPr>
+            </a:br>
+            <a:r>
+              <a:rPr lang="pt-BR" sz="700" b="1" dirty="0">
+                <a:solidFill>
+                  <a:schemeClr val="accent5">
+                    <a:lumMod val="50000"/>
+                  </a:schemeClr>
+                </a:solidFill>
+              </a:rPr>
+              <a:t>.</a:t>
+            </a:r>
+            <a:br>
+              <a:rPr lang="pt-BR" sz="1100" dirty="0">
+                <a:solidFill>
+                  <a:schemeClr val="accent5">
+                    <a:lumMod val="50000"/>
+                  </a:schemeClr>
+                </a:solidFill>
+              </a:rPr>
+            </a:br>
+            <a:r>
+              <a:rPr lang="pt-BR" sz="1100" b="1" dirty="0">
+                <a:solidFill>
+                  <a:schemeClr val="accent5">
+                    <a:lumMod val="50000"/>
+                  </a:schemeClr>
+                </a:solidFill>
+              </a:rPr>
+              <a:t>512</a:t>
+            </a:r>
+            <a:endParaRPr lang="en-US" sz="1100" b="1" dirty="0">
+              <a:solidFill>
+                <a:schemeClr val="accent5">
+                  <a:lumMod val="50000"/>
+                </a:schemeClr>
+              </a:solidFill>
+            </a:endParaRPr>
+          </a:p>
+        </p:txBody>
+      </p:sp>
+      <p:sp>
+        <p:nvSpPr>
+          <p:cNvPr id="187" name="Left Brace 186">
+            <a:extLst>
+              <a:ext uri="{FF2B5EF4-FFF2-40B4-BE49-F238E27FC236}">
+                <a16:creationId xmlns:a16="http://schemas.microsoft.com/office/drawing/2014/main" id="{7C9619FB-AB70-4384-9CB7-582D8D4F8E46}"/>
+              </a:ext>
+            </a:extLst>
+          </p:cNvPr>
+          <p:cNvSpPr/>
+          <p:nvPr/>
+        </p:nvSpPr>
+        <p:spPr>
+          <a:xfrm rot="5400000">
+            <a:off x="3809954" y="-436978"/>
+            <a:ext cx="178907" cy="3591920"/>
+          </a:xfrm>
+          <a:prstGeom prst="leftBrace">
+            <a:avLst/>
+          </a:prstGeom>
+          <a:noFill/>
+          <a:ln w="19050">
+            <a:solidFill>
+              <a:schemeClr val="tx1"/>
+            </a:solidFill>
+          </a:ln>
+        </p:spPr>
+        <p:style>
+          <a:lnRef idx="1">
+            <a:schemeClr val="accent1"/>
+          </a:lnRef>
+          <a:fillRef idx="0">
+            <a:schemeClr val="accent1"/>
+          </a:fillRef>
+          <a:effectRef idx="0">
+            <a:schemeClr val="accent1"/>
+          </a:effectRef>
+          <a:fontRef idx="minor">
+            <a:schemeClr val="tx1"/>
+          </a:fontRef>
+        </p:style>
+        <p:txBody>
+          <a:bodyPr rtlCol="0" anchor="ctr"/>
+          <a:lstStyle/>
+          <a:p>
+            <a:pPr algn="ctr"/>
+            <a:endParaRPr lang="en-US"/>
+          </a:p>
+        </p:txBody>
+      </p:sp>
+      <p:sp>
+        <p:nvSpPr>
+          <p:cNvPr id="188" name="TextBox 187">
+            <a:extLst>
+              <a:ext uri="{FF2B5EF4-FFF2-40B4-BE49-F238E27FC236}">
+                <a16:creationId xmlns:a16="http://schemas.microsoft.com/office/drawing/2014/main" id="{1529025B-DFAC-44B5-BDC3-4FE1DE3A045F}"/>
+              </a:ext>
+            </a:extLst>
+          </p:cNvPr>
+          <p:cNvSpPr txBox="1"/>
+          <p:nvPr/>
+        </p:nvSpPr>
+        <p:spPr>
+          <a:xfrm>
+            <a:off x="3185129" y="979116"/>
+            <a:ext cx="1441420" cy="261610"/>
+          </a:xfrm>
+          <a:prstGeom prst="rect">
+            <a:avLst/>
+          </a:prstGeom>
+          <a:noFill/>
+        </p:spPr>
+        <p:txBody>
+          <a:bodyPr wrap="none" rtlCol="0">
+            <a:spAutoFit/>
+          </a:bodyPr>
+          <a:lstStyle/>
+          <a:p>
+            <a:r>
+              <a:rPr lang="pt-BR" sz="1100" b="1" dirty="0"/>
+              <a:t>Convolução e Pooling</a:t>
+            </a:r>
+            <a:endParaRPr lang="en-US" sz="1100" b="1" dirty="0"/>
+          </a:p>
+        </p:txBody>
+      </p:sp>
+      <p:sp>
+        <p:nvSpPr>
+          <p:cNvPr id="189" name="Left Brace 188">
+            <a:extLst>
+              <a:ext uri="{FF2B5EF4-FFF2-40B4-BE49-F238E27FC236}">
+                <a16:creationId xmlns:a16="http://schemas.microsoft.com/office/drawing/2014/main" id="{B8408AEF-923C-46A7-9D76-AECD767BA0C5}"/>
+              </a:ext>
+            </a:extLst>
+          </p:cNvPr>
+          <p:cNvSpPr/>
+          <p:nvPr/>
+        </p:nvSpPr>
+        <p:spPr>
+          <a:xfrm rot="5400000">
+            <a:off x="6651442" y="488316"/>
+            <a:ext cx="182880" cy="1737360"/>
+          </a:xfrm>
+          <a:prstGeom prst="leftBrace">
+            <a:avLst/>
+          </a:prstGeom>
+          <a:noFill/>
+          <a:ln w="19050">
+            <a:solidFill>
+              <a:schemeClr val="tx1"/>
+            </a:solidFill>
+          </a:ln>
+        </p:spPr>
+        <p:style>
+          <a:lnRef idx="1">
+            <a:schemeClr val="accent1"/>
+          </a:lnRef>
+          <a:fillRef idx="0">
+            <a:schemeClr val="accent1"/>
+          </a:fillRef>
+          <a:effectRef idx="0">
+            <a:schemeClr val="accent1"/>
+          </a:effectRef>
+          <a:fontRef idx="minor">
+            <a:schemeClr val="tx1"/>
+          </a:fontRef>
+        </p:style>
+        <p:txBody>
+          <a:bodyPr rtlCol="0" anchor="ctr"/>
+          <a:lstStyle/>
+          <a:p>
+            <a:pPr algn="ctr"/>
+            <a:endParaRPr lang="en-US"/>
+          </a:p>
+        </p:txBody>
+      </p:sp>
+      <p:sp>
+        <p:nvSpPr>
+          <p:cNvPr id="190" name="TextBox 189">
+            <a:extLst>
+              <a:ext uri="{FF2B5EF4-FFF2-40B4-BE49-F238E27FC236}">
+                <a16:creationId xmlns:a16="http://schemas.microsoft.com/office/drawing/2014/main" id="{B1A050B9-5EE3-4984-BB95-76E05BC11527}"/>
+              </a:ext>
+            </a:extLst>
+          </p:cNvPr>
+          <p:cNvSpPr txBox="1"/>
+          <p:nvPr/>
+        </p:nvSpPr>
+        <p:spPr>
+          <a:xfrm>
+            <a:off x="5909433" y="1024194"/>
+            <a:ext cx="1737360" cy="261610"/>
+          </a:xfrm>
+          <a:prstGeom prst="rect">
+            <a:avLst/>
+          </a:prstGeom>
+          <a:noFill/>
+        </p:spPr>
+        <p:txBody>
+          <a:bodyPr wrap="square" rtlCol="0">
+            <a:spAutoFit/>
+          </a:bodyPr>
+          <a:lstStyle/>
+          <a:p>
+            <a:pPr algn="ctr"/>
+            <a:r>
+              <a:rPr lang="pt-BR" sz="1100" b="1" dirty="0"/>
+              <a:t>Planificação / “Flatenning</a:t>
+            </a:r>
+            <a:r>
+              <a:rPr lang="en-US" sz="1100" b="1" dirty="0"/>
+              <a:t>”</a:t>
+            </a:r>
+            <a:endParaRPr lang="pt-BR" sz="1100" b="1" dirty="0"/>
+          </a:p>
+        </p:txBody>
+      </p:sp>
+      <p:sp>
+        <p:nvSpPr>
+          <p:cNvPr id="191" name="Left Brace 190">
+            <a:extLst>
+              <a:ext uri="{FF2B5EF4-FFF2-40B4-BE49-F238E27FC236}">
+                <a16:creationId xmlns:a16="http://schemas.microsoft.com/office/drawing/2014/main" id="{490142CD-3007-4AE8-AA33-51FE779F05DD}"/>
+              </a:ext>
+            </a:extLst>
+          </p:cNvPr>
+          <p:cNvSpPr/>
+          <p:nvPr/>
+        </p:nvSpPr>
+        <p:spPr>
+          <a:xfrm rot="5400000">
+            <a:off x="8418676" y="464032"/>
+            <a:ext cx="160778" cy="1442270"/>
+          </a:xfrm>
+          <a:prstGeom prst="leftBrace">
+            <a:avLst/>
+          </a:prstGeom>
+          <a:noFill/>
+          <a:ln w="19050">
+            <a:solidFill>
+              <a:schemeClr val="tx1"/>
+            </a:solidFill>
+          </a:ln>
+        </p:spPr>
+        <p:style>
+          <a:lnRef idx="1">
+            <a:schemeClr val="accent1"/>
+          </a:lnRef>
+          <a:fillRef idx="0">
+            <a:schemeClr val="accent1"/>
+          </a:fillRef>
+          <a:effectRef idx="0">
+            <a:schemeClr val="accent1"/>
+          </a:effectRef>
+          <a:fontRef idx="minor">
+            <a:schemeClr val="tx1"/>
+          </a:fontRef>
+        </p:style>
+        <p:txBody>
+          <a:bodyPr rtlCol="0" anchor="ctr"/>
+          <a:lstStyle/>
+          <a:p>
+            <a:pPr algn="ctr"/>
+            <a:endParaRPr lang="en-US"/>
+          </a:p>
+        </p:txBody>
+      </p:sp>
+      <p:sp>
+        <p:nvSpPr>
+          <p:cNvPr id="192" name="TextBox 191">
+            <a:extLst>
+              <a:ext uri="{FF2B5EF4-FFF2-40B4-BE49-F238E27FC236}">
+                <a16:creationId xmlns:a16="http://schemas.microsoft.com/office/drawing/2014/main" id="{29BB8FED-C17F-4875-A8C2-5387247613C7}"/>
+              </a:ext>
+            </a:extLst>
+          </p:cNvPr>
+          <p:cNvSpPr txBox="1"/>
+          <p:nvPr/>
+        </p:nvSpPr>
+        <p:spPr>
+          <a:xfrm>
+            <a:off x="7891571" y="821420"/>
+            <a:ext cx="1252429" cy="261610"/>
+          </a:xfrm>
+          <a:prstGeom prst="rect">
+            <a:avLst/>
+          </a:prstGeom>
+          <a:noFill/>
+        </p:spPr>
+        <p:txBody>
+          <a:bodyPr wrap="square" rtlCol="0">
+            <a:spAutoFit/>
+          </a:bodyPr>
+          <a:lstStyle/>
+          <a:p>
+            <a:pPr algn="ctr"/>
+            <a:r>
+              <a:rPr lang="pt-BR" sz="1100" b="1" dirty="0"/>
+              <a:t>Camadas Densas</a:t>
+            </a:r>
+          </a:p>
+        </p:txBody>
+      </p:sp>
+    </p:spTree>
+    <p:extLst>
+      <p:ext uri="{BB962C8B-B14F-4D97-AF65-F5344CB8AC3E}">
+        <p14:creationId xmlns:p14="http://schemas.microsoft.com/office/powerpoint/2010/main" val="3399572008"/>
       </p:ext>
     </p:extLst>
   </p:cSld>

--- a/Documentation/AudioSegmentation.pptx
+++ b/Documentation/AudioSegmentation.pptx
@@ -4,12 +4,17 @@
   <p:sldMasterIdLst>
     <p:sldMasterId id="2147483648" r:id="rId1"/>
   </p:sldMasterIdLst>
+  <p:notesMasterIdLst>
+    <p:notesMasterId r:id="rId9"/>
+  </p:notesMasterIdLst>
   <p:sldIdLst>
     <p:sldId id="256" r:id="rId2"/>
     <p:sldId id="257" r:id="rId3"/>
     <p:sldId id="258" r:id="rId4"/>
     <p:sldId id="259" r:id="rId5"/>
     <p:sldId id="260" r:id="rId6"/>
+    <p:sldId id="261" r:id="rId7"/>
+    <p:sldId id="262" r:id="rId8"/>
   </p:sldIdLst>
   <p:sldSz cx="12192000" cy="6858000"/>
   <p:notesSz cx="6858000" cy="9144000"/>
@@ -114,6 +119,355 @@
     </p:ext>
   </p:extLst>
 </p:presentation>
+</file>
+
+<file path=ppt/notesMasters/notesMaster1.xml><?xml version="1.0" encoding="utf-8"?>
+<p:notesMaster xmlns:a="http://schemas.openxmlformats.org/drawingml/2006/main" xmlns:r="http://schemas.openxmlformats.org/officeDocument/2006/relationships" xmlns:p="http://schemas.openxmlformats.org/presentationml/2006/main">
+  <p:cSld>
+    <p:bg>
+      <p:bgRef idx="1001">
+        <a:schemeClr val="bg1"/>
+      </p:bgRef>
+    </p:bg>
+    <p:spTree>
+      <p:nvGrpSpPr>
+        <p:cNvPr id="1" name=""/>
+        <p:cNvGrpSpPr/>
+        <p:nvPr/>
+      </p:nvGrpSpPr>
+      <p:grpSpPr>
+        <a:xfrm>
+          <a:off x="0" y="0"/>
+          <a:ext cx="0" cy="0"/>
+          <a:chOff x="0" y="0"/>
+          <a:chExt cx="0" cy="0"/>
+        </a:xfrm>
+      </p:grpSpPr>
+      <p:sp>
+        <p:nvSpPr>
+          <p:cNvPr id="2" name="Header Placeholder 1"/>
+          <p:cNvSpPr>
+            <a:spLocks noGrp="1"/>
+          </p:cNvSpPr>
+          <p:nvPr>
+            <p:ph type="hdr" sz="quarter"/>
+          </p:nvPr>
+        </p:nvSpPr>
+        <p:spPr>
+          <a:xfrm>
+            <a:off x="0" y="0"/>
+            <a:ext cx="2971800" cy="458788"/>
+          </a:xfrm>
+          <a:prstGeom prst="rect">
+            <a:avLst/>
+          </a:prstGeom>
+        </p:spPr>
+        <p:txBody>
+          <a:bodyPr vert="horz" lIns="91440" tIns="45720" rIns="91440" bIns="45720" rtlCol="0"/>
+          <a:lstStyle>
+            <a:lvl1pPr algn="l">
+              <a:defRPr sz="1200"/>
+            </a:lvl1pPr>
+          </a:lstStyle>
+          <a:p>
+            <a:endParaRPr lang="en-US"/>
+          </a:p>
+        </p:txBody>
+      </p:sp>
+      <p:sp>
+        <p:nvSpPr>
+          <p:cNvPr id="3" name="Date Placeholder 2"/>
+          <p:cNvSpPr>
+            <a:spLocks noGrp="1"/>
+          </p:cNvSpPr>
+          <p:nvPr>
+            <p:ph type="dt" idx="1"/>
+          </p:nvPr>
+        </p:nvSpPr>
+        <p:spPr>
+          <a:xfrm>
+            <a:off x="3884613" y="0"/>
+            <a:ext cx="2971800" cy="458788"/>
+          </a:xfrm>
+          <a:prstGeom prst="rect">
+            <a:avLst/>
+          </a:prstGeom>
+        </p:spPr>
+        <p:txBody>
+          <a:bodyPr vert="horz" lIns="91440" tIns="45720" rIns="91440" bIns="45720" rtlCol="0"/>
+          <a:lstStyle>
+            <a:lvl1pPr algn="r">
+              <a:defRPr sz="1200"/>
+            </a:lvl1pPr>
+          </a:lstStyle>
+          <a:p>
+            <a:fld id="{85BCF1DB-A6DC-410E-84CD-E4B7C0AA92AF}" type="datetimeFigureOut">
+              <a:rPr lang="en-US" smtClean="0"/>
+              <a:t>12/29/2022</a:t>
+            </a:fld>
+            <a:endParaRPr lang="en-US"/>
+          </a:p>
+        </p:txBody>
+      </p:sp>
+      <p:sp>
+        <p:nvSpPr>
+          <p:cNvPr id="4" name="Slide Image Placeholder 3"/>
+          <p:cNvSpPr>
+            <a:spLocks noGrp="1" noRot="1" noChangeAspect="1"/>
+          </p:cNvSpPr>
+          <p:nvPr>
+            <p:ph type="sldImg" idx="2"/>
+          </p:nvPr>
+        </p:nvSpPr>
+        <p:spPr>
+          <a:xfrm>
+            <a:off x="685800" y="1143000"/>
+            <a:ext cx="5486400" cy="3086100"/>
+          </a:xfrm>
+          <a:prstGeom prst="rect">
+            <a:avLst/>
+          </a:prstGeom>
+          <a:noFill/>
+          <a:ln w="12700">
+            <a:solidFill>
+              <a:prstClr val="black"/>
+            </a:solidFill>
+          </a:ln>
+        </p:spPr>
+        <p:txBody>
+          <a:bodyPr vert="horz" lIns="91440" tIns="45720" rIns="91440" bIns="45720" rtlCol="0" anchor="ctr"/>
+          <a:lstStyle/>
+          <a:p>
+            <a:endParaRPr lang="en-US"/>
+          </a:p>
+        </p:txBody>
+      </p:sp>
+      <p:sp>
+        <p:nvSpPr>
+          <p:cNvPr id="5" name="Notes Placeholder 4"/>
+          <p:cNvSpPr>
+            <a:spLocks noGrp="1"/>
+          </p:cNvSpPr>
+          <p:nvPr>
+            <p:ph type="body" sz="quarter" idx="3"/>
+          </p:nvPr>
+        </p:nvSpPr>
+        <p:spPr>
+          <a:xfrm>
+            <a:off x="685800" y="4400550"/>
+            <a:ext cx="5486400" cy="3600450"/>
+          </a:xfrm>
+          <a:prstGeom prst="rect">
+            <a:avLst/>
+          </a:prstGeom>
+        </p:spPr>
+        <p:txBody>
+          <a:bodyPr vert="horz" lIns="91440" tIns="45720" rIns="91440" bIns="45720" rtlCol="0"/>
+          <a:lstStyle/>
+          <a:p>
+            <a:pPr lvl="0"/>
+            <a:r>
+              <a:rPr lang="en-US"/>
+              <a:t>Click to edit Master text styles</a:t>
+            </a:r>
+          </a:p>
+          <a:p>
+            <a:pPr lvl="1"/>
+            <a:r>
+              <a:rPr lang="en-US"/>
+              <a:t>Second level</a:t>
+            </a:r>
+          </a:p>
+          <a:p>
+            <a:pPr lvl="2"/>
+            <a:r>
+              <a:rPr lang="en-US"/>
+              <a:t>Third level</a:t>
+            </a:r>
+          </a:p>
+          <a:p>
+            <a:pPr lvl="3"/>
+            <a:r>
+              <a:rPr lang="en-US"/>
+              <a:t>Fourth level</a:t>
+            </a:r>
+          </a:p>
+          <a:p>
+            <a:pPr lvl="4"/>
+            <a:r>
+              <a:rPr lang="en-US"/>
+              <a:t>Fifth level</a:t>
+            </a:r>
+          </a:p>
+        </p:txBody>
+      </p:sp>
+      <p:sp>
+        <p:nvSpPr>
+          <p:cNvPr id="6" name="Footer Placeholder 5"/>
+          <p:cNvSpPr>
+            <a:spLocks noGrp="1"/>
+          </p:cNvSpPr>
+          <p:nvPr>
+            <p:ph type="ftr" sz="quarter" idx="4"/>
+          </p:nvPr>
+        </p:nvSpPr>
+        <p:spPr>
+          <a:xfrm>
+            <a:off x="0" y="8685213"/>
+            <a:ext cx="2971800" cy="458787"/>
+          </a:xfrm>
+          <a:prstGeom prst="rect">
+            <a:avLst/>
+          </a:prstGeom>
+        </p:spPr>
+        <p:txBody>
+          <a:bodyPr vert="horz" lIns="91440" tIns="45720" rIns="91440" bIns="45720" rtlCol="0" anchor="b"/>
+          <a:lstStyle>
+            <a:lvl1pPr algn="l">
+              <a:defRPr sz="1200"/>
+            </a:lvl1pPr>
+          </a:lstStyle>
+          <a:p>
+            <a:endParaRPr lang="en-US"/>
+          </a:p>
+        </p:txBody>
+      </p:sp>
+      <p:sp>
+        <p:nvSpPr>
+          <p:cNvPr id="7" name="Slide Number Placeholder 6"/>
+          <p:cNvSpPr>
+            <a:spLocks noGrp="1"/>
+          </p:cNvSpPr>
+          <p:nvPr>
+            <p:ph type="sldNum" sz="quarter" idx="5"/>
+          </p:nvPr>
+        </p:nvSpPr>
+        <p:spPr>
+          <a:xfrm>
+            <a:off x="3884613" y="8685213"/>
+            <a:ext cx="2971800" cy="458787"/>
+          </a:xfrm>
+          <a:prstGeom prst="rect">
+            <a:avLst/>
+          </a:prstGeom>
+        </p:spPr>
+        <p:txBody>
+          <a:bodyPr vert="horz" lIns="91440" tIns="45720" rIns="91440" bIns="45720" rtlCol="0" anchor="b"/>
+          <a:lstStyle>
+            <a:lvl1pPr algn="r">
+              <a:defRPr sz="1200"/>
+            </a:lvl1pPr>
+          </a:lstStyle>
+          <a:p>
+            <a:fld id="{22096D75-FAEA-44E0-A0CF-B4004602415D}" type="slidenum">
+              <a:rPr lang="en-US" smtClean="0"/>
+              <a:t>‹#›</a:t>
+            </a:fld>
+            <a:endParaRPr lang="en-US"/>
+          </a:p>
+        </p:txBody>
+      </p:sp>
+    </p:spTree>
+    <p:extLst>
+      <p:ext uri="{BB962C8B-B14F-4D97-AF65-F5344CB8AC3E}">
+        <p14:creationId xmlns:p14="http://schemas.microsoft.com/office/powerpoint/2010/main" val="1086321352"/>
+      </p:ext>
+    </p:extLst>
+  </p:cSld>
+  <p:clrMap bg1="lt1" tx1="dk1" bg2="lt2" tx2="dk2" accent1="accent1" accent2="accent2" accent3="accent3" accent4="accent4" accent5="accent5" accent6="accent6" hlink="hlink" folHlink="folHlink"/>
+  <p:notesStyle>
+    <a:lvl1pPr marL="0" algn="l" defTabSz="914400" rtl="0" eaLnBrk="1" latinLnBrk="0" hangingPunct="1">
+      <a:defRPr sz="1200" kern="1200">
+        <a:solidFill>
+          <a:schemeClr val="tx1"/>
+        </a:solidFill>
+        <a:latin typeface="+mn-lt"/>
+        <a:ea typeface="+mn-ea"/>
+        <a:cs typeface="+mn-cs"/>
+      </a:defRPr>
+    </a:lvl1pPr>
+    <a:lvl2pPr marL="457200" algn="l" defTabSz="914400" rtl="0" eaLnBrk="1" latinLnBrk="0" hangingPunct="1">
+      <a:defRPr sz="1200" kern="1200">
+        <a:solidFill>
+          <a:schemeClr val="tx1"/>
+        </a:solidFill>
+        <a:latin typeface="+mn-lt"/>
+        <a:ea typeface="+mn-ea"/>
+        <a:cs typeface="+mn-cs"/>
+      </a:defRPr>
+    </a:lvl2pPr>
+    <a:lvl3pPr marL="914400" algn="l" defTabSz="914400" rtl="0" eaLnBrk="1" latinLnBrk="0" hangingPunct="1">
+      <a:defRPr sz="1200" kern="1200">
+        <a:solidFill>
+          <a:schemeClr val="tx1"/>
+        </a:solidFill>
+        <a:latin typeface="+mn-lt"/>
+        <a:ea typeface="+mn-ea"/>
+        <a:cs typeface="+mn-cs"/>
+      </a:defRPr>
+    </a:lvl3pPr>
+    <a:lvl4pPr marL="1371600" algn="l" defTabSz="914400" rtl="0" eaLnBrk="1" latinLnBrk="0" hangingPunct="1">
+      <a:defRPr sz="1200" kern="1200">
+        <a:solidFill>
+          <a:schemeClr val="tx1"/>
+        </a:solidFill>
+        <a:latin typeface="+mn-lt"/>
+        <a:ea typeface="+mn-ea"/>
+        <a:cs typeface="+mn-cs"/>
+      </a:defRPr>
+    </a:lvl4pPr>
+    <a:lvl5pPr marL="1828800" algn="l" defTabSz="914400" rtl="0" eaLnBrk="1" latinLnBrk="0" hangingPunct="1">
+      <a:defRPr sz="1200" kern="1200">
+        <a:solidFill>
+          <a:schemeClr val="tx1"/>
+        </a:solidFill>
+        <a:latin typeface="+mn-lt"/>
+        <a:ea typeface="+mn-ea"/>
+        <a:cs typeface="+mn-cs"/>
+      </a:defRPr>
+    </a:lvl5pPr>
+    <a:lvl6pPr marL="2286000" algn="l" defTabSz="914400" rtl="0" eaLnBrk="1" latinLnBrk="0" hangingPunct="1">
+      <a:defRPr sz="1200" kern="1200">
+        <a:solidFill>
+          <a:schemeClr val="tx1"/>
+        </a:solidFill>
+        <a:latin typeface="+mn-lt"/>
+        <a:ea typeface="+mn-ea"/>
+        <a:cs typeface="+mn-cs"/>
+      </a:defRPr>
+    </a:lvl6pPr>
+    <a:lvl7pPr marL="2743200" algn="l" defTabSz="914400" rtl="0" eaLnBrk="1" latinLnBrk="0" hangingPunct="1">
+      <a:defRPr sz="1200" kern="1200">
+        <a:solidFill>
+          <a:schemeClr val="tx1"/>
+        </a:solidFill>
+        <a:latin typeface="+mn-lt"/>
+        <a:ea typeface="+mn-ea"/>
+        <a:cs typeface="+mn-cs"/>
+      </a:defRPr>
+    </a:lvl7pPr>
+    <a:lvl8pPr marL="3200400" algn="l" defTabSz="914400" rtl="0" eaLnBrk="1" latinLnBrk="0" hangingPunct="1">
+      <a:defRPr sz="1200" kern="1200">
+        <a:solidFill>
+          <a:schemeClr val="tx1"/>
+        </a:solidFill>
+        <a:latin typeface="+mn-lt"/>
+        <a:ea typeface="+mn-ea"/>
+        <a:cs typeface="+mn-cs"/>
+      </a:defRPr>
+    </a:lvl8pPr>
+    <a:lvl9pPr marL="3657600" algn="l" defTabSz="914400" rtl="0" eaLnBrk="1" latinLnBrk="0" hangingPunct="1">
+      <a:defRPr sz="1200" kern="1200">
+        <a:solidFill>
+          <a:schemeClr val="tx1"/>
+        </a:solidFill>
+        <a:latin typeface="+mn-lt"/>
+        <a:ea typeface="+mn-ea"/>
+        <a:cs typeface="+mn-cs"/>
+      </a:defRPr>
+    </a:lvl9pPr>
+  </p:notesStyle>
+</p:notesMaster>
 </file>
 
 <file path=ppt/slideLayouts/slideLayout1.xml><?xml version="1.0" encoding="utf-8"?>
@@ -5964,7 +6318,7 @@
         </p:nvSpPr>
         <p:spPr>
           <a:xfrm>
-            <a:off x="1136864" y="2702486"/>
+            <a:off x="1175484" y="2635374"/>
             <a:ext cx="732445" cy="369332"/>
           </a:xfrm>
           <a:prstGeom prst="rect">
@@ -6008,8 +6362,8 @@
         </p:nvGrpSpPr>
         <p:grpSpPr>
           <a:xfrm>
-            <a:off x="1068944" y="1808332"/>
-            <a:ext cx="868560" cy="895327"/>
+            <a:off x="1159825" y="1864006"/>
+            <a:ext cx="777240" cy="777240"/>
             <a:chOff x="785816" y="1549248"/>
             <a:chExt cx="1193994" cy="1403481"/>
           </a:xfrm>
@@ -11557,8 +11911,8 @@
         </p:nvSpPr>
         <p:spPr>
           <a:xfrm>
-            <a:off x="5942230" y="2021270"/>
-            <a:ext cx="866005" cy="446764"/>
+            <a:off x="5925452" y="2021270"/>
+            <a:ext cx="859583" cy="446764"/>
           </a:xfrm>
           <a:prstGeom prst="rect">
             <a:avLst/>
@@ -11599,7 +11953,7 @@
           <a:p>
             <a:pPr algn="ctr"/>
             <a:r>
-              <a:rPr lang="pt-BR" sz="900" b="1" dirty="0" err="1"/>
+              <a:rPr lang="pt-BR" sz="900" b="1" dirty="0"/>
               <a:t>GlobalPooling</a:t>
             </a:r>
             <a:endParaRPr lang="en-US" sz="1100" dirty="0"/>
@@ -11664,7 +12018,7 @@
         </p:nvGrpSpPr>
         <p:grpSpPr>
           <a:xfrm>
-            <a:off x="7083850" y="2199798"/>
+            <a:off x="7033516" y="2199798"/>
             <a:ext cx="495193" cy="108664"/>
             <a:chOff x="7205770" y="2199798"/>
             <a:chExt cx="650044" cy="108664"/>
@@ -11987,7 +12341,7 @@
         </p:nvCxnSpPr>
         <p:spPr>
           <a:xfrm>
-            <a:off x="6886390" y="2252626"/>
+            <a:off x="6836056" y="2252626"/>
             <a:ext cx="152400" cy="0"/>
           </a:xfrm>
           <a:prstGeom prst="straightConnector1">
@@ -12031,7 +12385,7 @@
         </p:nvCxnSpPr>
         <p:spPr>
           <a:xfrm>
-            <a:off x="7625530" y="2252626"/>
+            <a:off x="7575196" y="2252626"/>
             <a:ext cx="152400" cy="0"/>
           </a:xfrm>
           <a:prstGeom prst="straightConnector1">
@@ -12073,7 +12427,7 @@
         </p:nvSpPr>
         <p:spPr>
           <a:xfrm>
-            <a:off x="8252460" y="1545428"/>
+            <a:off x="8218904" y="1545428"/>
             <a:ext cx="182880" cy="182880"/>
           </a:xfrm>
           <a:prstGeom prst="ellipse">
@@ -12132,7 +12486,7 @@
         </p:nvSpPr>
         <p:spPr>
           <a:xfrm>
-            <a:off x="8252460" y="2140215"/>
+            <a:off x="8218904" y="2140215"/>
             <a:ext cx="182880" cy="182880"/>
           </a:xfrm>
           <a:prstGeom prst="ellipse">
@@ -12191,7 +12545,7 @@
         </p:nvSpPr>
         <p:spPr>
           <a:xfrm>
-            <a:off x="8252460" y="2722897"/>
+            <a:off x="8218904" y="2722897"/>
             <a:ext cx="182880" cy="182880"/>
           </a:xfrm>
           <a:prstGeom prst="ellipse">
@@ -12250,7 +12604,7 @@
         </p:nvSpPr>
         <p:spPr>
           <a:xfrm>
-            <a:off x="8915400" y="1640961"/>
+            <a:off x="8881844" y="1640961"/>
             <a:ext cx="182880" cy="182880"/>
           </a:xfrm>
           <a:prstGeom prst="ellipse">
@@ -12296,7 +12650,7 @@
         </p:nvSpPr>
         <p:spPr>
           <a:xfrm>
-            <a:off x="8915400" y="2481506"/>
+            <a:off x="8881844" y="2481506"/>
             <a:ext cx="182880" cy="182880"/>
           </a:xfrm>
           <a:prstGeom prst="ellipse">
@@ -12342,7 +12696,7 @@
         </p:nvSpPr>
         <p:spPr>
           <a:xfrm>
-            <a:off x="9523373" y="1584942"/>
+            <a:off x="9464650" y="1584942"/>
             <a:ext cx="401072" cy="276999"/>
           </a:xfrm>
           <a:prstGeom prst="rect">
@@ -12394,7 +12748,7 @@
         </p:nvCxnSpPr>
         <p:spPr>
           <a:xfrm flipH="1">
-            <a:off x="7777930" y="1636868"/>
+            <a:off x="7744374" y="1636868"/>
             <a:ext cx="474530" cy="607784"/>
           </a:xfrm>
           <a:prstGeom prst="line">
@@ -12433,7 +12787,7 @@
         </p:nvCxnSpPr>
         <p:spPr>
           <a:xfrm flipH="1" flipV="1">
-            <a:off x="7777930" y="2244652"/>
+            <a:off x="7744374" y="2244652"/>
             <a:ext cx="474530" cy="569685"/>
           </a:xfrm>
           <a:prstGeom prst="line">
@@ -12472,7 +12826,7 @@
         </p:nvCxnSpPr>
         <p:spPr>
           <a:xfrm flipV="1">
-            <a:off x="7777930" y="2231655"/>
+            <a:off x="7744374" y="2231655"/>
             <a:ext cx="474530" cy="12997"/>
           </a:xfrm>
           <a:prstGeom prst="line">
@@ -12511,7 +12865,7 @@
         </p:nvCxnSpPr>
         <p:spPr>
           <a:xfrm>
-            <a:off x="8435340" y="1636868"/>
+            <a:off x="8401784" y="1636868"/>
             <a:ext cx="480060" cy="95533"/>
           </a:xfrm>
           <a:prstGeom prst="line">
@@ -12551,7 +12905,7 @@
         </p:nvCxnSpPr>
         <p:spPr>
           <a:xfrm>
-            <a:off x="8435340" y="1636868"/>
+            <a:off x="8401784" y="1636868"/>
             <a:ext cx="480060" cy="936078"/>
           </a:xfrm>
           <a:prstGeom prst="line">
@@ -12591,7 +12945,7 @@
         </p:nvCxnSpPr>
         <p:spPr>
           <a:xfrm flipV="1">
-            <a:off x="8435340" y="1732401"/>
+            <a:off x="8401784" y="1732401"/>
             <a:ext cx="480060" cy="499254"/>
           </a:xfrm>
           <a:prstGeom prst="line">
@@ -12631,7 +12985,7 @@
         </p:nvCxnSpPr>
         <p:spPr>
           <a:xfrm>
-            <a:off x="8435340" y="2231655"/>
+            <a:off x="8401784" y="2231655"/>
             <a:ext cx="480060" cy="341291"/>
           </a:xfrm>
           <a:prstGeom prst="line">
@@ -12671,7 +13025,7 @@
         </p:nvCxnSpPr>
         <p:spPr>
           <a:xfrm flipV="1">
-            <a:off x="8435340" y="2572946"/>
+            <a:off x="8401784" y="2572946"/>
             <a:ext cx="480060" cy="241391"/>
           </a:xfrm>
           <a:prstGeom prst="line">
@@ -12711,7 +13065,7 @@
         </p:nvCxnSpPr>
         <p:spPr>
           <a:xfrm flipV="1">
-            <a:off x="8435340" y="1732401"/>
+            <a:off x="8401784" y="1732401"/>
             <a:ext cx="480060" cy="1081936"/>
           </a:xfrm>
           <a:prstGeom prst="line">
@@ -12747,7 +13101,7 @@
         </p:nvSpPr>
         <p:spPr>
           <a:xfrm>
-            <a:off x="9472878" y="2430108"/>
+            <a:off x="9397377" y="2430108"/>
             <a:ext cx="502061" cy="276999"/>
           </a:xfrm>
           <a:prstGeom prst="rect">
@@ -12800,8 +13154,8 @@
         </p:nvCxnSpPr>
         <p:spPr>
           <a:xfrm flipV="1">
-            <a:off x="9098280" y="1723442"/>
-            <a:ext cx="425093" cy="8959"/>
+            <a:off x="9064724" y="1723442"/>
+            <a:ext cx="399926" cy="8959"/>
           </a:xfrm>
           <a:prstGeom prst="line">
             <a:avLst/>
@@ -12840,8 +13194,8 @@
         </p:nvCxnSpPr>
         <p:spPr>
           <a:xfrm flipV="1">
-            <a:off x="9098280" y="2568608"/>
-            <a:ext cx="374598" cy="4338"/>
+            <a:off x="9064724" y="2568608"/>
+            <a:ext cx="332653" cy="4338"/>
           </a:xfrm>
           <a:prstGeom prst="line">
             <a:avLst/>
@@ -12876,7 +13230,7 @@
         </p:nvSpPr>
         <p:spPr>
           <a:xfrm>
-            <a:off x="8143364" y="2851007"/>
+            <a:off x="8093030" y="2851007"/>
             <a:ext cx="401071" cy="584775"/>
           </a:xfrm>
           <a:prstGeom prst="rect">
@@ -13159,7 +13513,7 @@
         </p:nvSpPr>
         <p:spPr>
           <a:xfrm rot="5400000">
-            <a:off x="8418676" y="464032"/>
+            <a:off x="8368342" y="464032"/>
             <a:ext cx="160778" cy="1442270"/>
           </a:xfrm>
           <a:prstGeom prst="leftBrace">
@@ -13209,7 +13563,7 @@
         </p:nvSpPr>
         <p:spPr>
           <a:xfrm>
-            <a:off x="7891571" y="821420"/>
+            <a:off x="7841237" y="821420"/>
             <a:ext cx="1252429" cy="261610"/>
           </a:xfrm>
           <a:prstGeom prst="rect">
@@ -13235,6 +13589,1460 @@
     <p:extLst>
       <p:ext uri="{BB962C8B-B14F-4D97-AF65-F5344CB8AC3E}">
         <p14:creationId xmlns:p14="http://schemas.microsoft.com/office/powerpoint/2010/main" val="3399572008"/>
+      </p:ext>
+    </p:extLst>
+  </p:cSld>
+  <p:clrMapOvr>
+    <a:masterClrMapping/>
+  </p:clrMapOvr>
+</p:sld>
+</file>
+
+<file path=ppt/slides/slide6.xml><?xml version="1.0" encoding="utf-8"?>
+<p:sld xmlns:a="http://schemas.openxmlformats.org/drawingml/2006/main" xmlns:r="http://schemas.openxmlformats.org/officeDocument/2006/relationships" xmlns:p="http://schemas.openxmlformats.org/presentationml/2006/main">
+  <p:cSld>
+    <p:spTree>
+      <p:nvGrpSpPr>
+        <p:cNvPr id="1" name=""/>
+        <p:cNvGrpSpPr/>
+        <p:nvPr/>
+      </p:nvGrpSpPr>
+      <p:grpSpPr>
+        <a:xfrm>
+          <a:off x="0" y="0"/>
+          <a:ext cx="0" cy="0"/>
+          <a:chOff x="0" y="0"/>
+          <a:chExt cx="0" cy="0"/>
+        </a:xfrm>
+      </p:grpSpPr>
+      <p:pic>
+        <p:nvPicPr>
+          <p:cNvPr id="4" name="Picture 3" descr="earlystopping">
+            <a:extLst>
+              <a:ext uri="{FF2B5EF4-FFF2-40B4-BE49-F238E27FC236}">
+                <a16:creationId xmlns:a16="http://schemas.microsoft.com/office/drawing/2014/main" id="{59C923CA-5C30-4BE8-ACB2-47E4FB5588A9}"/>
+              </a:ext>
+            </a:extLst>
+          </p:cNvPr>
+          <p:cNvPicPr>
+            <a:picLocks noChangeAspect="1"/>
+          </p:cNvPicPr>
+          <p:nvPr/>
+        </p:nvPicPr>
+        <p:blipFill rotWithShape="1">
+          <a:blip r:embed="rId2" cstate="print">
+            <a:extLst>
+              <a:ext uri="{28A0092B-C50C-407E-A947-70E740481C1C}">
+                <a14:useLocalDpi xmlns:a14="http://schemas.microsoft.com/office/drawing/2010/main" val="0"/>
+              </a:ext>
+            </a:extLst>
+          </a:blip>
+          <a:srcRect l="3419" t="3418" r="3378" b="5858"/>
+          <a:stretch/>
+        </p:blipFill>
+        <p:spPr bwMode="auto">
+          <a:xfrm>
+            <a:off x="4608512" y="2613977"/>
+            <a:ext cx="2974975" cy="1630045"/>
+          </a:xfrm>
+          <a:prstGeom prst="rect">
+            <a:avLst/>
+          </a:prstGeom>
+          <a:noFill/>
+          <a:ln>
+            <a:noFill/>
+          </a:ln>
+          <a:extLst>
+            <a:ext uri="{53640926-AAD7-44D8-BBD7-CCE9431645EC}">
+              <a14:shadowObscured xmlns:a14="http://schemas.microsoft.com/office/drawing/2010/main"/>
+            </a:ext>
+          </a:extLst>
+        </p:spPr>
+      </p:pic>
+      <p:sp>
+        <p:nvSpPr>
+          <p:cNvPr id="5" name="TextBox 4">
+            <a:extLst>
+              <a:ext uri="{FF2B5EF4-FFF2-40B4-BE49-F238E27FC236}">
+                <a16:creationId xmlns:a16="http://schemas.microsoft.com/office/drawing/2014/main" id="{A4C17ABD-FA4A-4712-8374-C8CD6A7A74B9}"/>
+              </a:ext>
+            </a:extLst>
+          </p:cNvPr>
+          <p:cNvSpPr txBox="1"/>
+          <p:nvPr/>
+        </p:nvSpPr>
+        <p:spPr>
+          <a:xfrm>
+            <a:off x="5314951" y="3576637"/>
+            <a:ext cx="1016793" cy="230832"/>
+          </a:xfrm>
+          <a:prstGeom prst="rect">
+            <a:avLst/>
+          </a:prstGeom>
+          <a:solidFill>
+            <a:schemeClr val="bg1"/>
+          </a:solidFill>
+        </p:spPr>
+        <p:txBody>
+          <a:bodyPr wrap="square" rtlCol="0">
+            <a:spAutoFit/>
+          </a:bodyPr>
+          <a:lstStyle/>
+          <a:p>
+            <a:pPr algn="ctr"/>
+            <a:r>
+              <a:rPr lang="pt-BR" sz="900" dirty="0">
+                <a:solidFill>
+                  <a:srgbClr val="000BFF"/>
+                </a:solidFill>
+              </a:rPr>
+              <a:t>Acurácia de Teste</a:t>
+            </a:r>
+            <a:endParaRPr lang="en-US" sz="900" dirty="0">
+              <a:solidFill>
+                <a:srgbClr val="000BFF"/>
+              </a:solidFill>
+            </a:endParaRPr>
+          </a:p>
+        </p:txBody>
+      </p:sp>
+      <p:sp>
+        <p:nvSpPr>
+          <p:cNvPr id="6" name="TextBox 5">
+            <a:extLst>
+              <a:ext uri="{FF2B5EF4-FFF2-40B4-BE49-F238E27FC236}">
+                <a16:creationId xmlns:a16="http://schemas.microsoft.com/office/drawing/2014/main" id="{5042BACF-6DE7-407E-BE24-ED79A8574412}"/>
+              </a:ext>
+            </a:extLst>
+          </p:cNvPr>
+          <p:cNvSpPr txBox="1"/>
+          <p:nvPr/>
+        </p:nvSpPr>
+        <p:spPr>
+          <a:xfrm>
+            <a:off x="6246020" y="2512847"/>
+            <a:ext cx="1123950" cy="230832"/>
+          </a:xfrm>
+          <a:prstGeom prst="rect">
+            <a:avLst/>
+          </a:prstGeom>
+          <a:solidFill>
+            <a:schemeClr val="bg1"/>
+          </a:solidFill>
+        </p:spPr>
+        <p:txBody>
+          <a:bodyPr wrap="square" rtlCol="0">
+            <a:spAutoFit/>
+          </a:bodyPr>
+          <a:lstStyle/>
+          <a:p>
+            <a:pPr algn="ctr"/>
+            <a:r>
+              <a:rPr lang="pt-BR" sz="900" dirty="0">
+                <a:solidFill>
+                  <a:srgbClr val="FF0000"/>
+                </a:solidFill>
+              </a:rPr>
+              <a:t>Acurácia de Treino</a:t>
+            </a:r>
+            <a:endParaRPr lang="en-US" sz="900" dirty="0">
+              <a:solidFill>
+                <a:srgbClr val="FF0000"/>
+              </a:solidFill>
+            </a:endParaRPr>
+          </a:p>
+        </p:txBody>
+      </p:sp>
+      <p:sp>
+        <p:nvSpPr>
+          <p:cNvPr id="7" name="TextBox 6">
+            <a:extLst>
+              <a:ext uri="{FF2B5EF4-FFF2-40B4-BE49-F238E27FC236}">
+                <a16:creationId xmlns:a16="http://schemas.microsoft.com/office/drawing/2014/main" id="{83AE1CAB-BBD3-4CE8-A5A4-26DE0E6DAB1A}"/>
+              </a:ext>
+            </a:extLst>
+          </p:cNvPr>
+          <p:cNvSpPr txBox="1"/>
+          <p:nvPr/>
+        </p:nvSpPr>
+        <p:spPr>
+          <a:xfrm>
+            <a:off x="6369844" y="3621879"/>
+            <a:ext cx="838691" cy="230832"/>
+          </a:xfrm>
+          <a:prstGeom prst="rect">
+            <a:avLst/>
+          </a:prstGeom>
+          <a:solidFill>
+            <a:schemeClr val="bg1"/>
+          </a:solidFill>
+        </p:spPr>
+        <p:txBody>
+          <a:bodyPr wrap="none" rtlCol="0">
+            <a:spAutoFit/>
+          </a:bodyPr>
+          <a:lstStyle/>
+          <a:p>
+            <a:r>
+              <a:rPr lang="pt-BR" sz="900" dirty="0"/>
+              <a:t>Melhor época</a:t>
+            </a:r>
+            <a:endParaRPr lang="en-US" sz="900" dirty="0"/>
+          </a:p>
+        </p:txBody>
+      </p:sp>
+      <p:sp>
+        <p:nvSpPr>
+          <p:cNvPr id="8" name="TextBox 7">
+            <a:extLst>
+              <a:ext uri="{FF2B5EF4-FFF2-40B4-BE49-F238E27FC236}">
+                <a16:creationId xmlns:a16="http://schemas.microsoft.com/office/drawing/2014/main" id="{13437E85-172E-4ACF-B2AC-9091A800E829}"/>
+              </a:ext>
+            </a:extLst>
+          </p:cNvPr>
+          <p:cNvSpPr txBox="1"/>
+          <p:nvPr/>
+        </p:nvSpPr>
+        <p:spPr>
+          <a:xfrm>
+            <a:off x="6928644" y="4090254"/>
+            <a:ext cx="465192" cy="230832"/>
+          </a:xfrm>
+          <a:prstGeom prst="rect">
+            <a:avLst/>
+          </a:prstGeom>
+          <a:solidFill>
+            <a:schemeClr val="bg1"/>
+          </a:solidFill>
+        </p:spPr>
+        <p:txBody>
+          <a:bodyPr wrap="none" rtlCol="0">
+            <a:spAutoFit/>
+          </a:bodyPr>
+          <a:lstStyle/>
+          <a:p>
+            <a:r>
+              <a:rPr lang="pt-BR" sz="900" dirty="0"/>
+              <a:t>Época</a:t>
+            </a:r>
+            <a:endParaRPr lang="en-US" sz="900" dirty="0"/>
+          </a:p>
+        </p:txBody>
+      </p:sp>
+      <p:sp>
+        <p:nvSpPr>
+          <p:cNvPr id="9" name="TextBox 8">
+            <a:extLst>
+              <a:ext uri="{FF2B5EF4-FFF2-40B4-BE49-F238E27FC236}">
+                <a16:creationId xmlns:a16="http://schemas.microsoft.com/office/drawing/2014/main" id="{0361A9EB-6AF8-43E5-85CA-63B82208E43A}"/>
+              </a:ext>
+            </a:extLst>
+          </p:cNvPr>
+          <p:cNvSpPr txBox="1"/>
+          <p:nvPr/>
+        </p:nvSpPr>
+        <p:spPr>
+          <a:xfrm rot="16200000">
+            <a:off x="4248389" y="3010611"/>
+            <a:ext cx="790096" cy="230832"/>
+          </a:xfrm>
+          <a:prstGeom prst="rect">
+            <a:avLst/>
+          </a:prstGeom>
+          <a:solidFill>
+            <a:schemeClr val="bg1"/>
+          </a:solidFill>
+        </p:spPr>
+        <p:txBody>
+          <a:bodyPr wrap="square" rtlCol="0">
+            <a:spAutoFit/>
+          </a:bodyPr>
+          <a:lstStyle/>
+          <a:p>
+            <a:pPr algn="r"/>
+            <a:r>
+              <a:rPr lang="pt-BR" sz="900" dirty="0"/>
+              <a:t>Acurácia</a:t>
+            </a:r>
+            <a:endParaRPr lang="en-US" sz="900" dirty="0"/>
+          </a:p>
+        </p:txBody>
+      </p:sp>
+    </p:spTree>
+    <p:extLst>
+      <p:ext uri="{BB962C8B-B14F-4D97-AF65-F5344CB8AC3E}">
+        <p14:creationId xmlns:p14="http://schemas.microsoft.com/office/powerpoint/2010/main" val="168664896"/>
+      </p:ext>
+    </p:extLst>
+  </p:cSld>
+  <p:clrMapOvr>
+    <a:masterClrMapping/>
+  </p:clrMapOvr>
+</p:sld>
+</file>
+
+<file path=ppt/slides/slide7.xml><?xml version="1.0" encoding="utf-8"?>
+<p:sld xmlns:a="http://schemas.openxmlformats.org/drawingml/2006/main" xmlns:r="http://schemas.openxmlformats.org/officeDocument/2006/relationships" xmlns:p="http://schemas.openxmlformats.org/presentationml/2006/main">
+  <p:cSld>
+    <p:spTree>
+      <p:nvGrpSpPr>
+        <p:cNvPr id="1" name=""/>
+        <p:cNvGrpSpPr/>
+        <p:nvPr/>
+      </p:nvGrpSpPr>
+      <p:grpSpPr>
+        <a:xfrm>
+          <a:off x="0" y="0"/>
+          <a:ext cx="0" cy="0"/>
+          <a:chOff x="0" y="0"/>
+          <a:chExt cx="0" cy="0"/>
+        </a:xfrm>
+      </p:grpSpPr>
+      <p:pic>
+        <p:nvPicPr>
+          <p:cNvPr id="5" name="Picture 4">
+            <a:extLst>
+              <a:ext uri="{FF2B5EF4-FFF2-40B4-BE49-F238E27FC236}">
+                <a16:creationId xmlns:a16="http://schemas.microsoft.com/office/drawing/2014/main" id="{02DBA775-E038-4A5D-B5AB-57FDEB498549}"/>
+              </a:ext>
+            </a:extLst>
+          </p:cNvPr>
+          <p:cNvPicPr>
+            <a:picLocks noChangeAspect="1"/>
+          </p:cNvPicPr>
+          <p:nvPr/>
+        </p:nvPicPr>
+        <p:blipFill>
+          <a:blip r:embed="rId2"/>
+          <a:stretch>
+            <a:fillRect/>
+          </a:stretch>
+        </p:blipFill>
+        <p:spPr>
+          <a:xfrm>
+            <a:off x="0" y="1279013"/>
+            <a:ext cx="12192000" cy="4299974"/>
+          </a:xfrm>
+          <a:prstGeom prst="rect">
+            <a:avLst/>
+          </a:prstGeom>
+        </p:spPr>
+      </p:pic>
+      <p:grpSp>
+        <p:nvGrpSpPr>
+          <p:cNvPr id="36" name="Group 35">
+            <a:extLst>
+              <a:ext uri="{FF2B5EF4-FFF2-40B4-BE49-F238E27FC236}">
+                <a16:creationId xmlns:a16="http://schemas.microsoft.com/office/drawing/2014/main" id="{FF966489-5288-4652-BCEC-CD57098BEC6C}"/>
+              </a:ext>
+            </a:extLst>
+          </p:cNvPr>
+          <p:cNvGrpSpPr/>
+          <p:nvPr/>
+        </p:nvGrpSpPr>
+        <p:grpSpPr>
+          <a:xfrm>
+            <a:off x="550545" y="2152645"/>
+            <a:ext cx="11355740" cy="2601402"/>
+            <a:chOff x="579120" y="2171695"/>
+            <a:chExt cx="11355740" cy="2601402"/>
+          </a:xfrm>
+        </p:grpSpPr>
+        <p:grpSp>
+          <p:nvGrpSpPr>
+            <p:cNvPr id="8" name="Group 7">
+              <a:extLst>
+                <a:ext uri="{FF2B5EF4-FFF2-40B4-BE49-F238E27FC236}">
+                  <a16:creationId xmlns:a16="http://schemas.microsoft.com/office/drawing/2014/main" id="{2848A431-9E23-4BA2-BACE-1EBA158D0801}"/>
+                </a:ext>
+              </a:extLst>
+            </p:cNvPr>
+            <p:cNvGrpSpPr/>
+            <p:nvPr/>
+          </p:nvGrpSpPr>
+          <p:grpSpPr>
+            <a:xfrm>
+              <a:off x="579120" y="2171699"/>
+              <a:ext cx="1375155" cy="307778"/>
+              <a:chOff x="579120" y="2171699"/>
+              <a:chExt cx="1375155" cy="307778"/>
+            </a:xfrm>
+          </p:grpSpPr>
+          <p:sp>
+            <p:nvSpPr>
+              <p:cNvPr id="6" name="TextBox 5">
+                <a:extLst>
+                  <a:ext uri="{FF2B5EF4-FFF2-40B4-BE49-F238E27FC236}">
+                    <a16:creationId xmlns:a16="http://schemas.microsoft.com/office/drawing/2014/main" id="{8E238604-ECA4-4142-B300-56F6FE2BEFC6}"/>
+                  </a:ext>
+                </a:extLst>
+              </p:cNvPr>
+              <p:cNvSpPr txBox="1"/>
+              <p:nvPr/>
+            </p:nvSpPr>
+            <p:spPr>
+              <a:xfrm>
+                <a:off x="579120" y="2171700"/>
+                <a:ext cx="498855" cy="307777"/>
+              </a:xfrm>
+              <a:prstGeom prst="rect">
+                <a:avLst/>
+              </a:prstGeom>
+              <a:noFill/>
+            </p:spPr>
+            <p:txBody>
+              <a:bodyPr wrap="none" rtlCol="0">
+                <a:spAutoFit/>
+              </a:bodyPr>
+              <a:lstStyle/>
+              <a:p>
+                <a:r>
+                  <a:rPr lang="pt-BR" sz="1400" b="1" dirty="0">
+                    <a:solidFill>
+                      <a:schemeClr val="bg1"/>
+                    </a:solidFill>
+                  </a:rPr>
+                  <a:t>50%</a:t>
+                </a:r>
+                <a:endParaRPr lang="en-US" sz="1400" b="1" dirty="0">
+                  <a:solidFill>
+                    <a:schemeClr val="bg1"/>
+                  </a:solidFill>
+                </a:endParaRPr>
+              </a:p>
+            </p:txBody>
+          </p:sp>
+          <p:sp>
+            <p:nvSpPr>
+              <p:cNvPr id="7" name="TextBox 6">
+                <a:extLst>
+                  <a:ext uri="{FF2B5EF4-FFF2-40B4-BE49-F238E27FC236}">
+                    <a16:creationId xmlns:a16="http://schemas.microsoft.com/office/drawing/2014/main" id="{139F681A-1A75-49E8-9E59-6F8F8D74F180}"/>
+                  </a:ext>
+                </a:extLst>
+              </p:cNvPr>
+              <p:cNvSpPr txBox="1"/>
+              <p:nvPr/>
+            </p:nvSpPr>
+            <p:spPr>
+              <a:xfrm>
+                <a:off x="1455420" y="2171699"/>
+                <a:ext cx="498855" cy="307777"/>
+              </a:xfrm>
+              <a:prstGeom prst="rect">
+                <a:avLst/>
+              </a:prstGeom>
+              <a:noFill/>
+            </p:spPr>
+            <p:txBody>
+              <a:bodyPr wrap="none" rtlCol="0">
+                <a:spAutoFit/>
+              </a:bodyPr>
+              <a:lstStyle/>
+              <a:p>
+                <a:r>
+                  <a:rPr lang="pt-BR" sz="1400" b="1" dirty="0">
+                    <a:solidFill>
+                      <a:schemeClr val="bg1"/>
+                    </a:solidFill>
+                  </a:rPr>
+                  <a:t>50%</a:t>
+                </a:r>
+                <a:endParaRPr lang="en-US" sz="1400" b="1" dirty="0">
+                  <a:solidFill>
+                    <a:schemeClr val="bg1"/>
+                  </a:solidFill>
+                </a:endParaRPr>
+              </a:p>
+            </p:txBody>
+          </p:sp>
+        </p:grpSp>
+        <p:grpSp>
+          <p:nvGrpSpPr>
+            <p:cNvPr id="9" name="Group 8">
+              <a:extLst>
+                <a:ext uri="{FF2B5EF4-FFF2-40B4-BE49-F238E27FC236}">
+                  <a16:creationId xmlns:a16="http://schemas.microsoft.com/office/drawing/2014/main" id="{EFE97929-220D-4588-9ED6-C66AEE5170E6}"/>
+                </a:ext>
+              </a:extLst>
+            </p:cNvPr>
+            <p:cNvGrpSpPr/>
+            <p:nvPr/>
+          </p:nvGrpSpPr>
+          <p:grpSpPr>
+            <a:xfrm>
+              <a:off x="3070860" y="2171698"/>
+              <a:ext cx="1375155" cy="307778"/>
+              <a:chOff x="579120" y="2171699"/>
+              <a:chExt cx="1375155" cy="307778"/>
+            </a:xfrm>
+          </p:grpSpPr>
+          <p:sp>
+            <p:nvSpPr>
+              <p:cNvPr id="10" name="TextBox 9">
+                <a:extLst>
+                  <a:ext uri="{FF2B5EF4-FFF2-40B4-BE49-F238E27FC236}">
+                    <a16:creationId xmlns:a16="http://schemas.microsoft.com/office/drawing/2014/main" id="{9B0E0DB4-210B-4FF5-B9B6-3CF321328F85}"/>
+                  </a:ext>
+                </a:extLst>
+              </p:cNvPr>
+              <p:cNvSpPr txBox="1"/>
+              <p:nvPr/>
+            </p:nvSpPr>
+            <p:spPr>
+              <a:xfrm>
+                <a:off x="579120" y="2171700"/>
+                <a:ext cx="498855" cy="307777"/>
+              </a:xfrm>
+              <a:prstGeom prst="rect">
+                <a:avLst/>
+              </a:prstGeom>
+              <a:noFill/>
+            </p:spPr>
+            <p:txBody>
+              <a:bodyPr wrap="none" rtlCol="0">
+                <a:spAutoFit/>
+              </a:bodyPr>
+              <a:lstStyle/>
+              <a:p>
+                <a:r>
+                  <a:rPr lang="pt-BR" sz="1400" b="1" dirty="0">
+                    <a:solidFill>
+                      <a:schemeClr val="bg1"/>
+                    </a:solidFill>
+                  </a:rPr>
+                  <a:t>49%</a:t>
+                </a:r>
+                <a:endParaRPr lang="en-US" sz="1400" b="1" dirty="0">
+                  <a:solidFill>
+                    <a:schemeClr val="bg1"/>
+                  </a:solidFill>
+                </a:endParaRPr>
+              </a:p>
+            </p:txBody>
+          </p:sp>
+          <p:sp>
+            <p:nvSpPr>
+              <p:cNvPr id="11" name="TextBox 10">
+                <a:extLst>
+                  <a:ext uri="{FF2B5EF4-FFF2-40B4-BE49-F238E27FC236}">
+                    <a16:creationId xmlns:a16="http://schemas.microsoft.com/office/drawing/2014/main" id="{85859C73-EFF2-40E0-940C-62C4246D582A}"/>
+                  </a:ext>
+                </a:extLst>
+              </p:cNvPr>
+              <p:cNvSpPr txBox="1"/>
+              <p:nvPr/>
+            </p:nvSpPr>
+            <p:spPr>
+              <a:xfrm>
+                <a:off x="1455420" y="2171699"/>
+                <a:ext cx="498855" cy="307777"/>
+              </a:xfrm>
+              <a:prstGeom prst="rect">
+                <a:avLst/>
+              </a:prstGeom>
+              <a:noFill/>
+            </p:spPr>
+            <p:txBody>
+              <a:bodyPr wrap="none" rtlCol="0">
+                <a:spAutoFit/>
+              </a:bodyPr>
+              <a:lstStyle/>
+              <a:p>
+                <a:r>
+                  <a:rPr lang="pt-BR" sz="1400" b="1" dirty="0">
+                    <a:solidFill>
+                      <a:schemeClr val="bg1"/>
+                    </a:solidFill>
+                  </a:rPr>
+                  <a:t>51%</a:t>
+                </a:r>
+                <a:endParaRPr lang="en-US" sz="1400" b="1" dirty="0">
+                  <a:solidFill>
+                    <a:schemeClr val="bg1"/>
+                  </a:solidFill>
+                </a:endParaRPr>
+              </a:p>
+            </p:txBody>
+          </p:sp>
+        </p:grpSp>
+        <p:grpSp>
+          <p:nvGrpSpPr>
+            <p:cNvPr id="12" name="Group 11">
+              <a:extLst>
+                <a:ext uri="{FF2B5EF4-FFF2-40B4-BE49-F238E27FC236}">
+                  <a16:creationId xmlns:a16="http://schemas.microsoft.com/office/drawing/2014/main" id="{8B36A9D6-C0B2-46BC-A6F7-E139B965A8F9}"/>
+                </a:ext>
+              </a:extLst>
+            </p:cNvPr>
+            <p:cNvGrpSpPr/>
+            <p:nvPr/>
+          </p:nvGrpSpPr>
+          <p:grpSpPr>
+            <a:xfrm>
+              <a:off x="5570220" y="2171697"/>
+              <a:ext cx="1375155" cy="307778"/>
+              <a:chOff x="579120" y="2171699"/>
+              <a:chExt cx="1375155" cy="307778"/>
+            </a:xfrm>
+          </p:grpSpPr>
+          <p:sp>
+            <p:nvSpPr>
+              <p:cNvPr id="13" name="TextBox 12">
+                <a:extLst>
+                  <a:ext uri="{FF2B5EF4-FFF2-40B4-BE49-F238E27FC236}">
+                    <a16:creationId xmlns:a16="http://schemas.microsoft.com/office/drawing/2014/main" id="{291A92FC-FAAE-4DF2-AE90-C7B33A596839}"/>
+                  </a:ext>
+                </a:extLst>
+              </p:cNvPr>
+              <p:cNvSpPr txBox="1"/>
+              <p:nvPr/>
+            </p:nvSpPr>
+            <p:spPr>
+              <a:xfrm>
+                <a:off x="579120" y="2171700"/>
+                <a:ext cx="498855" cy="307777"/>
+              </a:xfrm>
+              <a:prstGeom prst="rect">
+                <a:avLst/>
+              </a:prstGeom>
+              <a:noFill/>
+            </p:spPr>
+            <p:txBody>
+              <a:bodyPr wrap="none" rtlCol="0">
+                <a:spAutoFit/>
+              </a:bodyPr>
+              <a:lstStyle/>
+              <a:p>
+                <a:r>
+                  <a:rPr lang="pt-BR" sz="1400" b="1" dirty="0">
+                    <a:solidFill>
+                      <a:schemeClr val="bg1"/>
+                    </a:solidFill>
+                  </a:rPr>
+                  <a:t>49%</a:t>
+                </a:r>
+                <a:endParaRPr lang="en-US" sz="1400" b="1" dirty="0">
+                  <a:solidFill>
+                    <a:schemeClr val="bg1"/>
+                  </a:solidFill>
+                </a:endParaRPr>
+              </a:p>
+            </p:txBody>
+          </p:sp>
+          <p:sp>
+            <p:nvSpPr>
+              <p:cNvPr id="14" name="TextBox 13">
+                <a:extLst>
+                  <a:ext uri="{FF2B5EF4-FFF2-40B4-BE49-F238E27FC236}">
+                    <a16:creationId xmlns:a16="http://schemas.microsoft.com/office/drawing/2014/main" id="{6F8949E6-CC37-40B8-8B52-27B1FDB2C5C1}"/>
+                  </a:ext>
+                </a:extLst>
+              </p:cNvPr>
+              <p:cNvSpPr txBox="1"/>
+              <p:nvPr/>
+            </p:nvSpPr>
+            <p:spPr>
+              <a:xfrm>
+                <a:off x="1455420" y="2171699"/>
+                <a:ext cx="498855" cy="307777"/>
+              </a:xfrm>
+              <a:prstGeom prst="rect">
+                <a:avLst/>
+              </a:prstGeom>
+              <a:noFill/>
+            </p:spPr>
+            <p:txBody>
+              <a:bodyPr wrap="none" rtlCol="0">
+                <a:spAutoFit/>
+              </a:bodyPr>
+              <a:lstStyle/>
+              <a:p>
+                <a:r>
+                  <a:rPr lang="pt-BR" sz="1400" b="1" dirty="0">
+                    <a:solidFill>
+                      <a:schemeClr val="bg1"/>
+                    </a:solidFill>
+                  </a:rPr>
+                  <a:t>51%</a:t>
+                </a:r>
+                <a:endParaRPr lang="en-US" sz="1400" b="1" dirty="0">
+                  <a:solidFill>
+                    <a:schemeClr val="bg1"/>
+                  </a:solidFill>
+                </a:endParaRPr>
+              </a:p>
+            </p:txBody>
+          </p:sp>
+        </p:grpSp>
+        <p:grpSp>
+          <p:nvGrpSpPr>
+            <p:cNvPr id="15" name="Group 14">
+              <a:extLst>
+                <a:ext uri="{FF2B5EF4-FFF2-40B4-BE49-F238E27FC236}">
+                  <a16:creationId xmlns:a16="http://schemas.microsoft.com/office/drawing/2014/main" id="{A12DD572-CEEE-4BC1-BF8D-CCBFE214A29A}"/>
+                </a:ext>
+              </a:extLst>
+            </p:cNvPr>
+            <p:cNvGrpSpPr/>
+            <p:nvPr/>
+          </p:nvGrpSpPr>
+          <p:grpSpPr>
+            <a:xfrm>
+              <a:off x="8054340" y="2171696"/>
+              <a:ext cx="1375155" cy="307778"/>
+              <a:chOff x="579120" y="2171699"/>
+              <a:chExt cx="1375155" cy="307778"/>
+            </a:xfrm>
+          </p:grpSpPr>
+          <p:sp>
+            <p:nvSpPr>
+              <p:cNvPr id="16" name="TextBox 15">
+                <a:extLst>
+                  <a:ext uri="{FF2B5EF4-FFF2-40B4-BE49-F238E27FC236}">
+                    <a16:creationId xmlns:a16="http://schemas.microsoft.com/office/drawing/2014/main" id="{4BCDC8BB-AE43-4D7B-9A2A-AD517CDE0BE3}"/>
+                  </a:ext>
+                </a:extLst>
+              </p:cNvPr>
+              <p:cNvSpPr txBox="1"/>
+              <p:nvPr/>
+            </p:nvSpPr>
+            <p:spPr>
+              <a:xfrm>
+                <a:off x="579120" y="2171700"/>
+                <a:ext cx="498855" cy="307777"/>
+              </a:xfrm>
+              <a:prstGeom prst="rect">
+                <a:avLst/>
+              </a:prstGeom>
+              <a:noFill/>
+            </p:spPr>
+            <p:txBody>
+              <a:bodyPr wrap="none" rtlCol="0">
+                <a:spAutoFit/>
+              </a:bodyPr>
+              <a:lstStyle/>
+              <a:p>
+                <a:r>
+                  <a:rPr lang="pt-BR" sz="1400" b="1" dirty="0">
+                    <a:solidFill>
+                      <a:schemeClr val="bg1"/>
+                    </a:solidFill>
+                  </a:rPr>
+                  <a:t>50%</a:t>
+                </a:r>
+                <a:endParaRPr lang="en-US" sz="1400" b="1" dirty="0">
+                  <a:solidFill>
+                    <a:schemeClr val="bg1"/>
+                  </a:solidFill>
+                </a:endParaRPr>
+              </a:p>
+            </p:txBody>
+          </p:sp>
+          <p:sp>
+            <p:nvSpPr>
+              <p:cNvPr id="17" name="TextBox 16">
+                <a:extLst>
+                  <a:ext uri="{FF2B5EF4-FFF2-40B4-BE49-F238E27FC236}">
+                    <a16:creationId xmlns:a16="http://schemas.microsoft.com/office/drawing/2014/main" id="{39D018F1-FF6C-480B-8EFA-89D6E09A08E5}"/>
+                  </a:ext>
+                </a:extLst>
+              </p:cNvPr>
+              <p:cNvSpPr txBox="1"/>
+              <p:nvPr/>
+            </p:nvSpPr>
+            <p:spPr>
+              <a:xfrm>
+                <a:off x="1455420" y="2171699"/>
+                <a:ext cx="498855" cy="307777"/>
+              </a:xfrm>
+              <a:prstGeom prst="rect">
+                <a:avLst/>
+              </a:prstGeom>
+              <a:noFill/>
+            </p:spPr>
+            <p:txBody>
+              <a:bodyPr wrap="none" rtlCol="0">
+                <a:spAutoFit/>
+              </a:bodyPr>
+              <a:lstStyle/>
+              <a:p>
+                <a:r>
+                  <a:rPr lang="pt-BR" sz="1400" b="1" dirty="0">
+                    <a:solidFill>
+                      <a:schemeClr val="bg1"/>
+                    </a:solidFill>
+                  </a:rPr>
+                  <a:t>50%</a:t>
+                </a:r>
+                <a:endParaRPr lang="en-US" sz="1400" b="1" dirty="0">
+                  <a:solidFill>
+                    <a:schemeClr val="bg1"/>
+                  </a:solidFill>
+                </a:endParaRPr>
+              </a:p>
+            </p:txBody>
+          </p:sp>
+        </p:grpSp>
+        <p:grpSp>
+          <p:nvGrpSpPr>
+            <p:cNvPr id="18" name="Group 17">
+              <a:extLst>
+                <a:ext uri="{FF2B5EF4-FFF2-40B4-BE49-F238E27FC236}">
+                  <a16:creationId xmlns:a16="http://schemas.microsoft.com/office/drawing/2014/main" id="{5299A749-D298-4C8D-AC2E-3B0CACEFD554}"/>
+                </a:ext>
+              </a:extLst>
+            </p:cNvPr>
+            <p:cNvGrpSpPr/>
+            <p:nvPr/>
+          </p:nvGrpSpPr>
+          <p:grpSpPr>
+            <a:xfrm>
+              <a:off x="10546080" y="2171695"/>
+              <a:ext cx="1375155" cy="307778"/>
+              <a:chOff x="579120" y="2171699"/>
+              <a:chExt cx="1375155" cy="307778"/>
+            </a:xfrm>
+          </p:grpSpPr>
+          <p:sp>
+            <p:nvSpPr>
+              <p:cNvPr id="19" name="TextBox 18">
+                <a:extLst>
+                  <a:ext uri="{FF2B5EF4-FFF2-40B4-BE49-F238E27FC236}">
+                    <a16:creationId xmlns:a16="http://schemas.microsoft.com/office/drawing/2014/main" id="{5617C981-BB99-4DAA-8603-0DC4A47D7DE5}"/>
+                  </a:ext>
+                </a:extLst>
+              </p:cNvPr>
+              <p:cNvSpPr txBox="1"/>
+              <p:nvPr/>
+            </p:nvSpPr>
+            <p:spPr>
+              <a:xfrm>
+                <a:off x="579120" y="2171700"/>
+                <a:ext cx="498855" cy="307777"/>
+              </a:xfrm>
+              <a:prstGeom prst="rect">
+                <a:avLst/>
+              </a:prstGeom>
+              <a:noFill/>
+            </p:spPr>
+            <p:txBody>
+              <a:bodyPr wrap="none" rtlCol="0">
+                <a:spAutoFit/>
+              </a:bodyPr>
+              <a:lstStyle/>
+              <a:p>
+                <a:r>
+                  <a:rPr lang="pt-BR" sz="1400" b="1" dirty="0">
+                    <a:solidFill>
+                      <a:schemeClr val="bg1"/>
+                    </a:solidFill>
+                  </a:rPr>
+                  <a:t>49%</a:t>
+                </a:r>
+                <a:endParaRPr lang="en-US" sz="1400" b="1" dirty="0">
+                  <a:solidFill>
+                    <a:schemeClr val="bg1"/>
+                  </a:solidFill>
+                </a:endParaRPr>
+              </a:p>
+            </p:txBody>
+          </p:sp>
+          <p:sp>
+            <p:nvSpPr>
+              <p:cNvPr id="20" name="TextBox 19">
+                <a:extLst>
+                  <a:ext uri="{FF2B5EF4-FFF2-40B4-BE49-F238E27FC236}">
+                    <a16:creationId xmlns:a16="http://schemas.microsoft.com/office/drawing/2014/main" id="{6B7C8F71-5909-47F4-AB11-888E07F86727}"/>
+                  </a:ext>
+                </a:extLst>
+              </p:cNvPr>
+              <p:cNvSpPr txBox="1"/>
+              <p:nvPr/>
+            </p:nvSpPr>
+            <p:spPr>
+              <a:xfrm>
+                <a:off x="1455420" y="2171699"/>
+                <a:ext cx="498855" cy="307777"/>
+              </a:xfrm>
+              <a:prstGeom prst="rect">
+                <a:avLst/>
+              </a:prstGeom>
+              <a:noFill/>
+            </p:spPr>
+            <p:txBody>
+              <a:bodyPr wrap="none" rtlCol="0">
+                <a:spAutoFit/>
+              </a:bodyPr>
+              <a:lstStyle/>
+              <a:p>
+                <a:r>
+                  <a:rPr lang="pt-BR" sz="1400" b="1" dirty="0">
+                    <a:solidFill>
+                      <a:schemeClr val="bg1"/>
+                    </a:solidFill>
+                  </a:rPr>
+                  <a:t>51%</a:t>
+                </a:r>
+                <a:endParaRPr lang="en-US" sz="1400" b="1" dirty="0">
+                  <a:solidFill>
+                    <a:schemeClr val="bg1"/>
+                  </a:solidFill>
+                </a:endParaRPr>
+              </a:p>
+            </p:txBody>
+          </p:sp>
+        </p:grpSp>
+        <p:grpSp>
+          <p:nvGrpSpPr>
+            <p:cNvPr id="21" name="Group 20">
+              <a:extLst>
+                <a:ext uri="{FF2B5EF4-FFF2-40B4-BE49-F238E27FC236}">
+                  <a16:creationId xmlns:a16="http://schemas.microsoft.com/office/drawing/2014/main" id="{938BD4D0-B037-4B46-987B-B70689B93021}"/>
+                </a:ext>
+              </a:extLst>
+            </p:cNvPr>
+            <p:cNvGrpSpPr/>
+            <p:nvPr/>
+          </p:nvGrpSpPr>
+          <p:grpSpPr>
+            <a:xfrm>
+              <a:off x="592745" y="4465319"/>
+              <a:ext cx="1375155" cy="307778"/>
+              <a:chOff x="579120" y="2171699"/>
+              <a:chExt cx="1375155" cy="307778"/>
+            </a:xfrm>
+          </p:grpSpPr>
+          <p:sp>
+            <p:nvSpPr>
+              <p:cNvPr id="22" name="TextBox 21">
+                <a:extLst>
+                  <a:ext uri="{FF2B5EF4-FFF2-40B4-BE49-F238E27FC236}">
+                    <a16:creationId xmlns:a16="http://schemas.microsoft.com/office/drawing/2014/main" id="{DBCBF5E2-FE3B-4528-B5C0-61C3D27DD470}"/>
+                  </a:ext>
+                </a:extLst>
+              </p:cNvPr>
+              <p:cNvSpPr txBox="1"/>
+              <p:nvPr/>
+            </p:nvSpPr>
+            <p:spPr>
+              <a:xfrm>
+                <a:off x="579120" y="2171700"/>
+                <a:ext cx="498855" cy="307777"/>
+              </a:xfrm>
+              <a:prstGeom prst="rect">
+                <a:avLst/>
+              </a:prstGeom>
+              <a:noFill/>
+            </p:spPr>
+            <p:txBody>
+              <a:bodyPr wrap="none" rtlCol="0">
+                <a:spAutoFit/>
+              </a:bodyPr>
+              <a:lstStyle/>
+              <a:p>
+                <a:r>
+                  <a:rPr lang="pt-BR" sz="1400" b="1" dirty="0">
+                    <a:solidFill>
+                      <a:schemeClr val="bg1"/>
+                    </a:solidFill>
+                  </a:rPr>
+                  <a:t>45%</a:t>
+                </a:r>
+                <a:endParaRPr lang="en-US" sz="1400" b="1" dirty="0">
+                  <a:solidFill>
+                    <a:schemeClr val="bg1"/>
+                  </a:solidFill>
+                </a:endParaRPr>
+              </a:p>
+            </p:txBody>
+          </p:sp>
+          <p:sp>
+            <p:nvSpPr>
+              <p:cNvPr id="23" name="TextBox 22">
+                <a:extLst>
+                  <a:ext uri="{FF2B5EF4-FFF2-40B4-BE49-F238E27FC236}">
+                    <a16:creationId xmlns:a16="http://schemas.microsoft.com/office/drawing/2014/main" id="{261B23EF-2FD5-4291-AAFB-87C63D36B2AD}"/>
+                  </a:ext>
+                </a:extLst>
+              </p:cNvPr>
+              <p:cNvSpPr txBox="1"/>
+              <p:nvPr/>
+            </p:nvSpPr>
+            <p:spPr>
+              <a:xfrm>
+                <a:off x="1455420" y="2171699"/>
+                <a:ext cx="498855" cy="307777"/>
+              </a:xfrm>
+              <a:prstGeom prst="rect">
+                <a:avLst/>
+              </a:prstGeom>
+              <a:noFill/>
+            </p:spPr>
+            <p:txBody>
+              <a:bodyPr wrap="none" rtlCol="0">
+                <a:spAutoFit/>
+              </a:bodyPr>
+              <a:lstStyle/>
+              <a:p>
+                <a:r>
+                  <a:rPr lang="pt-BR" sz="1400" b="1" dirty="0">
+                    <a:solidFill>
+                      <a:schemeClr val="bg1"/>
+                    </a:solidFill>
+                  </a:rPr>
+                  <a:t>55%</a:t>
+                </a:r>
+                <a:endParaRPr lang="en-US" sz="1400" b="1" dirty="0">
+                  <a:solidFill>
+                    <a:schemeClr val="bg1"/>
+                  </a:solidFill>
+                </a:endParaRPr>
+              </a:p>
+            </p:txBody>
+          </p:sp>
+        </p:grpSp>
+        <p:grpSp>
+          <p:nvGrpSpPr>
+            <p:cNvPr id="24" name="Group 23">
+              <a:extLst>
+                <a:ext uri="{FF2B5EF4-FFF2-40B4-BE49-F238E27FC236}">
+                  <a16:creationId xmlns:a16="http://schemas.microsoft.com/office/drawing/2014/main" id="{18590F91-6242-4B78-8995-CFDA556DCC1B}"/>
+                </a:ext>
+              </a:extLst>
+            </p:cNvPr>
+            <p:cNvGrpSpPr/>
+            <p:nvPr/>
+          </p:nvGrpSpPr>
+          <p:grpSpPr>
+            <a:xfrm>
+              <a:off x="3084485" y="4465318"/>
+              <a:ext cx="1375155" cy="307778"/>
+              <a:chOff x="579120" y="2171699"/>
+              <a:chExt cx="1375155" cy="307778"/>
+            </a:xfrm>
+          </p:grpSpPr>
+          <p:sp>
+            <p:nvSpPr>
+              <p:cNvPr id="25" name="TextBox 24">
+                <a:extLst>
+                  <a:ext uri="{FF2B5EF4-FFF2-40B4-BE49-F238E27FC236}">
+                    <a16:creationId xmlns:a16="http://schemas.microsoft.com/office/drawing/2014/main" id="{5589C3A3-1061-44B1-B97B-3A599BDF7348}"/>
+                  </a:ext>
+                </a:extLst>
+              </p:cNvPr>
+              <p:cNvSpPr txBox="1"/>
+              <p:nvPr/>
+            </p:nvSpPr>
+            <p:spPr>
+              <a:xfrm>
+                <a:off x="579120" y="2171700"/>
+                <a:ext cx="498855" cy="307777"/>
+              </a:xfrm>
+              <a:prstGeom prst="rect">
+                <a:avLst/>
+              </a:prstGeom>
+              <a:noFill/>
+            </p:spPr>
+            <p:txBody>
+              <a:bodyPr wrap="none" rtlCol="0">
+                <a:spAutoFit/>
+              </a:bodyPr>
+              <a:lstStyle/>
+              <a:p>
+                <a:r>
+                  <a:rPr lang="pt-BR" sz="1400" b="1" dirty="0">
+                    <a:solidFill>
+                      <a:schemeClr val="bg1"/>
+                    </a:solidFill>
+                  </a:rPr>
+                  <a:t>47%</a:t>
+                </a:r>
+                <a:endParaRPr lang="en-US" sz="1400" b="1" dirty="0">
+                  <a:solidFill>
+                    <a:schemeClr val="bg1"/>
+                  </a:solidFill>
+                </a:endParaRPr>
+              </a:p>
+            </p:txBody>
+          </p:sp>
+          <p:sp>
+            <p:nvSpPr>
+              <p:cNvPr id="26" name="TextBox 25">
+                <a:extLst>
+                  <a:ext uri="{FF2B5EF4-FFF2-40B4-BE49-F238E27FC236}">
+                    <a16:creationId xmlns:a16="http://schemas.microsoft.com/office/drawing/2014/main" id="{A2ECAADB-3124-447C-804B-03537A388BA2}"/>
+                  </a:ext>
+                </a:extLst>
+              </p:cNvPr>
+              <p:cNvSpPr txBox="1"/>
+              <p:nvPr/>
+            </p:nvSpPr>
+            <p:spPr>
+              <a:xfrm>
+                <a:off x="1455420" y="2171699"/>
+                <a:ext cx="498855" cy="307777"/>
+              </a:xfrm>
+              <a:prstGeom prst="rect">
+                <a:avLst/>
+              </a:prstGeom>
+              <a:noFill/>
+            </p:spPr>
+            <p:txBody>
+              <a:bodyPr wrap="none" rtlCol="0">
+                <a:spAutoFit/>
+              </a:bodyPr>
+              <a:lstStyle/>
+              <a:p>
+                <a:r>
+                  <a:rPr lang="pt-BR" sz="1400" b="1" dirty="0">
+                    <a:solidFill>
+                      <a:schemeClr val="bg1"/>
+                    </a:solidFill>
+                  </a:rPr>
+                  <a:t>53%</a:t>
+                </a:r>
+                <a:endParaRPr lang="en-US" sz="1400" b="1" dirty="0">
+                  <a:solidFill>
+                    <a:schemeClr val="bg1"/>
+                  </a:solidFill>
+                </a:endParaRPr>
+              </a:p>
+            </p:txBody>
+          </p:sp>
+        </p:grpSp>
+        <p:grpSp>
+          <p:nvGrpSpPr>
+            <p:cNvPr id="27" name="Group 26">
+              <a:extLst>
+                <a:ext uri="{FF2B5EF4-FFF2-40B4-BE49-F238E27FC236}">
+                  <a16:creationId xmlns:a16="http://schemas.microsoft.com/office/drawing/2014/main" id="{D1E6CC4A-3E1D-44F0-9F38-B75A699CEAA5}"/>
+                </a:ext>
+              </a:extLst>
+            </p:cNvPr>
+            <p:cNvGrpSpPr/>
+            <p:nvPr/>
+          </p:nvGrpSpPr>
+          <p:grpSpPr>
+            <a:xfrm>
+              <a:off x="5583845" y="4465317"/>
+              <a:ext cx="1375155" cy="307778"/>
+              <a:chOff x="579120" y="2171699"/>
+              <a:chExt cx="1375155" cy="307778"/>
+            </a:xfrm>
+          </p:grpSpPr>
+          <p:sp>
+            <p:nvSpPr>
+              <p:cNvPr id="28" name="TextBox 27">
+                <a:extLst>
+                  <a:ext uri="{FF2B5EF4-FFF2-40B4-BE49-F238E27FC236}">
+                    <a16:creationId xmlns:a16="http://schemas.microsoft.com/office/drawing/2014/main" id="{6E5A4AFA-F3C7-4A66-A84C-7924B609A6F4}"/>
+                  </a:ext>
+                </a:extLst>
+              </p:cNvPr>
+              <p:cNvSpPr txBox="1"/>
+              <p:nvPr/>
+            </p:nvSpPr>
+            <p:spPr>
+              <a:xfrm>
+                <a:off x="579120" y="2171700"/>
+                <a:ext cx="498855" cy="307777"/>
+              </a:xfrm>
+              <a:prstGeom prst="rect">
+                <a:avLst/>
+              </a:prstGeom>
+              <a:noFill/>
+            </p:spPr>
+            <p:txBody>
+              <a:bodyPr wrap="none" rtlCol="0">
+                <a:spAutoFit/>
+              </a:bodyPr>
+              <a:lstStyle/>
+              <a:p>
+                <a:r>
+                  <a:rPr lang="pt-BR" sz="1400" b="1" dirty="0">
+                    <a:solidFill>
+                      <a:schemeClr val="bg1"/>
+                    </a:solidFill>
+                  </a:rPr>
+                  <a:t>51%</a:t>
+                </a:r>
+                <a:endParaRPr lang="en-US" sz="1400" b="1" dirty="0">
+                  <a:solidFill>
+                    <a:schemeClr val="bg1"/>
+                  </a:solidFill>
+                </a:endParaRPr>
+              </a:p>
+            </p:txBody>
+          </p:sp>
+          <p:sp>
+            <p:nvSpPr>
+              <p:cNvPr id="29" name="TextBox 28">
+                <a:extLst>
+                  <a:ext uri="{FF2B5EF4-FFF2-40B4-BE49-F238E27FC236}">
+                    <a16:creationId xmlns:a16="http://schemas.microsoft.com/office/drawing/2014/main" id="{DEC6FFF2-7740-4077-8B0F-541947D639F8}"/>
+                  </a:ext>
+                </a:extLst>
+              </p:cNvPr>
+              <p:cNvSpPr txBox="1"/>
+              <p:nvPr/>
+            </p:nvSpPr>
+            <p:spPr>
+              <a:xfrm>
+                <a:off x="1455420" y="2171699"/>
+                <a:ext cx="498855" cy="307777"/>
+              </a:xfrm>
+              <a:prstGeom prst="rect">
+                <a:avLst/>
+              </a:prstGeom>
+              <a:noFill/>
+            </p:spPr>
+            <p:txBody>
+              <a:bodyPr wrap="none" rtlCol="0">
+                <a:spAutoFit/>
+              </a:bodyPr>
+              <a:lstStyle/>
+              <a:p>
+                <a:r>
+                  <a:rPr lang="pt-BR" sz="1400" b="1" dirty="0">
+                    <a:solidFill>
+                      <a:schemeClr val="bg1"/>
+                    </a:solidFill>
+                  </a:rPr>
+                  <a:t>48%</a:t>
+                </a:r>
+                <a:endParaRPr lang="en-US" sz="1400" b="1" dirty="0">
+                  <a:solidFill>
+                    <a:schemeClr val="bg1"/>
+                  </a:solidFill>
+                </a:endParaRPr>
+              </a:p>
+            </p:txBody>
+          </p:sp>
+        </p:grpSp>
+        <p:grpSp>
+          <p:nvGrpSpPr>
+            <p:cNvPr id="30" name="Group 29">
+              <a:extLst>
+                <a:ext uri="{FF2B5EF4-FFF2-40B4-BE49-F238E27FC236}">
+                  <a16:creationId xmlns:a16="http://schemas.microsoft.com/office/drawing/2014/main" id="{C16F722E-EBC8-4FE1-AF06-E56FFCC7D1FA}"/>
+                </a:ext>
+              </a:extLst>
+            </p:cNvPr>
+            <p:cNvGrpSpPr/>
+            <p:nvPr/>
+          </p:nvGrpSpPr>
+          <p:grpSpPr>
+            <a:xfrm>
+              <a:off x="8067965" y="4465316"/>
+              <a:ext cx="1375155" cy="307778"/>
+              <a:chOff x="579120" y="2171699"/>
+              <a:chExt cx="1375155" cy="307778"/>
+            </a:xfrm>
+          </p:grpSpPr>
+          <p:sp>
+            <p:nvSpPr>
+              <p:cNvPr id="31" name="TextBox 30">
+                <a:extLst>
+                  <a:ext uri="{FF2B5EF4-FFF2-40B4-BE49-F238E27FC236}">
+                    <a16:creationId xmlns:a16="http://schemas.microsoft.com/office/drawing/2014/main" id="{B551AA17-151C-40D6-8C89-128BAAF347BA}"/>
+                  </a:ext>
+                </a:extLst>
+              </p:cNvPr>
+              <p:cNvSpPr txBox="1"/>
+              <p:nvPr/>
+            </p:nvSpPr>
+            <p:spPr>
+              <a:xfrm>
+                <a:off x="579120" y="2171700"/>
+                <a:ext cx="498855" cy="307777"/>
+              </a:xfrm>
+              <a:prstGeom prst="rect">
+                <a:avLst/>
+              </a:prstGeom>
+              <a:noFill/>
+            </p:spPr>
+            <p:txBody>
+              <a:bodyPr wrap="none" rtlCol="0">
+                <a:spAutoFit/>
+              </a:bodyPr>
+              <a:lstStyle/>
+              <a:p>
+                <a:r>
+                  <a:rPr lang="pt-BR" sz="1400" b="1" dirty="0">
+                    <a:solidFill>
+                      <a:schemeClr val="bg1"/>
+                    </a:solidFill>
+                  </a:rPr>
+                  <a:t>50%</a:t>
+                </a:r>
+                <a:endParaRPr lang="en-US" sz="1400" b="1" dirty="0">
+                  <a:solidFill>
+                    <a:schemeClr val="bg1"/>
+                  </a:solidFill>
+                </a:endParaRPr>
+              </a:p>
+            </p:txBody>
+          </p:sp>
+          <p:sp>
+            <p:nvSpPr>
+              <p:cNvPr id="32" name="TextBox 31">
+                <a:extLst>
+                  <a:ext uri="{FF2B5EF4-FFF2-40B4-BE49-F238E27FC236}">
+                    <a16:creationId xmlns:a16="http://schemas.microsoft.com/office/drawing/2014/main" id="{EFFBF39E-14F6-4F13-B51C-5E6B8DCB1BB7}"/>
+                  </a:ext>
+                </a:extLst>
+              </p:cNvPr>
+              <p:cNvSpPr txBox="1"/>
+              <p:nvPr/>
+            </p:nvSpPr>
+            <p:spPr>
+              <a:xfrm>
+                <a:off x="1455420" y="2171699"/>
+                <a:ext cx="498855" cy="307777"/>
+              </a:xfrm>
+              <a:prstGeom prst="rect">
+                <a:avLst/>
+              </a:prstGeom>
+              <a:noFill/>
+            </p:spPr>
+            <p:txBody>
+              <a:bodyPr wrap="none" rtlCol="0">
+                <a:spAutoFit/>
+              </a:bodyPr>
+              <a:lstStyle/>
+              <a:p>
+                <a:r>
+                  <a:rPr lang="pt-BR" sz="1400" b="1" dirty="0">
+                    <a:solidFill>
+                      <a:schemeClr val="bg1"/>
+                    </a:solidFill>
+                  </a:rPr>
+                  <a:t>50%</a:t>
+                </a:r>
+                <a:endParaRPr lang="en-US" sz="1400" b="1" dirty="0">
+                  <a:solidFill>
+                    <a:schemeClr val="bg1"/>
+                  </a:solidFill>
+                </a:endParaRPr>
+              </a:p>
+            </p:txBody>
+          </p:sp>
+        </p:grpSp>
+        <p:grpSp>
+          <p:nvGrpSpPr>
+            <p:cNvPr id="33" name="Group 32">
+              <a:extLst>
+                <a:ext uri="{FF2B5EF4-FFF2-40B4-BE49-F238E27FC236}">
+                  <a16:creationId xmlns:a16="http://schemas.microsoft.com/office/drawing/2014/main" id="{04220A23-A38D-4235-BE5B-E58CFB94CB9B}"/>
+                </a:ext>
+              </a:extLst>
+            </p:cNvPr>
+            <p:cNvGrpSpPr/>
+            <p:nvPr/>
+          </p:nvGrpSpPr>
+          <p:grpSpPr>
+            <a:xfrm>
+              <a:off x="10559705" y="4465315"/>
+              <a:ext cx="1375155" cy="307778"/>
+              <a:chOff x="579120" y="2171699"/>
+              <a:chExt cx="1375155" cy="307778"/>
+            </a:xfrm>
+          </p:grpSpPr>
+          <p:sp>
+            <p:nvSpPr>
+              <p:cNvPr id="34" name="TextBox 33">
+                <a:extLst>
+                  <a:ext uri="{FF2B5EF4-FFF2-40B4-BE49-F238E27FC236}">
+                    <a16:creationId xmlns:a16="http://schemas.microsoft.com/office/drawing/2014/main" id="{71178028-EC99-4DE5-93E1-79DD0A882206}"/>
+                  </a:ext>
+                </a:extLst>
+              </p:cNvPr>
+              <p:cNvSpPr txBox="1"/>
+              <p:nvPr/>
+            </p:nvSpPr>
+            <p:spPr>
+              <a:xfrm>
+                <a:off x="579120" y="2171700"/>
+                <a:ext cx="498855" cy="307777"/>
+              </a:xfrm>
+              <a:prstGeom prst="rect">
+                <a:avLst/>
+              </a:prstGeom>
+              <a:noFill/>
+            </p:spPr>
+            <p:txBody>
+              <a:bodyPr wrap="none" rtlCol="0">
+                <a:spAutoFit/>
+              </a:bodyPr>
+              <a:lstStyle/>
+              <a:p>
+                <a:r>
+                  <a:rPr lang="pt-BR" sz="1400" b="1" dirty="0">
+                    <a:solidFill>
+                      <a:schemeClr val="bg1"/>
+                    </a:solidFill>
+                  </a:rPr>
+                  <a:t>50%</a:t>
+                </a:r>
+                <a:endParaRPr lang="en-US" sz="1400" b="1" dirty="0">
+                  <a:solidFill>
+                    <a:schemeClr val="bg1"/>
+                  </a:solidFill>
+                </a:endParaRPr>
+              </a:p>
+            </p:txBody>
+          </p:sp>
+          <p:sp>
+            <p:nvSpPr>
+              <p:cNvPr id="35" name="TextBox 34">
+                <a:extLst>
+                  <a:ext uri="{FF2B5EF4-FFF2-40B4-BE49-F238E27FC236}">
+                    <a16:creationId xmlns:a16="http://schemas.microsoft.com/office/drawing/2014/main" id="{7B4C97F6-EC9F-4E9D-BE51-C6A94EB7A600}"/>
+                  </a:ext>
+                </a:extLst>
+              </p:cNvPr>
+              <p:cNvSpPr txBox="1"/>
+              <p:nvPr/>
+            </p:nvSpPr>
+            <p:spPr>
+              <a:xfrm>
+                <a:off x="1455420" y="2171699"/>
+                <a:ext cx="498855" cy="307777"/>
+              </a:xfrm>
+              <a:prstGeom prst="rect">
+                <a:avLst/>
+              </a:prstGeom>
+              <a:noFill/>
+            </p:spPr>
+            <p:txBody>
+              <a:bodyPr wrap="none" rtlCol="0">
+                <a:spAutoFit/>
+              </a:bodyPr>
+              <a:lstStyle/>
+              <a:p>
+                <a:r>
+                  <a:rPr lang="pt-BR" sz="1400" b="1" dirty="0">
+                    <a:solidFill>
+                      <a:schemeClr val="bg1"/>
+                    </a:solidFill>
+                  </a:rPr>
+                  <a:t>50%</a:t>
+                </a:r>
+                <a:endParaRPr lang="en-US" sz="1400" b="1" dirty="0">
+                  <a:solidFill>
+                    <a:schemeClr val="bg1"/>
+                  </a:solidFill>
+                </a:endParaRPr>
+              </a:p>
+            </p:txBody>
+          </p:sp>
+        </p:grpSp>
+      </p:grpSp>
+    </p:spTree>
+    <p:extLst>
+      <p:ext uri="{BB962C8B-B14F-4D97-AF65-F5344CB8AC3E}">
+        <p14:creationId xmlns:p14="http://schemas.microsoft.com/office/powerpoint/2010/main" val="27234699"/>
       </p:ext>
     </p:extLst>
   </p:cSld>
@@ -13537,4 +15345,299 @@
     </a:ext>
   </a:extLst>
 </a:theme>
+</file>
+
+<file path=ppt/theme/theme2.xml><?xml version="1.0" encoding="utf-8"?>
+<a:theme xmlns:a="http://schemas.openxmlformats.org/drawingml/2006/main" name="Office Theme">
+  <a:themeElements>
+    <a:clrScheme name="Office">
+      <a:dk1>
+        <a:sysClr val="windowText" lastClr="000000"/>
+      </a:dk1>
+      <a:lt1>
+        <a:sysClr val="window" lastClr="FFFFFF"/>
+      </a:lt1>
+      <a:dk2>
+        <a:srgbClr val="44546A"/>
+      </a:dk2>
+      <a:lt2>
+        <a:srgbClr val="E7E6E6"/>
+      </a:lt2>
+      <a:accent1>
+        <a:srgbClr val="4472C4"/>
+      </a:accent1>
+      <a:accent2>
+        <a:srgbClr val="ED7D31"/>
+      </a:accent2>
+      <a:accent3>
+        <a:srgbClr val="A5A5A5"/>
+      </a:accent3>
+      <a:accent4>
+        <a:srgbClr val="FFC000"/>
+      </a:accent4>
+      <a:accent5>
+        <a:srgbClr val="5B9BD5"/>
+      </a:accent5>
+      <a:accent6>
+        <a:srgbClr val="70AD47"/>
+      </a:accent6>
+      <a:hlink>
+        <a:srgbClr val="0563C1"/>
+      </a:hlink>
+      <a:folHlink>
+        <a:srgbClr val="954F72"/>
+      </a:folHlink>
+    </a:clrScheme>
+    <a:fontScheme name="Office">
+      <a:majorFont>
+        <a:latin typeface="Calibri Light" panose="020F0302020204030204"/>
+        <a:ea typeface=""/>
+        <a:cs typeface=""/>
+        <a:font script="Jpan" typeface="游ゴシック Light"/>
+        <a:font script="Hang" typeface="맑은 고딕"/>
+        <a:font script="Hans" typeface="等线 Light"/>
+        <a:font script="Hant" typeface="新細明體"/>
+        <a:font script="Arab" typeface="Times New Roman"/>
+        <a:font script="Hebr" typeface="Times New Roman"/>
+        <a:font script="Thai" typeface="Angsana New"/>
+        <a:font script="Ethi" typeface="Nyala"/>
+        <a:font script="Beng" typeface="Vrinda"/>
+        <a:font script="Gujr" typeface="Shruti"/>
+        <a:font script="Khmr" typeface="MoolBoran"/>
+        <a:font script="Knda" typeface="Tunga"/>
+        <a:font script="Guru" typeface="Raavi"/>
+        <a:font script="Cans" typeface="Euphemia"/>
+        <a:font script="Cher" typeface="Plantagenet Cherokee"/>
+        <a:font script="Yiii" typeface="Microsoft Yi Baiti"/>
+        <a:font script="Tibt" typeface="Microsoft Himalaya"/>
+        <a:font script="Thaa" typeface="MV Boli"/>
+        <a:font script="Deva" typeface="Mangal"/>
+        <a:font script="Telu" typeface="Gautami"/>
+        <a:font script="Taml" typeface="Latha"/>
+        <a:font script="Syrc" typeface="Estrangelo Edessa"/>
+        <a:font script="Orya" typeface="Kalinga"/>
+        <a:font script="Mlym" typeface="Kartika"/>
+        <a:font script="Laoo" typeface="DokChampa"/>
+        <a:font script="Sinh" typeface="Iskoola Pota"/>
+        <a:font script="Mong" typeface="Mongolian Baiti"/>
+        <a:font script="Viet" typeface="Times New Roman"/>
+        <a:font script="Uigh" typeface="Microsoft Uighur"/>
+        <a:font script="Geor" typeface="Sylfaen"/>
+        <a:font script="Armn" typeface="Arial"/>
+        <a:font script="Bugi" typeface="Leelawadee UI"/>
+        <a:font script="Bopo" typeface="Microsoft JhengHei"/>
+        <a:font script="Java" typeface="Javanese Text"/>
+        <a:font script="Lisu" typeface="Segoe UI"/>
+        <a:font script="Mymr" typeface="Myanmar Text"/>
+        <a:font script="Nkoo" typeface="Ebrima"/>
+        <a:font script="Olck" typeface="Nirmala UI"/>
+        <a:font script="Osma" typeface="Ebrima"/>
+        <a:font script="Phag" typeface="Phagspa"/>
+        <a:font script="Syrn" typeface="Estrangelo Edessa"/>
+        <a:font script="Syrj" typeface="Estrangelo Edessa"/>
+        <a:font script="Syre" typeface="Estrangelo Edessa"/>
+        <a:font script="Sora" typeface="Nirmala UI"/>
+        <a:font script="Tale" typeface="Microsoft Tai Le"/>
+        <a:font script="Talu" typeface="Microsoft New Tai Lue"/>
+        <a:font script="Tfng" typeface="Ebrima"/>
+      </a:majorFont>
+      <a:minorFont>
+        <a:latin typeface="Calibri" panose="020F0502020204030204"/>
+        <a:ea typeface=""/>
+        <a:cs typeface=""/>
+        <a:font script="Jpan" typeface="游ゴシック"/>
+        <a:font script="Hang" typeface="맑은 고딕"/>
+        <a:font script="Hans" typeface="等线"/>
+        <a:font script="Hant" typeface="新細明體"/>
+        <a:font script="Arab" typeface="Arial"/>
+        <a:font script="Hebr" typeface="Arial"/>
+        <a:font script="Thai" typeface="Cordia New"/>
+        <a:font script="Ethi" typeface="Nyala"/>
+        <a:font script="Beng" typeface="Vrinda"/>
+        <a:font script="Gujr" typeface="Shruti"/>
+        <a:font script="Khmr" typeface="DaunPenh"/>
+        <a:font script="Knda" typeface="Tunga"/>
+        <a:font script="Guru" typeface="Raavi"/>
+        <a:font script="Cans" typeface="Euphemia"/>
+        <a:font script="Cher" typeface="Plantagenet Cherokee"/>
+        <a:font script="Yiii" typeface="Microsoft Yi Baiti"/>
+        <a:font script="Tibt" typeface="Microsoft Himalaya"/>
+        <a:font script="Thaa" typeface="MV Boli"/>
+        <a:font script="Deva" typeface="Mangal"/>
+        <a:font script="Telu" typeface="Gautami"/>
+        <a:font script="Taml" typeface="Latha"/>
+        <a:font script="Syrc" typeface="Estrangelo Edessa"/>
+        <a:font script="Orya" typeface="Kalinga"/>
+        <a:font script="Mlym" typeface="Kartika"/>
+        <a:font script="Laoo" typeface="DokChampa"/>
+        <a:font script="Sinh" typeface="Iskoola Pota"/>
+        <a:font script="Mong" typeface="Mongolian Baiti"/>
+        <a:font script="Viet" typeface="Arial"/>
+        <a:font script="Uigh" typeface="Microsoft Uighur"/>
+        <a:font script="Geor" typeface="Sylfaen"/>
+        <a:font script="Armn" typeface="Arial"/>
+        <a:font script="Bugi" typeface="Leelawadee UI"/>
+        <a:font script="Bopo" typeface="Microsoft JhengHei"/>
+        <a:font script="Java" typeface="Javanese Text"/>
+        <a:font script="Lisu" typeface="Segoe UI"/>
+        <a:font script="Mymr" typeface="Myanmar Text"/>
+        <a:font script="Nkoo" typeface="Ebrima"/>
+        <a:font script="Olck" typeface="Nirmala UI"/>
+        <a:font script="Osma" typeface="Ebrima"/>
+        <a:font script="Phag" typeface="Phagspa"/>
+        <a:font script="Syrn" typeface="Estrangelo Edessa"/>
+        <a:font script="Syrj" typeface="Estrangelo Edessa"/>
+        <a:font script="Syre" typeface="Estrangelo Edessa"/>
+        <a:font script="Sora" typeface="Nirmala UI"/>
+        <a:font script="Tale" typeface="Microsoft Tai Le"/>
+        <a:font script="Talu" typeface="Microsoft New Tai Lue"/>
+        <a:font script="Tfng" typeface="Ebrima"/>
+      </a:minorFont>
+    </a:fontScheme>
+    <a:fmtScheme name="Office">
+      <a:fillStyleLst>
+        <a:solidFill>
+          <a:schemeClr val="phClr"/>
+        </a:solidFill>
+        <a:gradFill rotWithShape="1">
+          <a:gsLst>
+            <a:gs pos="0">
+              <a:schemeClr val="phClr">
+                <a:lumMod val="110000"/>
+                <a:satMod val="105000"/>
+                <a:tint val="67000"/>
+              </a:schemeClr>
+            </a:gs>
+            <a:gs pos="50000">
+              <a:schemeClr val="phClr">
+                <a:lumMod val="105000"/>
+                <a:satMod val="103000"/>
+                <a:tint val="73000"/>
+              </a:schemeClr>
+            </a:gs>
+            <a:gs pos="100000">
+              <a:schemeClr val="phClr">
+                <a:lumMod val="105000"/>
+                <a:satMod val="109000"/>
+                <a:tint val="81000"/>
+              </a:schemeClr>
+            </a:gs>
+          </a:gsLst>
+          <a:lin ang="5400000" scaled="0"/>
+        </a:gradFill>
+        <a:gradFill rotWithShape="1">
+          <a:gsLst>
+            <a:gs pos="0">
+              <a:schemeClr val="phClr">
+                <a:satMod val="103000"/>
+                <a:lumMod val="102000"/>
+                <a:tint val="94000"/>
+              </a:schemeClr>
+            </a:gs>
+            <a:gs pos="50000">
+              <a:schemeClr val="phClr">
+                <a:satMod val="110000"/>
+                <a:lumMod val="100000"/>
+                <a:shade val="100000"/>
+              </a:schemeClr>
+            </a:gs>
+            <a:gs pos="100000">
+              <a:schemeClr val="phClr">
+                <a:lumMod val="99000"/>
+                <a:satMod val="120000"/>
+                <a:shade val="78000"/>
+              </a:schemeClr>
+            </a:gs>
+          </a:gsLst>
+          <a:lin ang="5400000" scaled="0"/>
+        </a:gradFill>
+      </a:fillStyleLst>
+      <a:lnStyleLst>
+        <a:ln w="6350" cap="flat" cmpd="sng" algn="ctr">
+          <a:solidFill>
+            <a:schemeClr val="phClr"/>
+          </a:solidFill>
+          <a:prstDash val="solid"/>
+          <a:miter lim="800000"/>
+        </a:ln>
+        <a:ln w="12700" cap="flat" cmpd="sng" algn="ctr">
+          <a:solidFill>
+            <a:schemeClr val="phClr"/>
+          </a:solidFill>
+          <a:prstDash val="solid"/>
+          <a:miter lim="800000"/>
+        </a:ln>
+        <a:ln w="19050" cap="flat" cmpd="sng" algn="ctr">
+          <a:solidFill>
+            <a:schemeClr val="phClr"/>
+          </a:solidFill>
+          <a:prstDash val="solid"/>
+          <a:miter lim="800000"/>
+        </a:ln>
+      </a:lnStyleLst>
+      <a:effectStyleLst>
+        <a:effectStyle>
+          <a:effectLst/>
+        </a:effectStyle>
+        <a:effectStyle>
+          <a:effectLst/>
+        </a:effectStyle>
+        <a:effectStyle>
+          <a:effectLst>
+            <a:outerShdw blurRad="57150" dist="19050" dir="5400000" algn="ctr" rotWithShape="0">
+              <a:srgbClr val="000000">
+                <a:alpha val="63000"/>
+              </a:srgbClr>
+            </a:outerShdw>
+          </a:effectLst>
+        </a:effectStyle>
+      </a:effectStyleLst>
+      <a:bgFillStyleLst>
+        <a:solidFill>
+          <a:schemeClr val="phClr"/>
+        </a:solidFill>
+        <a:solidFill>
+          <a:schemeClr val="phClr">
+            <a:tint val="95000"/>
+            <a:satMod val="170000"/>
+          </a:schemeClr>
+        </a:solidFill>
+        <a:gradFill rotWithShape="1">
+          <a:gsLst>
+            <a:gs pos="0">
+              <a:schemeClr val="phClr">
+                <a:tint val="93000"/>
+                <a:satMod val="150000"/>
+                <a:shade val="98000"/>
+                <a:lumMod val="102000"/>
+              </a:schemeClr>
+            </a:gs>
+            <a:gs pos="50000">
+              <a:schemeClr val="phClr">
+                <a:tint val="98000"/>
+                <a:satMod val="130000"/>
+                <a:shade val="90000"/>
+                <a:lumMod val="103000"/>
+              </a:schemeClr>
+            </a:gs>
+            <a:gs pos="100000">
+              <a:schemeClr val="phClr">
+                <a:shade val="63000"/>
+                <a:satMod val="120000"/>
+              </a:schemeClr>
+            </a:gs>
+          </a:gsLst>
+          <a:lin ang="5400000" scaled="0"/>
+        </a:gradFill>
+      </a:bgFillStyleLst>
+    </a:fmtScheme>
+  </a:themeElements>
+  <a:objectDefaults/>
+  <a:extraClrSchemeLst/>
+  <a:extLst>
+    <a:ext uri="{05A4C25C-085E-4340-85A3-A5531E510DB2}">
+      <thm15:themeFamily xmlns:thm15="http://schemas.microsoft.com/office/thememl/2012/main" name="Office Theme" id="{62F939B6-93AF-4DB8-9C6B-D6C7DFDC589F}" vid="{4A3C46E8-61CC-4603-A589-7422A47A8E4A}"/>
+    </a:ext>
+  </a:extLst>
+</a:theme>
 </file>
--- a/Documentation/AudioSegmentation.pptx
+++ b/Documentation/AudioSegmentation.pptx
@@ -5,7 +5,7 @@
     <p:sldMasterId id="2147483648" r:id="rId1"/>
   </p:sldMasterIdLst>
   <p:notesMasterIdLst>
-    <p:notesMasterId r:id="rId9"/>
+    <p:notesMasterId r:id="rId11"/>
   </p:notesMasterIdLst>
   <p:sldIdLst>
     <p:sldId id="256" r:id="rId2"/>
@@ -15,6 +15,8 @@
     <p:sldId id="260" r:id="rId6"/>
     <p:sldId id="261" r:id="rId7"/>
     <p:sldId id="262" r:id="rId8"/>
+    <p:sldId id="263" r:id="rId9"/>
+    <p:sldId id="264" r:id="rId10"/>
   </p:sldIdLst>
   <p:sldSz cx="12192000" cy="6858000"/>
   <p:notesSz cx="6858000" cy="9144000"/>
@@ -203,7 +205,7 @@
           <a:p>
             <a:fld id="{85BCF1DB-A6DC-410E-84CD-E4B7C0AA92AF}" type="datetimeFigureOut">
               <a:rPr lang="en-US" smtClean="0"/>
-              <a:t>12/29/2022</a:t>
+              <a:t>2/27/2023</a:t>
             </a:fld>
             <a:endParaRPr lang="en-US"/>
           </a:p>
@@ -617,7 +619,7 @@
           <a:p>
             <a:fld id="{3B90312C-5D04-492E-8CFD-2D0A49CD6FBA}" type="datetimeFigureOut">
               <a:rPr lang="en-US" smtClean="0"/>
-              <a:t>12/26/2022</a:t>
+              <a:t>2/27/2023</a:t>
             </a:fld>
             <a:endParaRPr lang="en-US"/>
           </a:p>
@@ -815,7 +817,7 @@
           <a:p>
             <a:fld id="{3B90312C-5D04-492E-8CFD-2D0A49CD6FBA}" type="datetimeFigureOut">
               <a:rPr lang="en-US" smtClean="0"/>
-              <a:t>12/26/2022</a:t>
+              <a:t>2/27/2023</a:t>
             </a:fld>
             <a:endParaRPr lang="en-US"/>
           </a:p>
@@ -1023,7 +1025,7 @@
           <a:p>
             <a:fld id="{3B90312C-5D04-492E-8CFD-2D0A49CD6FBA}" type="datetimeFigureOut">
               <a:rPr lang="en-US" smtClean="0"/>
-              <a:t>12/26/2022</a:t>
+              <a:t>2/27/2023</a:t>
             </a:fld>
             <a:endParaRPr lang="en-US"/>
           </a:p>
@@ -1221,7 +1223,7 @@
           <a:p>
             <a:fld id="{3B90312C-5D04-492E-8CFD-2D0A49CD6FBA}" type="datetimeFigureOut">
               <a:rPr lang="en-US" smtClean="0"/>
-              <a:t>12/26/2022</a:t>
+              <a:t>2/27/2023</a:t>
             </a:fld>
             <a:endParaRPr lang="en-US"/>
           </a:p>
@@ -1496,7 +1498,7 @@
           <a:p>
             <a:fld id="{3B90312C-5D04-492E-8CFD-2D0A49CD6FBA}" type="datetimeFigureOut">
               <a:rPr lang="en-US" smtClean="0"/>
-              <a:t>12/26/2022</a:t>
+              <a:t>2/27/2023</a:t>
             </a:fld>
             <a:endParaRPr lang="en-US"/>
           </a:p>
@@ -1761,7 +1763,7 @@
           <a:p>
             <a:fld id="{3B90312C-5D04-492E-8CFD-2D0A49CD6FBA}" type="datetimeFigureOut">
               <a:rPr lang="en-US" smtClean="0"/>
-              <a:t>12/26/2022</a:t>
+              <a:t>2/27/2023</a:t>
             </a:fld>
             <a:endParaRPr lang="en-US"/>
           </a:p>
@@ -2173,7 +2175,7 @@
           <a:p>
             <a:fld id="{3B90312C-5D04-492E-8CFD-2D0A49CD6FBA}" type="datetimeFigureOut">
               <a:rPr lang="en-US" smtClean="0"/>
-              <a:t>12/26/2022</a:t>
+              <a:t>2/27/2023</a:t>
             </a:fld>
             <a:endParaRPr lang="en-US"/>
           </a:p>
@@ -2314,7 +2316,7 @@
           <a:p>
             <a:fld id="{3B90312C-5D04-492E-8CFD-2D0A49CD6FBA}" type="datetimeFigureOut">
               <a:rPr lang="en-US" smtClean="0"/>
-              <a:t>12/26/2022</a:t>
+              <a:t>2/27/2023</a:t>
             </a:fld>
             <a:endParaRPr lang="en-US"/>
           </a:p>
@@ -2427,7 +2429,7 @@
           <a:p>
             <a:fld id="{3B90312C-5D04-492E-8CFD-2D0A49CD6FBA}" type="datetimeFigureOut">
               <a:rPr lang="en-US" smtClean="0"/>
-              <a:t>12/26/2022</a:t>
+              <a:t>2/27/2023</a:t>
             </a:fld>
             <a:endParaRPr lang="en-US"/>
           </a:p>
@@ -2738,7 +2740,7 @@
           <a:p>
             <a:fld id="{3B90312C-5D04-492E-8CFD-2D0A49CD6FBA}" type="datetimeFigureOut">
               <a:rPr lang="en-US" smtClean="0"/>
-              <a:t>12/26/2022</a:t>
+              <a:t>2/27/2023</a:t>
             </a:fld>
             <a:endParaRPr lang="en-US"/>
           </a:p>
@@ -3026,7 +3028,7 @@
           <a:p>
             <a:fld id="{3B90312C-5D04-492E-8CFD-2D0A49CD6FBA}" type="datetimeFigureOut">
               <a:rPr lang="en-US" smtClean="0"/>
-              <a:t>12/26/2022</a:t>
+              <a:t>2/27/2023</a:t>
             </a:fld>
             <a:endParaRPr lang="en-US"/>
           </a:p>
@@ -3267,7 +3269,7 @@
           <a:p>
             <a:fld id="{3B90312C-5D04-492E-8CFD-2D0A49CD6FBA}" type="datetimeFigureOut">
               <a:rPr lang="en-US" smtClean="0"/>
-              <a:t>12/26/2022</a:t>
+              <a:t>2/27/2023</a:t>
             </a:fld>
             <a:endParaRPr lang="en-US"/>
           </a:p>
@@ -15052,6 +15054,2564 @@
 </p:sld>
 </file>
 
+<file path=ppt/slides/slide8.xml><?xml version="1.0" encoding="utf-8"?>
+<p:sld xmlns:a="http://schemas.openxmlformats.org/drawingml/2006/main" xmlns:r="http://schemas.openxmlformats.org/officeDocument/2006/relationships" xmlns:p="http://schemas.openxmlformats.org/presentationml/2006/main">
+  <p:cSld>
+    <p:spTree>
+      <p:nvGrpSpPr>
+        <p:cNvPr id="1" name=""/>
+        <p:cNvGrpSpPr/>
+        <p:nvPr/>
+      </p:nvGrpSpPr>
+      <p:grpSpPr>
+        <a:xfrm>
+          <a:off x="0" y="0"/>
+          <a:ext cx="0" cy="0"/>
+          <a:chOff x="0" y="0"/>
+          <a:chExt cx="0" cy="0"/>
+        </a:xfrm>
+      </p:grpSpPr>
+      <p:grpSp>
+        <p:nvGrpSpPr>
+          <p:cNvPr id="36" name="Group 35">
+            <a:extLst>
+              <a:ext uri="{FF2B5EF4-FFF2-40B4-BE49-F238E27FC236}">
+                <a16:creationId xmlns:a16="http://schemas.microsoft.com/office/drawing/2014/main" id="{FF966489-5288-4652-BCEC-CD57098BEC6C}"/>
+              </a:ext>
+            </a:extLst>
+          </p:cNvPr>
+          <p:cNvGrpSpPr/>
+          <p:nvPr/>
+        </p:nvGrpSpPr>
+        <p:grpSpPr>
+          <a:xfrm>
+            <a:off x="550545" y="2152645"/>
+            <a:ext cx="11355740" cy="2601402"/>
+            <a:chOff x="579120" y="2171695"/>
+            <a:chExt cx="11355740" cy="2601402"/>
+          </a:xfrm>
+        </p:grpSpPr>
+        <p:grpSp>
+          <p:nvGrpSpPr>
+            <p:cNvPr id="8" name="Group 7">
+              <a:extLst>
+                <a:ext uri="{FF2B5EF4-FFF2-40B4-BE49-F238E27FC236}">
+                  <a16:creationId xmlns:a16="http://schemas.microsoft.com/office/drawing/2014/main" id="{2848A431-9E23-4BA2-BACE-1EBA158D0801}"/>
+                </a:ext>
+              </a:extLst>
+            </p:cNvPr>
+            <p:cNvGrpSpPr/>
+            <p:nvPr/>
+          </p:nvGrpSpPr>
+          <p:grpSpPr>
+            <a:xfrm>
+              <a:off x="579120" y="2171699"/>
+              <a:ext cx="1375155" cy="307778"/>
+              <a:chOff x="579120" y="2171699"/>
+              <a:chExt cx="1375155" cy="307778"/>
+            </a:xfrm>
+          </p:grpSpPr>
+          <p:sp>
+            <p:nvSpPr>
+              <p:cNvPr id="6" name="TextBox 5">
+                <a:extLst>
+                  <a:ext uri="{FF2B5EF4-FFF2-40B4-BE49-F238E27FC236}">
+                    <a16:creationId xmlns:a16="http://schemas.microsoft.com/office/drawing/2014/main" id="{8E238604-ECA4-4142-B300-56F6FE2BEFC6}"/>
+                  </a:ext>
+                </a:extLst>
+              </p:cNvPr>
+              <p:cNvSpPr txBox="1"/>
+              <p:nvPr/>
+            </p:nvSpPr>
+            <p:spPr>
+              <a:xfrm>
+                <a:off x="579120" y="2171700"/>
+                <a:ext cx="498855" cy="307777"/>
+              </a:xfrm>
+              <a:prstGeom prst="rect">
+                <a:avLst/>
+              </a:prstGeom>
+              <a:noFill/>
+            </p:spPr>
+            <p:txBody>
+              <a:bodyPr wrap="none" rtlCol="0">
+                <a:spAutoFit/>
+              </a:bodyPr>
+              <a:lstStyle/>
+              <a:p>
+                <a:r>
+                  <a:rPr lang="pt-BR" sz="1400" b="1" dirty="0">
+                    <a:solidFill>
+                      <a:schemeClr val="bg1"/>
+                    </a:solidFill>
+                  </a:rPr>
+                  <a:t>50%</a:t>
+                </a:r>
+                <a:endParaRPr lang="en-US" sz="1400" b="1" dirty="0">
+                  <a:solidFill>
+                    <a:schemeClr val="bg1"/>
+                  </a:solidFill>
+                </a:endParaRPr>
+              </a:p>
+            </p:txBody>
+          </p:sp>
+          <p:sp>
+            <p:nvSpPr>
+              <p:cNvPr id="7" name="TextBox 6">
+                <a:extLst>
+                  <a:ext uri="{FF2B5EF4-FFF2-40B4-BE49-F238E27FC236}">
+                    <a16:creationId xmlns:a16="http://schemas.microsoft.com/office/drawing/2014/main" id="{139F681A-1A75-49E8-9E59-6F8F8D74F180}"/>
+                  </a:ext>
+                </a:extLst>
+              </p:cNvPr>
+              <p:cNvSpPr txBox="1"/>
+              <p:nvPr/>
+            </p:nvSpPr>
+            <p:spPr>
+              <a:xfrm>
+                <a:off x="1455420" y="2171699"/>
+                <a:ext cx="498855" cy="307777"/>
+              </a:xfrm>
+              <a:prstGeom prst="rect">
+                <a:avLst/>
+              </a:prstGeom>
+              <a:noFill/>
+            </p:spPr>
+            <p:txBody>
+              <a:bodyPr wrap="none" rtlCol="0">
+                <a:spAutoFit/>
+              </a:bodyPr>
+              <a:lstStyle/>
+              <a:p>
+                <a:r>
+                  <a:rPr lang="pt-BR" sz="1400" b="1" dirty="0">
+                    <a:solidFill>
+                      <a:schemeClr val="bg1"/>
+                    </a:solidFill>
+                  </a:rPr>
+                  <a:t>50%</a:t>
+                </a:r>
+                <a:endParaRPr lang="en-US" sz="1400" b="1" dirty="0">
+                  <a:solidFill>
+                    <a:schemeClr val="bg1"/>
+                  </a:solidFill>
+                </a:endParaRPr>
+              </a:p>
+            </p:txBody>
+          </p:sp>
+        </p:grpSp>
+        <p:grpSp>
+          <p:nvGrpSpPr>
+            <p:cNvPr id="9" name="Group 8">
+              <a:extLst>
+                <a:ext uri="{FF2B5EF4-FFF2-40B4-BE49-F238E27FC236}">
+                  <a16:creationId xmlns:a16="http://schemas.microsoft.com/office/drawing/2014/main" id="{EFE97929-220D-4588-9ED6-C66AEE5170E6}"/>
+                </a:ext>
+              </a:extLst>
+            </p:cNvPr>
+            <p:cNvGrpSpPr/>
+            <p:nvPr/>
+          </p:nvGrpSpPr>
+          <p:grpSpPr>
+            <a:xfrm>
+              <a:off x="3070860" y="2171698"/>
+              <a:ext cx="1375155" cy="307778"/>
+              <a:chOff x="579120" y="2171699"/>
+              <a:chExt cx="1375155" cy="307778"/>
+            </a:xfrm>
+          </p:grpSpPr>
+          <p:sp>
+            <p:nvSpPr>
+              <p:cNvPr id="10" name="TextBox 9">
+                <a:extLst>
+                  <a:ext uri="{FF2B5EF4-FFF2-40B4-BE49-F238E27FC236}">
+                    <a16:creationId xmlns:a16="http://schemas.microsoft.com/office/drawing/2014/main" id="{9B0E0DB4-210B-4FF5-B9B6-3CF321328F85}"/>
+                  </a:ext>
+                </a:extLst>
+              </p:cNvPr>
+              <p:cNvSpPr txBox="1"/>
+              <p:nvPr/>
+            </p:nvSpPr>
+            <p:spPr>
+              <a:xfrm>
+                <a:off x="579120" y="2171700"/>
+                <a:ext cx="498855" cy="307777"/>
+              </a:xfrm>
+              <a:prstGeom prst="rect">
+                <a:avLst/>
+              </a:prstGeom>
+              <a:noFill/>
+            </p:spPr>
+            <p:txBody>
+              <a:bodyPr wrap="none" rtlCol="0">
+                <a:spAutoFit/>
+              </a:bodyPr>
+              <a:lstStyle/>
+              <a:p>
+                <a:r>
+                  <a:rPr lang="pt-BR" sz="1400" b="1" dirty="0">
+                    <a:solidFill>
+                      <a:schemeClr val="bg1"/>
+                    </a:solidFill>
+                  </a:rPr>
+                  <a:t>49%</a:t>
+                </a:r>
+                <a:endParaRPr lang="en-US" sz="1400" b="1" dirty="0">
+                  <a:solidFill>
+                    <a:schemeClr val="bg1"/>
+                  </a:solidFill>
+                </a:endParaRPr>
+              </a:p>
+            </p:txBody>
+          </p:sp>
+          <p:sp>
+            <p:nvSpPr>
+              <p:cNvPr id="11" name="TextBox 10">
+                <a:extLst>
+                  <a:ext uri="{FF2B5EF4-FFF2-40B4-BE49-F238E27FC236}">
+                    <a16:creationId xmlns:a16="http://schemas.microsoft.com/office/drawing/2014/main" id="{85859C73-EFF2-40E0-940C-62C4246D582A}"/>
+                  </a:ext>
+                </a:extLst>
+              </p:cNvPr>
+              <p:cNvSpPr txBox="1"/>
+              <p:nvPr/>
+            </p:nvSpPr>
+            <p:spPr>
+              <a:xfrm>
+                <a:off x="1455420" y="2171699"/>
+                <a:ext cx="498855" cy="307777"/>
+              </a:xfrm>
+              <a:prstGeom prst="rect">
+                <a:avLst/>
+              </a:prstGeom>
+              <a:noFill/>
+            </p:spPr>
+            <p:txBody>
+              <a:bodyPr wrap="none" rtlCol="0">
+                <a:spAutoFit/>
+              </a:bodyPr>
+              <a:lstStyle/>
+              <a:p>
+                <a:r>
+                  <a:rPr lang="pt-BR" sz="1400" b="1" dirty="0">
+                    <a:solidFill>
+                      <a:schemeClr val="bg1"/>
+                    </a:solidFill>
+                  </a:rPr>
+                  <a:t>51%</a:t>
+                </a:r>
+                <a:endParaRPr lang="en-US" sz="1400" b="1" dirty="0">
+                  <a:solidFill>
+                    <a:schemeClr val="bg1"/>
+                  </a:solidFill>
+                </a:endParaRPr>
+              </a:p>
+            </p:txBody>
+          </p:sp>
+        </p:grpSp>
+        <p:grpSp>
+          <p:nvGrpSpPr>
+            <p:cNvPr id="12" name="Group 11">
+              <a:extLst>
+                <a:ext uri="{FF2B5EF4-FFF2-40B4-BE49-F238E27FC236}">
+                  <a16:creationId xmlns:a16="http://schemas.microsoft.com/office/drawing/2014/main" id="{8B36A9D6-C0B2-46BC-A6F7-E139B965A8F9}"/>
+                </a:ext>
+              </a:extLst>
+            </p:cNvPr>
+            <p:cNvGrpSpPr/>
+            <p:nvPr/>
+          </p:nvGrpSpPr>
+          <p:grpSpPr>
+            <a:xfrm>
+              <a:off x="5570220" y="2171697"/>
+              <a:ext cx="1375155" cy="307778"/>
+              <a:chOff x="579120" y="2171699"/>
+              <a:chExt cx="1375155" cy="307778"/>
+            </a:xfrm>
+          </p:grpSpPr>
+          <p:sp>
+            <p:nvSpPr>
+              <p:cNvPr id="13" name="TextBox 12">
+                <a:extLst>
+                  <a:ext uri="{FF2B5EF4-FFF2-40B4-BE49-F238E27FC236}">
+                    <a16:creationId xmlns:a16="http://schemas.microsoft.com/office/drawing/2014/main" id="{291A92FC-FAAE-4DF2-AE90-C7B33A596839}"/>
+                  </a:ext>
+                </a:extLst>
+              </p:cNvPr>
+              <p:cNvSpPr txBox="1"/>
+              <p:nvPr/>
+            </p:nvSpPr>
+            <p:spPr>
+              <a:xfrm>
+                <a:off x="579120" y="2171700"/>
+                <a:ext cx="498855" cy="307777"/>
+              </a:xfrm>
+              <a:prstGeom prst="rect">
+                <a:avLst/>
+              </a:prstGeom>
+              <a:noFill/>
+            </p:spPr>
+            <p:txBody>
+              <a:bodyPr wrap="none" rtlCol="0">
+                <a:spAutoFit/>
+              </a:bodyPr>
+              <a:lstStyle/>
+              <a:p>
+                <a:r>
+                  <a:rPr lang="pt-BR" sz="1400" b="1" dirty="0">
+                    <a:solidFill>
+                      <a:schemeClr val="bg1"/>
+                    </a:solidFill>
+                  </a:rPr>
+                  <a:t>49%</a:t>
+                </a:r>
+                <a:endParaRPr lang="en-US" sz="1400" b="1" dirty="0">
+                  <a:solidFill>
+                    <a:schemeClr val="bg1"/>
+                  </a:solidFill>
+                </a:endParaRPr>
+              </a:p>
+            </p:txBody>
+          </p:sp>
+          <p:sp>
+            <p:nvSpPr>
+              <p:cNvPr id="14" name="TextBox 13">
+                <a:extLst>
+                  <a:ext uri="{FF2B5EF4-FFF2-40B4-BE49-F238E27FC236}">
+                    <a16:creationId xmlns:a16="http://schemas.microsoft.com/office/drawing/2014/main" id="{6F8949E6-CC37-40B8-8B52-27B1FDB2C5C1}"/>
+                  </a:ext>
+                </a:extLst>
+              </p:cNvPr>
+              <p:cNvSpPr txBox="1"/>
+              <p:nvPr/>
+            </p:nvSpPr>
+            <p:spPr>
+              <a:xfrm>
+                <a:off x="1455420" y="2171699"/>
+                <a:ext cx="498855" cy="307777"/>
+              </a:xfrm>
+              <a:prstGeom prst="rect">
+                <a:avLst/>
+              </a:prstGeom>
+              <a:noFill/>
+            </p:spPr>
+            <p:txBody>
+              <a:bodyPr wrap="none" rtlCol="0">
+                <a:spAutoFit/>
+              </a:bodyPr>
+              <a:lstStyle/>
+              <a:p>
+                <a:r>
+                  <a:rPr lang="pt-BR" sz="1400" b="1" dirty="0">
+                    <a:solidFill>
+                      <a:schemeClr val="bg1"/>
+                    </a:solidFill>
+                  </a:rPr>
+                  <a:t>51%</a:t>
+                </a:r>
+                <a:endParaRPr lang="en-US" sz="1400" b="1" dirty="0">
+                  <a:solidFill>
+                    <a:schemeClr val="bg1"/>
+                  </a:solidFill>
+                </a:endParaRPr>
+              </a:p>
+            </p:txBody>
+          </p:sp>
+        </p:grpSp>
+        <p:grpSp>
+          <p:nvGrpSpPr>
+            <p:cNvPr id="15" name="Group 14">
+              <a:extLst>
+                <a:ext uri="{FF2B5EF4-FFF2-40B4-BE49-F238E27FC236}">
+                  <a16:creationId xmlns:a16="http://schemas.microsoft.com/office/drawing/2014/main" id="{A12DD572-CEEE-4BC1-BF8D-CCBFE214A29A}"/>
+                </a:ext>
+              </a:extLst>
+            </p:cNvPr>
+            <p:cNvGrpSpPr/>
+            <p:nvPr/>
+          </p:nvGrpSpPr>
+          <p:grpSpPr>
+            <a:xfrm>
+              <a:off x="8054340" y="2171696"/>
+              <a:ext cx="1375155" cy="307778"/>
+              <a:chOff x="579120" y="2171699"/>
+              <a:chExt cx="1375155" cy="307778"/>
+            </a:xfrm>
+          </p:grpSpPr>
+          <p:sp>
+            <p:nvSpPr>
+              <p:cNvPr id="16" name="TextBox 15">
+                <a:extLst>
+                  <a:ext uri="{FF2B5EF4-FFF2-40B4-BE49-F238E27FC236}">
+                    <a16:creationId xmlns:a16="http://schemas.microsoft.com/office/drawing/2014/main" id="{4BCDC8BB-AE43-4D7B-9A2A-AD517CDE0BE3}"/>
+                  </a:ext>
+                </a:extLst>
+              </p:cNvPr>
+              <p:cNvSpPr txBox="1"/>
+              <p:nvPr/>
+            </p:nvSpPr>
+            <p:spPr>
+              <a:xfrm>
+                <a:off x="579120" y="2171700"/>
+                <a:ext cx="498855" cy="307777"/>
+              </a:xfrm>
+              <a:prstGeom prst="rect">
+                <a:avLst/>
+              </a:prstGeom>
+              <a:noFill/>
+            </p:spPr>
+            <p:txBody>
+              <a:bodyPr wrap="none" rtlCol="0">
+                <a:spAutoFit/>
+              </a:bodyPr>
+              <a:lstStyle/>
+              <a:p>
+                <a:r>
+                  <a:rPr lang="pt-BR" sz="1400" b="1" dirty="0">
+                    <a:solidFill>
+                      <a:schemeClr val="bg1"/>
+                    </a:solidFill>
+                  </a:rPr>
+                  <a:t>50%</a:t>
+                </a:r>
+                <a:endParaRPr lang="en-US" sz="1400" b="1" dirty="0">
+                  <a:solidFill>
+                    <a:schemeClr val="bg1"/>
+                  </a:solidFill>
+                </a:endParaRPr>
+              </a:p>
+            </p:txBody>
+          </p:sp>
+          <p:sp>
+            <p:nvSpPr>
+              <p:cNvPr id="17" name="TextBox 16">
+                <a:extLst>
+                  <a:ext uri="{FF2B5EF4-FFF2-40B4-BE49-F238E27FC236}">
+                    <a16:creationId xmlns:a16="http://schemas.microsoft.com/office/drawing/2014/main" id="{39D018F1-FF6C-480B-8EFA-89D6E09A08E5}"/>
+                  </a:ext>
+                </a:extLst>
+              </p:cNvPr>
+              <p:cNvSpPr txBox="1"/>
+              <p:nvPr/>
+            </p:nvSpPr>
+            <p:spPr>
+              <a:xfrm>
+                <a:off x="1455420" y="2171699"/>
+                <a:ext cx="498855" cy="307777"/>
+              </a:xfrm>
+              <a:prstGeom prst="rect">
+                <a:avLst/>
+              </a:prstGeom>
+              <a:noFill/>
+            </p:spPr>
+            <p:txBody>
+              <a:bodyPr wrap="none" rtlCol="0">
+                <a:spAutoFit/>
+              </a:bodyPr>
+              <a:lstStyle/>
+              <a:p>
+                <a:r>
+                  <a:rPr lang="pt-BR" sz="1400" b="1" dirty="0">
+                    <a:solidFill>
+                      <a:schemeClr val="bg1"/>
+                    </a:solidFill>
+                  </a:rPr>
+                  <a:t>50%</a:t>
+                </a:r>
+                <a:endParaRPr lang="en-US" sz="1400" b="1" dirty="0">
+                  <a:solidFill>
+                    <a:schemeClr val="bg1"/>
+                  </a:solidFill>
+                </a:endParaRPr>
+              </a:p>
+            </p:txBody>
+          </p:sp>
+        </p:grpSp>
+        <p:grpSp>
+          <p:nvGrpSpPr>
+            <p:cNvPr id="18" name="Group 17">
+              <a:extLst>
+                <a:ext uri="{FF2B5EF4-FFF2-40B4-BE49-F238E27FC236}">
+                  <a16:creationId xmlns:a16="http://schemas.microsoft.com/office/drawing/2014/main" id="{5299A749-D298-4C8D-AC2E-3B0CACEFD554}"/>
+                </a:ext>
+              </a:extLst>
+            </p:cNvPr>
+            <p:cNvGrpSpPr/>
+            <p:nvPr/>
+          </p:nvGrpSpPr>
+          <p:grpSpPr>
+            <a:xfrm>
+              <a:off x="10546080" y="2171695"/>
+              <a:ext cx="1375155" cy="307778"/>
+              <a:chOff x="579120" y="2171699"/>
+              <a:chExt cx="1375155" cy="307778"/>
+            </a:xfrm>
+          </p:grpSpPr>
+          <p:sp>
+            <p:nvSpPr>
+              <p:cNvPr id="19" name="TextBox 18">
+                <a:extLst>
+                  <a:ext uri="{FF2B5EF4-FFF2-40B4-BE49-F238E27FC236}">
+                    <a16:creationId xmlns:a16="http://schemas.microsoft.com/office/drawing/2014/main" id="{5617C981-BB99-4DAA-8603-0DC4A47D7DE5}"/>
+                  </a:ext>
+                </a:extLst>
+              </p:cNvPr>
+              <p:cNvSpPr txBox="1"/>
+              <p:nvPr/>
+            </p:nvSpPr>
+            <p:spPr>
+              <a:xfrm>
+                <a:off x="579120" y="2171700"/>
+                <a:ext cx="498855" cy="307777"/>
+              </a:xfrm>
+              <a:prstGeom prst="rect">
+                <a:avLst/>
+              </a:prstGeom>
+              <a:noFill/>
+            </p:spPr>
+            <p:txBody>
+              <a:bodyPr wrap="none" rtlCol="0">
+                <a:spAutoFit/>
+              </a:bodyPr>
+              <a:lstStyle/>
+              <a:p>
+                <a:r>
+                  <a:rPr lang="pt-BR" sz="1400" b="1" dirty="0">
+                    <a:solidFill>
+                      <a:schemeClr val="bg1"/>
+                    </a:solidFill>
+                  </a:rPr>
+                  <a:t>49%</a:t>
+                </a:r>
+                <a:endParaRPr lang="en-US" sz="1400" b="1" dirty="0">
+                  <a:solidFill>
+                    <a:schemeClr val="bg1"/>
+                  </a:solidFill>
+                </a:endParaRPr>
+              </a:p>
+            </p:txBody>
+          </p:sp>
+          <p:sp>
+            <p:nvSpPr>
+              <p:cNvPr id="20" name="TextBox 19">
+                <a:extLst>
+                  <a:ext uri="{FF2B5EF4-FFF2-40B4-BE49-F238E27FC236}">
+                    <a16:creationId xmlns:a16="http://schemas.microsoft.com/office/drawing/2014/main" id="{6B7C8F71-5909-47F4-AB11-888E07F86727}"/>
+                  </a:ext>
+                </a:extLst>
+              </p:cNvPr>
+              <p:cNvSpPr txBox="1"/>
+              <p:nvPr/>
+            </p:nvSpPr>
+            <p:spPr>
+              <a:xfrm>
+                <a:off x="1455420" y="2171699"/>
+                <a:ext cx="498855" cy="307777"/>
+              </a:xfrm>
+              <a:prstGeom prst="rect">
+                <a:avLst/>
+              </a:prstGeom>
+              <a:noFill/>
+            </p:spPr>
+            <p:txBody>
+              <a:bodyPr wrap="none" rtlCol="0">
+                <a:spAutoFit/>
+              </a:bodyPr>
+              <a:lstStyle/>
+              <a:p>
+                <a:r>
+                  <a:rPr lang="pt-BR" sz="1400" b="1" dirty="0">
+                    <a:solidFill>
+                      <a:schemeClr val="bg1"/>
+                    </a:solidFill>
+                  </a:rPr>
+                  <a:t>51%</a:t>
+                </a:r>
+                <a:endParaRPr lang="en-US" sz="1400" b="1" dirty="0">
+                  <a:solidFill>
+                    <a:schemeClr val="bg1"/>
+                  </a:solidFill>
+                </a:endParaRPr>
+              </a:p>
+            </p:txBody>
+          </p:sp>
+        </p:grpSp>
+        <p:grpSp>
+          <p:nvGrpSpPr>
+            <p:cNvPr id="21" name="Group 20">
+              <a:extLst>
+                <a:ext uri="{FF2B5EF4-FFF2-40B4-BE49-F238E27FC236}">
+                  <a16:creationId xmlns:a16="http://schemas.microsoft.com/office/drawing/2014/main" id="{938BD4D0-B037-4B46-987B-B70689B93021}"/>
+                </a:ext>
+              </a:extLst>
+            </p:cNvPr>
+            <p:cNvGrpSpPr/>
+            <p:nvPr/>
+          </p:nvGrpSpPr>
+          <p:grpSpPr>
+            <a:xfrm>
+              <a:off x="592745" y="4465319"/>
+              <a:ext cx="1375155" cy="307778"/>
+              <a:chOff x="579120" y="2171699"/>
+              <a:chExt cx="1375155" cy="307778"/>
+            </a:xfrm>
+          </p:grpSpPr>
+          <p:sp>
+            <p:nvSpPr>
+              <p:cNvPr id="22" name="TextBox 21">
+                <a:extLst>
+                  <a:ext uri="{FF2B5EF4-FFF2-40B4-BE49-F238E27FC236}">
+                    <a16:creationId xmlns:a16="http://schemas.microsoft.com/office/drawing/2014/main" id="{DBCBF5E2-FE3B-4528-B5C0-61C3D27DD470}"/>
+                  </a:ext>
+                </a:extLst>
+              </p:cNvPr>
+              <p:cNvSpPr txBox="1"/>
+              <p:nvPr/>
+            </p:nvSpPr>
+            <p:spPr>
+              <a:xfrm>
+                <a:off x="579120" y="2171700"/>
+                <a:ext cx="498855" cy="307777"/>
+              </a:xfrm>
+              <a:prstGeom prst="rect">
+                <a:avLst/>
+              </a:prstGeom>
+              <a:noFill/>
+            </p:spPr>
+            <p:txBody>
+              <a:bodyPr wrap="none" rtlCol="0">
+                <a:spAutoFit/>
+              </a:bodyPr>
+              <a:lstStyle/>
+              <a:p>
+                <a:r>
+                  <a:rPr lang="pt-BR" sz="1400" b="1" dirty="0">
+                    <a:solidFill>
+                      <a:schemeClr val="bg1"/>
+                    </a:solidFill>
+                  </a:rPr>
+                  <a:t>45%</a:t>
+                </a:r>
+                <a:endParaRPr lang="en-US" sz="1400" b="1" dirty="0">
+                  <a:solidFill>
+                    <a:schemeClr val="bg1"/>
+                  </a:solidFill>
+                </a:endParaRPr>
+              </a:p>
+            </p:txBody>
+          </p:sp>
+          <p:sp>
+            <p:nvSpPr>
+              <p:cNvPr id="23" name="TextBox 22">
+                <a:extLst>
+                  <a:ext uri="{FF2B5EF4-FFF2-40B4-BE49-F238E27FC236}">
+                    <a16:creationId xmlns:a16="http://schemas.microsoft.com/office/drawing/2014/main" id="{261B23EF-2FD5-4291-AAFB-87C63D36B2AD}"/>
+                  </a:ext>
+                </a:extLst>
+              </p:cNvPr>
+              <p:cNvSpPr txBox="1"/>
+              <p:nvPr/>
+            </p:nvSpPr>
+            <p:spPr>
+              <a:xfrm>
+                <a:off x="1455420" y="2171699"/>
+                <a:ext cx="498855" cy="307777"/>
+              </a:xfrm>
+              <a:prstGeom prst="rect">
+                <a:avLst/>
+              </a:prstGeom>
+              <a:noFill/>
+            </p:spPr>
+            <p:txBody>
+              <a:bodyPr wrap="none" rtlCol="0">
+                <a:spAutoFit/>
+              </a:bodyPr>
+              <a:lstStyle/>
+              <a:p>
+                <a:r>
+                  <a:rPr lang="pt-BR" sz="1400" b="1" dirty="0">
+                    <a:solidFill>
+                      <a:schemeClr val="bg1"/>
+                    </a:solidFill>
+                  </a:rPr>
+                  <a:t>55%</a:t>
+                </a:r>
+                <a:endParaRPr lang="en-US" sz="1400" b="1" dirty="0">
+                  <a:solidFill>
+                    <a:schemeClr val="bg1"/>
+                  </a:solidFill>
+                </a:endParaRPr>
+              </a:p>
+            </p:txBody>
+          </p:sp>
+        </p:grpSp>
+        <p:grpSp>
+          <p:nvGrpSpPr>
+            <p:cNvPr id="24" name="Group 23">
+              <a:extLst>
+                <a:ext uri="{FF2B5EF4-FFF2-40B4-BE49-F238E27FC236}">
+                  <a16:creationId xmlns:a16="http://schemas.microsoft.com/office/drawing/2014/main" id="{18590F91-6242-4B78-8995-CFDA556DCC1B}"/>
+                </a:ext>
+              </a:extLst>
+            </p:cNvPr>
+            <p:cNvGrpSpPr/>
+            <p:nvPr/>
+          </p:nvGrpSpPr>
+          <p:grpSpPr>
+            <a:xfrm>
+              <a:off x="3084485" y="4465318"/>
+              <a:ext cx="1375155" cy="307778"/>
+              <a:chOff x="579120" y="2171699"/>
+              <a:chExt cx="1375155" cy="307778"/>
+            </a:xfrm>
+          </p:grpSpPr>
+          <p:sp>
+            <p:nvSpPr>
+              <p:cNvPr id="25" name="TextBox 24">
+                <a:extLst>
+                  <a:ext uri="{FF2B5EF4-FFF2-40B4-BE49-F238E27FC236}">
+                    <a16:creationId xmlns:a16="http://schemas.microsoft.com/office/drawing/2014/main" id="{5589C3A3-1061-44B1-B97B-3A599BDF7348}"/>
+                  </a:ext>
+                </a:extLst>
+              </p:cNvPr>
+              <p:cNvSpPr txBox="1"/>
+              <p:nvPr/>
+            </p:nvSpPr>
+            <p:spPr>
+              <a:xfrm>
+                <a:off x="579120" y="2171700"/>
+                <a:ext cx="498855" cy="307777"/>
+              </a:xfrm>
+              <a:prstGeom prst="rect">
+                <a:avLst/>
+              </a:prstGeom>
+              <a:noFill/>
+            </p:spPr>
+            <p:txBody>
+              <a:bodyPr wrap="none" rtlCol="0">
+                <a:spAutoFit/>
+              </a:bodyPr>
+              <a:lstStyle/>
+              <a:p>
+                <a:r>
+                  <a:rPr lang="pt-BR" sz="1400" b="1" dirty="0">
+                    <a:solidFill>
+                      <a:schemeClr val="bg1"/>
+                    </a:solidFill>
+                  </a:rPr>
+                  <a:t>47%</a:t>
+                </a:r>
+                <a:endParaRPr lang="en-US" sz="1400" b="1" dirty="0">
+                  <a:solidFill>
+                    <a:schemeClr val="bg1"/>
+                  </a:solidFill>
+                </a:endParaRPr>
+              </a:p>
+            </p:txBody>
+          </p:sp>
+          <p:sp>
+            <p:nvSpPr>
+              <p:cNvPr id="26" name="TextBox 25">
+                <a:extLst>
+                  <a:ext uri="{FF2B5EF4-FFF2-40B4-BE49-F238E27FC236}">
+                    <a16:creationId xmlns:a16="http://schemas.microsoft.com/office/drawing/2014/main" id="{A2ECAADB-3124-447C-804B-03537A388BA2}"/>
+                  </a:ext>
+                </a:extLst>
+              </p:cNvPr>
+              <p:cNvSpPr txBox="1"/>
+              <p:nvPr/>
+            </p:nvSpPr>
+            <p:spPr>
+              <a:xfrm>
+                <a:off x="1455420" y="2171699"/>
+                <a:ext cx="498855" cy="307777"/>
+              </a:xfrm>
+              <a:prstGeom prst="rect">
+                <a:avLst/>
+              </a:prstGeom>
+              <a:noFill/>
+            </p:spPr>
+            <p:txBody>
+              <a:bodyPr wrap="none" rtlCol="0">
+                <a:spAutoFit/>
+              </a:bodyPr>
+              <a:lstStyle/>
+              <a:p>
+                <a:r>
+                  <a:rPr lang="pt-BR" sz="1400" b="1" dirty="0">
+                    <a:solidFill>
+                      <a:schemeClr val="bg1"/>
+                    </a:solidFill>
+                  </a:rPr>
+                  <a:t>53%</a:t>
+                </a:r>
+                <a:endParaRPr lang="en-US" sz="1400" b="1" dirty="0">
+                  <a:solidFill>
+                    <a:schemeClr val="bg1"/>
+                  </a:solidFill>
+                </a:endParaRPr>
+              </a:p>
+            </p:txBody>
+          </p:sp>
+        </p:grpSp>
+        <p:grpSp>
+          <p:nvGrpSpPr>
+            <p:cNvPr id="27" name="Group 26">
+              <a:extLst>
+                <a:ext uri="{FF2B5EF4-FFF2-40B4-BE49-F238E27FC236}">
+                  <a16:creationId xmlns:a16="http://schemas.microsoft.com/office/drawing/2014/main" id="{D1E6CC4A-3E1D-44F0-9F38-B75A699CEAA5}"/>
+                </a:ext>
+              </a:extLst>
+            </p:cNvPr>
+            <p:cNvGrpSpPr/>
+            <p:nvPr/>
+          </p:nvGrpSpPr>
+          <p:grpSpPr>
+            <a:xfrm>
+              <a:off x="5583845" y="4465317"/>
+              <a:ext cx="1375155" cy="307778"/>
+              <a:chOff x="579120" y="2171699"/>
+              <a:chExt cx="1375155" cy="307778"/>
+            </a:xfrm>
+          </p:grpSpPr>
+          <p:sp>
+            <p:nvSpPr>
+              <p:cNvPr id="28" name="TextBox 27">
+                <a:extLst>
+                  <a:ext uri="{FF2B5EF4-FFF2-40B4-BE49-F238E27FC236}">
+                    <a16:creationId xmlns:a16="http://schemas.microsoft.com/office/drawing/2014/main" id="{6E5A4AFA-F3C7-4A66-A84C-7924B609A6F4}"/>
+                  </a:ext>
+                </a:extLst>
+              </p:cNvPr>
+              <p:cNvSpPr txBox="1"/>
+              <p:nvPr/>
+            </p:nvSpPr>
+            <p:spPr>
+              <a:xfrm>
+                <a:off x="579120" y="2171700"/>
+                <a:ext cx="498855" cy="307777"/>
+              </a:xfrm>
+              <a:prstGeom prst="rect">
+                <a:avLst/>
+              </a:prstGeom>
+              <a:noFill/>
+            </p:spPr>
+            <p:txBody>
+              <a:bodyPr wrap="none" rtlCol="0">
+                <a:spAutoFit/>
+              </a:bodyPr>
+              <a:lstStyle/>
+              <a:p>
+                <a:r>
+                  <a:rPr lang="pt-BR" sz="1400" b="1" dirty="0">
+                    <a:solidFill>
+                      <a:schemeClr val="bg1"/>
+                    </a:solidFill>
+                  </a:rPr>
+                  <a:t>51%</a:t>
+                </a:r>
+                <a:endParaRPr lang="en-US" sz="1400" b="1" dirty="0">
+                  <a:solidFill>
+                    <a:schemeClr val="bg1"/>
+                  </a:solidFill>
+                </a:endParaRPr>
+              </a:p>
+            </p:txBody>
+          </p:sp>
+          <p:sp>
+            <p:nvSpPr>
+              <p:cNvPr id="29" name="TextBox 28">
+                <a:extLst>
+                  <a:ext uri="{FF2B5EF4-FFF2-40B4-BE49-F238E27FC236}">
+                    <a16:creationId xmlns:a16="http://schemas.microsoft.com/office/drawing/2014/main" id="{DEC6FFF2-7740-4077-8B0F-541947D639F8}"/>
+                  </a:ext>
+                </a:extLst>
+              </p:cNvPr>
+              <p:cNvSpPr txBox="1"/>
+              <p:nvPr/>
+            </p:nvSpPr>
+            <p:spPr>
+              <a:xfrm>
+                <a:off x="1455420" y="2171699"/>
+                <a:ext cx="498855" cy="307777"/>
+              </a:xfrm>
+              <a:prstGeom prst="rect">
+                <a:avLst/>
+              </a:prstGeom>
+              <a:noFill/>
+            </p:spPr>
+            <p:txBody>
+              <a:bodyPr wrap="none" rtlCol="0">
+                <a:spAutoFit/>
+              </a:bodyPr>
+              <a:lstStyle/>
+              <a:p>
+                <a:r>
+                  <a:rPr lang="pt-BR" sz="1400" b="1" dirty="0">
+                    <a:solidFill>
+                      <a:schemeClr val="bg1"/>
+                    </a:solidFill>
+                  </a:rPr>
+                  <a:t>48%</a:t>
+                </a:r>
+                <a:endParaRPr lang="en-US" sz="1400" b="1" dirty="0">
+                  <a:solidFill>
+                    <a:schemeClr val="bg1"/>
+                  </a:solidFill>
+                </a:endParaRPr>
+              </a:p>
+            </p:txBody>
+          </p:sp>
+        </p:grpSp>
+        <p:grpSp>
+          <p:nvGrpSpPr>
+            <p:cNvPr id="30" name="Group 29">
+              <a:extLst>
+                <a:ext uri="{FF2B5EF4-FFF2-40B4-BE49-F238E27FC236}">
+                  <a16:creationId xmlns:a16="http://schemas.microsoft.com/office/drawing/2014/main" id="{C16F722E-EBC8-4FE1-AF06-E56FFCC7D1FA}"/>
+                </a:ext>
+              </a:extLst>
+            </p:cNvPr>
+            <p:cNvGrpSpPr/>
+            <p:nvPr/>
+          </p:nvGrpSpPr>
+          <p:grpSpPr>
+            <a:xfrm>
+              <a:off x="8067965" y="4465316"/>
+              <a:ext cx="1375155" cy="307778"/>
+              <a:chOff x="579120" y="2171699"/>
+              <a:chExt cx="1375155" cy="307778"/>
+            </a:xfrm>
+          </p:grpSpPr>
+          <p:sp>
+            <p:nvSpPr>
+              <p:cNvPr id="31" name="TextBox 30">
+                <a:extLst>
+                  <a:ext uri="{FF2B5EF4-FFF2-40B4-BE49-F238E27FC236}">
+                    <a16:creationId xmlns:a16="http://schemas.microsoft.com/office/drawing/2014/main" id="{B551AA17-151C-40D6-8C89-128BAAF347BA}"/>
+                  </a:ext>
+                </a:extLst>
+              </p:cNvPr>
+              <p:cNvSpPr txBox="1"/>
+              <p:nvPr/>
+            </p:nvSpPr>
+            <p:spPr>
+              <a:xfrm>
+                <a:off x="579120" y="2171700"/>
+                <a:ext cx="498855" cy="307777"/>
+              </a:xfrm>
+              <a:prstGeom prst="rect">
+                <a:avLst/>
+              </a:prstGeom>
+              <a:noFill/>
+            </p:spPr>
+            <p:txBody>
+              <a:bodyPr wrap="none" rtlCol="0">
+                <a:spAutoFit/>
+              </a:bodyPr>
+              <a:lstStyle/>
+              <a:p>
+                <a:r>
+                  <a:rPr lang="pt-BR" sz="1400" b="1" dirty="0">
+                    <a:solidFill>
+                      <a:schemeClr val="bg1"/>
+                    </a:solidFill>
+                  </a:rPr>
+                  <a:t>50%</a:t>
+                </a:r>
+                <a:endParaRPr lang="en-US" sz="1400" b="1" dirty="0">
+                  <a:solidFill>
+                    <a:schemeClr val="bg1"/>
+                  </a:solidFill>
+                </a:endParaRPr>
+              </a:p>
+            </p:txBody>
+          </p:sp>
+          <p:sp>
+            <p:nvSpPr>
+              <p:cNvPr id="32" name="TextBox 31">
+                <a:extLst>
+                  <a:ext uri="{FF2B5EF4-FFF2-40B4-BE49-F238E27FC236}">
+                    <a16:creationId xmlns:a16="http://schemas.microsoft.com/office/drawing/2014/main" id="{EFFBF39E-14F6-4F13-B51C-5E6B8DCB1BB7}"/>
+                  </a:ext>
+                </a:extLst>
+              </p:cNvPr>
+              <p:cNvSpPr txBox="1"/>
+              <p:nvPr/>
+            </p:nvSpPr>
+            <p:spPr>
+              <a:xfrm>
+                <a:off x="1455420" y="2171699"/>
+                <a:ext cx="498855" cy="307777"/>
+              </a:xfrm>
+              <a:prstGeom prst="rect">
+                <a:avLst/>
+              </a:prstGeom>
+              <a:noFill/>
+            </p:spPr>
+            <p:txBody>
+              <a:bodyPr wrap="none" rtlCol="0">
+                <a:spAutoFit/>
+              </a:bodyPr>
+              <a:lstStyle/>
+              <a:p>
+                <a:r>
+                  <a:rPr lang="pt-BR" sz="1400" b="1" dirty="0">
+                    <a:solidFill>
+                      <a:schemeClr val="bg1"/>
+                    </a:solidFill>
+                  </a:rPr>
+                  <a:t>50%</a:t>
+                </a:r>
+                <a:endParaRPr lang="en-US" sz="1400" b="1" dirty="0">
+                  <a:solidFill>
+                    <a:schemeClr val="bg1"/>
+                  </a:solidFill>
+                </a:endParaRPr>
+              </a:p>
+            </p:txBody>
+          </p:sp>
+        </p:grpSp>
+        <p:grpSp>
+          <p:nvGrpSpPr>
+            <p:cNvPr id="33" name="Group 32">
+              <a:extLst>
+                <a:ext uri="{FF2B5EF4-FFF2-40B4-BE49-F238E27FC236}">
+                  <a16:creationId xmlns:a16="http://schemas.microsoft.com/office/drawing/2014/main" id="{04220A23-A38D-4235-BE5B-E58CFB94CB9B}"/>
+                </a:ext>
+              </a:extLst>
+            </p:cNvPr>
+            <p:cNvGrpSpPr/>
+            <p:nvPr/>
+          </p:nvGrpSpPr>
+          <p:grpSpPr>
+            <a:xfrm>
+              <a:off x="10559705" y="4465315"/>
+              <a:ext cx="1375155" cy="307778"/>
+              <a:chOff x="579120" y="2171699"/>
+              <a:chExt cx="1375155" cy="307778"/>
+            </a:xfrm>
+          </p:grpSpPr>
+          <p:sp>
+            <p:nvSpPr>
+              <p:cNvPr id="34" name="TextBox 33">
+                <a:extLst>
+                  <a:ext uri="{FF2B5EF4-FFF2-40B4-BE49-F238E27FC236}">
+                    <a16:creationId xmlns:a16="http://schemas.microsoft.com/office/drawing/2014/main" id="{71178028-EC99-4DE5-93E1-79DD0A882206}"/>
+                  </a:ext>
+                </a:extLst>
+              </p:cNvPr>
+              <p:cNvSpPr txBox="1"/>
+              <p:nvPr/>
+            </p:nvSpPr>
+            <p:spPr>
+              <a:xfrm>
+                <a:off x="579120" y="2171700"/>
+                <a:ext cx="498855" cy="307777"/>
+              </a:xfrm>
+              <a:prstGeom prst="rect">
+                <a:avLst/>
+              </a:prstGeom>
+              <a:noFill/>
+            </p:spPr>
+            <p:txBody>
+              <a:bodyPr wrap="none" rtlCol="0">
+                <a:spAutoFit/>
+              </a:bodyPr>
+              <a:lstStyle/>
+              <a:p>
+                <a:r>
+                  <a:rPr lang="pt-BR" sz="1400" b="1" dirty="0">
+                    <a:solidFill>
+                      <a:schemeClr val="bg1"/>
+                    </a:solidFill>
+                  </a:rPr>
+                  <a:t>50%</a:t>
+                </a:r>
+                <a:endParaRPr lang="en-US" sz="1400" b="1" dirty="0">
+                  <a:solidFill>
+                    <a:schemeClr val="bg1"/>
+                  </a:solidFill>
+                </a:endParaRPr>
+              </a:p>
+            </p:txBody>
+          </p:sp>
+          <p:sp>
+            <p:nvSpPr>
+              <p:cNvPr id="35" name="TextBox 34">
+                <a:extLst>
+                  <a:ext uri="{FF2B5EF4-FFF2-40B4-BE49-F238E27FC236}">
+                    <a16:creationId xmlns:a16="http://schemas.microsoft.com/office/drawing/2014/main" id="{7B4C97F6-EC9F-4E9D-BE51-C6A94EB7A600}"/>
+                  </a:ext>
+                </a:extLst>
+              </p:cNvPr>
+              <p:cNvSpPr txBox="1"/>
+              <p:nvPr/>
+            </p:nvSpPr>
+            <p:spPr>
+              <a:xfrm>
+                <a:off x="1455420" y="2171699"/>
+                <a:ext cx="498855" cy="307777"/>
+              </a:xfrm>
+              <a:prstGeom prst="rect">
+                <a:avLst/>
+              </a:prstGeom>
+              <a:noFill/>
+            </p:spPr>
+            <p:txBody>
+              <a:bodyPr wrap="none" rtlCol="0">
+                <a:spAutoFit/>
+              </a:bodyPr>
+              <a:lstStyle/>
+              <a:p>
+                <a:r>
+                  <a:rPr lang="pt-BR" sz="1400" b="1" dirty="0">
+                    <a:solidFill>
+                      <a:schemeClr val="bg1"/>
+                    </a:solidFill>
+                  </a:rPr>
+                  <a:t>50%</a:t>
+                </a:r>
+                <a:endParaRPr lang="en-US" sz="1400" b="1" dirty="0">
+                  <a:solidFill>
+                    <a:schemeClr val="bg1"/>
+                  </a:solidFill>
+                </a:endParaRPr>
+              </a:p>
+            </p:txBody>
+          </p:sp>
+        </p:grpSp>
+      </p:grpSp>
+      <p:sp>
+        <p:nvSpPr>
+          <p:cNvPr id="38" name="TextBox 37">
+            <a:extLst>
+              <a:ext uri="{FF2B5EF4-FFF2-40B4-BE49-F238E27FC236}">
+                <a16:creationId xmlns:a16="http://schemas.microsoft.com/office/drawing/2014/main" id="{4E2381EB-BB96-4431-9006-ABC3D4E73A4E}"/>
+              </a:ext>
+            </a:extLst>
+          </p:cNvPr>
+          <p:cNvSpPr txBox="1"/>
+          <p:nvPr/>
+        </p:nvSpPr>
+        <p:spPr>
+          <a:xfrm>
+            <a:off x="4933062" y="2013131"/>
+            <a:ext cx="317716" cy="369332"/>
+          </a:xfrm>
+          <a:prstGeom prst="rect">
+            <a:avLst/>
+          </a:prstGeom>
+          <a:noFill/>
+        </p:spPr>
+        <p:txBody>
+          <a:bodyPr wrap="none" rtlCol="0">
+            <a:spAutoFit/>
+          </a:bodyPr>
+          <a:lstStyle/>
+          <a:p>
+            <a:r>
+              <a:rPr lang="pt-BR" dirty="0"/>
+              <a:t>A</a:t>
+            </a:r>
+            <a:endParaRPr lang="en-US" dirty="0"/>
+          </a:p>
+        </p:txBody>
+      </p:sp>
+      <p:pic>
+        <p:nvPicPr>
+          <p:cNvPr id="40" name="Picture 39">
+            <a:extLst>
+              <a:ext uri="{FF2B5EF4-FFF2-40B4-BE49-F238E27FC236}">
+                <a16:creationId xmlns:a16="http://schemas.microsoft.com/office/drawing/2014/main" id="{E176F95A-2E8A-49BA-8166-095DBAC29696}"/>
+              </a:ext>
+            </a:extLst>
+          </p:cNvPr>
+          <p:cNvPicPr>
+            <a:picLocks noChangeAspect="1"/>
+          </p:cNvPicPr>
+          <p:nvPr/>
+        </p:nvPicPr>
+        <p:blipFill>
+          <a:blip r:embed="rId2"/>
+          <a:stretch>
+            <a:fillRect/>
+          </a:stretch>
+        </p:blipFill>
+        <p:spPr>
+          <a:xfrm>
+            <a:off x="4600575" y="2176462"/>
+            <a:ext cx="2990850" cy="2505075"/>
+          </a:xfrm>
+          <a:prstGeom prst="rect">
+            <a:avLst/>
+          </a:prstGeom>
+        </p:spPr>
+      </p:pic>
+      <p:pic>
+        <p:nvPicPr>
+          <p:cNvPr id="42" name="Picture 41">
+            <a:extLst>
+              <a:ext uri="{FF2B5EF4-FFF2-40B4-BE49-F238E27FC236}">
+                <a16:creationId xmlns:a16="http://schemas.microsoft.com/office/drawing/2014/main" id="{0507A9D7-325F-4E8C-9D77-9264223781BF}"/>
+              </a:ext>
+            </a:extLst>
+          </p:cNvPr>
+          <p:cNvPicPr>
+            <a:picLocks noChangeAspect="1"/>
+          </p:cNvPicPr>
+          <p:nvPr/>
+        </p:nvPicPr>
+        <p:blipFill>
+          <a:blip r:embed="rId3"/>
+          <a:stretch>
+            <a:fillRect/>
+          </a:stretch>
+        </p:blipFill>
+        <p:spPr>
+          <a:xfrm>
+            <a:off x="7654290" y="2169008"/>
+            <a:ext cx="2990850" cy="2505075"/>
+          </a:xfrm>
+          <a:prstGeom prst="rect">
+            <a:avLst/>
+          </a:prstGeom>
+        </p:spPr>
+      </p:pic>
+      <p:sp>
+        <p:nvSpPr>
+          <p:cNvPr id="45" name="TextBox 44">
+            <a:extLst>
+              <a:ext uri="{FF2B5EF4-FFF2-40B4-BE49-F238E27FC236}">
+                <a16:creationId xmlns:a16="http://schemas.microsoft.com/office/drawing/2014/main" id="{C694B4DD-3FC9-47E5-8C5A-209DE3226741}"/>
+              </a:ext>
+            </a:extLst>
+          </p:cNvPr>
+          <p:cNvSpPr txBox="1"/>
+          <p:nvPr/>
+        </p:nvSpPr>
+        <p:spPr>
+          <a:xfrm>
+            <a:off x="7952197" y="2004930"/>
+            <a:ext cx="309700" cy="369332"/>
+          </a:xfrm>
+          <a:prstGeom prst="rect">
+            <a:avLst/>
+          </a:prstGeom>
+          <a:noFill/>
+        </p:spPr>
+        <p:txBody>
+          <a:bodyPr wrap="none" rtlCol="0">
+            <a:spAutoFit/>
+          </a:bodyPr>
+          <a:lstStyle/>
+          <a:p>
+            <a:r>
+              <a:rPr lang="pt-BR" dirty="0"/>
+              <a:t>B</a:t>
+            </a:r>
+            <a:endParaRPr lang="en-US" dirty="0"/>
+          </a:p>
+        </p:txBody>
+      </p:sp>
+      <p:sp>
+        <p:nvSpPr>
+          <p:cNvPr id="46" name="TextBox 45">
+            <a:extLst>
+              <a:ext uri="{FF2B5EF4-FFF2-40B4-BE49-F238E27FC236}">
+                <a16:creationId xmlns:a16="http://schemas.microsoft.com/office/drawing/2014/main" id="{BE88B8C7-D05E-4981-AC53-516C37856F52}"/>
+              </a:ext>
+            </a:extLst>
+          </p:cNvPr>
+          <p:cNvSpPr txBox="1"/>
+          <p:nvPr/>
+        </p:nvSpPr>
+        <p:spPr>
+          <a:xfrm>
+            <a:off x="5680938" y="4585223"/>
+            <a:ext cx="917239" cy="261610"/>
+          </a:xfrm>
+          <a:prstGeom prst="rect">
+            <a:avLst/>
+          </a:prstGeom>
+          <a:noFill/>
+        </p:spPr>
+        <p:txBody>
+          <a:bodyPr wrap="none" rtlCol="0">
+            <a:spAutoFit/>
+          </a:bodyPr>
+          <a:lstStyle/>
+          <a:p>
+            <a:r>
+              <a:rPr lang="pt-BR" sz="1100" dirty="0"/>
+              <a:t>Experimento</a:t>
+            </a:r>
+            <a:endParaRPr lang="en-US" sz="1100" dirty="0"/>
+          </a:p>
+        </p:txBody>
+      </p:sp>
+      <p:sp>
+        <p:nvSpPr>
+          <p:cNvPr id="47" name="TextBox 46">
+            <a:extLst>
+              <a:ext uri="{FF2B5EF4-FFF2-40B4-BE49-F238E27FC236}">
+                <a16:creationId xmlns:a16="http://schemas.microsoft.com/office/drawing/2014/main" id="{9FF40A9B-8C12-4E85-BF1C-088FE8E1C10E}"/>
+              </a:ext>
+            </a:extLst>
+          </p:cNvPr>
+          <p:cNvSpPr txBox="1"/>
+          <p:nvPr/>
+        </p:nvSpPr>
+        <p:spPr>
+          <a:xfrm>
+            <a:off x="8761420" y="4576834"/>
+            <a:ext cx="917239" cy="261610"/>
+          </a:xfrm>
+          <a:prstGeom prst="rect">
+            <a:avLst/>
+          </a:prstGeom>
+          <a:noFill/>
+        </p:spPr>
+        <p:txBody>
+          <a:bodyPr wrap="none" rtlCol="0">
+            <a:spAutoFit/>
+          </a:bodyPr>
+          <a:lstStyle/>
+          <a:p>
+            <a:r>
+              <a:rPr lang="pt-BR" sz="1100" dirty="0"/>
+              <a:t>Experimento</a:t>
+            </a:r>
+            <a:endParaRPr lang="en-US" sz="1100" dirty="0"/>
+          </a:p>
+        </p:txBody>
+      </p:sp>
+      <p:sp>
+        <p:nvSpPr>
+          <p:cNvPr id="48" name="TextBox 47">
+            <a:extLst>
+              <a:ext uri="{FF2B5EF4-FFF2-40B4-BE49-F238E27FC236}">
+                <a16:creationId xmlns:a16="http://schemas.microsoft.com/office/drawing/2014/main" id="{FFA3E66E-5712-499B-952E-75261D37166D}"/>
+              </a:ext>
+            </a:extLst>
+          </p:cNvPr>
+          <p:cNvSpPr txBox="1"/>
+          <p:nvPr/>
+        </p:nvSpPr>
+        <p:spPr>
+          <a:xfrm rot="16200000">
+            <a:off x="4252136" y="3273959"/>
+            <a:ext cx="713657" cy="261610"/>
+          </a:xfrm>
+          <a:prstGeom prst="rect">
+            <a:avLst/>
+          </a:prstGeom>
+          <a:noFill/>
+        </p:spPr>
+        <p:txBody>
+          <a:bodyPr wrap="none" rtlCol="0">
+            <a:spAutoFit/>
+          </a:bodyPr>
+          <a:lstStyle/>
+          <a:p>
+            <a:r>
+              <a:rPr lang="pt-BR" sz="1100" dirty="0"/>
+              <a:t>F1- Score</a:t>
+            </a:r>
+            <a:endParaRPr lang="en-US" sz="1100" dirty="0"/>
+          </a:p>
+        </p:txBody>
+      </p:sp>
+      <p:sp>
+        <p:nvSpPr>
+          <p:cNvPr id="49" name="TextBox 48">
+            <a:extLst>
+              <a:ext uri="{FF2B5EF4-FFF2-40B4-BE49-F238E27FC236}">
+                <a16:creationId xmlns:a16="http://schemas.microsoft.com/office/drawing/2014/main" id="{32C5171E-1D05-4B25-8815-C55721EB40D5}"/>
+              </a:ext>
+            </a:extLst>
+          </p:cNvPr>
+          <p:cNvSpPr txBox="1"/>
+          <p:nvPr/>
+        </p:nvSpPr>
+        <p:spPr>
+          <a:xfrm rot="16200000">
+            <a:off x="7186680" y="3290738"/>
+            <a:ext cx="872355" cy="261610"/>
+          </a:xfrm>
+          <a:prstGeom prst="rect">
+            <a:avLst/>
+          </a:prstGeom>
+          <a:noFill/>
+        </p:spPr>
+        <p:txBody>
+          <a:bodyPr wrap="none" rtlCol="0">
+            <a:spAutoFit/>
+          </a:bodyPr>
+          <a:lstStyle/>
+          <a:p>
+            <a:r>
+              <a:rPr lang="pt-BR" sz="1100" dirty="0"/>
+              <a:t>J de Youden</a:t>
+            </a:r>
+            <a:endParaRPr lang="en-US" sz="1100" dirty="0"/>
+          </a:p>
+        </p:txBody>
+      </p:sp>
+    </p:spTree>
+    <p:extLst>
+      <p:ext uri="{BB962C8B-B14F-4D97-AF65-F5344CB8AC3E}">
+        <p14:creationId xmlns:p14="http://schemas.microsoft.com/office/powerpoint/2010/main" val="3299965243"/>
+      </p:ext>
+    </p:extLst>
+  </p:cSld>
+  <p:clrMapOvr>
+    <a:masterClrMapping/>
+  </p:clrMapOvr>
+</p:sld>
+</file>
+
+<file path=ppt/slides/slide9.xml><?xml version="1.0" encoding="utf-8"?>
+<p:sld xmlns:a="http://schemas.openxmlformats.org/drawingml/2006/main" xmlns:r="http://schemas.openxmlformats.org/officeDocument/2006/relationships" xmlns:p="http://schemas.openxmlformats.org/presentationml/2006/main">
+  <p:cSld>
+    <p:spTree>
+      <p:nvGrpSpPr>
+        <p:cNvPr id="1" name=""/>
+        <p:cNvGrpSpPr/>
+        <p:nvPr/>
+      </p:nvGrpSpPr>
+      <p:grpSpPr>
+        <a:xfrm>
+          <a:off x="0" y="0"/>
+          <a:ext cx="0" cy="0"/>
+          <a:chOff x="0" y="0"/>
+          <a:chExt cx="0" cy="0"/>
+        </a:xfrm>
+      </p:grpSpPr>
+      <p:grpSp>
+        <p:nvGrpSpPr>
+          <p:cNvPr id="36" name="Group 35">
+            <a:extLst>
+              <a:ext uri="{FF2B5EF4-FFF2-40B4-BE49-F238E27FC236}">
+                <a16:creationId xmlns:a16="http://schemas.microsoft.com/office/drawing/2014/main" id="{FF966489-5288-4652-BCEC-CD57098BEC6C}"/>
+              </a:ext>
+            </a:extLst>
+          </p:cNvPr>
+          <p:cNvGrpSpPr/>
+          <p:nvPr/>
+        </p:nvGrpSpPr>
+        <p:grpSpPr>
+          <a:xfrm>
+            <a:off x="550545" y="2152645"/>
+            <a:ext cx="11355740" cy="2601402"/>
+            <a:chOff x="579120" y="2171695"/>
+            <a:chExt cx="11355740" cy="2601402"/>
+          </a:xfrm>
+        </p:grpSpPr>
+        <p:grpSp>
+          <p:nvGrpSpPr>
+            <p:cNvPr id="8" name="Group 7">
+              <a:extLst>
+                <a:ext uri="{FF2B5EF4-FFF2-40B4-BE49-F238E27FC236}">
+                  <a16:creationId xmlns:a16="http://schemas.microsoft.com/office/drawing/2014/main" id="{2848A431-9E23-4BA2-BACE-1EBA158D0801}"/>
+                </a:ext>
+              </a:extLst>
+            </p:cNvPr>
+            <p:cNvGrpSpPr/>
+            <p:nvPr/>
+          </p:nvGrpSpPr>
+          <p:grpSpPr>
+            <a:xfrm>
+              <a:off x="579120" y="2171699"/>
+              <a:ext cx="1375155" cy="307778"/>
+              <a:chOff x="579120" y="2171699"/>
+              <a:chExt cx="1375155" cy="307778"/>
+            </a:xfrm>
+          </p:grpSpPr>
+          <p:sp>
+            <p:nvSpPr>
+              <p:cNvPr id="6" name="TextBox 5">
+                <a:extLst>
+                  <a:ext uri="{FF2B5EF4-FFF2-40B4-BE49-F238E27FC236}">
+                    <a16:creationId xmlns:a16="http://schemas.microsoft.com/office/drawing/2014/main" id="{8E238604-ECA4-4142-B300-56F6FE2BEFC6}"/>
+                  </a:ext>
+                </a:extLst>
+              </p:cNvPr>
+              <p:cNvSpPr txBox="1"/>
+              <p:nvPr/>
+            </p:nvSpPr>
+            <p:spPr>
+              <a:xfrm>
+                <a:off x="579120" y="2171700"/>
+                <a:ext cx="498855" cy="307777"/>
+              </a:xfrm>
+              <a:prstGeom prst="rect">
+                <a:avLst/>
+              </a:prstGeom>
+              <a:noFill/>
+            </p:spPr>
+            <p:txBody>
+              <a:bodyPr wrap="none" rtlCol="0">
+                <a:spAutoFit/>
+              </a:bodyPr>
+              <a:lstStyle/>
+              <a:p>
+                <a:r>
+                  <a:rPr lang="pt-BR" sz="1400" b="1" dirty="0">
+                    <a:solidFill>
+                      <a:schemeClr val="bg1"/>
+                    </a:solidFill>
+                  </a:rPr>
+                  <a:t>50%</a:t>
+                </a:r>
+                <a:endParaRPr lang="en-US" sz="1400" b="1" dirty="0">
+                  <a:solidFill>
+                    <a:schemeClr val="bg1"/>
+                  </a:solidFill>
+                </a:endParaRPr>
+              </a:p>
+            </p:txBody>
+          </p:sp>
+          <p:sp>
+            <p:nvSpPr>
+              <p:cNvPr id="7" name="TextBox 6">
+                <a:extLst>
+                  <a:ext uri="{FF2B5EF4-FFF2-40B4-BE49-F238E27FC236}">
+                    <a16:creationId xmlns:a16="http://schemas.microsoft.com/office/drawing/2014/main" id="{139F681A-1A75-49E8-9E59-6F8F8D74F180}"/>
+                  </a:ext>
+                </a:extLst>
+              </p:cNvPr>
+              <p:cNvSpPr txBox="1"/>
+              <p:nvPr/>
+            </p:nvSpPr>
+            <p:spPr>
+              <a:xfrm>
+                <a:off x="1455420" y="2171699"/>
+                <a:ext cx="498855" cy="307777"/>
+              </a:xfrm>
+              <a:prstGeom prst="rect">
+                <a:avLst/>
+              </a:prstGeom>
+              <a:noFill/>
+            </p:spPr>
+            <p:txBody>
+              <a:bodyPr wrap="none" rtlCol="0">
+                <a:spAutoFit/>
+              </a:bodyPr>
+              <a:lstStyle/>
+              <a:p>
+                <a:r>
+                  <a:rPr lang="pt-BR" sz="1400" b="1" dirty="0">
+                    <a:solidFill>
+                      <a:schemeClr val="bg1"/>
+                    </a:solidFill>
+                  </a:rPr>
+                  <a:t>50%</a:t>
+                </a:r>
+                <a:endParaRPr lang="en-US" sz="1400" b="1" dirty="0">
+                  <a:solidFill>
+                    <a:schemeClr val="bg1"/>
+                  </a:solidFill>
+                </a:endParaRPr>
+              </a:p>
+            </p:txBody>
+          </p:sp>
+        </p:grpSp>
+        <p:grpSp>
+          <p:nvGrpSpPr>
+            <p:cNvPr id="9" name="Group 8">
+              <a:extLst>
+                <a:ext uri="{FF2B5EF4-FFF2-40B4-BE49-F238E27FC236}">
+                  <a16:creationId xmlns:a16="http://schemas.microsoft.com/office/drawing/2014/main" id="{EFE97929-220D-4588-9ED6-C66AEE5170E6}"/>
+                </a:ext>
+              </a:extLst>
+            </p:cNvPr>
+            <p:cNvGrpSpPr/>
+            <p:nvPr/>
+          </p:nvGrpSpPr>
+          <p:grpSpPr>
+            <a:xfrm>
+              <a:off x="3070860" y="2171698"/>
+              <a:ext cx="1375155" cy="307778"/>
+              <a:chOff x="579120" y="2171699"/>
+              <a:chExt cx="1375155" cy="307778"/>
+            </a:xfrm>
+          </p:grpSpPr>
+          <p:sp>
+            <p:nvSpPr>
+              <p:cNvPr id="10" name="TextBox 9">
+                <a:extLst>
+                  <a:ext uri="{FF2B5EF4-FFF2-40B4-BE49-F238E27FC236}">
+                    <a16:creationId xmlns:a16="http://schemas.microsoft.com/office/drawing/2014/main" id="{9B0E0DB4-210B-4FF5-B9B6-3CF321328F85}"/>
+                  </a:ext>
+                </a:extLst>
+              </p:cNvPr>
+              <p:cNvSpPr txBox="1"/>
+              <p:nvPr/>
+            </p:nvSpPr>
+            <p:spPr>
+              <a:xfrm>
+                <a:off x="579120" y="2171700"/>
+                <a:ext cx="498855" cy="307777"/>
+              </a:xfrm>
+              <a:prstGeom prst="rect">
+                <a:avLst/>
+              </a:prstGeom>
+              <a:noFill/>
+            </p:spPr>
+            <p:txBody>
+              <a:bodyPr wrap="none" rtlCol="0">
+                <a:spAutoFit/>
+              </a:bodyPr>
+              <a:lstStyle/>
+              <a:p>
+                <a:r>
+                  <a:rPr lang="pt-BR" sz="1400" b="1" dirty="0">
+                    <a:solidFill>
+                      <a:schemeClr val="bg1"/>
+                    </a:solidFill>
+                  </a:rPr>
+                  <a:t>49%</a:t>
+                </a:r>
+                <a:endParaRPr lang="en-US" sz="1400" b="1" dirty="0">
+                  <a:solidFill>
+                    <a:schemeClr val="bg1"/>
+                  </a:solidFill>
+                </a:endParaRPr>
+              </a:p>
+            </p:txBody>
+          </p:sp>
+          <p:sp>
+            <p:nvSpPr>
+              <p:cNvPr id="11" name="TextBox 10">
+                <a:extLst>
+                  <a:ext uri="{FF2B5EF4-FFF2-40B4-BE49-F238E27FC236}">
+                    <a16:creationId xmlns:a16="http://schemas.microsoft.com/office/drawing/2014/main" id="{85859C73-EFF2-40E0-940C-62C4246D582A}"/>
+                  </a:ext>
+                </a:extLst>
+              </p:cNvPr>
+              <p:cNvSpPr txBox="1"/>
+              <p:nvPr/>
+            </p:nvSpPr>
+            <p:spPr>
+              <a:xfrm>
+                <a:off x="1455420" y="2171699"/>
+                <a:ext cx="498855" cy="307777"/>
+              </a:xfrm>
+              <a:prstGeom prst="rect">
+                <a:avLst/>
+              </a:prstGeom>
+              <a:noFill/>
+            </p:spPr>
+            <p:txBody>
+              <a:bodyPr wrap="none" rtlCol="0">
+                <a:spAutoFit/>
+              </a:bodyPr>
+              <a:lstStyle/>
+              <a:p>
+                <a:r>
+                  <a:rPr lang="pt-BR" sz="1400" b="1" dirty="0">
+                    <a:solidFill>
+                      <a:schemeClr val="bg1"/>
+                    </a:solidFill>
+                  </a:rPr>
+                  <a:t>51%</a:t>
+                </a:r>
+                <a:endParaRPr lang="en-US" sz="1400" b="1" dirty="0">
+                  <a:solidFill>
+                    <a:schemeClr val="bg1"/>
+                  </a:solidFill>
+                </a:endParaRPr>
+              </a:p>
+            </p:txBody>
+          </p:sp>
+        </p:grpSp>
+        <p:grpSp>
+          <p:nvGrpSpPr>
+            <p:cNvPr id="12" name="Group 11">
+              <a:extLst>
+                <a:ext uri="{FF2B5EF4-FFF2-40B4-BE49-F238E27FC236}">
+                  <a16:creationId xmlns:a16="http://schemas.microsoft.com/office/drawing/2014/main" id="{8B36A9D6-C0B2-46BC-A6F7-E139B965A8F9}"/>
+                </a:ext>
+              </a:extLst>
+            </p:cNvPr>
+            <p:cNvGrpSpPr/>
+            <p:nvPr/>
+          </p:nvGrpSpPr>
+          <p:grpSpPr>
+            <a:xfrm>
+              <a:off x="5570220" y="2171697"/>
+              <a:ext cx="1375155" cy="307778"/>
+              <a:chOff x="579120" y="2171699"/>
+              <a:chExt cx="1375155" cy="307778"/>
+            </a:xfrm>
+          </p:grpSpPr>
+          <p:sp>
+            <p:nvSpPr>
+              <p:cNvPr id="13" name="TextBox 12">
+                <a:extLst>
+                  <a:ext uri="{FF2B5EF4-FFF2-40B4-BE49-F238E27FC236}">
+                    <a16:creationId xmlns:a16="http://schemas.microsoft.com/office/drawing/2014/main" id="{291A92FC-FAAE-4DF2-AE90-C7B33A596839}"/>
+                  </a:ext>
+                </a:extLst>
+              </p:cNvPr>
+              <p:cNvSpPr txBox="1"/>
+              <p:nvPr/>
+            </p:nvSpPr>
+            <p:spPr>
+              <a:xfrm>
+                <a:off x="579120" y="2171700"/>
+                <a:ext cx="498855" cy="307777"/>
+              </a:xfrm>
+              <a:prstGeom prst="rect">
+                <a:avLst/>
+              </a:prstGeom>
+              <a:noFill/>
+            </p:spPr>
+            <p:txBody>
+              <a:bodyPr wrap="none" rtlCol="0">
+                <a:spAutoFit/>
+              </a:bodyPr>
+              <a:lstStyle/>
+              <a:p>
+                <a:r>
+                  <a:rPr lang="pt-BR" sz="1400" b="1" dirty="0">
+                    <a:solidFill>
+                      <a:schemeClr val="bg1"/>
+                    </a:solidFill>
+                  </a:rPr>
+                  <a:t>49%</a:t>
+                </a:r>
+                <a:endParaRPr lang="en-US" sz="1400" b="1" dirty="0">
+                  <a:solidFill>
+                    <a:schemeClr val="bg1"/>
+                  </a:solidFill>
+                </a:endParaRPr>
+              </a:p>
+            </p:txBody>
+          </p:sp>
+          <p:sp>
+            <p:nvSpPr>
+              <p:cNvPr id="14" name="TextBox 13">
+                <a:extLst>
+                  <a:ext uri="{FF2B5EF4-FFF2-40B4-BE49-F238E27FC236}">
+                    <a16:creationId xmlns:a16="http://schemas.microsoft.com/office/drawing/2014/main" id="{6F8949E6-CC37-40B8-8B52-27B1FDB2C5C1}"/>
+                  </a:ext>
+                </a:extLst>
+              </p:cNvPr>
+              <p:cNvSpPr txBox="1"/>
+              <p:nvPr/>
+            </p:nvSpPr>
+            <p:spPr>
+              <a:xfrm>
+                <a:off x="1455420" y="2171699"/>
+                <a:ext cx="498855" cy="307777"/>
+              </a:xfrm>
+              <a:prstGeom prst="rect">
+                <a:avLst/>
+              </a:prstGeom>
+              <a:noFill/>
+            </p:spPr>
+            <p:txBody>
+              <a:bodyPr wrap="none" rtlCol="0">
+                <a:spAutoFit/>
+              </a:bodyPr>
+              <a:lstStyle/>
+              <a:p>
+                <a:r>
+                  <a:rPr lang="pt-BR" sz="1400" b="1" dirty="0">
+                    <a:solidFill>
+                      <a:schemeClr val="bg1"/>
+                    </a:solidFill>
+                  </a:rPr>
+                  <a:t>51%</a:t>
+                </a:r>
+                <a:endParaRPr lang="en-US" sz="1400" b="1" dirty="0">
+                  <a:solidFill>
+                    <a:schemeClr val="bg1"/>
+                  </a:solidFill>
+                </a:endParaRPr>
+              </a:p>
+            </p:txBody>
+          </p:sp>
+        </p:grpSp>
+        <p:grpSp>
+          <p:nvGrpSpPr>
+            <p:cNvPr id="15" name="Group 14">
+              <a:extLst>
+                <a:ext uri="{FF2B5EF4-FFF2-40B4-BE49-F238E27FC236}">
+                  <a16:creationId xmlns:a16="http://schemas.microsoft.com/office/drawing/2014/main" id="{A12DD572-CEEE-4BC1-BF8D-CCBFE214A29A}"/>
+                </a:ext>
+              </a:extLst>
+            </p:cNvPr>
+            <p:cNvGrpSpPr/>
+            <p:nvPr/>
+          </p:nvGrpSpPr>
+          <p:grpSpPr>
+            <a:xfrm>
+              <a:off x="8054340" y="2171696"/>
+              <a:ext cx="1375155" cy="307778"/>
+              <a:chOff x="579120" y="2171699"/>
+              <a:chExt cx="1375155" cy="307778"/>
+            </a:xfrm>
+          </p:grpSpPr>
+          <p:sp>
+            <p:nvSpPr>
+              <p:cNvPr id="16" name="TextBox 15">
+                <a:extLst>
+                  <a:ext uri="{FF2B5EF4-FFF2-40B4-BE49-F238E27FC236}">
+                    <a16:creationId xmlns:a16="http://schemas.microsoft.com/office/drawing/2014/main" id="{4BCDC8BB-AE43-4D7B-9A2A-AD517CDE0BE3}"/>
+                  </a:ext>
+                </a:extLst>
+              </p:cNvPr>
+              <p:cNvSpPr txBox="1"/>
+              <p:nvPr/>
+            </p:nvSpPr>
+            <p:spPr>
+              <a:xfrm>
+                <a:off x="579120" y="2171700"/>
+                <a:ext cx="498855" cy="307777"/>
+              </a:xfrm>
+              <a:prstGeom prst="rect">
+                <a:avLst/>
+              </a:prstGeom>
+              <a:noFill/>
+            </p:spPr>
+            <p:txBody>
+              <a:bodyPr wrap="none" rtlCol="0">
+                <a:spAutoFit/>
+              </a:bodyPr>
+              <a:lstStyle/>
+              <a:p>
+                <a:r>
+                  <a:rPr lang="pt-BR" sz="1400" b="1" dirty="0">
+                    <a:solidFill>
+                      <a:schemeClr val="bg1"/>
+                    </a:solidFill>
+                  </a:rPr>
+                  <a:t>50%</a:t>
+                </a:r>
+                <a:endParaRPr lang="en-US" sz="1400" b="1" dirty="0">
+                  <a:solidFill>
+                    <a:schemeClr val="bg1"/>
+                  </a:solidFill>
+                </a:endParaRPr>
+              </a:p>
+            </p:txBody>
+          </p:sp>
+          <p:sp>
+            <p:nvSpPr>
+              <p:cNvPr id="17" name="TextBox 16">
+                <a:extLst>
+                  <a:ext uri="{FF2B5EF4-FFF2-40B4-BE49-F238E27FC236}">
+                    <a16:creationId xmlns:a16="http://schemas.microsoft.com/office/drawing/2014/main" id="{39D018F1-FF6C-480B-8EFA-89D6E09A08E5}"/>
+                  </a:ext>
+                </a:extLst>
+              </p:cNvPr>
+              <p:cNvSpPr txBox="1"/>
+              <p:nvPr/>
+            </p:nvSpPr>
+            <p:spPr>
+              <a:xfrm>
+                <a:off x="1455420" y="2171699"/>
+                <a:ext cx="498855" cy="307777"/>
+              </a:xfrm>
+              <a:prstGeom prst="rect">
+                <a:avLst/>
+              </a:prstGeom>
+              <a:noFill/>
+            </p:spPr>
+            <p:txBody>
+              <a:bodyPr wrap="none" rtlCol="0">
+                <a:spAutoFit/>
+              </a:bodyPr>
+              <a:lstStyle/>
+              <a:p>
+                <a:r>
+                  <a:rPr lang="pt-BR" sz="1400" b="1" dirty="0">
+                    <a:solidFill>
+                      <a:schemeClr val="bg1"/>
+                    </a:solidFill>
+                  </a:rPr>
+                  <a:t>50%</a:t>
+                </a:r>
+                <a:endParaRPr lang="en-US" sz="1400" b="1" dirty="0">
+                  <a:solidFill>
+                    <a:schemeClr val="bg1"/>
+                  </a:solidFill>
+                </a:endParaRPr>
+              </a:p>
+            </p:txBody>
+          </p:sp>
+        </p:grpSp>
+        <p:grpSp>
+          <p:nvGrpSpPr>
+            <p:cNvPr id="18" name="Group 17">
+              <a:extLst>
+                <a:ext uri="{FF2B5EF4-FFF2-40B4-BE49-F238E27FC236}">
+                  <a16:creationId xmlns:a16="http://schemas.microsoft.com/office/drawing/2014/main" id="{5299A749-D298-4C8D-AC2E-3B0CACEFD554}"/>
+                </a:ext>
+              </a:extLst>
+            </p:cNvPr>
+            <p:cNvGrpSpPr/>
+            <p:nvPr/>
+          </p:nvGrpSpPr>
+          <p:grpSpPr>
+            <a:xfrm>
+              <a:off x="10546080" y="2171695"/>
+              <a:ext cx="1375155" cy="307778"/>
+              <a:chOff x="579120" y="2171699"/>
+              <a:chExt cx="1375155" cy="307778"/>
+            </a:xfrm>
+          </p:grpSpPr>
+          <p:sp>
+            <p:nvSpPr>
+              <p:cNvPr id="19" name="TextBox 18">
+                <a:extLst>
+                  <a:ext uri="{FF2B5EF4-FFF2-40B4-BE49-F238E27FC236}">
+                    <a16:creationId xmlns:a16="http://schemas.microsoft.com/office/drawing/2014/main" id="{5617C981-BB99-4DAA-8603-0DC4A47D7DE5}"/>
+                  </a:ext>
+                </a:extLst>
+              </p:cNvPr>
+              <p:cNvSpPr txBox="1"/>
+              <p:nvPr/>
+            </p:nvSpPr>
+            <p:spPr>
+              <a:xfrm>
+                <a:off x="579120" y="2171700"/>
+                <a:ext cx="498855" cy="307777"/>
+              </a:xfrm>
+              <a:prstGeom prst="rect">
+                <a:avLst/>
+              </a:prstGeom>
+              <a:noFill/>
+            </p:spPr>
+            <p:txBody>
+              <a:bodyPr wrap="none" rtlCol="0">
+                <a:spAutoFit/>
+              </a:bodyPr>
+              <a:lstStyle/>
+              <a:p>
+                <a:r>
+                  <a:rPr lang="pt-BR" sz="1400" b="1" dirty="0">
+                    <a:solidFill>
+                      <a:schemeClr val="bg1"/>
+                    </a:solidFill>
+                  </a:rPr>
+                  <a:t>49%</a:t>
+                </a:r>
+                <a:endParaRPr lang="en-US" sz="1400" b="1" dirty="0">
+                  <a:solidFill>
+                    <a:schemeClr val="bg1"/>
+                  </a:solidFill>
+                </a:endParaRPr>
+              </a:p>
+            </p:txBody>
+          </p:sp>
+          <p:sp>
+            <p:nvSpPr>
+              <p:cNvPr id="20" name="TextBox 19">
+                <a:extLst>
+                  <a:ext uri="{FF2B5EF4-FFF2-40B4-BE49-F238E27FC236}">
+                    <a16:creationId xmlns:a16="http://schemas.microsoft.com/office/drawing/2014/main" id="{6B7C8F71-5909-47F4-AB11-888E07F86727}"/>
+                  </a:ext>
+                </a:extLst>
+              </p:cNvPr>
+              <p:cNvSpPr txBox="1"/>
+              <p:nvPr/>
+            </p:nvSpPr>
+            <p:spPr>
+              <a:xfrm>
+                <a:off x="1455420" y="2171699"/>
+                <a:ext cx="498855" cy="307777"/>
+              </a:xfrm>
+              <a:prstGeom prst="rect">
+                <a:avLst/>
+              </a:prstGeom>
+              <a:noFill/>
+            </p:spPr>
+            <p:txBody>
+              <a:bodyPr wrap="none" rtlCol="0">
+                <a:spAutoFit/>
+              </a:bodyPr>
+              <a:lstStyle/>
+              <a:p>
+                <a:r>
+                  <a:rPr lang="pt-BR" sz="1400" b="1" dirty="0">
+                    <a:solidFill>
+                      <a:schemeClr val="bg1"/>
+                    </a:solidFill>
+                  </a:rPr>
+                  <a:t>51%</a:t>
+                </a:r>
+                <a:endParaRPr lang="en-US" sz="1400" b="1" dirty="0">
+                  <a:solidFill>
+                    <a:schemeClr val="bg1"/>
+                  </a:solidFill>
+                </a:endParaRPr>
+              </a:p>
+            </p:txBody>
+          </p:sp>
+        </p:grpSp>
+        <p:grpSp>
+          <p:nvGrpSpPr>
+            <p:cNvPr id="21" name="Group 20">
+              <a:extLst>
+                <a:ext uri="{FF2B5EF4-FFF2-40B4-BE49-F238E27FC236}">
+                  <a16:creationId xmlns:a16="http://schemas.microsoft.com/office/drawing/2014/main" id="{938BD4D0-B037-4B46-987B-B70689B93021}"/>
+                </a:ext>
+              </a:extLst>
+            </p:cNvPr>
+            <p:cNvGrpSpPr/>
+            <p:nvPr/>
+          </p:nvGrpSpPr>
+          <p:grpSpPr>
+            <a:xfrm>
+              <a:off x="592745" y="4465319"/>
+              <a:ext cx="1375155" cy="307778"/>
+              <a:chOff x="579120" y="2171699"/>
+              <a:chExt cx="1375155" cy="307778"/>
+            </a:xfrm>
+          </p:grpSpPr>
+          <p:sp>
+            <p:nvSpPr>
+              <p:cNvPr id="22" name="TextBox 21">
+                <a:extLst>
+                  <a:ext uri="{FF2B5EF4-FFF2-40B4-BE49-F238E27FC236}">
+                    <a16:creationId xmlns:a16="http://schemas.microsoft.com/office/drawing/2014/main" id="{DBCBF5E2-FE3B-4528-B5C0-61C3D27DD470}"/>
+                  </a:ext>
+                </a:extLst>
+              </p:cNvPr>
+              <p:cNvSpPr txBox="1"/>
+              <p:nvPr/>
+            </p:nvSpPr>
+            <p:spPr>
+              <a:xfrm>
+                <a:off x="579120" y="2171700"/>
+                <a:ext cx="498855" cy="307777"/>
+              </a:xfrm>
+              <a:prstGeom prst="rect">
+                <a:avLst/>
+              </a:prstGeom>
+              <a:noFill/>
+            </p:spPr>
+            <p:txBody>
+              <a:bodyPr wrap="none" rtlCol="0">
+                <a:spAutoFit/>
+              </a:bodyPr>
+              <a:lstStyle/>
+              <a:p>
+                <a:r>
+                  <a:rPr lang="pt-BR" sz="1400" b="1" dirty="0">
+                    <a:solidFill>
+                      <a:schemeClr val="bg1"/>
+                    </a:solidFill>
+                  </a:rPr>
+                  <a:t>45%</a:t>
+                </a:r>
+                <a:endParaRPr lang="en-US" sz="1400" b="1" dirty="0">
+                  <a:solidFill>
+                    <a:schemeClr val="bg1"/>
+                  </a:solidFill>
+                </a:endParaRPr>
+              </a:p>
+            </p:txBody>
+          </p:sp>
+          <p:sp>
+            <p:nvSpPr>
+              <p:cNvPr id="23" name="TextBox 22">
+                <a:extLst>
+                  <a:ext uri="{FF2B5EF4-FFF2-40B4-BE49-F238E27FC236}">
+                    <a16:creationId xmlns:a16="http://schemas.microsoft.com/office/drawing/2014/main" id="{261B23EF-2FD5-4291-AAFB-87C63D36B2AD}"/>
+                  </a:ext>
+                </a:extLst>
+              </p:cNvPr>
+              <p:cNvSpPr txBox="1"/>
+              <p:nvPr/>
+            </p:nvSpPr>
+            <p:spPr>
+              <a:xfrm>
+                <a:off x="1455420" y="2171699"/>
+                <a:ext cx="498855" cy="307777"/>
+              </a:xfrm>
+              <a:prstGeom prst="rect">
+                <a:avLst/>
+              </a:prstGeom>
+              <a:noFill/>
+            </p:spPr>
+            <p:txBody>
+              <a:bodyPr wrap="none" rtlCol="0">
+                <a:spAutoFit/>
+              </a:bodyPr>
+              <a:lstStyle/>
+              <a:p>
+                <a:r>
+                  <a:rPr lang="pt-BR" sz="1400" b="1" dirty="0">
+                    <a:solidFill>
+                      <a:schemeClr val="bg1"/>
+                    </a:solidFill>
+                  </a:rPr>
+                  <a:t>55%</a:t>
+                </a:r>
+                <a:endParaRPr lang="en-US" sz="1400" b="1" dirty="0">
+                  <a:solidFill>
+                    <a:schemeClr val="bg1"/>
+                  </a:solidFill>
+                </a:endParaRPr>
+              </a:p>
+            </p:txBody>
+          </p:sp>
+        </p:grpSp>
+        <p:grpSp>
+          <p:nvGrpSpPr>
+            <p:cNvPr id="24" name="Group 23">
+              <a:extLst>
+                <a:ext uri="{FF2B5EF4-FFF2-40B4-BE49-F238E27FC236}">
+                  <a16:creationId xmlns:a16="http://schemas.microsoft.com/office/drawing/2014/main" id="{18590F91-6242-4B78-8995-CFDA556DCC1B}"/>
+                </a:ext>
+              </a:extLst>
+            </p:cNvPr>
+            <p:cNvGrpSpPr/>
+            <p:nvPr/>
+          </p:nvGrpSpPr>
+          <p:grpSpPr>
+            <a:xfrm>
+              <a:off x="3084485" y="4465318"/>
+              <a:ext cx="1375155" cy="307778"/>
+              <a:chOff x="579120" y="2171699"/>
+              <a:chExt cx="1375155" cy="307778"/>
+            </a:xfrm>
+          </p:grpSpPr>
+          <p:sp>
+            <p:nvSpPr>
+              <p:cNvPr id="25" name="TextBox 24">
+                <a:extLst>
+                  <a:ext uri="{FF2B5EF4-FFF2-40B4-BE49-F238E27FC236}">
+                    <a16:creationId xmlns:a16="http://schemas.microsoft.com/office/drawing/2014/main" id="{5589C3A3-1061-44B1-B97B-3A599BDF7348}"/>
+                  </a:ext>
+                </a:extLst>
+              </p:cNvPr>
+              <p:cNvSpPr txBox="1"/>
+              <p:nvPr/>
+            </p:nvSpPr>
+            <p:spPr>
+              <a:xfrm>
+                <a:off x="579120" y="2171700"/>
+                <a:ext cx="498855" cy="307777"/>
+              </a:xfrm>
+              <a:prstGeom prst="rect">
+                <a:avLst/>
+              </a:prstGeom>
+              <a:noFill/>
+            </p:spPr>
+            <p:txBody>
+              <a:bodyPr wrap="none" rtlCol="0">
+                <a:spAutoFit/>
+              </a:bodyPr>
+              <a:lstStyle/>
+              <a:p>
+                <a:r>
+                  <a:rPr lang="pt-BR" sz="1400" b="1" dirty="0">
+                    <a:solidFill>
+                      <a:schemeClr val="bg1"/>
+                    </a:solidFill>
+                  </a:rPr>
+                  <a:t>47%</a:t>
+                </a:r>
+                <a:endParaRPr lang="en-US" sz="1400" b="1" dirty="0">
+                  <a:solidFill>
+                    <a:schemeClr val="bg1"/>
+                  </a:solidFill>
+                </a:endParaRPr>
+              </a:p>
+            </p:txBody>
+          </p:sp>
+          <p:sp>
+            <p:nvSpPr>
+              <p:cNvPr id="26" name="TextBox 25">
+                <a:extLst>
+                  <a:ext uri="{FF2B5EF4-FFF2-40B4-BE49-F238E27FC236}">
+                    <a16:creationId xmlns:a16="http://schemas.microsoft.com/office/drawing/2014/main" id="{A2ECAADB-3124-447C-804B-03537A388BA2}"/>
+                  </a:ext>
+                </a:extLst>
+              </p:cNvPr>
+              <p:cNvSpPr txBox="1"/>
+              <p:nvPr/>
+            </p:nvSpPr>
+            <p:spPr>
+              <a:xfrm>
+                <a:off x="1455420" y="2171699"/>
+                <a:ext cx="498855" cy="307777"/>
+              </a:xfrm>
+              <a:prstGeom prst="rect">
+                <a:avLst/>
+              </a:prstGeom>
+              <a:noFill/>
+            </p:spPr>
+            <p:txBody>
+              <a:bodyPr wrap="none" rtlCol="0">
+                <a:spAutoFit/>
+              </a:bodyPr>
+              <a:lstStyle/>
+              <a:p>
+                <a:r>
+                  <a:rPr lang="pt-BR" sz="1400" b="1" dirty="0">
+                    <a:solidFill>
+                      <a:schemeClr val="bg1"/>
+                    </a:solidFill>
+                  </a:rPr>
+                  <a:t>53%</a:t>
+                </a:r>
+                <a:endParaRPr lang="en-US" sz="1400" b="1" dirty="0">
+                  <a:solidFill>
+                    <a:schemeClr val="bg1"/>
+                  </a:solidFill>
+                </a:endParaRPr>
+              </a:p>
+            </p:txBody>
+          </p:sp>
+        </p:grpSp>
+        <p:grpSp>
+          <p:nvGrpSpPr>
+            <p:cNvPr id="27" name="Group 26">
+              <a:extLst>
+                <a:ext uri="{FF2B5EF4-FFF2-40B4-BE49-F238E27FC236}">
+                  <a16:creationId xmlns:a16="http://schemas.microsoft.com/office/drawing/2014/main" id="{D1E6CC4A-3E1D-44F0-9F38-B75A699CEAA5}"/>
+                </a:ext>
+              </a:extLst>
+            </p:cNvPr>
+            <p:cNvGrpSpPr/>
+            <p:nvPr/>
+          </p:nvGrpSpPr>
+          <p:grpSpPr>
+            <a:xfrm>
+              <a:off x="5583845" y="4465317"/>
+              <a:ext cx="1375155" cy="307778"/>
+              <a:chOff x="579120" y="2171699"/>
+              <a:chExt cx="1375155" cy="307778"/>
+            </a:xfrm>
+          </p:grpSpPr>
+          <p:sp>
+            <p:nvSpPr>
+              <p:cNvPr id="28" name="TextBox 27">
+                <a:extLst>
+                  <a:ext uri="{FF2B5EF4-FFF2-40B4-BE49-F238E27FC236}">
+                    <a16:creationId xmlns:a16="http://schemas.microsoft.com/office/drawing/2014/main" id="{6E5A4AFA-F3C7-4A66-A84C-7924B609A6F4}"/>
+                  </a:ext>
+                </a:extLst>
+              </p:cNvPr>
+              <p:cNvSpPr txBox="1"/>
+              <p:nvPr/>
+            </p:nvSpPr>
+            <p:spPr>
+              <a:xfrm>
+                <a:off x="579120" y="2171700"/>
+                <a:ext cx="498855" cy="307777"/>
+              </a:xfrm>
+              <a:prstGeom prst="rect">
+                <a:avLst/>
+              </a:prstGeom>
+              <a:noFill/>
+            </p:spPr>
+            <p:txBody>
+              <a:bodyPr wrap="none" rtlCol="0">
+                <a:spAutoFit/>
+              </a:bodyPr>
+              <a:lstStyle/>
+              <a:p>
+                <a:r>
+                  <a:rPr lang="pt-BR" sz="1400" b="1" dirty="0">
+                    <a:solidFill>
+                      <a:schemeClr val="bg1"/>
+                    </a:solidFill>
+                  </a:rPr>
+                  <a:t>51%</a:t>
+                </a:r>
+                <a:endParaRPr lang="en-US" sz="1400" b="1" dirty="0">
+                  <a:solidFill>
+                    <a:schemeClr val="bg1"/>
+                  </a:solidFill>
+                </a:endParaRPr>
+              </a:p>
+            </p:txBody>
+          </p:sp>
+          <p:sp>
+            <p:nvSpPr>
+              <p:cNvPr id="29" name="TextBox 28">
+                <a:extLst>
+                  <a:ext uri="{FF2B5EF4-FFF2-40B4-BE49-F238E27FC236}">
+                    <a16:creationId xmlns:a16="http://schemas.microsoft.com/office/drawing/2014/main" id="{DEC6FFF2-7740-4077-8B0F-541947D639F8}"/>
+                  </a:ext>
+                </a:extLst>
+              </p:cNvPr>
+              <p:cNvSpPr txBox="1"/>
+              <p:nvPr/>
+            </p:nvSpPr>
+            <p:spPr>
+              <a:xfrm>
+                <a:off x="1455420" y="2171699"/>
+                <a:ext cx="498855" cy="307777"/>
+              </a:xfrm>
+              <a:prstGeom prst="rect">
+                <a:avLst/>
+              </a:prstGeom>
+              <a:noFill/>
+            </p:spPr>
+            <p:txBody>
+              <a:bodyPr wrap="none" rtlCol="0">
+                <a:spAutoFit/>
+              </a:bodyPr>
+              <a:lstStyle/>
+              <a:p>
+                <a:r>
+                  <a:rPr lang="pt-BR" sz="1400" b="1" dirty="0">
+                    <a:solidFill>
+                      <a:schemeClr val="bg1"/>
+                    </a:solidFill>
+                  </a:rPr>
+                  <a:t>48%</a:t>
+                </a:r>
+                <a:endParaRPr lang="en-US" sz="1400" b="1" dirty="0">
+                  <a:solidFill>
+                    <a:schemeClr val="bg1"/>
+                  </a:solidFill>
+                </a:endParaRPr>
+              </a:p>
+            </p:txBody>
+          </p:sp>
+        </p:grpSp>
+        <p:grpSp>
+          <p:nvGrpSpPr>
+            <p:cNvPr id="30" name="Group 29">
+              <a:extLst>
+                <a:ext uri="{FF2B5EF4-FFF2-40B4-BE49-F238E27FC236}">
+                  <a16:creationId xmlns:a16="http://schemas.microsoft.com/office/drawing/2014/main" id="{C16F722E-EBC8-4FE1-AF06-E56FFCC7D1FA}"/>
+                </a:ext>
+              </a:extLst>
+            </p:cNvPr>
+            <p:cNvGrpSpPr/>
+            <p:nvPr/>
+          </p:nvGrpSpPr>
+          <p:grpSpPr>
+            <a:xfrm>
+              <a:off x="8067965" y="4465316"/>
+              <a:ext cx="1375155" cy="307778"/>
+              <a:chOff x="579120" y="2171699"/>
+              <a:chExt cx="1375155" cy="307778"/>
+            </a:xfrm>
+          </p:grpSpPr>
+          <p:sp>
+            <p:nvSpPr>
+              <p:cNvPr id="31" name="TextBox 30">
+                <a:extLst>
+                  <a:ext uri="{FF2B5EF4-FFF2-40B4-BE49-F238E27FC236}">
+                    <a16:creationId xmlns:a16="http://schemas.microsoft.com/office/drawing/2014/main" id="{B551AA17-151C-40D6-8C89-128BAAF347BA}"/>
+                  </a:ext>
+                </a:extLst>
+              </p:cNvPr>
+              <p:cNvSpPr txBox="1"/>
+              <p:nvPr/>
+            </p:nvSpPr>
+            <p:spPr>
+              <a:xfrm>
+                <a:off x="579120" y="2171700"/>
+                <a:ext cx="498855" cy="307777"/>
+              </a:xfrm>
+              <a:prstGeom prst="rect">
+                <a:avLst/>
+              </a:prstGeom>
+              <a:noFill/>
+            </p:spPr>
+            <p:txBody>
+              <a:bodyPr wrap="none" rtlCol="0">
+                <a:spAutoFit/>
+              </a:bodyPr>
+              <a:lstStyle/>
+              <a:p>
+                <a:r>
+                  <a:rPr lang="pt-BR" sz="1400" b="1" dirty="0">
+                    <a:solidFill>
+                      <a:schemeClr val="bg1"/>
+                    </a:solidFill>
+                  </a:rPr>
+                  <a:t>50%</a:t>
+                </a:r>
+                <a:endParaRPr lang="en-US" sz="1400" b="1" dirty="0">
+                  <a:solidFill>
+                    <a:schemeClr val="bg1"/>
+                  </a:solidFill>
+                </a:endParaRPr>
+              </a:p>
+            </p:txBody>
+          </p:sp>
+          <p:sp>
+            <p:nvSpPr>
+              <p:cNvPr id="32" name="TextBox 31">
+                <a:extLst>
+                  <a:ext uri="{FF2B5EF4-FFF2-40B4-BE49-F238E27FC236}">
+                    <a16:creationId xmlns:a16="http://schemas.microsoft.com/office/drawing/2014/main" id="{EFFBF39E-14F6-4F13-B51C-5E6B8DCB1BB7}"/>
+                  </a:ext>
+                </a:extLst>
+              </p:cNvPr>
+              <p:cNvSpPr txBox="1"/>
+              <p:nvPr/>
+            </p:nvSpPr>
+            <p:spPr>
+              <a:xfrm>
+                <a:off x="1455420" y="2171699"/>
+                <a:ext cx="498855" cy="307777"/>
+              </a:xfrm>
+              <a:prstGeom prst="rect">
+                <a:avLst/>
+              </a:prstGeom>
+              <a:noFill/>
+            </p:spPr>
+            <p:txBody>
+              <a:bodyPr wrap="none" rtlCol="0">
+                <a:spAutoFit/>
+              </a:bodyPr>
+              <a:lstStyle/>
+              <a:p>
+                <a:r>
+                  <a:rPr lang="pt-BR" sz="1400" b="1" dirty="0">
+                    <a:solidFill>
+                      <a:schemeClr val="bg1"/>
+                    </a:solidFill>
+                  </a:rPr>
+                  <a:t>50%</a:t>
+                </a:r>
+                <a:endParaRPr lang="en-US" sz="1400" b="1" dirty="0">
+                  <a:solidFill>
+                    <a:schemeClr val="bg1"/>
+                  </a:solidFill>
+                </a:endParaRPr>
+              </a:p>
+            </p:txBody>
+          </p:sp>
+        </p:grpSp>
+        <p:grpSp>
+          <p:nvGrpSpPr>
+            <p:cNvPr id="33" name="Group 32">
+              <a:extLst>
+                <a:ext uri="{FF2B5EF4-FFF2-40B4-BE49-F238E27FC236}">
+                  <a16:creationId xmlns:a16="http://schemas.microsoft.com/office/drawing/2014/main" id="{04220A23-A38D-4235-BE5B-E58CFB94CB9B}"/>
+                </a:ext>
+              </a:extLst>
+            </p:cNvPr>
+            <p:cNvGrpSpPr/>
+            <p:nvPr/>
+          </p:nvGrpSpPr>
+          <p:grpSpPr>
+            <a:xfrm>
+              <a:off x="10559705" y="4465315"/>
+              <a:ext cx="1375155" cy="307778"/>
+              <a:chOff x="579120" y="2171699"/>
+              <a:chExt cx="1375155" cy="307778"/>
+            </a:xfrm>
+          </p:grpSpPr>
+          <p:sp>
+            <p:nvSpPr>
+              <p:cNvPr id="34" name="TextBox 33">
+                <a:extLst>
+                  <a:ext uri="{FF2B5EF4-FFF2-40B4-BE49-F238E27FC236}">
+                    <a16:creationId xmlns:a16="http://schemas.microsoft.com/office/drawing/2014/main" id="{71178028-EC99-4DE5-93E1-79DD0A882206}"/>
+                  </a:ext>
+                </a:extLst>
+              </p:cNvPr>
+              <p:cNvSpPr txBox="1"/>
+              <p:nvPr/>
+            </p:nvSpPr>
+            <p:spPr>
+              <a:xfrm>
+                <a:off x="579120" y="2171700"/>
+                <a:ext cx="498855" cy="307777"/>
+              </a:xfrm>
+              <a:prstGeom prst="rect">
+                <a:avLst/>
+              </a:prstGeom>
+              <a:noFill/>
+            </p:spPr>
+            <p:txBody>
+              <a:bodyPr wrap="none" rtlCol="0">
+                <a:spAutoFit/>
+              </a:bodyPr>
+              <a:lstStyle/>
+              <a:p>
+                <a:r>
+                  <a:rPr lang="pt-BR" sz="1400" b="1" dirty="0">
+                    <a:solidFill>
+                      <a:schemeClr val="bg1"/>
+                    </a:solidFill>
+                  </a:rPr>
+                  <a:t>50%</a:t>
+                </a:r>
+                <a:endParaRPr lang="en-US" sz="1400" b="1" dirty="0">
+                  <a:solidFill>
+                    <a:schemeClr val="bg1"/>
+                  </a:solidFill>
+                </a:endParaRPr>
+              </a:p>
+            </p:txBody>
+          </p:sp>
+          <p:sp>
+            <p:nvSpPr>
+              <p:cNvPr id="35" name="TextBox 34">
+                <a:extLst>
+                  <a:ext uri="{FF2B5EF4-FFF2-40B4-BE49-F238E27FC236}">
+                    <a16:creationId xmlns:a16="http://schemas.microsoft.com/office/drawing/2014/main" id="{7B4C97F6-EC9F-4E9D-BE51-C6A94EB7A600}"/>
+                  </a:ext>
+                </a:extLst>
+              </p:cNvPr>
+              <p:cNvSpPr txBox="1"/>
+              <p:nvPr/>
+            </p:nvSpPr>
+            <p:spPr>
+              <a:xfrm>
+                <a:off x="1455420" y="2171699"/>
+                <a:ext cx="498855" cy="307777"/>
+              </a:xfrm>
+              <a:prstGeom prst="rect">
+                <a:avLst/>
+              </a:prstGeom>
+              <a:noFill/>
+            </p:spPr>
+            <p:txBody>
+              <a:bodyPr wrap="none" rtlCol="0">
+                <a:spAutoFit/>
+              </a:bodyPr>
+              <a:lstStyle/>
+              <a:p>
+                <a:r>
+                  <a:rPr lang="pt-BR" sz="1400" b="1" dirty="0">
+                    <a:solidFill>
+                      <a:schemeClr val="bg1"/>
+                    </a:solidFill>
+                  </a:rPr>
+                  <a:t>50%</a:t>
+                </a:r>
+                <a:endParaRPr lang="en-US" sz="1400" b="1" dirty="0">
+                  <a:solidFill>
+                    <a:schemeClr val="bg1"/>
+                  </a:solidFill>
+                </a:endParaRPr>
+              </a:p>
+            </p:txBody>
+          </p:sp>
+        </p:grpSp>
+      </p:grpSp>
+    </p:spTree>
+    <p:extLst>
+      <p:ext uri="{BB962C8B-B14F-4D97-AF65-F5344CB8AC3E}">
+        <p14:creationId xmlns:p14="http://schemas.microsoft.com/office/powerpoint/2010/main" val="1429633486"/>
+      </p:ext>
+    </p:extLst>
+  </p:cSld>
+  <p:clrMapOvr>
+    <a:masterClrMapping/>
+  </p:clrMapOvr>
+</p:sld>
+</file>
+
 <file path=ppt/theme/theme1.xml><?xml version="1.0" encoding="utf-8"?>
 <a:theme xmlns:a="http://schemas.openxmlformats.org/drawingml/2006/main" name="Office Theme">
   <a:themeElements>

--- a/Documentation/AudioSegmentation.pptx
+++ b/Documentation/AudioSegmentation.pptx
@@ -5,7 +5,7 @@
     <p:sldMasterId id="2147483648" r:id="rId1"/>
   </p:sldMasterIdLst>
   <p:notesMasterIdLst>
-    <p:notesMasterId r:id="rId11"/>
+    <p:notesMasterId r:id="rId12"/>
   </p:notesMasterIdLst>
   <p:sldIdLst>
     <p:sldId id="256" r:id="rId2"/>
@@ -15,8 +15,9 @@
     <p:sldId id="260" r:id="rId6"/>
     <p:sldId id="261" r:id="rId7"/>
     <p:sldId id="262" r:id="rId8"/>
-    <p:sldId id="263" r:id="rId9"/>
-    <p:sldId id="264" r:id="rId10"/>
+    <p:sldId id="265" r:id="rId9"/>
+    <p:sldId id="263" r:id="rId10"/>
+    <p:sldId id="264" r:id="rId11"/>
   </p:sldIdLst>
   <p:sldSz cx="12192000" cy="6858000"/>
   <p:notesSz cx="6858000" cy="9144000"/>
@@ -205,7 +206,7 @@
           <a:p>
             <a:fld id="{85BCF1DB-A6DC-410E-84CD-E4B7C0AA92AF}" type="datetimeFigureOut">
               <a:rPr lang="en-US" smtClean="0"/>
-              <a:t>2/27/2023</a:t>
+              <a:t>4/11/2023</a:t>
             </a:fld>
             <a:endParaRPr lang="en-US"/>
           </a:p>
@@ -619,7 +620,7 @@
           <a:p>
             <a:fld id="{3B90312C-5D04-492E-8CFD-2D0A49CD6FBA}" type="datetimeFigureOut">
               <a:rPr lang="en-US" smtClean="0"/>
-              <a:t>2/27/2023</a:t>
+              <a:t>4/11/2023</a:t>
             </a:fld>
             <a:endParaRPr lang="en-US"/>
           </a:p>
@@ -817,7 +818,7 @@
           <a:p>
             <a:fld id="{3B90312C-5D04-492E-8CFD-2D0A49CD6FBA}" type="datetimeFigureOut">
               <a:rPr lang="en-US" smtClean="0"/>
-              <a:t>2/27/2023</a:t>
+              <a:t>4/11/2023</a:t>
             </a:fld>
             <a:endParaRPr lang="en-US"/>
           </a:p>
@@ -1025,7 +1026,7 @@
           <a:p>
             <a:fld id="{3B90312C-5D04-492E-8CFD-2D0A49CD6FBA}" type="datetimeFigureOut">
               <a:rPr lang="en-US" smtClean="0"/>
-              <a:t>2/27/2023</a:t>
+              <a:t>4/11/2023</a:t>
             </a:fld>
             <a:endParaRPr lang="en-US"/>
           </a:p>
@@ -1223,7 +1224,7 @@
           <a:p>
             <a:fld id="{3B90312C-5D04-492E-8CFD-2D0A49CD6FBA}" type="datetimeFigureOut">
               <a:rPr lang="en-US" smtClean="0"/>
-              <a:t>2/27/2023</a:t>
+              <a:t>4/11/2023</a:t>
             </a:fld>
             <a:endParaRPr lang="en-US"/>
           </a:p>
@@ -1498,7 +1499,7 @@
           <a:p>
             <a:fld id="{3B90312C-5D04-492E-8CFD-2D0A49CD6FBA}" type="datetimeFigureOut">
               <a:rPr lang="en-US" smtClean="0"/>
-              <a:t>2/27/2023</a:t>
+              <a:t>4/11/2023</a:t>
             </a:fld>
             <a:endParaRPr lang="en-US"/>
           </a:p>
@@ -1763,7 +1764,7 @@
           <a:p>
             <a:fld id="{3B90312C-5D04-492E-8CFD-2D0A49CD6FBA}" type="datetimeFigureOut">
               <a:rPr lang="en-US" smtClean="0"/>
-              <a:t>2/27/2023</a:t>
+              <a:t>4/11/2023</a:t>
             </a:fld>
             <a:endParaRPr lang="en-US"/>
           </a:p>
@@ -2175,7 +2176,7 @@
           <a:p>
             <a:fld id="{3B90312C-5D04-492E-8CFD-2D0A49CD6FBA}" type="datetimeFigureOut">
               <a:rPr lang="en-US" smtClean="0"/>
-              <a:t>2/27/2023</a:t>
+              <a:t>4/11/2023</a:t>
             </a:fld>
             <a:endParaRPr lang="en-US"/>
           </a:p>
@@ -2316,7 +2317,7 @@
           <a:p>
             <a:fld id="{3B90312C-5D04-492E-8CFD-2D0A49CD6FBA}" type="datetimeFigureOut">
               <a:rPr lang="en-US" smtClean="0"/>
-              <a:t>2/27/2023</a:t>
+              <a:t>4/11/2023</a:t>
             </a:fld>
             <a:endParaRPr lang="en-US"/>
           </a:p>
@@ -2429,7 +2430,7 @@
           <a:p>
             <a:fld id="{3B90312C-5D04-492E-8CFD-2D0A49CD6FBA}" type="datetimeFigureOut">
               <a:rPr lang="en-US" smtClean="0"/>
-              <a:t>2/27/2023</a:t>
+              <a:t>4/11/2023</a:t>
             </a:fld>
             <a:endParaRPr lang="en-US"/>
           </a:p>
@@ -2740,7 +2741,7 @@
           <a:p>
             <a:fld id="{3B90312C-5D04-492E-8CFD-2D0A49CD6FBA}" type="datetimeFigureOut">
               <a:rPr lang="en-US" smtClean="0"/>
-              <a:t>2/27/2023</a:t>
+              <a:t>4/11/2023</a:t>
             </a:fld>
             <a:endParaRPr lang="en-US"/>
           </a:p>
@@ -3028,7 +3029,7 @@
           <a:p>
             <a:fld id="{3B90312C-5D04-492E-8CFD-2D0A49CD6FBA}" type="datetimeFigureOut">
               <a:rPr lang="en-US" smtClean="0"/>
-              <a:t>2/27/2023</a:t>
+              <a:t>4/11/2023</a:t>
             </a:fld>
             <a:endParaRPr lang="en-US"/>
           </a:p>
@@ -3269,7 +3270,7 @@
           <a:p>
             <a:fld id="{3B90312C-5D04-492E-8CFD-2D0A49CD6FBA}" type="datetimeFigureOut">
               <a:rPr lang="en-US" smtClean="0"/>
-              <a:t>2/27/2023</a:t>
+              <a:t>4/11/2023</a:t>
             </a:fld>
             <a:endParaRPr lang="en-US"/>
           </a:p>
@@ -4626,6 +4627,1147 @@
     <p:extLst>
       <p:ext uri="{BB962C8B-B14F-4D97-AF65-F5344CB8AC3E}">
         <p14:creationId xmlns:p14="http://schemas.microsoft.com/office/powerpoint/2010/main" val="3869278006"/>
+      </p:ext>
+    </p:extLst>
+  </p:cSld>
+  <p:clrMapOvr>
+    <a:masterClrMapping/>
+  </p:clrMapOvr>
+</p:sld>
+</file>
+
+<file path=ppt/slides/slide10.xml><?xml version="1.0" encoding="utf-8"?>
+<p:sld xmlns:a="http://schemas.openxmlformats.org/drawingml/2006/main" xmlns:r="http://schemas.openxmlformats.org/officeDocument/2006/relationships" xmlns:p="http://schemas.openxmlformats.org/presentationml/2006/main">
+  <p:cSld>
+    <p:spTree>
+      <p:nvGrpSpPr>
+        <p:cNvPr id="1" name=""/>
+        <p:cNvGrpSpPr/>
+        <p:nvPr/>
+      </p:nvGrpSpPr>
+      <p:grpSpPr>
+        <a:xfrm>
+          <a:off x="0" y="0"/>
+          <a:ext cx="0" cy="0"/>
+          <a:chOff x="0" y="0"/>
+          <a:chExt cx="0" cy="0"/>
+        </a:xfrm>
+      </p:grpSpPr>
+      <p:grpSp>
+        <p:nvGrpSpPr>
+          <p:cNvPr id="36" name="Group 35">
+            <a:extLst>
+              <a:ext uri="{FF2B5EF4-FFF2-40B4-BE49-F238E27FC236}">
+                <a16:creationId xmlns:a16="http://schemas.microsoft.com/office/drawing/2014/main" id="{FF966489-5288-4652-BCEC-CD57098BEC6C}"/>
+              </a:ext>
+            </a:extLst>
+          </p:cNvPr>
+          <p:cNvGrpSpPr/>
+          <p:nvPr/>
+        </p:nvGrpSpPr>
+        <p:grpSpPr>
+          <a:xfrm>
+            <a:off x="550545" y="2152645"/>
+            <a:ext cx="11355740" cy="2601402"/>
+            <a:chOff x="579120" y="2171695"/>
+            <a:chExt cx="11355740" cy="2601402"/>
+          </a:xfrm>
+        </p:grpSpPr>
+        <p:grpSp>
+          <p:nvGrpSpPr>
+            <p:cNvPr id="8" name="Group 7">
+              <a:extLst>
+                <a:ext uri="{FF2B5EF4-FFF2-40B4-BE49-F238E27FC236}">
+                  <a16:creationId xmlns:a16="http://schemas.microsoft.com/office/drawing/2014/main" id="{2848A431-9E23-4BA2-BACE-1EBA158D0801}"/>
+                </a:ext>
+              </a:extLst>
+            </p:cNvPr>
+            <p:cNvGrpSpPr/>
+            <p:nvPr/>
+          </p:nvGrpSpPr>
+          <p:grpSpPr>
+            <a:xfrm>
+              <a:off x="579120" y="2171699"/>
+              <a:ext cx="1375155" cy="307778"/>
+              <a:chOff x="579120" y="2171699"/>
+              <a:chExt cx="1375155" cy="307778"/>
+            </a:xfrm>
+          </p:grpSpPr>
+          <p:sp>
+            <p:nvSpPr>
+              <p:cNvPr id="6" name="TextBox 5">
+                <a:extLst>
+                  <a:ext uri="{FF2B5EF4-FFF2-40B4-BE49-F238E27FC236}">
+                    <a16:creationId xmlns:a16="http://schemas.microsoft.com/office/drawing/2014/main" id="{8E238604-ECA4-4142-B300-56F6FE2BEFC6}"/>
+                  </a:ext>
+                </a:extLst>
+              </p:cNvPr>
+              <p:cNvSpPr txBox="1"/>
+              <p:nvPr/>
+            </p:nvSpPr>
+            <p:spPr>
+              <a:xfrm>
+                <a:off x="579120" y="2171700"/>
+                <a:ext cx="498855" cy="307777"/>
+              </a:xfrm>
+              <a:prstGeom prst="rect">
+                <a:avLst/>
+              </a:prstGeom>
+              <a:noFill/>
+            </p:spPr>
+            <p:txBody>
+              <a:bodyPr wrap="none" rtlCol="0">
+                <a:spAutoFit/>
+              </a:bodyPr>
+              <a:lstStyle/>
+              <a:p>
+                <a:r>
+                  <a:rPr lang="pt-BR" sz="1400" b="1" dirty="0">
+                    <a:solidFill>
+                      <a:schemeClr val="bg1"/>
+                    </a:solidFill>
+                  </a:rPr>
+                  <a:t>50%</a:t>
+                </a:r>
+                <a:endParaRPr lang="en-US" sz="1400" b="1" dirty="0">
+                  <a:solidFill>
+                    <a:schemeClr val="bg1"/>
+                  </a:solidFill>
+                </a:endParaRPr>
+              </a:p>
+            </p:txBody>
+          </p:sp>
+          <p:sp>
+            <p:nvSpPr>
+              <p:cNvPr id="7" name="TextBox 6">
+                <a:extLst>
+                  <a:ext uri="{FF2B5EF4-FFF2-40B4-BE49-F238E27FC236}">
+                    <a16:creationId xmlns:a16="http://schemas.microsoft.com/office/drawing/2014/main" id="{139F681A-1A75-49E8-9E59-6F8F8D74F180}"/>
+                  </a:ext>
+                </a:extLst>
+              </p:cNvPr>
+              <p:cNvSpPr txBox="1"/>
+              <p:nvPr/>
+            </p:nvSpPr>
+            <p:spPr>
+              <a:xfrm>
+                <a:off x="1455420" y="2171699"/>
+                <a:ext cx="498855" cy="307777"/>
+              </a:xfrm>
+              <a:prstGeom prst="rect">
+                <a:avLst/>
+              </a:prstGeom>
+              <a:noFill/>
+            </p:spPr>
+            <p:txBody>
+              <a:bodyPr wrap="none" rtlCol="0">
+                <a:spAutoFit/>
+              </a:bodyPr>
+              <a:lstStyle/>
+              <a:p>
+                <a:r>
+                  <a:rPr lang="pt-BR" sz="1400" b="1" dirty="0">
+                    <a:solidFill>
+                      <a:schemeClr val="bg1"/>
+                    </a:solidFill>
+                  </a:rPr>
+                  <a:t>50%</a:t>
+                </a:r>
+                <a:endParaRPr lang="en-US" sz="1400" b="1" dirty="0">
+                  <a:solidFill>
+                    <a:schemeClr val="bg1"/>
+                  </a:solidFill>
+                </a:endParaRPr>
+              </a:p>
+            </p:txBody>
+          </p:sp>
+        </p:grpSp>
+        <p:grpSp>
+          <p:nvGrpSpPr>
+            <p:cNvPr id="9" name="Group 8">
+              <a:extLst>
+                <a:ext uri="{FF2B5EF4-FFF2-40B4-BE49-F238E27FC236}">
+                  <a16:creationId xmlns:a16="http://schemas.microsoft.com/office/drawing/2014/main" id="{EFE97929-220D-4588-9ED6-C66AEE5170E6}"/>
+                </a:ext>
+              </a:extLst>
+            </p:cNvPr>
+            <p:cNvGrpSpPr/>
+            <p:nvPr/>
+          </p:nvGrpSpPr>
+          <p:grpSpPr>
+            <a:xfrm>
+              <a:off x="3070860" y="2171698"/>
+              <a:ext cx="1375155" cy="307778"/>
+              <a:chOff x="579120" y="2171699"/>
+              <a:chExt cx="1375155" cy="307778"/>
+            </a:xfrm>
+          </p:grpSpPr>
+          <p:sp>
+            <p:nvSpPr>
+              <p:cNvPr id="10" name="TextBox 9">
+                <a:extLst>
+                  <a:ext uri="{FF2B5EF4-FFF2-40B4-BE49-F238E27FC236}">
+                    <a16:creationId xmlns:a16="http://schemas.microsoft.com/office/drawing/2014/main" id="{9B0E0DB4-210B-4FF5-B9B6-3CF321328F85}"/>
+                  </a:ext>
+                </a:extLst>
+              </p:cNvPr>
+              <p:cNvSpPr txBox="1"/>
+              <p:nvPr/>
+            </p:nvSpPr>
+            <p:spPr>
+              <a:xfrm>
+                <a:off x="579120" y="2171700"/>
+                <a:ext cx="498855" cy="307777"/>
+              </a:xfrm>
+              <a:prstGeom prst="rect">
+                <a:avLst/>
+              </a:prstGeom>
+              <a:noFill/>
+            </p:spPr>
+            <p:txBody>
+              <a:bodyPr wrap="none" rtlCol="0">
+                <a:spAutoFit/>
+              </a:bodyPr>
+              <a:lstStyle/>
+              <a:p>
+                <a:r>
+                  <a:rPr lang="pt-BR" sz="1400" b="1" dirty="0">
+                    <a:solidFill>
+                      <a:schemeClr val="bg1"/>
+                    </a:solidFill>
+                  </a:rPr>
+                  <a:t>49%</a:t>
+                </a:r>
+                <a:endParaRPr lang="en-US" sz="1400" b="1" dirty="0">
+                  <a:solidFill>
+                    <a:schemeClr val="bg1"/>
+                  </a:solidFill>
+                </a:endParaRPr>
+              </a:p>
+            </p:txBody>
+          </p:sp>
+          <p:sp>
+            <p:nvSpPr>
+              <p:cNvPr id="11" name="TextBox 10">
+                <a:extLst>
+                  <a:ext uri="{FF2B5EF4-FFF2-40B4-BE49-F238E27FC236}">
+                    <a16:creationId xmlns:a16="http://schemas.microsoft.com/office/drawing/2014/main" id="{85859C73-EFF2-40E0-940C-62C4246D582A}"/>
+                  </a:ext>
+                </a:extLst>
+              </p:cNvPr>
+              <p:cNvSpPr txBox="1"/>
+              <p:nvPr/>
+            </p:nvSpPr>
+            <p:spPr>
+              <a:xfrm>
+                <a:off x="1455420" y="2171699"/>
+                <a:ext cx="498855" cy="307777"/>
+              </a:xfrm>
+              <a:prstGeom prst="rect">
+                <a:avLst/>
+              </a:prstGeom>
+              <a:noFill/>
+            </p:spPr>
+            <p:txBody>
+              <a:bodyPr wrap="none" rtlCol="0">
+                <a:spAutoFit/>
+              </a:bodyPr>
+              <a:lstStyle/>
+              <a:p>
+                <a:r>
+                  <a:rPr lang="pt-BR" sz="1400" b="1" dirty="0">
+                    <a:solidFill>
+                      <a:schemeClr val="bg1"/>
+                    </a:solidFill>
+                  </a:rPr>
+                  <a:t>51%</a:t>
+                </a:r>
+                <a:endParaRPr lang="en-US" sz="1400" b="1" dirty="0">
+                  <a:solidFill>
+                    <a:schemeClr val="bg1"/>
+                  </a:solidFill>
+                </a:endParaRPr>
+              </a:p>
+            </p:txBody>
+          </p:sp>
+        </p:grpSp>
+        <p:grpSp>
+          <p:nvGrpSpPr>
+            <p:cNvPr id="12" name="Group 11">
+              <a:extLst>
+                <a:ext uri="{FF2B5EF4-FFF2-40B4-BE49-F238E27FC236}">
+                  <a16:creationId xmlns:a16="http://schemas.microsoft.com/office/drawing/2014/main" id="{8B36A9D6-C0B2-46BC-A6F7-E139B965A8F9}"/>
+                </a:ext>
+              </a:extLst>
+            </p:cNvPr>
+            <p:cNvGrpSpPr/>
+            <p:nvPr/>
+          </p:nvGrpSpPr>
+          <p:grpSpPr>
+            <a:xfrm>
+              <a:off x="5570220" y="2171697"/>
+              <a:ext cx="1375155" cy="307778"/>
+              <a:chOff x="579120" y="2171699"/>
+              <a:chExt cx="1375155" cy="307778"/>
+            </a:xfrm>
+          </p:grpSpPr>
+          <p:sp>
+            <p:nvSpPr>
+              <p:cNvPr id="13" name="TextBox 12">
+                <a:extLst>
+                  <a:ext uri="{FF2B5EF4-FFF2-40B4-BE49-F238E27FC236}">
+                    <a16:creationId xmlns:a16="http://schemas.microsoft.com/office/drawing/2014/main" id="{291A92FC-FAAE-4DF2-AE90-C7B33A596839}"/>
+                  </a:ext>
+                </a:extLst>
+              </p:cNvPr>
+              <p:cNvSpPr txBox="1"/>
+              <p:nvPr/>
+            </p:nvSpPr>
+            <p:spPr>
+              <a:xfrm>
+                <a:off x="579120" y="2171700"/>
+                <a:ext cx="498855" cy="307777"/>
+              </a:xfrm>
+              <a:prstGeom prst="rect">
+                <a:avLst/>
+              </a:prstGeom>
+              <a:noFill/>
+            </p:spPr>
+            <p:txBody>
+              <a:bodyPr wrap="none" rtlCol="0">
+                <a:spAutoFit/>
+              </a:bodyPr>
+              <a:lstStyle/>
+              <a:p>
+                <a:r>
+                  <a:rPr lang="pt-BR" sz="1400" b="1" dirty="0">
+                    <a:solidFill>
+                      <a:schemeClr val="bg1"/>
+                    </a:solidFill>
+                  </a:rPr>
+                  <a:t>49%</a:t>
+                </a:r>
+                <a:endParaRPr lang="en-US" sz="1400" b="1" dirty="0">
+                  <a:solidFill>
+                    <a:schemeClr val="bg1"/>
+                  </a:solidFill>
+                </a:endParaRPr>
+              </a:p>
+            </p:txBody>
+          </p:sp>
+          <p:sp>
+            <p:nvSpPr>
+              <p:cNvPr id="14" name="TextBox 13">
+                <a:extLst>
+                  <a:ext uri="{FF2B5EF4-FFF2-40B4-BE49-F238E27FC236}">
+                    <a16:creationId xmlns:a16="http://schemas.microsoft.com/office/drawing/2014/main" id="{6F8949E6-CC37-40B8-8B52-27B1FDB2C5C1}"/>
+                  </a:ext>
+                </a:extLst>
+              </p:cNvPr>
+              <p:cNvSpPr txBox="1"/>
+              <p:nvPr/>
+            </p:nvSpPr>
+            <p:spPr>
+              <a:xfrm>
+                <a:off x="1455420" y="2171699"/>
+                <a:ext cx="498855" cy="307777"/>
+              </a:xfrm>
+              <a:prstGeom prst="rect">
+                <a:avLst/>
+              </a:prstGeom>
+              <a:noFill/>
+            </p:spPr>
+            <p:txBody>
+              <a:bodyPr wrap="none" rtlCol="0">
+                <a:spAutoFit/>
+              </a:bodyPr>
+              <a:lstStyle/>
+              <a:p>
+                <a:r>
+                  <a:rPr lang="pt-BR" sz="1400" b="1" dirty="0">
+                    <a:solidFill>
+                      <a:schemeClr val="bg1"/>
+                    </a:solidFill>
+                  </a:rPr>
+                  <a:t>51%</a:t>
+                </a:r>
+                <a:endParaRPr lang="en-US" sz="1400" b="1" dirty="0">
+                  <a:solidFill>
+                    <a:schemeClr val="bg1"/>
+                  </a:solidFill>
+                </a:endParaRPr>
+              </a:p>
+            </p:txBody>
+          </p:sp>
+        </p:grpSp>
+        <p:grpSp>
+          <p:nvGrpSpPr>
+            <p:cNvPr id="15" name="Group 14">
+              <a:extLst>
+                <a:ext uri="{FF2B5EF4-FFF2-40B4-BE49-F238E27FC236}">
+                  <a16:creationId xmlns:a16="http://schemas.microsoft.com/office/drawing/2014/main" id="{A12DD572-CEEE-4BC1-BF8D-CCBFE214A29A}"/>
+                </a:ext>
+              </a:extLst>
+            </p:cNvPr>
+            <p:cNvGrpSpPr/>
+            <p:nvPr/>
+          </p:nvGrpSpPr>
+          <p:grpSpPr>
+            <a:xfrm>
+              <a:off x="8054340" y="2171696"/>
+              <a:ext cx="1375155" cy="307778"/>
+              <a:chOff x="579120" y="2171699"/>
+              <a:chExt cx="1375155" cy="307778"/>
+            </a:xfrm>
+          </p:grpSpPr>
+          <p:sp>
+            <p:nvSpPr>
+              <p:cNvPr id="16" name="TextBox 15">
+                <a:extLst>
+                  <a:ext uri="{FF2B5EF4-FFF2-40B4-BE49-F238E27FC236}">
+                    <a16:creationId xmlns:a16="http://schemas.microsoft.com/office/drawing/2014/main" id="{4BCDC8BB-AE43-4D7B-9A2A-AD517CDE0BE3}"/>
+                  </a:ext>
+                </a:extLst>
+              </p:cNvPr>
+              <p:cNvSpPr txBox="1"/>
+              <p:nvPr/>
+            </p:nvSpPr>
+            <p:spPr>
+              <a:xfrm>
+                <a:off x="579120" y="2171700"/>
+                <a:ext cx="498855" cy="307777"/>
+              </a:xfrm>
+              <a:prstGeom prst="rect">
+                <a:avLst/>
+              </a:prstGeom>
+              <a:noFill/>
+            </p:spPr>
+            <p:txBody>
+              <a:bodyPr wrap="none" rtlCol="0">
+                <a:spAutoFit/>
+              </a:bodyPr>
+              <a:lstStyle/>
+              <a:p>
+                <a:r>
+                  <a:rPr lang="pt-BR" sz="1400" b="1" dirty="0">
+                    <a:solidFill>
+                      <a:schemeClr val="bg1"/>
+                    </a:solidFill>
+                  </a:rPr>
+                  <a:t>50%</a:t>
+                </a:r>
+                <a:endParaRPr lang="en-US" sz="1400" b="1" dirty="0">
+                  <a:solidFill>
+                    <a:schemeClr val="bg1"/>
+                  </a:solidFill>
+                </a:endParaRPr>
+              </a:p>
+            </p:txBody>
+          </p:sp>
+          <p:sp>
+            <p:nvSpPr>
+              <p:cNvPr id="17" name="TextBox 16">
+                <a:extLst>
+                  <a:ext uri="{FF2B5EF4-FFF2-40B4-BE49-F238E27FC236}">
+                    <a16:creationId xmlns:a16="http://schemas.microsoft.com/office/drawing/2014/main" id="{39D018F1-FF6C-480B-8EFA-89D6E09A08E5}"/>
+                  </a:ext>
+                </a:extLst>
+              </p:cNvPr>
+              <p:cNvSpPr txBox="1"/>
+              <p:nvPr/>
+            </p:nvSpPr>
+            <p:spPr>
+              <a:xfrm>
+                <a:off x="1455420" y="2171699"/>
+                <a:ext cx="498855" cy="307777"/>
+              </a:xfrm>
+              <a:prstGeom prst="rect">
+                <a:avLst/>
+              </a:prstGeom>
+              <a:noFill/>
+            </p:spPr>
+            <p:txBody>
+              <a:bodyPr wrap="none" rtlCol="0">
+                <a:spAutoFit/>
+              </a:bodyPr>
+              <a:lstStyle/>
+              <a:p>
+                <a:r>
+                  <a:rPr lang="pt-BR" sz="1400" b="1" dirty="0">
+                    <a:solidFill>
+                      <a:schemeClr val="bg1"/>
+                    </a:solidFill>
+                  </a:rPr>
+                  <a:t>50%</a:t>
+                </a:r>
+                <a:endParaRPr lang="en-US" sz="1400" b="1" dirty="0">
+                  <a:solidFill>
+                    <a:schemeClr val="bg1"/>
+                  </a:solidFill>
+                </a:endParaRPr>
+              </a:p>
+            </p:txBody>
+          </p:sp>
+        </p:grpSp>
+        <p:grpSp>
+          <p:nvGrpSpPr>
+            <p:cNvPr id="18" name="Group 17">
+              <a:extLst>
+                <a:ext uri="{FF2B5EF4-FFF2-40B4-BE49-F238E27FC236}">
+                  <a16:creationId xmlns:a16="http://schemas.microsoft.com/office/drawing/2014/main" id="{5299A749-D298-4C8D-AC2E-3B0CACEFD554}"/>
+                </a:ext>
+              </a:extLst>
+            </p:cNvPr>
+            <p:cNvGrpSpPr/>
+            <p:nvPr/>
+          </p:nvGrpSpPr>
+          <p:grpSpPr>
+            <a:xfrm>
+              <a:off x="10546080" y="2171695"/>
+              <a:ext cx="1375155" cy="307778"/>
+              <a:chOff x="579120" y="2171699"/>
+              <a:chExt cx="1375155" cy="307778"/>
+            </a:xfrm>
+          </p:grpSpPr>
+          <p:sp>
+            <p:nvSpPr>
+              <p:cNvPr id="19" name="TextBox 18">
+                <a:extLst>
+                  <a:ext uri="{FF2B5EF4-FFF2-40B4-BE49-F238E27FC236}">
+                    <a16:creationId xmlns:a16="http://schemas.microsoft.com/office/drawing/2014/main" id="{5617C981-BB99-4DAA-8603-0DC4A47D7DE5}"/>
+                  </a:ext>
+                </a:extLst>
+              </p:cNvPr>
+              <p:cNvSpPr txBox="1"/>
+              <p:nvPr/>
+            </p:nvSpPr>
+            <p:spPr>
+              <a:xfrm>
+                <a:off x="579120" y="2171700"/>
+                <a:ext cx="498855" cy="307777"/>
+              </a:xfrm>
+              <a:prstGeom prst="rect">
+                <a:avLst/>
+              </a:prstGeom>
+              <a:noFill/>
+            </p:spPr>
+            <p:txBody>
+              <a:bodyPr wrap="none" rtlCol="0">
+                <a:spAutoFit/>
+              </a:bodyPr>
+              <a:lstStyle/>
+              <a:p>
+                <a:r>
+                  <a:rPr lang="pt-BR" sz="1400" b="1" dirty="0">
+                    <a:solidFill>
+                      <a:schemeClr val="bg1"/>
+                    </a:solidFill>
+                  </a:rPr>
+                  <a:t>49%</a:t>
+                </a:r>
+                <a:endParaRPr lang="en-US" sz="1400" b="1" dirty="0">
+                  <a:solidFill>
+                    <a:schemeClr val="bg1"/>
+                  </a:solidFill>
+                </a:endParaRPr>
+              </a:p>
+            </p:txBody>
+          </p:sp>
+          <p:sp>
+            <p:nvSpPr>
+              <p:cNvPr id="20" name="TextBox 19">
+                <a:extLst>
+                  <a:ext uri="{FF2B5EF4-FFF2-40B4-BE49-F238E27FC236}">
+                    <a16:creationId xmlns:a16="http://schemas.microsoft.com/office/drawing/2014/main" id="{6B7C8F71-5909-47F4-AB11-888E07F86727}"/>
+                  </a:ext>
+                </a:extLst>
+              </p:cNvPr>
+              <p:cNvSpPr txBox="1"/>
+              <p:nvPr/>
+            </p:nvSpPr>
+            <p:spPr>
+              <a:xfrm>
+                <a:off x="1455420" y="2171699"/>
+                <a:ext cx="498855" cy="307777"/>
+              </a:xfrm>
+              <a:prstGeom prst="rect">
+                <a:avLst/>
+              </a:prstGeom>
+              <a:noFill/>
+            </p:spPr>
+            <p:txBody>
+              <a:bodyPr wrap="none" rtlCol="0">
+                <a:spAutoFit/>
+              </a:bodyPr>
+              <a:lstStyle/>
+              <a:p>
+                <a:r>
+                  <a:rPr lang="pt-BR" sz="1400" b="1" dirty="0">
+                    <a:solidFill>
+                      <a:schemeClr val="bg1"/>
+                    </a:solidFill>
+                  </a:rPr>
+                  <a:t>51%</a:t>
+                </a:r>
+                <a:endParaRPr lang="en-US" sz="1400" b="1" dirty="0">
+                  <a:solidFill>
+                    <a:schemeClr val="bg1"/>
+                  </a:solidFill>
+                </a:endParaRPr>
+              </a:p>
+            </p:txBody>
+          </p:sp>
+        </p:grpSp>
+        <p:grpSp>
+          <p:nvGrpSpPr>
+            <p:cNvPr id="21" name="Group 20">
+              <a:extLst>
+                <a:ext uri="{FF2B5EF4-FFF2-40B4-BE49-F238E27FC236}">
+                  <a16:creationId xmlns:a16="http://schemas.microsoft.com/office/drawing/2014/main" id="{938BD4D0-B037-4B46-987B-B70689B93021}"/>
+                </a:ext>
+              </a:extLst>
+            </p:cNvPr>
+            <p:cNvGrpSpPr/>
+            <p:nvPr/>
+          </p:nvGrpSpPr>
+          <p:grpSpPr>
+            <a:xfrm>
+              <a:off x="592745" y="4465319"/>
+              <a:ext cx="1375155" cy="307778"/>
+              <a:chOff x="579120" y="2171699"/>
+              <a:chExt cx="1375155" cy="307778"/>
+            </a:xfrm>
+          </p:grpSpPr>
+          <p:sp>
+            <p:nvSpPr>
+              <p:cNvPr id="22" name="TextBox 21">
+                <a:extLst>
+                  <a:ext uri="{FF2B5EF4-FFF2-40B4-BE49-F238E27FC236}">
+                    <a16:creationId xmlns:a16="http://schemas.microsoft.com/office/drawing/2014/main" id="{DBCBF5E2-FE3B-4528-B5C0-61C3D27DD470}"/>
+                  </a:ext>
+                </a:extLst>
+              </p:cNvPr>
+              <p:cNvSpPr txBox="1"/>
+              <p:nvPr/>
+            </p:nvSpPr>
+            <p:spPr>
+              <a:xfrm>
+                <a:off x="579120" y="2171700"/>
+                <a:ext cx="498855" cy="307777"/>
+              </a:xfrm>
+              <a:prstGeom prst="rect">
+                <a:avLst/>
+              </a:prstGeom>
+              <a:noFill/>
+            </p:spPr>
+            <p:txBody>
+              <a:bodyPr wrap="none" rtlCol="0">
+                <a:spAutoFit/>
+              </a:bodyPr>
+              <a:lstStyle/>
+              <a:p>
+                <a:r>
+                  <a:rPr lang="pt-BR" sz="1400" b="1" dirty="0">
+                    <a:solidFill>
+                      <a:schemeClr val="bg1"/>
+                    </a:solidFill>
+                  </a:rPr>
+                  <a:t>45%</a:t>
+                </a:r>
+                <a:endParaRPr lang="en-US" sz="1400" b="1" dirty="0">
+                  <a:solidFill>
+                    <a:schemeClr val="bg1"/>
+                  </a:solidFill>
+                </a:endParaRPr>
+              </a:p>
+            </p:txBody>
+          </p:sp>
+          <p:sp>
+            <p:nvSpPr>
+              <p:cNvPr id="23" name="TextBox 22">
+                <a:extLst>
+                  <a:ext uri="{FF2B5EF4-FFF2-40B4-BE49-F238E27FC236}">
+                    <a16:creationId xmlns:a16="http://schemas.microsoft.com/office/drawing/2014/main" id="{261B23EF-2FD5-4291-AAFB-87C63D36B2AD}"/>
+                  </a:ext>
+                </a:extLst>
+              </p:cNvPr>
+              <p:cNvSpPr txBox="1"/>
+              <p:nvPr/>
+            </p:nvSpPr>
+            <p:spPr>
+              <a:xfrm>
+                <a:off x="1455420" y="2171699"/>
+                <a:ext cx="498855" cy="307777"/>
+              </a:xfrm>
+              <a:prstGeom prst="rect">
+                <a:avLst/>
+              </a:prstGeom>
+              <a:noFill/>
+            </p:spPr>
+            <p:txBody>
+              <a:bodyPr wrap="none" rtlCol="0">
+                <a:spAutoFit/>
+              </a:bodyPr>
+              <a:lstStyle/>
+              <a:p>
+                <a:r>
+                  <a:rPr lang="pt-BR" sz="1400" b="1" dirty="0">
+                    <a:solidFill>
+                      <a:schemeClr val="bg1"/>
+                    </a:solidFill>
+                  </a:rPr>
+                  <a:t>55%</a:t>
+                </a:r>
+                <a:endParaRPr lang="en-US" sz="1400" b="1" dirty="0">
+                  <a:solidFill>
+                    <a:schemeClr val="bg1"/>
+                  </a:solidFill>
+                </a:endParaRPr>
+              </a:p>
+            </p:txBody>
+          </p:sp>
+        </p:grpSp>
+        <p:grpSp>
+          <p:nvGrpSpPr>
+            <p:cNvPr id="24" name="Group 23">
+              <a:extLst>
+                <a:ext uri="{FF2B5EF4-FFF2-40B4-BE49-F238E27FC236}">
+                  <a16:creationId xmlns:a16="http://schemas.microsoft.com/office/drawing/2014/main" id="{18590F91-6242-4B78-8995-CFDA556DCC1B}"/>
+                </a:ext>
+              </a:extLst>
+            </p:cNvPr>
+            <p:cNvGrpSpPr/>
+            <p:nvPr/>
+          </p:nvGrpSpPr>
+          <p:grpSpPr>
+            <a:xfrm>
+              <a:off x="3084485" y="4465318"/>
+              <a:ext cx="1375155" cy="307778"/>
+              <a:chOff x="579120" y="2171699"/>
+              <a:chExt cx="1375155" cy="307778"/>
+            </a:xfrm>
+          </p:grpSpPr>
+          <p:sp>
+            <p:nvSpPr>
+              <p:cNvPr id="25" name="TextBox 24">
+                <a:extLst>
+                  <a:ext uri="{FF2B5EF4-FFF2-40B4-BE49-F238E27FC236}">
+                    <a16:creationId xmlns:a16="http://schemas.microsoft.com/office/drawing/2014/main" id="{5589C3A3-1061-44B1-B97B-3A599BDF7348}"/>
+                  </a:ext>
+                </a:extLst>
+              </p:cNvPr>
+              <p:cNvSpPr txBox="1"/>
+              <p:nvPr/>
+            </p:nvSpPr>
+            <p:spPr>
+              <a:xfrm>
+                <a:off x="579120" y="2171700"/>
+                <a:ext cx="498855" cy="307777"/>
+              </a:xfrm>
+              <a:prstGeom prst="rect">
+                <a:avLst/>
+              </a:prstGeom>
+              <a:noFill/>
+            </p:spPr>
+            <p:txBody>
+              <a:bodyPr wrap="none" rtlCol="0">
+                <a:spAutoFit/>
+              </a:bodyPr>
+              <a:lstStyle/>
+              <a:p>
+                <a:r>
+                  <a:rPr lang="pt-BR" sz="1400" b="1" dirty="0">
+                    <a:solidFill>
+                      <a:schemeClr val="bg1"/>
+                    </a:solidFill>
+                  </a:rPr>
+                  <a:t>47%</a:t>
+                </a:r>
+                <a:endParaRPr lang="en-US" sz="1400" b="1" dirty="0">
+                  <a:solidFill>
+                    <a:schemeClr val="bg1"/>
+                  </a:solidFill>
+                </a:endParaRPr>
+              </a:p>
+            </p:txBody>
+          </p:sp>
+          <p:sp>
+            <p:nvSpPr>
+              <p:cNvPr id="26" name="TextBox 25">
+                <a:extLst>
+                  <a:ext uri="{FF2B5EF4-FFF2-40B4-BE49-F238E27FC236}">
+                    <a16:creationId xmlns:a16="http://schemas.microsoft.com/office/drawing/2014/main" id="{A2ECAADB-3124-447C-804B-03537A388BA2}"/>
+                  </a:ext>
+                </a:extLst>
+              </p:cNvPr>
+              <p:cNvSpPr txBox="1"/>
+              <p:nvPr/>
+            </p:nvSpPr>
+            <p:spPr>
+              <a:xfrm>
+                <a:off x="1455420" y="2171699"/>
+                <a:ext cx="498855" cy="307777"/>
+              </a:xfrm>
+              <a:prstGeom prst="rect">
+                <a:avLst/>
+              </a:prstGeom>
+              <a:noFill/>
+            </p:spPr>
+            <p:txBody>
+              <a:bodyPr wrap="none" rtlCol="0">
+                <a:spAutoFit/>
+              </a:bodyPr>
+              <a:lstStyle/>
+              <a:p>
+                <a:r>
+                  <a:rPr lang="pt-BR" sz="1400" b="1" dirty="0">
+                    <a:solidFill>
+                      <a:schemeClr val="bg1"/>
+                    </a:solidFill>
+                  </a:rPr>
+                  <a:t>53%</a:t>
+                </a:r>
+                <a:endParaRPr lang="en-US" sz="1400" b="1" dirty="0">
+                  <a:solidFill>
+                    <a:schemeClr val="bg1"/>
+                  </a:solidFill>
+                </a:endParaRPr>
+              </a:p>
+            </p:txBody>
+          </p:sp>
+        </p:grpSp>
+        <p:grpSp>
+          <p:nvGrpSpPr>
+            <p:cNvPr id="27" name="Group 26">
+              <a:extLst>
+                <a:ext uri="{FF2B5EF4-FFF2-40B4-BE49-F238E27FC236}">
+                  <a16:creationId xmlns:a16="http://schemas.microsoft.com/office/drawing/2014/main" id="{D1E6CC4A-3E1D-44F0-9F38-B75A699CEAA5}"/>
+                </a:ext>
+              </a:extLst>
+            </p:cNvPr>
+            <p:cNvGrpSpPr/>
+            <p:nvPr/>
+          </p:nvGrpSpPr>
+          <p:grpSpPr>
+            <a:xfrm>
+              <a:off x="5583845" y="4465317"/>
+              <a:ext cx="1375155" cy="307778"/>
+              <a:chOff x="579120" y="2171699"/>
+              <a:chExt cx="1375155" cy="307778"/>
+            </a:xfrm>
+          </p:grpSpPr>
+          <p:sp>
+            <p:nvSpPr>
+              <p:cNvPr id="28" name="TextBox 27">
+                <a:extLst>
+                  <a:ext uri="{FF2B5EF4-FFF2-40B4-BE49-F238E27FC236}">
+                    <a16:creationId xmlns:a16="http://schemas.microsoft.com/office/drawing/2014/main" id="{6E5A4AFA-F3C7-4A66-A84C-7924B609A6F4}"/>
+                  </a:ext>
+                </a:extLst>
+              </p:cNvPr>
+              <p:cNvSpPr txBox="1"/>
+              <p:nvPr/>
+            </p:nvSpPr>
+            <p:spPr>
+              <a:xfrm>
+                <a:off x="579120" y="2171700"/>
+                <a:ext cx="498855" cy="307777"/>
+              </a:xfrm>
+              <a:prstGeom prst="rect">
+                <a:avLst/>
+              </a:prstGeom>
+              <a:noFill/>
+            </p:spPr>
+            <p:txBody>
+              <a:bodyPr wrap="none" rtlCol="0">
+                <a:spAutoFit/>
+              </a:bodyPr>
+              <a:lstStyle/>
+              <a:p>
+                <a:r>
+                  <a:rPr lang="pt-BR" sz="1400" b="1" dirty="0">
+                    <a:solidFill>
+                      <a:schemeClr val="bg1"/>
+                    </a:solidFill>
+                  </a:rPr>
+                  <a:t>51%</a:t>
+                </a:r>
+                <a:endParaRPr lang="en-US" sz="1400" b="1" dirty="0">
+                  <a:solidFill>
+                    <a:schemeClr val="bg1"/>
+                  </a:solidFill>
+                </a:endParaRPr>
+              </a:p>
+            </p:txBody>
+          </p:sp>
+          <p:sp>
+            <p:nvSpPr>
+              <p:cNvPr id="29" name="TextBox 28">
+                <a:extLst>
+                  <a:ext uri="{FF2B5EF4-FFF2-40B4-BE49-F238E27FC236}">
+                    <a16:creationId xmlns:a16="http://schemas.microsoft.com/office/drawing/2014/main" id="{DEC6FFF2-7740-4077-8B0F-541947D639F8}"/>
+                  </a:ext>
+                </a:extLst>
+              </p:cNvPr>
+              <p:cNvSpPr txBox="1"/>
+              <p:nvPr/>
+            </p:nvSpPr>
+            <p:spPr>
+              <a:xfrm>
+                <a:off x="1455420" y="2171699"/>
+                <a:ext cx="498855" cy="307777"/>
+              </a:xfrm>
+              <a:prstGeom prst="rect">
+                <a:avLst/>
+              </a:prstGeom>
+              <a:noFill/>
+            </p:spPr>
+            <p:txBody>
+              <a:bodyPr wrap="none" rtlCol="0">
+                <a:spAutoFit/>
+              </a:bodyPr>
+              <a:lstStyle/>
+              <a:p>
+                <a:r>
+                  <a:rPr lang="pt-BR" sz="1400" b="1" dirty="0">
+                    <a:solidFill>
+                      <a:schemeClr val="bg1"/>
+                    </a:solidFill>
+                  </a:rPr>
+                  <a:t>48%</a:t>
+                </a:r>
+                <a:endParaRPr lang="en-US" sz="1400" b="1" dirty="0">
+                  <a:solidFill>
+                    <a:schemeClr val="bg1"/>
+                  </a:solidFill>
+                </a:endParaRPr>
+              </a:p>
+            </p:txBody>
+          </p:sp>
+        </p:grpSp>
+        <p:grpSp>
+          <p:nvGrpSpPr>
+            <p:cNvPr id="30" name="Group 29">
+              <a:extLst>
+                <a:ext uri="{FF2B5EF4-FFF2-40B4-BE49-F238E27FC236}">
+                  <a16:creationId xmlns:a16="http://schemas.microsoft.com/office/drawing/2014/main" id="{C16F722E-EBC8-4FE1-AF06-E56FFCC7D1FA}"/>
+                </a:ext>
+              </a:extLst>
+            </p:cNvPr>
+            <p:cNvGrpSpPr/>
+            <p:nvPr/>
+          </p:nvGrpSpPr>
+          <p:grpSpPr>
+            <a:xfrm>
+              <a:off x="8067965" y="4465316"/>
+              <a:ext cx="1375155" cy="307778"/>
+              <a:chOff x="579120" y="2171699"/>
+              <a:chExt cx="1375155" cy="307778"/>
+            </a:xfrm>
+          </p:grpSpPr>
+          <p:sp>
+            <p:nvSpPr>
+              <p:cNvPr id="31" name="TextBox 30">
+                <a:extLst>
+                  <a:ext uri="{FF2B5EF4-FFF2-40B4-BE49-F238E27FC236}">
+                    <a16:creationId xmlns:a16="http://schemas.microsoft.com/office/drawing/2014/main" id="{B551AA17-151C-40D6-8C89-128BAAF347BA}"/>
+                  </a:ext>
+                </a:extLst>
+              </p:cNvPr>
+              <p:cNvSpPr txBox="1"/>
+              <p:nvPr/>
+            </p:nvSpPr>
+            <p:spPr>
+              <a:xfrm>
+                <a:off x="579120" y="2171700"/>
+                <a:ext cx="498855" cy="307777"/>
+              </a:xfrm>
+              <a:prstGeom prst="rect">
+                <a:avLst/>
+              </a:prstGeom>
+              <a:noFill/>
+            </p:spPr>
+            <p:txBody>
+              <a:bodyPr wrap="none" rtlCol="0">
+                <a:spAutoFit/>
+              </a:bodyPr>
+              <a:lstStyle/>
+              <a:p>
+                <a:r>
+                  <a:rPr lang="pt-BR" sz="1400" b="1" dirty="0">
+                    <a:solidFill>
+                      <a:schemeClr val="bg1"/>
+                    </a:solidFill>
+                  </a:rPr>
+                  <a:t>50%</a:t>
+                </a:r>
+                <a:endParaRPr lang="en-US" sz="1400" b="1" dirty="0">
+                  <a:solidFill>
+                    <a:schemeClr val="bg1"/>
+                  </a:solidFill>
+                </a:endParaRPr>
+              </a:p>
+            </p:txBody>
+          </p:sp>
+          <p:sp>
+            <p:nvSpPr>
+              <p:cNvPr id="32" name="TextBox 31">
+                <a:extLst>
+                  <a:ext uri="{FF2B5EF4-FFF2-40B4-BE49-F238E27FC236}">
+                    <a16:creationId xmlns:a16="http://schemas.microsoft.com/office/drawing/2014/main" id="{EFFBF39E-14F6-4F13-B51C-5E6B8DCB1BB7}"/>
+                  </a:ext>
+                </a:extLst>
+              </p:cNvPr>
+              <p:cNvSpPr txBox="1"/>
+              <p:nvPr/>
+            </p:nvSpPr>
+            <p:spPr>
+              <a:xfrm>
+                <a:off x="1455420" y="2171699"/>
+                <a:ext cx="498855" cy="307777"/>
+              </a:xfrm>
+              <a:prstGeom prst="rect">
+                <a:avLst/>
+              </a:prstGeom>
+              <a:noFill/>
+            </p:spPr>
+            <p:txBody>
+              <a:bodyPr wrap="none" rtlCol="0">
+                <a:spAutoFit/>
+              </a:bodyPr>
+              <a:lstStyle/>
+              <a:p>
+                <a:r>
+                  <a:rPr lang="pt-BR" sz="1400" b="1" dirty="0">
+                    <a:solidFill>
+                      <a:schemeClr val="bg1"/>
+                    </a:solidFill>
+                  </a:rPr>
+                  <a:t>50%</a:t>
+                </a:r>
+                <a:endParaRPr lang="en-US" sz="1400" b="1" dirty="0">
+                  <a:solidFill>
+                    <a:schemeClr val="bg1"/>
+                  </a:solidFill>
+                </a:endParaRPr>
+              </a:p>
+            </p:txBody>
+          </p:sp>
+        </p:grpSp>
+        <p:grpSp>
+          <p:nvGrpSpPr>
+            <p:cNvPr id="33" name="Group 32">
+              <a:extLst>
+                <a:ext uri="{FF2B5EF4-FFF2-40B4-BE49-F238E27FC236}">
+                  <a16:creationId xmlns:a16="http://schemas.microsoft.com/office/drawing/2014/main" id="{04220A23-A38D-4235-BE5B-E58CFB94CB9B}"/>
+                </a:ext>
+              </a:extLst>
+            </p:cNvPr>
+            <p:cNvGrpSpPr/>
+            <p:nvPr/>
+          </p:nvGrpSpPr>
+          <p:grpSpPr>
+            <a:xfrm>
+              <a:off x="10559705" y="4465315"/>
+              <a:ext cx="1375155" cy="307778"/>
+              <a:chOff x="579120" y="2171699"/>
+              <a:chExt cx="1375155" cy="307778"/>
+            </a:xfrm>
+          </p:grpSpPr>
+          <p:sp>
+            <p:nvSpPr>
+              <p:cNvPr id="34" name="TextBox 33">
+                <a:extLst>
+                  <a:ext uri="{FF2B5EF4-FFF2-40B4-BE49-F238E27FC236}">
+                    <a16:creationId xmlns:a16="http://schemas.microsoft.com/office/drawing/2014/main" id="{71178028-EC99-4DE5-93E1-79DD0A882206}"/>
+                  </a:ext>
+                </a:extLst>
+              </p:cNvPr>
+              <p:cNvSpPr txBox="1"/>
+              <p:nvPr/>
+            </p:nvSpPr>
+            <p:spPr>
+              <a:xfrm>
+                <a:off x="579120" y="2171700"/>
+                <a:ext cx="498855" cy="307777"/>
+              </a:xfrm>
+              <a:prstGeom prst="rect">
+                <a:avLst/>
+              </a:prstGeom>
+              <a:noFill/>
+            </p:spPr>
+            <p:txBody>
+              <a:bodyPr wrap="none" rtlCol="0">
+                <a:spAutoFit/>
+              </a:bodyPr>
+              <a:lstStyle/>
+              <a:p>
+                <a:r>
+                  <a:rPr lang="pt-BR" sz="1400" b="1" dirty="0">
+                    <a:solidFill>
+                      <a:schemeClr val="bg1"/>
+                    </a:solidFill>
+                  </a:rPr>
+                  <a:t>50%</a:t>
+                </a:r>
+                <a:endParaRPr lang="en-US" sz="1400" b="1" dirty="0">
+                  <a:solidFill>
+                    <a:schemeClr val="bg1"/>
+                  </a:solidFill>
+                </a:endParaRPr>
+              </a:p>
+            </p:txBody>
+          </p:sp>
+          <p:sp>
+            <p:nvSpPr>
+              <p:cNvPr id="35" name="TextBox 34">
+                <a:extLst>
+                  <a:ext uri="{FF2B5EF4-FFF2-40B4-BE49-F238E27FC236}">
+                    <a16:creationId xmlns:a16="http://schemas.microsoft.com/office/drawing/2014/main" id="{7B4C97F6-EC9F-4E9D-BE51-C6A94EB7A600}"/>
+                  </a:ext>
+                </a:extLst>
+              </p:cNvPr>
+              <p:cNvSpPr txBox="1"/>
+              <p:nvPr/>
+            </p:nvSpPr>
+            <p:spPr>
+              <a:xfrm>
+                <a:off x="1455420" y="2171699"/>
+                <a:ext cx="498855" cy="307777"/>
+              </a:xfrm>
+              <a:prstGeom prst="rect">
+                <a:avLst/>
+              </a:prstGeom>
+              <a:noFill/>
+            </p:spPr>
+            <p:txBody>
+              <a:bodyPr wrap="none" rtlCol="0">
+                <a:spAutoFit/>
+              </a:bodyPr>
+              <a:lstStyle/>
+              <a:p>
+                <a:r>
+                  <a:rPr lang="pt-BR" sz="1400" b="1" dirty="0">
+                    <a:solidFill>
+                      <a:schemeClr val="bg1"/>
+                    </a:solidFill>
+                  </a:rPr>
+                  <a:t>50%</a:t>
+                </a:r>
+                <a:endParaRPr lang="en-US" sz="1400" b="1" dirty="0">
+                  <a:solidFill>
+                    <a:schemeClr val="bg1"/>
+                  </a:solidFill>
+                </a:endParaRPr>
+              </a:p>
+            </p:txBody>
+          </p:sp>
+        </p:grpSp>
+      </p:grpSp>
+    </p:spTree>
+    <p:extLst>
+      <p:ext uri="{BB962C8B-B14F-4D97-AF65-F5344CB8AC3E}">
+        <p14:creationId xmlns:p14="http://schemas.microsoft.com/office/powerpoint/2010/main" val="1429633486"/>
       </p:ext>
     </p:extLst>
   </p:cSld>
@@ -15071,6 +16213,1186 @@
           <a:chExt cx="0" cy="0"/>
         </a:xfrm>
       </p:grpSpPr>
+      <p:pic>
+        <p:nvPicPr>
+          <p:cNvPr id="3" name="Picture 2">
+            <a:extLst>
+              <a:ext uri="{FF2B5EF4-FFF2-40B4-BE49-F238E27FC236}">
+                <a16:creationId xmlns:a16="http://schemas.microsoft.com/office/drawing/2014/main" id="{C72A2F12-9015-352D-612B-5B950C4D42A4}"/>
+              </a:ext>
+            </a:extLst>
+          </p:cNvPr>
+          <p:cNvPicPr>
+            <a:picLocks noChangeAspect="1"/>
+          </p:cNvPicPr>
+          <p:nvPr/>
+        </p:nvPicPr>
+        <p:blipFill>
+          <a:blip r:embed="rId2">
+            <a:extLst>
+              <a:ext uri="{28A0092B-C50C-407E-A947-70E740481C1C}">
+                <a14:useLocalDpi xmlns:a14="http://schemas.microsoft.com/office/drawing/2010/main" val="0"/>
+              </a:ext>
+            </a:extLst>
+          </a:blip>
+          <a:stretch>
+            <a:fillRect/>
+          </a:stretch>
+        </p:blipFill>
+        <p:spPr>
+          <a:xfrm>
+            <a:off x="-407912" y="914400"/>
+            <a:ext cx="13086473" cy="5234589"/>
+          </a:xfrm>
+          <a:prstGeom prst="rect">
+            <a:avLst/>
+          </a:prstGeom>
+          <a:solidFill>
+            <a:schemeClr val="accent2"/>
+          </a:solidFill>
+        </p:spPr>
+      </p:pic>
+      <p:grpSp>
+        <p:nvGrpSpPr>
+          <p:cNvPr id="36" name="Group 35">
+            <a:extLst>
+              <a:ext uri="{FF2B5EF4-FFF2-40B4-BE49-F238E27FC236}">
+                <a16:creationId xmlns:a16="http://schemas.microsoft.com/office/drawing/2014/main" id="{FF966489-5288-4652-BCEC-CD57098BEC6C}"/>
+              </a:ext>
+            </a:extLst>
+          </p:cNvPr>
+          <p:cNvGrpSpPr/>
+          <p:nvPr/>
+        </p:nvGrpSpPr>
+        <p:grpSpPr>
+          <a:xfrm>
+            <a:off x="550545" y="2152645"/>
+            <a:ext cx="11342115" cy="2601402"/>
+            <a:chOff x="579120" y="2171695"/>
+            <a:chExt cx="11342115" cy="2601402"/>
+          </a:xfrm>
+        </p:grpSpPr>
+        <p:grpSp>
+          <p:nvGrpSpPr>
+            <p:cNvPr id="8" name="Group 7">
+              <a:extLst>
+                <a:ext uri="{FF2B5EF4-FFF2-40B4-BE49-F238E27FC236}">
+                  <a16:creationId xmlns:a16="http://schemas.microsoft.com/office/drawing/2014/main" id="{2848A431-9E23-4BA2-BACE-1EBA158D0801}"/>
+                </a:ext>
+              </a:extLst>
+            </p:cNvPr>
+            <p:cNvGrpSpPr/>
+            <p:nvPr/>
+          </p:nvGrpSpPr>
+          <p:grpSpPr>
+            <a:xfrm>
+              <a:off x="579120" y="2171699"/>
+              <a:ext cx="1375155" cy="307778"/>
+              <a:chOff x="579120" y="2171699"/>
+              <a:chExt cx="1375155" cy="307778"/>
+            </a:xfrm>
+          </p:grpSpPr>
+          <p:sp>
+            <p:nvSpPr>
+              <p:cNvPr id="6" name="TextBox 5">
+                <a:extLst>
+                  <a:ext uri="{FF2B5EF4-FFF2-40B4-BE49-F238E27FC236}">
+                    <a16:creationId xmlns:a16="http://schemas.microsoft.com/office/drawing/2014/main" id="{8E238604-ECA4-4142-B300-56F6FE2BEFC6}"/>
+                  </a:ext>
+                </a:extLst>
+              </p:cNvPr>
+              <p:cNvSpPr txBox="1"/>
+              <p:nvPr/>
+            </p:nvSpPr>
+            <p:spPr>
+              <a:xfrm>
+                <a:off x="579120" y="2171700"/>
+                <a:ext cx="498855" cy="307777"/>
+              </a:xfrm>
+              <a:prstGeom prst="rect">
+                <a:avLst/>
+              </a:prstGeom>
+              <a:noFill/>
+            </p:spPr>
+            <p:txBody>
+              <a:bodyPr wrap="none" rtlCol="0">
+                <a:spAutoFit/>
+              </a:bodyPr>
+              <a:lstStyle/>
+              <a:p>
+                <a:r>
+                  <a:rPr lang="pt-BR" sz="1400" b="1" dirty="0">
+                    <a:solidFill>
+                      <a:schemeClr val="bg1"/>
+                    </a:solidFill>
+                  </a:rPr>
+                  <a:t>52%</a:t>
+                </a:r>
+                <a:endParaRPr lang="en-US" sz="1400" b="1" dirty="0">
+                  <a:solidFill>
+                    <a:schemeClr val="bg1"/>
+                  </a:solidFill>
+                </a:endParaRPr>
+              </a:p>
+            </p:txBody>
+          </p:sp>
+          <p:sp>
+            <p:nvSpPr>
+              <p:cNvPr id="7" name="TextBox 6">
+                <a:extLst>
+                  <a:ext uri="{FF2B5EF4-FFF2-40B4-BE49-F238E27FC236}">
+                    <a16:creationId xmlns:a16="http://schemas.microsoft.com/office/drawing/2014/main" id="{139F681A-1A75-49E8-9E59-6F8F8D74F180}"/>
+                  </a:ext>
+                </a:extLst>
+              </p:cNvPr>
+              <p:cNvSpPr txBox="1"/>
+              <p:nvPr/>
+            </p:nvSpPr>
+            <p:spPr>
+              <a:xfrm>
+                <a:off x="1455420" y="2171699"/>
+                <a:ext cx="498855" cy="307777"/>
+              </a:xfrm>
+              <a:prstGeom prst="rect">
+                <a:avLst/>
+              </a:prstGeom>
+              <a:noFill/>
+            </p:spPr>
+            <p:txBody>
+              <a:bodyPr wrap="none" rtlCol="0">
+                <a:spAutoFit/>
+              </a:bodyPr>
+              <a:lstStyle/>
+              <a:p>
+                <a:r>
+                  <a:rPr lang="pt-BR" sz="1400" b="1" dirty="0">
+                    <a:solidFill>
+                      <a:schemeClr val="bg1"/>
+                    </a:solidFill>
+                  </a:rPr>
+                  <a:t>48%</a:t>
+                </a:r>
+                <a:endParaRPr lang="en-US" sz="1400" b="1" dirty="0">
+                  <a:solidFill>
+                    <a:schemeClr val="bg1"/>
+                  </a:solidFill>
+                </a:endParaRPr>
+              </a:p>
+            </p:txBody>
+          </p:sp>
+        </p:grpSp>
+        <p:grpSp>
+          <p:nvGrpSpPr>
+            <p:cNvPr id="9" name="Group 8">
+              <a:extLst>
+                <a:ext uri="{FF2B5EF4-FFF2-40B4-BE49-F238E27FC236}">
+                  <a16:creationId xmlns:a16="http://schemas.microsoft.com/office/drawing/2014/main" id="{EFE97929-220D-4588-9ED6-C66AEE5170E6}"/>
+                </a:ext>
+              </a:extLst>
+            </p:cNvPr>
+            <p:cNvGrpSpPr/>
+            <p:nvPr/>
+          </p:nvGrpSpPr>
+          <p:grpSpPr>
+            <a:xfrm>
+              <a:off x="3070860" y="2171698"/>
+              <a:ext cx="1375155" cy="307778"/>
+              <a:chOff x="579120" y="2171699"/>
+              <a:chExt cx="1375155" cy="307778"/>
+            </a:xfrm>
+          </p:grpSpPr>
+          <p:sp>
+            <p:nvSpPr>
+              <p:cNvPr id="10" name="TextBox 9">
+                <a:extLst>
+                  <a:ext uri="{FF2B5EF4-FFF2-40B4-BE49-F238E27FC236}">
+                    <a16:creationId xmlns:a16="http://schemas.microsoft.com/office/drawing/2014/main" id="{9B0E0DB4-210B-4FF5-B9B6-3CF321328F85}"/>
+                  </a:ext>
+                </a:extLst>
+              </p:cNvPr>
+              <p:cNvSpPr txBox="1"/>
+              <p:nvPr/>
+            </p:nvSpPr>
+            <p:spPr>
+              <a:xfrm>
+                <a:off x="579120" y="2171700"/>
+                <a:ext cx="498855" cy="307777"/>
+              </a:xfrm>
+              <a:prstGeom prst="rect">
+                <a:avLst/>
+              </a:prstGeom>
+              <a:noFill/>
+            </p:spPr>
+            <p:txBody>
+              <a:bodyPr wrap="none" rtlCol="0">
+                <a:spAutoFit/>
+              </a:bodyPr>
+              <a:lstStyle/>
+              <a:p>
+                <a:r>
+                  <a:rPr lang="pt-BR" sz="1400" b="1" dirty="0">
+                    <a:solidFill>
+                      <a:schemeClr val="bg1"/>
+                    </a:solidFill>
+                  </a:rPr>
+                  <a:t>50%</a:t>
+                </a:r>
+                <a:endParaRPr lang="en-US" sz="1400" b="1" dirty="0">
+                  <a:solidFill>
+                    <a:schemeClr val="bg1"/>
+                  </a:solidFill>
+                </a:endParaRPr>
+              </a:p>
+            </p:txBody>
+          </p:sp>
+          <p:sp>
+            <p:nvSpPr>
+              <p:cNvPr id="11" name="TextBox 10">
+                <a:extLst>
+                  <a:ext uri="{FF2B5EF4-FFF2-40B4-BE49-F238E27FC236}">
+                    <a16:creationId xmlns:a16="http://schemas.microsoft.com/office/drawing/2014/main" id="{85859C73-EFF2-40E0-940C-62C4246D582A}"/>
+                  </a:ext>
+                </a:extLst>
+              </p:cNvPr>
+              <p:cNvSpPr txBox="1"/>
+              <p:nvPr/>
+            </p:nvSpPr>
+            <p:spPr>
+              <a:xfrm>
+                <a:off x="1455420" y="2171699"/>
+                <a:ext cx="498855" cy="307777"/>
+              </a:xfrm>
+              <a:prstGeom prst="rect">
+                <a:avLst/>
+              </a:prstGeom>
+              <a:noFill/>
+            </p:spPr>
+            <p:txBody>
+              <a:bodyPr wrap="none" rtlCol="0">
+                <a:spAutoFit/>
+              </a:bodyPr>
+              <a:lstStyle/>
+              <a:p>
+                <a:r>
+                  <a:rPr lang="pt-BR" sz="1400" b="1" dirty="0">
+                    <a:solidFill>
+                      <a:schemeClr val="bg1"/>
+                    </a:solidFill>
+                  </a:rPr>
+                  <a:t>50%</a:t>
+                </a:r>
+                <a:endParaRPr lang="en-US" sz="1400" b="1" dirty="0">
+                  <a:solidFill>
+                    <a:schemeClr val="bg1"/>
+                  </a:solidFill>
+                </a:endParaRPr>
+              </a:p>
+            </p:txBody>
+          </p:sp>
+        </p:grpSp>
+        <p:grpSp>
+          <p:nvGrpSpPr>
+            <p:cNvPr id="12" name="Group 11">
+              <a:extLst>
+                <a:ext uri="{FF2B5EF4-FFF2-40B4-BE49-F238E27FC236}">
+                  <a16:creationId xmlns:a16="http://schemas.microsoft.com/office/drawing/2014/main" id="{8B36A9D6-C0B2-46BC-A6F7-E139B965A8F9}"/>
+                </a:ext>
+              </a:extLst>
+            </p:cNvPr>
+            <p:cNvGrpSpPr/>
+            <p:nvPr/>
+          </p:nvGrpSpPr>
+          <p:grpSpPr>
+            <a:xfrm>
+              <a:off x="5570220" y="2171697"/>
+              <a:ext cx="1375155" cy="307778"/>
+              <a:chOff x="579120" y="2171699"/>
+              <a:chExt cx="1375155" cy="307778"/>
+            </a:xfrm>
+          </p:grpSpPr>
+          <p:sp>
+            <p:nvSpPr>
+              <p:cNvPr id="13" name="TextBox 12">
+                <a:extLst>
+                  <a:ext uri="{FF2B5EF4-FFF2-40B4-BE49-F238E27FC236}">
+                    <a16:creationId xmlns:a16="http://schemas.microsoft.com/office/drawing/2014/main" id="{291A92FC-FAAE-4DF2-AE90-C7B33A596839}"/>
+                  </a:ext>
+                </a:extLst>
+              </p:cNvPr>
+              <p:cNvSpPr txBox="1"/>
+              <p:nvPr/>
+            </p:nvSpPr>
+            <p:spPr>
+              <a:xfrm>
+                <a:off x="579120" y="2171700"/>
+                <a:ext cx="498855" cy="307777"/>
+              </a:xfrm>
+              <a:prstGeom prst="rect">
+                <a:avLst/>
+              </a:prstGeom>
+              <a:noFill/>
+            </p:spPr>
+            <p:txBody>
+              <a:bodyPr wrap="none" rtlCol="0">
+                <a:spAutoFit/>
+              </a:bodyPr>
+              <a:lstStyle/>
+              <a:p>
+                <a:r>
+                  <a:rPr lang="pt-BR" sz="1400" b="1" dirty="0">
+                    <a:solidFill>
+                      <a:schemeClr val="bg1"/>
+                    </a:solidFill>
+                  </a:rPr>
+                  <a:t>51%</a:t>
+                </a:r>
+                <a:endParaRPr lang="en-US" sz="1400" b="1" dirty="0">
+                  <a:solidFill>
+                    <a:schemeClr val="bg1"/>
+                  </a:solidFill>
+                </a:endParaRPr>
+              </a:p>
+            </p:txBody>
+          </p:sp>
+          <p:sp>
+            <p:nvSpPr>
+              <p:cNvPr id="14" name="TextBox 13">
+                <a:extLst>
+                  <a:ext uri="{FF2B5EF4-FFF2-40B4-BE49-F238E27FC236}">
+                    <a16:creationId xmlns:a16="http://schemas.microsoft.com/office/drawing/2014/main" id="{6F8949E6-CC37-40B8-8B52-27B1FDB2C5C1}"/>
+                  </a:ext>
+                </a:extLst>
+              </p:cNvPr>
+              <p:cNvSpPr txBox="1"/>
+              <p:nvPr/>
+            </p:nvSpPr>
+            <p:spPr>
+              <a:xfrm>
+                <a:off x="1455420" y="2171699"/>
+                <a:ext cx="498855" cy="307777"/>
+              </a:xfrm>
+              <a:prstGeom prst="rect">
+                <a:avLst/>
+              </a:prstGeom>
+              <a:noFill/>
+            </p:spPr>
+            <p:txBody>
+              <a:bodyPr wrap="none" rtlCol="0">
+                <a:spAutoFit/>
+              </a:bodyPr>
+              <a:lstStyle/>
+              <a:p>
+                <a:r>
+                  <a:rPr lang="pt-BR" sz="1400" b="1" dirty="0">
+                    <a:solidFill>
+                      <a:schemeClr val="bg1"/>
+                    </a:solidFill>
+                  </a:rPr>
+                  <a:t>49%</a:t>
+                </a:r>
+                <a:endParaRPr lang="en-US" sz="1400" b="1" dirty="0">
+                  <a:solidFill>
+                    <a:schemeClr val="bg1"/>
+                  </a:solidFill>
+                </a:endParaRPr>
+              </a:p>
+            </p:txBody>
+          </p:sp>
+        </p:grpSp>
+        <p:grpSp>
+          <p:nvGrpSpPr>
+            <p:cNvPr id="15" name="Group 14">
+              <a:extLst>
+                <a:ext uri="{FF2B5EF4-FFF2-40B4-BE49-F238E27FC236}">
+                  <a16:creationId xmlns:a16="http://schemas.microsoft.com/office/drawing/2014/main" id="{A12DD572-CEEE-4BC1-BF8D-CCBFE214A29A}"/>
+                </a:ext>
+              </a:extLst>
+            </p:cNvPr>
+            <p:cNvGrpSpPr/>
+            <p:nvPr/>
+          </p:nvGrpSpPr>
+          <p:grpSpPr>
+            <a:xfrm>
+              <a:off x="8054340" y="2171696"/>
+              <a:ext cx="1375155" cy="307778"/>
+              <a:chOff x="579120" y="2171699"/>
+              <a:chExt cx="1375155" cy="307778"/>
+            </a:xfrm>
+          </p:grpSpPr>
+          <p:sp>
+            <p:nvSpPr>
+              <p:cNvPr id="16" name="TextBox 15">
+                <a:extLst>
+                  <a:ext uri="{FF2B5EF4-FFF2-40B4-BE49-F238E27FC236}">
+                    <a16:creationId xmlns:a16="http://schemas.microsoft.com/office/drawing/2014/main" id="{4BCDC8BB-AE43-4D7B-9A2A-AD517CDE0BE3}"/>
+                  </a:ext>
+                </a:extLst>
+              </p:cNvPr>
+              <p:cNvSpPr txBox="1"/>
+              <p:nvPr/>
+            </p:nvSpPr>
+            <p:spPr>
+              <a:xfrm>
+                <a:off x="579120" y="2171700"/>
+                <a:ext cx="498855" cy="307777"/>
+              </a:xfrm>
+              <a:prstGeom prst="rect">
+                <a:avLst/>
+              </a:prstGeom>
+              <a:noFill/>
+            </p:spPr>
+            <p:txBody>
+              <a:bodyPr wrap="none" rtlCol="0">
+                <a:spAutoFit/>
+              </a:bodyPr>
+              <a:lstStyle/>
+              <a:p>
+                <a:r>
+                  <a:rPr lang="pt-BR" sz="1400" b="1" dirty="0">
+                    <a:solidFill>
+                      <a:schemeClr val="bg1"/>
+                    </a:solidFill>
+                  </a:rPr>
+                  <a:t>51%</a:t>
+                </a:r>
+                <a:endParaRPr lang="en-US" sz="1400" b="1" dirty="0">
+                  <a:solidFill>
+                    <a:schemeClr val="bg1"/>
+                  </a:solidFill>
+                </a:endParaRPr>
+              </a:p>
+            </p:txBody>
+          </p:sp>
+          <p:sp>
+            <p:nvSpPr>
+              <p:cNvPr id="17" name="TextBox 16">
+                <a:extLst>
+                  <a:ext uri="{FF2B5EF4-FFF2-40B4-BE49-F238E27FC236}">
+                    <a16:creationId xmlns:a16="http://schemas.microsoft.com/office/drawing/2014/main" id="{39D018F1-FF6C-480B-8EFA-89D6E09A08E5}"/>
+                  </a:ext>
+                </a:extLst>
+              </p:cNvPr>
+              <p:cNvSpPr txBox="1"/>
+              <p:nvPr/>
+            </p:nvSpPr>
+            <p:spPr>
+              <a:xfrm>
+                <a:off x="1455420" y="2171699"/>
+                <a:ext cx="498855" cy="307777"/>
+              </a:xfrm>
+              <a:prstGeom prst="rect">
+                <a:avLst/>
+              </a:prstGeom>
+              <a:noFill/>
+            </p:spPr>
+            <p:txBody>
+              <a:bodyPr wrap="none" rtlCol="0">
+                <a:spAutoFit/>
+              </a:bodyPr>
+              <a:lstStyle/>
+              <a:p>
+                <a:r>
+                  <a:rPr lang="pt-BR" sz="1400" b="1" dirty="0">
+                    <a:solidFill>
+                      <a:schemeClr val="bg1"/>
+                    </a:solidFill>
+                  </a:rPr>
+                  <a:t>49%</a:t>
+                </a:r>
+                <a:endParaRPr lang="en-US" sz="1400" b="1" dirty="0">
+                  <a:solidFill>
+                    <a:schemeClr val="bg1"/>
+                  </a:solidFill>
+                </a:endParaRPr>
+              </a:p>
+            </p:txBody>
+          </p:sp>
+        </p:grpSp>
+        <p:grpSp>
+          <p:nvGrpSpPr>
+            <p:cNvPr id="18" name="Group 17">
+              <a:extLst>
+                <a:ext uri="{FF2B5EF4-FFF2-40B4-BE49-F238E27FC236}">
+                  <a16:creationId xmlns:a16="http://schemas.microsoft.com/office/drawing/2014/main" id="{5299A749-D298-4C8D-AC2E-3B0CACEFD554}"/>
+                </a:ext>
+              </a:extLst>
+            </p:cNvPr>
+            <p:cNvGrpSpPr/>
+            <p:nvPr/>
+          </p:nvGrpSpPr>
+          <p:grpSpPr>
+            <a:xfrm>
+              <a:off x="10546080" y="2171695"/>
+              <a:ext cx="1375155" cy="307778"/>
+              <a:chOff x="579120" y="2171699"/>
+              <a:chExt cx="1375155" cy="307778"/>
+            </a:xfrm>
+          </p:grpSpPr>
+          <p:sp>
+            <p:nvSpPr>
+              <p:cNvPr id="19" name="TextBox 18">
+                <a:extLst>
+                  <a:ext uri="{FF2B5EF4-FFF2-40B4-BE49-F238E27FC236}">
+                    <a16:creationId xmlns:a16="http://schemas.microsoft.com/office/drawing/2014/main" id="{5617C981-BB99-4DAA-8603-0DC4A47D7DE5}"/>
+                  </a:ext>
+                </a:extLst>
+              </p:cNvPr>
+              <p:cNvSpPr txBox="1"/>
+              <p:nvPr/>
+            </p:nvSpPr>
+            <p:spPr>
+              <a:xfrm>
+                <a:off x="579120" y="2171700"/>
+                <a:ext cx="498855" cy="307777"/>
+              </a:xfrm>
+              <a:prstGeom prst="rect">
+                <a:avLst/>
+              </a:prstGeom>
+              <a:noFill/>
+            </p:spPr>
+            <p:txBody>
+              <a:bodyPr wrap="none" rtlCol="0">
+                <a:spAutoFit/>
+              </a:bodyPr>
+              <a:lstStyle/>
+              <a:p>
+                <a:r>
+                  <a:rPr lang="pt-BR" sz="1400" b="1" dirty="0">
+                    <a:solidFill>
+                      <a:schemeClr val="bg1"/>
+                    </a:solidFill>
+                  </a:rPr>
+                  <a:t>49%</a:t>
+                </a:r>
+                <a:endParaRPr lang="en-US" sz="1400" b="1" dirty="0">
+                  <a:solidFill>
+                    <a:schemeClr val="bg1"/>
+                  </a:solidFill>
+                </a:endParaRPr>
+              </a:p>
+            </p:txBody>
+          </p:sp>
+          <p:sp>
+            <p:nvSpPr>
+              <p:cNvPr id="20" name="TextBox 19">
+                <a:extLst>
+                  <a:ext uri="{FF2B5EF4-FFF2-40B4-BE49-F238E27FC236}">
+                    <a16:creationId xmlns:a16="http://schemas.microsoft.com/office/drawing/2014/main" id="{6B7C8F71-5909-47F4-AB11-888E07F86727}"/>
+                  </a:ext>
+                </a:extLst>
+              </p:cNvPr>
+              <p:cNvSpPr txBox="1"/>
+              <p:nvPr/>
+            </p:nvSpPr>
+            <p:spPr>
+              <a:xfrm>
+                <a:off x="1455420" y="2171699"/>
+                <a:ext cx="498855" cy="307777"/>
+              </a:xfrm>
+              <a:prstGeom prst="rect">
+                <a:avLst/>
+              </a:prstGeom>
+              <a:noFill/>
+            </p:spPr>
+            <p:txBody>
+              <a:bodyPr wrap="none" rtlCol="0">
+                <a:spAutoFit/>
+              </a:bodyPr>
+              <a:lstStyle/>
+              <a:p>
+                <a:r>
+                  <a:rPr lang="pt-BR" sz="1400" b="1" dirty="0">
+                    <a:solidFill>
+                      <a:schemeClr val="bg1"/>
+                    </a:solidFill>
+                  </a:rPr>
+                  <a:t>51%</a:t>
+                </a:r>
+                <a:endParaRPr lang="en-US" sz="1400" b="1" dirty="0">
+                  <a:solidFill>
+                    <a:schemeClr val="bg1"/>
+                  </a:solidFill>
+                </a:endParaRPr>
+              </a:p>
+            </p:txBody>
+          </p:sp>
+        </p:grpSp>
+        <p:grpSp>
+          <p:nvGrpSpPr>
+            <p:cNvPr id="21" name="Group 20">
+              <a:extLst>
+                <a:ext uri="{FF2B5EF4-FFF2-40B4-BE49-F238E27FC236}">
+                  <a16:creationId xmlns:a16="http://schemas.microsoft.com/office/drawing/2014/main" id="{938BD4D0-B037-4B46-987B-B70689B93021}"/>
+                </a:ext>
+              </a:extLst>
+            </p:cNvPr>
+            <p:cNvGrpSpPr/>
+            <p:nvPr/>
+          </p:nvGrpSpPr>
+          <p:grpSpPr>
+            <a:xfrm>
+              <a:off x="592745" y="4465319"/>
+              <a:ext cx="1375155" cy="307778"/>
+              <a:chOff x="579120" y="2171699"/>
+              <a:chExt cx="1375155" cy="307778"/>
+            </a:xfrm>
+          </p:grpSpPr>
+          <p:sp>
+            <p:nvSpPr>
+              <p:cNvPr id="22" name="TextBox 21">
+                <a:extLst>
+                  <a:ext uri="{FF2B5EF4-FFF2-40B4-BE49-F238E27FC236}">
+                    <a16:creationId xmlns:a16="http://schemas.microsoft.com/office/drawing/2014/main" id="{DBCBF5E2-FE3B-4528-B5C0-61C3D27DD470}"/>
+                  </a:ext>
+                </a:extLst>
+              </p:cNvPr>
+              <p:cNvSpPr txBox="1"/>
+              <p:nvPr/>
+            </p:nvSpPr>
+            <p:spPr>
+              <a:xfrm>
+                <a:off x="579120" y="2171700"/>
+                <a:ext cx="498855" cy="307777"/>
+              </a:xfrm>
+              <a:prstGeom prst="rect">
+                <a:avLst/>
+              </a:prstGeom>
+              <a:noFill/>
+            </p:spPr>
+            <p:txBody>
+              <a:bodyPr wrap="none" rtlCol="0">
+                <a:spAutoFit/>
+              </a:bodyPr>
+              <a:lstStyle/>
+              <a:p>
+                <a:r>
+                  <a:rPr lang="pt-BR" sz="1400" b="1" dirty="0">
+                    <a:solidFill>
+                      <a:schemeClr val="bg1"/>
+                    </a:solidFill>
+                  </a:rPr>
+                  <a:t>46%</a:t>
+                </a:r>
+                <a:endParaRPr lang="en-US" sz="1400" b="1" dirty="0">
+                  <a:solidFill>
+                    <a:schemeClr val="bg1"/>
+                  </a:solidFill>
+                </a:endParaRPr>
+              </a:p>
+            </p:txBody>
+          </p:sp>
+          <p:sp>
+            <p:nvSpPr>
+              <p:cNvPr id="23" name="TextBox 22">
+                <a:extLst>
+                  <a:ext uri="{FF2B5EF4-FFF2-40B4-BE49-F238E27FC236}">
+                    <a16:creationId xmlns:a16="http://schemas.microsoft.com/office/drawing/2014/main" id="{261B23EF-2FD5-4291-AAFB-87C63D36B2AD}"/>
+                  </a:ext>
+                </a:extLst>
+              </p:cNvPr>
+              <p:cNvSpPr txBox="1"/>
+              <p:nvPr/>
+            </p:nvSpPr>
+            <p:spPr>
+              <a:xfrm>
+                <a:off x="1455420" y="2171699"/>
+                <a:ext cx="498855" cy="307777"/>
+              </a:xfrm>
+              <a:prstGeom prst="rect">
+                <a:avLst/>
+              </a:prstGeom>
+              <a:noFill/>
+            </p:spPr>
+            <p:txBody>
+              <a:bodyPr wrap="none" rtlCol="0">
+                <a:spAutoFit/>
+              </a:bodyPr>
+              <a:lstStyle/>
+              <a:p>
+                <a:r>
+                  <a:rPr lang="pt-BR" sz="1400" b="1" dirty="0">
+                    <a:solidFill>
+                      <a:schemeClr val="bg1"/>
+                    </a:solidFill>
+                  </a:rPr>
+                  <a:t>54%</a:t>
+                </a:r>
+                <a:endParaRPr lang="en-US" sz="1400" b="1" dirty="0">
+                  <a:solidFill>
+                    <a:schemeClr val="bg1"/>
+                  </a:solidFill>
+                </a:endParaRPr>
+              </a:p>
+            </p:txBody>
+          </p:sp>
+        </p:grpSp>
+        <p:grpSp>
+          <p:nvGrpSpPr>
+            <p:cNvPr id="24" name="Group 23">
+              <a:extLst>
+                <a:ext uri="{FF2B5EF4-FFF2-40B4-BE49-F238E27FC236}">
+                  <a16:creationId xmlns:a16="http://schemas.microsoft.com/office/drawing/2014/main" id="{18590F91-6242-4B78-8995-CFDA556DCC1B}"/>
+                </a:ext>
+              </a:extLst>
+            </p:cNvPr>
+            <p:cNvGrpSpPr/>
+            <p:nvPr/>
+          </p:nvGrpSpPr>
+          <p:grpSpPr>
+            <a:xfrm>
+              <a:off x="3084485" y="4465318"/>
+              <a:ext cx="1375155" cy="307778"/>
+              <a:chOff x="579120" y="2171699"/>
+              <a:chExt cx="1375155" cy="307778"/>
+            </a:xfrm>
+          </p:grpSpPr>
+          <p:sp>
+            <p:nvSpPr>
+              <p:cNvPr id="25" name="TextBox 24">
+                <a:extLst>
+                  <a:ext uri="{FF2B5EF4-FFF2-40B4-BE49-F238E27FC236}">
+                    <a16:creationId xmlns:a16="http://schemas.microsoft.com/office/drawing/2014/main" id="{5589C3A3-1061-44B1-B97B-3A599BDF7348}"/>
+                  </a:ext>
+                </a:extLst>
+              </p:cNvPr>
+              <p:cNvSpPr txBox="1"/>
+              <p:nvPr/>
+            </p:nvSpPr>
+            <p:spPr>
+              <a:xfrm>
+                <a:off x="579120" y="2171700"/>
+                <a:ext cx="498855" cy="307777"/>
+              </a:xfrm>
+              <a:prstGeom prst="rect">
+                <a:avLst/>
+              </a:prstGeom>
+              <a:noFill/>
+            </p:spPr>
+            <p:txBody>
+              <a:bodyPr wrap="none" rtlCol="0">
+                <a:spAutoFit/>
+              </a:bodyPr>
+              <a:lstStyle/>
+              <a:p>
+                <a:r>
+                  <a:rPr lang="pt-BR" sz="1400" b="1" dirty="0">
+                    <a:solidFill>
+                      <a:schemeClr val="bg1"/>
+                    </a:solidFill>
+                  </a:rPr>
+                  <a:t>48%</a:t>
+                </a:r>
+                <a:endParaRPr lang="en-US" sz="1400" b="1" dirty="0">
+                  <a:solidFill>
+                    <a:schemeClr val="bg1"/>
+                  </a:solidFill>
+                </a:endParaRPr>
+              </a:p>
+            </p:txBody>
+          </p:sp>
+          <p:sp>
+            <p:nvSpPr>
+              <p:cNvPr id="26" name="TextBox 25">
+                <a:extLst>
+                  <a:ext uri="{FF2B5EF4-FFF2-40B4-BE49-F238E27FC236}">
+                    <a16:creationId xmlns:a16="http://schemas.microsoft.com/office/drawing/2014/main" id="{A2ECAADB-3124-447C-804B-03537A388BA2}"/>
+                  </a:ext>
+                </a:extLst>
+              </p:cNvPr>
+              <p:cNvSpPr txBox="1"/>
+              <p:nvPr/>
+            </p:nvSpPr>
+            <p:spPr>
+              <a:xfrm>
+                <a:off x="1455420" y="2171699"/>
+                <a:ext cx="498855" cy="307777"/>
+              </a:xfrm>
+              <a:prstGeom prst="rect">
+                <a:avLst/>
+              </a:prstGeom>
+              <a:noFill/>
+            </p:spPr>
+            <p:txBody>
+              <a:bodyPr wrap="none" rtlCol="0">
+                <a:spAutoFit/>
+              </a:bodyPr>
+              <a:lstStyle/>
+              <a:p>
+                <a:r>
+                  <a:rPr lang="pt-BR" sz="1400" b="1" dirty="0">
+                    <a:solidFill>
+                      <a:schemeClr val="bg1"/>
+                    </a:solidFill>
+                  </a:rPr>
+                  <a:t>52%</a:t>
+                </a:r>
+                <a:endParaRPr lang="en-US" sz="1400" b="1" dirty="0">
+                  <a:solidFill>
+                    <a:schemeClr val="bg1"/>
+                  </a:solidFill>
+                </a:endParaRPr>
+              </a:p>
+            </p:txBody>
+          </p:sp>
+        </p:grpSp>
+        <p:grpSp>
+          <p:nvGrpSpPr>
+            <p:cNvPr id="27" name="Group 26">
+              <a:extLst>
+                <a:ext uri="{FF2B5EF4-FFF2-40B4-BE49-F238E27FC236}">
+                  <a16:creationId xmlns:a16="http://schemas.microsoft.com/office/drawing/2014/main" id="{D1E6CC4A-3E1D-44F0-9F38-B75A699CEAA5}"/>
+                </a:ext>
+              </a:extLst>
+            </p:cNvPr>
+            <p:cNvGrpSpPr/>
+            <p:nvPr/>
+          </p:nvGrpSpPr>
+          <p:grpSpPr>
+            <a:xfrm>
+              <a:off x="5567067" y="4465317"/>
+              <a:ext cx="1391933" cy="307778"/>
+              <a:chOff x="562342" y="2171699"/>
+              <a:chExt cx="1391933" cy="307778"/>
+            </a:xfrm>
+          </p:grpSpPr>
+          <p:sp>
+            <p:nvSpPr>
+              <p:cNvPr id="28" name="TextBox 27">
+                <a:extLst>
+                  <a:ext uri="{FF2B5EF4-FFF2-40B4-BE49-F238E27FC236}">
+                    <a16:creationId xmlns:a16="http://schemas.microsoft.com/office/drawing/2014/main" id="{6E5A4AFA-F3C7-4A66-A84C-7924B609A6F4}"/>
+                  </a:ext>
+                </a:extLst>
+              </p:cNvPr>
+              <p:cNvSpPr txBox="1"/>
+              <p:nvPr/>
+            </p:nvSpPr>
+            <p:spPr>
+              <a:xfrm>
+                <a:off x="562342" y="2171700"/>
+                <a:ext cx="498855" cy="307777"/>
+              </a:xfrm>
+              <a:prstGeom prst="rect">
+                <a:avLst/>
+              </a:prstGeom>
+              <a:noFill/>
+            </p:spPr>
+            <p:txBody>
+              <a:bodyPr wrap="none" rtlCol="0">
+                <a:spAutoFit/>
+              </a:bodyPr>
+              <a:lstStyle/>
+              <a:p>
+                <a:r>
+                  <a:rPr lang="pt-BR" sz="1400" b="1" dirty="0">
+                    <a:solidFill>
+                      <a:schemeClr val="bg1"/>
+                    </a:solidFill>
+                  </a:rPr>
+                  <a:t>52%</a:t>
+                </a:r>
+                <a:endParaRPr lang="en-US" sz="1400" b="1" dirty="0">
+                  <a:solidFill>
+                    <a:schemeClr val="bg1"/>
+                  </a:solidFill>
+                </a:endParaRPr>
+              </a:p>
+            </p:txBody>
+          </p:sp>
+          <p:sp>
+            <p:nvSpPr>
+              <p:cNvPr id="29" name="TextBox 28">
+                <a:extLst>
+                  <a:ext uri="{FF2B5EF4-FFF2-40B4-BE49-F238E27FC236}">
+                    <a16:creationId xmlns:a16="http://schemas.microsoft.com/office/drawing/2014/main" id="{DEC6FFF2-7740-4077-8B0F-541947D639F8}"/>
+                  </a:ext>
+                </a:extLst>
+              </p:cNvPr>
+              <p:cNvSpPr txBox="1"/>
+              <p:nvPr/>
+            </p:nvSpPr>
+            <p:spPr>
+              <a:xfrm>
+                <a:off x="1455420" y="2171699"/>
+                <a:ext cx="498855" cy="307777"/>
+              </a:xfrm>
+              <a:prstGeom prst="rect">
+                <a:avLst/>
+              </a:prstGeom>
+              <a:noFill/>
+            </p:spPr>
+            <p:txBody>
+              <a:bodyPr wrap="none" rtlCol="0">
+                <a:spAutoFit/>
+              </a:bodyPr>
+              <a:lstStyle/>
+              <a:p>
+                <a:r>
+                  <a:rPr lang="pt-BR" sz="1400" b="1" dirty="0">
+                    <a:solidFill>
+                      <a:schemeClr val="bg1"/>
+                    </a:solidFill>
+                  </a:rPr>
+                  <a:t>48%</a:t>
+                </a:r>
+                <a:endParaRPr lang="en-US" sz="1400" b="1" dirty="0">
+                  <a:solidFill>
+                    <a:schemeClr val="bg1"/>
+                  </a:solidFill>
+                </a:endParaRPr>
+              </a:p>
+            </p:txBody>
+          </p:sp>
+        </p:grpSp>
+        <p:grpSp>
+          <p:nvGrpSpPr>
+            <p:cNvPr id="30" name="Group 29">
+              <a:extLst>
+                <a:ext uri="{FF2B5EF4-FFF2-40B4-BE49-F238E27FC236}">
+                  <a16:creationId xmlns:a16="http://schemas.microsoft.com/office/drawing/2014/main" id="{C16F722E-EBC8-4FE1-AF06-E56FFCC7D1FA}"/>
+                </a:ext>
+              </a:extLst>
+            </p:cNvPr>
+            <p:cNvGrpSpPr/>
+            <p:nvPr/>
+          </p:nvGrpSpPr>
+          <p:grpSpPr>
+            <a:xfrm>
+              <a:off x="8051187" y="4465316"/>
+              <a:ext cx="1391933" cy="307778"/>
+              <a:chOff x="562342" y="2171699"/>
+              <a:chExt cx="1391933" cy="307778"/>
+            </a:xfrm>
+          </p:grpSpPr>
+          <p:sp>
+            <p:nvSpPr>
+              <p:cNvPr id="31" name="TextBox 30">
+                <a:extLst>
+                  <a:ext uri="{FF2B5EF4-FFF2-40B4-BE49-F238E27FC236}">
+                    <a16:creationId xmlns:a16="http://schemas.microsoft.com/office/drawing/2014/main" id="{B551AA17-151C-40D6-8C89-128BAAF347BA}"/>
+                  </a:ext>
+                </a:extLst>
+              </p:cNvPr>
+              <p:cNvSpPr txBox="1"/>
+              <p:nvPr/>
+            </p:nvSpPr>
+            <p:spPr>
+              <a:xfrm>
+                <a:off x="562342" y="2171700"/>
+                <a:ext cx="498855" cy="307777"/>
+              </a:xfrm>
+              <a:prstGeom prst="rect">
+                <a:avLst/>
+              </a:prstGeom>
+              <a:noFill/>
+            </p:spPr>
+            <p:txBody>
+              <a:bodyPr wrap="none" rtlCol="0">
+                <a:spAutoFit/>
+              </a:bodyPr>
+              <a:lstStyle/>
+              <a:p>
+                <a:r>
+                  <a:rPr lang="pt-BR" sz="1400" b="1" dirty="0">
+                    <a:solidFill>
+                      <a:schemeClr val="bg1"/>
+                    </a:solidFill>
+                  </a:rPr>
+                  <a:t>52%</a:t>
+                </a:r>
+                <a:endParaRPr lang="en-US" sz="1400" b="1" dirty="0">
+                  <a:solidFill>
+                    <a:schemeClr val="bg1"/>
+                  </a:solidFill>
+                </a:endParaRPr>
+              </a:p>
+            </p:txBody>
+          </p:sp>
+          <p:sp>
+            <p:nvSpPr>
+              <p:cNvPr id="32" name="TextBox 31">
+                <a:extLst>
+                  <a:ext uri="{FF2B5EF4-FFF2-40B4-BE49-F238E27FC236}">
+                    <a16:creationId xmlns:a16="http://schemas.microsoft.com/office/drawing/2014/main" id="{EFFBF39E-14F6-4F13-B51C-5E6B8DCB1BB7}"/>
+                  </a:ext>
+                </a:extLst>
+              </p:cNvPr>
+              <p:cNvSpPr txBox="1"/>
+              <p:nvPr/>
+            </p:nvSpPr>
+            <p:spPr>
+              <a:xfrm>
+                <a:off x="1455420" y="2171699"/>
+                <a:ext cx="498855" cy="307777"/>
+              </a:xfrm>
+              <a:prstGeom prst="rect">
+                <a:avLst/>
+              </a:prstGeom>
+              <a:noFill/>
+            </p:spPr>
+            <p:txBody>
+              <a:bodyPr wrap="none" rtlCol="0">
+                <a:spAutoFit/>
+              </a:bodyPr>
+              <a:lstStyle/>
+              <a:p>
+                <a:r>
+                  <a:rPr lang="pt-BR" sz="1400" b="1" dirty="0">
+                    <a:solidFill>
+                      <a:schemeClr val="bg1"/>
+                    </a:solidFill>
+                  </a:rPr>
+                  <a:t>48%</a:t>
+                </a:r>
+                <a:endParaRPr lang="en-US" sz="1400" b="1" dirty="0">
+                  <a:solidFill>
+                    <a:schemeClr val="bg1"/>
+                  </a:solidFill>
+                </a:endParaRPr>
+              </a:p>
+            </p:txBody>
+          </p:sp>
+        </p:grpSp>
+        <p:grpSp>
+          <p:nvGrpSpPr>
+            <p:cNvPr id="33" name="Group 32">
+              <a:extLst>
+                <a:ext uri="{FF2B5EF4-FFF2-40B4-BE49-F238E27FC236}">
+                  <a16:creationId xmlns:a16="http://schemas.microsoft.com/office/drawing/2014/main" id="{04220A23-A38D-4235-BE5B-E58CFB94CB9B}"/>
+                </a:ext>
+              </a:extLst>
+            </p:cNvPr>
+            <p:cNvGrpSpPr/>
+            <p:nvPr/>
+          </p:nvGrpSpPr>
+          <p:grpSpPr>
+            <a:xfrm>
+              <a:off x="10551316" y="4465315"/>
+              <a:ext cx="1366766" cy="307778"/>
+              <a:chOff x="570731" y="2171699"/>
+              <a:chExt cx="1366766" cy="307778"/>
+            </a:xfrm>
+          </p:grpSpPr>
+          <p:sp>
+            <p:nvSpPr>
+              <p:cNvPr id="34" name="TextBox 33">
+                <a:extLst>
+                  <a:ext uri="{FF2B5EF4-FFF2-40B4-BE49-F238E27FC236}">
+                    <a16:creationId xmlns:a16="http://schemas.microsoft.com/office/drawing/2014/main" id="{71178028-EC99-4DE5-93E1-79DD0A882206}"/>
+                  </a:ext>
+                </a:extLst>
+              </p:cNvPr>
+              <p:cNvSpPr txBox="1"/>
+              <p:nvPr/>
+            </p:nvSpPr>
+            <p:spPr>
+              <a:xfrm>
+                <a:off x="570731" y="2171700"/>
+                <a:ext cx="498855" cy="307777"/>
+              </a:xfrm>
+              <a:prstGeom prst="rect">
+                <a:avLst/>
+              </a:prstGeom>
+              <a:noFill/>
+            </p:spPr>
+            <p:txBody>
+              <a:bodyPr wrap="none" rtlCol="0">
+                <a:spAutoFit/>
+              </a:bodyPr>
+              <a:lstStyle/>
+              <a:p>
+                <a:r>
+                  <a:rPr lang="pt-BR" sz="1400" b="1" dirty="0">
+                    <a:solidFill>
+                      <a:schemeClr val="bg1"/>
+                    </a:solidFill>
+                  </a:rPr>
+                  <a:t>52%</a:t>
+                </a:r>
+                <a:endParaRPr lang="en-US" sz="1400" b="1" dirty="0">
+                  <a:solidFill>
+                    <a:schemeClr val="bg1"/>
+                  </a:solidFill>
+                </a:endParaRPr>
+              </a:p>
+            </p:txBody>
+          </p:sp>
+          <p:sp>
+            <p:nvSpPr>
+              <p:cNvPr id="35" name="TextBox 34">
+                <a:extLst>
+                  <a:ext uri="{FF2B5EF4-FFF2-40B4-BE49-F238E27FC236}">
+                    <a16:creationId xmlns:a16="http://schemas.microsoft.com/office/drawing/2014/main" id="{7B4C97F6-EC9F-4E9D-BE51-C6A94EB7A600}"/>
+                  </a:ext>
+                </a:extLst>
+              </p:cNvPr>
+              <p:cNvSpPr txBox="1"/>
+              <p:nvPr/>
+            </p:nvSpPr>
+            <p:spPr>
+              <a:xfrm>
+                <a:off x="1438642" y="2171699"/>
+                <a:ext cx="498855" cy="307777"/>
+              </a:xfrm>
+              <a:prstGeom prst="rect">
+                <a:avLst/>
+              </a:prstGeom>
+              <a:noFill/>
+            </p:spPr>
+            <p:txBody>
+              <a:bodyPr wrap="none" rtlCol="0">
+                <a:spAutoFit/>
+              </a:bodyPr>
+              <a:lstStyle/>
+              <a:p>
+                <a:r>
+                  <a:rPr lang="pt-BR" sz="1400" b="1" dirty="0">
+                    <a:solidFill>
+                      <a:schemeClr val="bg1"/>
+                    </a:solidFill>
+                  </a:rPr>
+                  <a:t>48%</a:t>
+                </a:r>
+                <a:endParaRPr lang="en-US" sz="1400" b="1" dirty="0">
+                  <a:solidFill>
+                    <a:schemeClr val="bg1"/>
+                  </a:solidFill>
+                </a:endParaRPr>
+              </a:p>
+            </p:txBody>
+          </p:sp>
+        </p:grpSp>
+      </p:grpSp>
+    </p:spTree>
+    <p:extLst>
+      <p:ext uri="{BB962C8B-B14F-4D97-AF65-F5344CB8AC3E}">
+        <p14:creationId xmlns:p14="http://schemas.microsoft.com/office/powerpoint/2010/main" val="1993968718"/>
+      </p:ext>
+    </p:extLst>
+  </p:cSld>
+  <p:clrMapOvr>
+    <a:masterClrMapping/>
+  </p:clrMapOvr>
+</p:sld>
+</file>
+
+<file path=ppt/slides/slide9.xml><?xml version="1.0" encoding="utf-8"?>
+<p:sld xmlns:a="http://schemas.openxmlformats.org/drawingml/2006/main" xmlns:r="http://schemas.openxmlformats.org/officeDocument/2006/relationships" xmlns:p="http://schemas.openxmlformats.org/presentationml/2006/main">
+  <p:cSld>
+    <p:spTree>
+      <p:nvGrpSpPr>
+        <p:cNvPr id="1" name=""/>
+        <p:cNvGrpSpPr/>
+        <p:nvPr/>
+      </p:nvGrpSpPr>
+      <p:grpSpPr>
+        <a:xfrm>
+          <a:off x="0" y="0"/>
+          <a:ext cx="0" cy="0"/>
+          <a:chOff x="0" y="0"/>
+          <a:chExt cx="0" cy="0"/>
+        </a:xfrm>
+      </p:grpSpPr>
       <p:grpSp>
         <p:nvGrpSpPr>
           <p:cNvPr id="36" name="Group 35">
@@ -16471,1147 +18793,6 @@
 </p:sld>
 </file>
 
-<file path=ppt/slides/slide9.xml><?xml version="1.0" encoding="utf-8"?>
-<p:sld xmlns:a="http://schemas.openxmlformats.org/drawingml/2006/main" xmlns:r="http://schemas.openxmlformats.org/officeDocument/2006/relationships" xmlns:p="http://schemas.openxmlformats.org/presentationml/2006/main">
-  <p:cSld>
-    <p:spTree>
-      <p:nvGrpSpPr>
-        <p:cNvPr id="1" name=""/>
-        <p:cNvGrpSpPr/>
-        <p:nvPr/>
-      </p:nvGrpSpPr>
-      <p:grpSpPr>
-        <a:xfrm>
-          <a:off x="0" y="0"/>
-          <a:ext cx="0" cy="0"/>
-          <a:chOff x="0" y="0"/>
-          <a:chExt cx="0" cy="0"/>
-        </a:xfrm>
-      </p:grpSpPr>
-      <p:grpSp>
-        <p:nvGrpSpPr>
-          <p:cNvPr id="36" name="Group 35">
-            <a:extLst>
-              <a:ext uri="{FF2B5EF4-FFF2-40B4-BE49-F238E27FC236}">
-                <a16:creationId xmlns:a16="http://schemas.microsoft.com/office/drawing/2014/main" id="{FF966489-5288-4652-BCEC-CD57098BEC6C}"/>
-              </a:ext>
-            </a:extLst>
-          </p:cNvPr>
-          <p:cNvGrpSpPr/>
-          <p:nvPr/>
-        </p:nvGrpSpPr>
-        <p:grpSpPr>
-          <a:xfrm>
-            <a:off x="550545" y="2152645"/>
-            <a:ext cx="11355740" cy="2601402"/>
-            <a:chOff x="579120" y="2171695"/>
-            <a:chExt cx="11355740" cy="2601402"/>
-          </a:xfrm>
-        </p:grpSpPr>
-        <p:grpSp>
-          <p:nvGrpSpPr>
-            <p:cNvPr id="8" name="Group 7">
-              <a:extLst>
-                <a:ext uri="{FF2B5EF4-FFF2-40B4-BE49-F238E27FC236}">
-                  <a16:creationId xmlns:a16="http://schemas.microsoft.com/office/drawing/2014/main" id="{2848A431-9E23-4BA2-BACE-1EBA158D0801}"/>
-                </a:ext>
-              </a:extLst>
-            </p:cNvPr>
-            <p:cNvGrpSpPr/>
-            <p:nvPr/>
-          </p:nvGrpSpPr>
-          <p:grpSpPr>
-            <a:xfrm>
-              <a:off x="579120" y="2171699"/>
-              <a:ext cx="1375155" cy="307778"/>
-              <a:chOff x="579120" y="2171699"/>
-              <a:chExt cx="1375155" cy="307778"/>
-            </a:xfrm>
-          </p:grpSpPr>
-          <p:sp>
-            <p:nvSpPr>
-              <p:cNvPr id="6" name="TextBox 5">
-                <a:extLst>
-                  <a:ext uri="{FF2B5EF4-FFF2-40B4-BE49-F238E27FC236}">
-                    <a16:creationId xmlns:a16="http://schemas.microsoft.com/office/drawing/2014/main" id="{8E238604-ECA4-4142-B300-56F6FE2BEFC6}"/>
-                  </a:ext>
-                </a:extLst>
-              </p:cNvPr>
-              <p:cNvSpPr txBox="1"/>
-              <p:nvPr/>
-            </p:nvSpPr>
-            <p:spPr>
-              <a:xfrm>
-                <a:off x="579120" y="2171700"/>
-                <a:ext cx="498855" cy="307777"/>
-              </a:xfrm>
-              <a:prstGeom prst="rect">
-                <a:avLst/>
-              </a:prstGeom>
-              <a:noFill/>
-            </p:spPr>
-            <p:txBody>
-              <a:bodyPr wrap="none" rtlCol="0">
-                <a:spAutoFit/>
-              </a:bodyPr>
-              <a:lstStyle/>
-              <a:p>
-                <a:r>
-                  <a:rPr lang="pt-BR" sz="1400" b="1" dirty="0">
-                    <a:solidFill>
-                      <a:schemeClr val="bg1"/>
-                    </a:solidFill>
-                  </a:rPr>
-                  <a:t>50%</a:t>
-                </a:r>
-                <a:endParaRPr lang="en-US" sz="1400" b="1" dirty="0">
-                  <a:solidFill>
-                    <a:schemeClr val="bg1"/>
-                  </a:solidFill>
-                </a:endParaRPr>
-              </a:p>
-            </p:txBody>
-          </p:sp>
-          <p:sp>
-            <p:nvSpPr>
-              <p:cNvPr id="7" name="TextBox 6">
-                <a:extLst>
-                  <a:ext uri="{FF2B5EF4-FFF2-40B4-BE49-F238E27FC236}">
-                    <a16:creationId xmlns:a16="http://schemas.microsoft.com/office/drawing/2014/main" id="{139F681A-1A75-49E8-9E59-6F8F8D74F180}"/>
-                  </a:ext>
-                </a:extLst>
-              </p:cNvPr>
-              <p:cNvSpPr txBox="1"/>
-              <p:nvPr/>
-            </p:nvSpPr>
-            <p:spPr>
-              <a:xfrm>
-                <a:off x="1455420" y="2171699"/>
-                <a:ext cx="498855" cy="307777"/>
-              </a:xfrm>
-              <a:prstGeom prst="rect">
-                <a:avLst/>
-              </a:prstGeom>
-              <a:noFill/>
-            </p:spPr>
-            <p:txBody>
-              <a:bodyPr wrap="none" rtlCol="0">
-                <a:spAutoFit/>
-              </a:bodyPr>
-              <a:lstStyle/>
-              <a:p>
-                <a:r>
-                  <a:rPr lang="pt-BR" sz="1400" b="1" dirty="0">
-                    <a:solidFill>
-                      <a:schemeClr val="bg1"/>
-                    </a:solidFill>
-                  </a:rPr>
-                  <a:t>50%</a:t>
-                </a:r>
-                <a:endParaRPr lang="en-US" sz="1400" b="1" dirty="0">
-                  <a:solidFill>
-                    <a:schemeClr val="bg1"/>
-                  </a:solidFill>
-                </a:endParaRPr>
-              </a:p>
-            </p:txBody>
-          </p:sp>
-        </p:grpSp>
-        <p:grpSp>
-          <p:nvGrpSpPr>
-            <p:cNvPr id="9" name="Group 8">
-              <a:extLst>
-                <a:ext uri="{FF2B5EF4-FFF2-40B4-BE49-F238E27FC236}">
-                  <a16:creationId xmlns:a16="http://schemas.microsoft.com/office/drawing/2014/main" id="{EFE97929-220D-4588-9ED6-C66AEE5170E6}"/>
-                </a:ext>
-              </a:extLst>
-            </p:cNvPr>
-            <p:cNvGrpSpPr/>
-            <p:nvPr/>
-          </p:nvGrpSpPr>
-          <p:grpSpPr>
-            <a:xfrm>
-              <a:off x="3070860" y="2171698"/>
-              <a:ext cx="1375155" cy="307778"/>
-              <a:chOff x="579120" y="2171699"/>
-              <a:chExt cx="1375155" cy="307778"/>
-            </a:xfrm>
-          </p:grpSpPr>
-          <p:sp>
-            <p:nvSpPr>
-              <p:cNvPr id="10" name="TextBox 9">
-                <a:extLst>
-                  <a:ext uri="{FF2B5EF4-FFF2-40B4-BE49-F238E27FC236}">
-                    <a16:creationId xmlns:a16="http://schemas.microsoft.com/office/drawing/2014/main" id="{9B0E0DB4-210B-4FF5-B9B6-3CF321328F85}"/>
-                  </a:ext>
-                </a:extLst>
-              </p:cNvPr>
-              <p:cNvSpPr txBox="1"/>
-              <p:nvPr/>
-            </p:nvSpPr>
-            <p:spPr>
-              <a:xfrm>
-                <a:off x="579120" y="2171700"/>
-                <a:ext cx="498855" cy="307777"/>
-              </a:xfrm>
-              <a:prstGeom prst="rect">
-                <a:avLst/>
-              </a:prstGeom>
-              <a:noFill/>
-            </p:spPr>
-            <p:txBody>
-              <a:bodyPr wrap="none" rtlCol="0">
-                <a:spAutoFit/>
-              </a:bodyPr>
-              <a:lstStyle/>
-              <a:p>
-                <a:r>
-                  <a:rPr lang="pt-BR" sz="1400" b="1" dirty="0">
-                    <a:solidFill>
-                      <a:schemeClr val="bg1"/>
-                    </a:solidFill>
-                  </a:rPr>
-                  <a:t>49%</a:t>
-                </a:r>
-                <a:endParaRPr lang="en-US" sz="1400" b="1" dirty="0">
-                  <a:solidFill>
-                    <a:schemeClr val="bg1"/>
-                  </a:solidFill>
-                </a:endParaRPr>
-              </a:p>
-            </p:txBody>
-          </p:sp>
-          <p:sp>
-            <p:nvSpPr>
-              <p:cNvPr id="11" name="TextBox 10">
-                <a:extLst>
-                  <a:ext uri="{FF2B5EF4-FFF2-40B4-BE49-F238E27FC236}">
-                    <a16:creationId xmlns:a16="http://schemas.microsoft.com/office/drawing/2014/main" id="{85859C73-EFF2-40E0-940C-62C4246D582A}"/>
-                  </a:ext>
-                </a:extLst>
-              </p:cNvPr>
-              <p:cNvSpPr txBox="1"/>
-              <p:nvPr/>
-            </p:nvSpPr>
-            <p:spPr>
-              <a:xfrm>
-                <a:off x="1455420" y="2171699"/>
-                <a:ext cx="498855" cy="307777"/>
-              </a:xfrm>
-              <a:prstGeom prst="rect">
-                <a:avLst/>
-              </a:prstGeom>
-              <a:noFill/>
-            </p:spPr>
-            <p:txBody>
-              <a:bodyPr wrap="none" rtlCol="0">
-                <a:spAutoFit/>
-              </a:bodyPr>
-              <a:lstStyle/>
-              <a:p>
-                <a:r>
-                  <a:rPr lang="pt-BR" sz="1400" b="1" dirty="0">
-                    <a:solidFill>
-                      <a:schemeClr val="bg1"/>
-                    </a:solidFill>
-                  </a:rPr>
-                  <a:t>51%</a:t>
-                </a:r>
-                <a:endParaRPr lang="en-US" sz="1400" b="1" dirty="0">
-                  <a:solidFill>
-                    <a:schemeClr val="bg1"/>
-                  </a:solidFill>
-                </a:endParaRPr>
-              </a:p>
-            </p:txBody>
-          </p:sp>
-        </p:grpSp>
-        <p:grpSp>
-          <p:nvGrpSpPr>
-            <p:cNvPr id="12" name="Group 11">
-              <a:extLst>
-                <a:ext uri="{FF2B5EF4-FFF2-40B4-BE49-F238E27FC236}">
-                  <a16:creationId xmlns:a16="http://schemas.microsoft.com/office/drawing/2014/main" id="{8B36A9D6-C0B2-46BC-A6F7-E139B965A8F9}"/>
-                </a:ext>
-              </a:extLst>
-            </p:cNvPr>
-            <p:cNvGrpSpPr/>
-            <p:nvPr/>
-          </p:nvGrpSpPr>
-          <p:grpSpPr>
-            <a:xfrm>
-              <a:off x="5570220" y="2171697"/>
-              <a:ext cx="1375155" cy="307778"/>
-              <a:chOff x="579120" y="2171699"/>
-              <a:chExt cx="1375155" cy="307778"/>
-            </a:xfrm>
-          </p:grpSpPr>
-          <p:sp>
-            <p:nvSpPr>
-              <p:cNvPr id="13" name="TextBox 12">
-                <a:extLst>
-                  <a:ext uri="{FF2B5EF4-FFF2-40B4-BE49-F238E27FC236}">
-                    <a16:creationId xmlns:a16="http://schemas.microsoft.com/office/drawing/2014/main" id="{291A92FC-FAAE-4DF2-AE90-C7B33A596839}"/>
-                  </a:ext>
-                </a:extLst>
-              </p:cNvPr>
-              <p:cNvSpPr txBox="1"/>
-              <p:nvPr/>
-            </p:nvSpPr>
-            <p:spPr>
-              <a:xfrm>
-                <a:off x="579120" y="2171700"/>
-                <a:ext cx="498855" cy="307777"/>
-              </a:xfrm>
-              <a:prstGeom prst="rect">
-                <a:avLst/>
-              </a:prstGeom>
-              <a:noFill/>
-            </p:spPr>
-            <p:txBody>
-              <a:bodyPr wrap="none" rtlCol="0">
-                <a:spAutoFit/>
-              </a:bodyPr>
-              <a:lstStyle/>
-              <a:p>
-                <a:r>
-                  <a:rPr lang="pt-BR" sz="1400" b="1" dirty="0">
-                    <a:solidFill>
-                      <a:schemeClr val="bg1"/>
-                    </a:solidFill>
-                  </a:rPr>
-                  <a:t>49%</a:t>
-                </a:r>
-                <a:endParaRPr lang="en-US" sz="1400" b="1" dirty="0">
-                  <a:solidFill>
-                    <a:schemeClr val="bg1"/>
-                  </a:solidFill>
-                </a:endParaRPr>
-              </a:p>
-            </p:txBody>
-          </p:sp>
-          <p:sp>
-            <p:nvSpPr>
-              <p:cNvPr id="14" name="TextBox 13">
-                <a:extLst>
-                  <a:ext uri="{FF2B5EF4-FFF2-40B4-BE49-F238E27FC236}">
-                    <a16:creationId xmlns:a16="http://schemas.microsoft.com/office/drawing/2014/main" id="{6F8949E6-CC37-40B8-8B52-27B1FDB2C5C1}"/>
-                  </a:ext>
-                </a:extLst>
-              </p:cNvPr>
-              <p:cNvSpPr txBox="1"/>
-              <p:nvPr/>
-            </p:nvSpPr>
-            <p:spPr>
-              <a:xfrm>
-                <a:off x="1455420" y="2171699"/>
-                <a:ext cx="498855" cy="307777"/>
-              </a:xfrm>
-              <a:prstGeom prst="rect">
-                <a:avLst/>
-              </a:prstGeom>
-              <a:noFill/>
-            </p:spPr>
-            <p:txBody>
-              <a:bodyPr wrap="none" rtlCol="0">
-                <a:spAutoFit/>
-              </a:bodyPr>
-              <a:lstStyle/>
-              <a:p>
-                <a:r>
-                  <a:rPr lang="pt-BR" sz="1400" b="1" dirty="0">
-                    <a:solidFill>
-                      <a:schemeClr val="bg1"/>
-                    </a:solidFill>
-                  </a:rPr>
-                  <a:t>51%</a:t>
-                </a:r>
-                <a:endParaRPr lang="en-US" sz="1400" b="1" dirty="0">
-                  <a:solidFill>
-                    <a:schemeClr val="bg1"/>
-                  </a:solidFill>
-                </a:endParaRPr>
-              </a:p>
-            </p:txBody>
-          </p:sp>
-        </p:grpSp>
-        <p:grpSp>
-          <p:nvGrpSpPr>
-            <p:cNvPr id="15" name="Group 14">
-              <a:extLst>
-                <a:ext uri="{FF2B5EF4-FFF2-40B4-BE49-F238E27FC236}">
-                  <a16:creationId xmlns:a16="http://schemas.microsoft.com/office/drawing/2014/main" id="{A12DD572-CEEE-4BC1-BF8D-CCBFE214A29A}"/>
-                </a:ext>
-              </a:extLst>
-            </p:cNvPr>
-            <p:cNvGrpSpPr/>
-            <p:nvPr/>
-          </p:nvGrpSpPr>
-          <p:grpSpPr>
-            <a:xfrm>
-              <a:off x="8054340" y="2171696"/>
-              <a:ext cx="1375155" cy="307778"/>
-              <a:chOff x="579120" y="2171699"/>
-              <a:chExt cx="1375155" cy="307778"/>
-            </a:xfrm>
-          </p:grpSpPr>
-          <p:sp>
-            <p:nvSpPr>
-              <p:cNvPr id="16" name="TextBox 15">
-                <a:extLst>
-                  <a:ext uri="{FF2B5EF4-FFF2-40B4-BE49-F238E27FC236}">
-                    <a16:creationId xmlns:a16="http://schemas.microsoft.com/office/drawing/2014/main" id="{4BCDC8BB-AE43-4D7B-9A2A-AD517CDE0BE3}"/>
-                  </a:ext>
-                </a:extLst>
-              </p:cNvPr>
-              <p:cNvSpPr txBox="1"/>
-              <p:nvPr/>
-            </p:nvSpPr>
-            <p:spPr>
-              <a:xfrm>
-                <a:off x="579120" y="2171700"/>
-                <a:ext cx="498855" cy="307777"/>
-              </a:xfrm>
-              <a:prstGeom prst="rect">
-                <a:avLst/>
-              </a:prstGeom>
-              <a:noFill/>
-            </p:spPr>
-            <p:txBody>
-              <a:bodyPr wrap="none" rtlCol="0">
-                <a:spAutoFit/>
-              </a:bodyPr>
-              <a:lstStyle/>
-              <a:p>
-                <a:r>
-                  <a:rPr lang="pt-BR" sz="1400" b="1" dirty="0">
-                    <a:solidFill>
-                      <a:schemeClr val="bg1"/>
-                    </a:solidFill>
-                  </a:rPr>
-                  <a:t>50%</a:t>
-                </a:r>
-                <a:endParaRPr lang="en-US" sz="1400" b="1" dirty="0">
-                  <a:solidFill>
-                    <a:schemeClr val="bg1"/>
-                  </a:solidFill>
-                </a:endParaRPr>
-              </a:p>
-            </p:txBody>
-          </p:sp>
-          <p:sp>
-            <p:nvSpPr>
-              <p:cNvPr id="17" name="TextBox 16">
-                <a:extLst>
-                  <a:ext uri="{FF2B5EF4-FFF2-40B4-BE49-F238E27FC236}">
-                    <a16:creationId xmlns:a16="http://schemas.microsoft.com/office/drawing/2014/main" id="{39D018F1-FF6C-480B-8EFA-89D6E09A08E5}"/>
-                  </a:ext>
-                </a:extLst>
-              </p:cNvPr>
-              <p:cNvSpPr txBox="1"/>
-              <p:nvPr/>
-            </p:nvSpPr>
-            <p:spPr>
-              <a:xfrm>
-                <a:off x="1455420" y="2171699"/>
-                <a:ext cx="498855" cy="307777"/>
-              </a:xfrm>
-              <a:prstGeom prst="rect">
-                <a:avLst/>
-              </a:prstGeom>
-              <a:noFill/>
-            </p:spPr>
-            <p:txBody>
-              <a:bodyPr wrap="none" rtlCol="0">
-                <a:spAutoFit/>
-              </a:bodyPr>
-              <a:lstStyle/>
-              <a:p>
-                <a:r>
-                  <a:rPr lang="pt-BR" sz="1400" b="1" dirty="0">
-                    <a:solidFill>
-                      <a:schemeClr val="bg1"/>
-                    </a:solidFill>
-                  </a:rPr>
-                  <a:t>50%</a:t>
-                </a:r>
-                <a:endParaRPr lang="en-US" sz="1400" b="1" dirty="0">
-                  <a:solidFill>
-                    <a:schemeClr val="bg1"/>
-                  </a:solidFill>
-                </a:endParaRPr>
-              </a:p>
-            </p:txBody>
-          </p:sp>
-        </p:grpSp>
-        <p:grpSp>
-          <p:nvGrpSpPr>
-            <p:cNvPr id="18" name="Group 17">
-              <a:extLst>
-                <a:ext uri="{FF2B5EF4-FFF2-40B4-BE49-F238E27FC236}">
-                  <a16:creationId xmlns:a16="http://schemas.microsoft.com/office/drawing/2014/main" id="{5299A749-D298-4C8D-AC2E-3B0CACEFD554}"/>
-                </a:ext>
-              </a:extLst>
-            </p:cNvPr>
-            <p:cNvGrpSpPr/>
-            <p:nvPr/>
-          </p:nvGrpSpPr>
-          <p:grpSpPr>
-            <a:xfrm>
-              <a:off x="10546080" y="2171695"/>
-              <a:ext cx="1375155" cy="307778"/>
-              <a:chOff x="579120" y="2171699"/>
-              <a:chExt cx="1375155" cy="307778"/>
-            </a:xfrm>
-          </p:grpSpPr>
-          <p:sp>
-            <p:nvSpPr>
-              <p:cNvPr id="19" name="TextBox 18">
-                <a:extLst>
-                  <a:ext uri="{FF2B5EF4-FFF2-40B4-BE49-F238E27FC236}">
-                    <a16:creationId xmlns:a16="http://schemas.microsoft.com/office/drawing/2014/main" id="{5617C981-BB99-4DAA-8603-0DC4A47D7DE5}"/>
-                  </a:ext>
-                </a:extLst>
-              </p:cNvPr>
-              <p:cNvSpPr txBox="1"/>
-              <p:nvPr/>
-            </p:nvSpPr>
-            <p:spPr>
-              <a:xfrm>
-                <a:off x="579120" y="2171700"/>
-                <a:ext cx="498855" cy="307777"/>
-              </a:xfrm>
-              <a:prstGeom prst="rect">
-                <a:avLst/>
-              </a:prstGeom>
-              <a:noFill/>
-            </p:spPr>
-            <p:txBody>
-              <a:bodyPr wrap="none" rtlCol="0">
-                <a:spAutoFit/>
-              </a:bodyPr>
-              <a:lstStyle/>
-              <a:p>
-                <a:r>
-                  <a:rPr lang="pt-BR" sz="1400" b="1" dirty="0">
-                    <a:solidFill>
-                      <a:schemeClr val="bg1"/>
-                    </a:solidFill>
-                  </a:rPr>
-                  <a:t>49%</a:t>
-                </a:r>
-                <a:endParaRPr lang="en-US" sz="1400" b="1" dirty="0">
-                  <a:solidFill>
-                    <a:schemeClr val="bg1"/>
-                  </a:solidFill>
-                </a:endParaRPr>
-              </a:p>
-            </p:txBody>
-          </p:sp>
-          <p:sp>
-            <p:nvSpPr>
-              <p:cNvPr id="20" name="TextBox 19">
-                <a:extLst>
-                  <a:ext uri="{FF2B5EF4-FFF2-40B4-BE49-F238E27FC236}">
-                    <a16:creationId xmlns:a16="http://schemas.microsoft.com/office/drawing/2014/main" id="{6B7C8F71-5909-47F4-AB11-888E07F86727}"/>
-                  </a:ext>
-                </a:extLst>
-              </p:cNvPr>
-              <p:cNvSpPr txBox="1"/>
-              <p:nvPr/>
-            </p:nvSpPr>
-            <p:spPr>
-              <a:xfrm>
-                <a:off x="1455420" y="2171699"/>
-                <a:ext cx="498855" cy="307777"/>
-              </a:xfrm>
-              <a:prstGeom prst="rect">
-                <a:avLst/>
-              </a:prstGeom>
-              <a:noFill/>
-            </p:spPr>
-            <p:txBody>
-              <a:bodyPr wrap="none" rtlCol="0">
-                <a:spAutoFit/>
-              </a:bodyPr>
-              <a:lstStyle/>
-              <a:p>
-                <a:r>
-                  <a:rPr lang="pt-BR" sz="1400" b="1" dirty="0">
-                    <a:solidFill>
-                      <a:schemeClr val="bg1"/>
-                    </a:solidFill>
-                  </a:rPr>
-                  <a:t>51%</a:t>
-                </a:r>
-                <a:endParaRPr lang="en-US" sz="1400" b="1" dirty="0">
-                  <a:solidFill>
-                    <a:schemeClr val="bg1"/>
-                  </a:solidFill>
-                </a:endParaRPr>
-              </a:p>
-            </p:txBody>
-          </p:sp>
-        </p:grpSp>
-        <p:grpSp>
-          <p:nvGrpSpPr>
-            <p:cNvPr id="21" name="Group 20">
-              <a:extLst>
-                <a:ext uri="{FF2B5EF4-FFF2-40B4-BE49-F238E27FC236}">
-                  <a16:creationId xmlns:a16="http://schemas.microsoft.com/office/drawing/2014/main" id="{938BD4D0-B037-4B46-987B-B70689B93021}"/>
-                </a:ext>
-              </a:extLst>
-            </p:cNvPr>
-            <p:cNvGrpSpPr/>
-            <p:nvPr/>
-          </p:nvGrpSpPr>
-          <p:grpSpPr>
-            <a:xfrm>
-              <a:off x="592745" y="4465319"/>
-              <a:ext cx="1375155" cy="307778"/>
-              <a:chOff x="579120" y="2171699"/>
-              <a:chExt cx="1375155" cy="307778"/>
-            </a:xfrm>
-          </p:grpSpPr>
-          <p:sp>
-            <p:nvSpPr>
-              <p:cNvPr id="22" name="TextBox 21">
-                <a:extLst>
-                  <a:ext uri="{FF2B5EF4-FFF2-40B4-BE49-F238E27FC236}">
-                    <a16:creationId xmlns:a16="http://schemas.microsoft.com/office/drawing/2014/main" id="{DBCBF5E2-FE3B-4528-B5C0-61C3D27DD470}"/>
-                  </a:ext>
-                </a:extLst>
-              </p:cNvPr>
-              <p:cNvSpPr txBox="1"/>
-              <p:nvPr/>
-            </p:nvSpPr>
-            <p:spPr>
-              <a:xfrm>
-                <a:off x="579120" y="2171700"/>
-                <a:ext cx="498855" cy="307777"/>
-              </a:xfrm>
-              <a:prstGeom prst="rect">
-                <a:avLst/>
-              </a:prstGeom>
-              <a:noFill/>
-            </p:spPr>
-            <p:txBody>
-              <a:bodyPr wrap="none" rtlCol="0">
-                <a:spAutoFit/>
-              </a:bodyPr>
-              <a:lstStyle/>
-              <a:p>
-                <a:r>
-                  <a:rPr lang="pt-BR" sz="1400" b="1" dirty="0">
-                    <a:solidFill>
-                      <a:schemeClr val="bg1"/>
-                    </a:solidFill>
-                  </a:rPr>
-                  <a:t>45%</a:t>
-                </a:r>
-                <a:endParaRPr lang="en-US" sz="1400" b="1" dirty="0">
-                  <a:solidFill>
-                    <a:schemeClr val="bg1"/>
-                  </a:solidFill>
-                </a:endParaRPr>
-              </a:p>
-            </p:txBody>
-          </p:sp>
-          <p:sp>
-            <p:nvSpPr>
-              <p:cNvPr id="23" name="TextBox 22">
-                <a:extLst>
-                  <a:ext uri="{FF2B5EF4-FFF2-40B4-BE49-F238E27FC236}">
-                    <a16:creationId xmlns:a16="http://schemas.microsoft.com/office/drawing/2014/main" id="{261B23EF-2FD5-4291-AAFB-87C63D36B2AD}"/>
-                  </a:ext>
-                </a:extLst>
-              </p:cNvPr>
-              <p:cNvSpPr txBox="1"/>
-              <p:nvPr/>
-            </p:nvSpPr>
-            <p:spPr>
-              <a:xfrm>
-                <a:off x="1455420" y="2171699"/>
-                <a:ext cx="498855" cy="307777"/>
-              </a:xfrm>
-              <a:prstGeom prst="rect">
-                <a:avLst/>
-              </a:prstGeom>
-              <a:noFill/>
-            </p:spPr>
-            <p:txBody>
-              <a:bodyPr wrap="none" rtlCol="0">
-                <a:spAutoFit/>
-              </a:bodyPr>
-              <a:lstStyle/>
-              <a:p>
-                <a:r>
-                  <a:rPr lang="pt-BR" sz="1400" b="1" dirty="0">
-                    <a:solidFill>
-                      <a:schemeClr val="bg1"/>
-                    </a:solidFill>
-                  </a:rPr>
-                  <a:t>55%</a:t>
-                </a:r>
-                <a:endParaRPr lang="en-US" sz="1400" b="1" dirty="0">
-                  <a:solidFill>
-                    <a:schemeClr val="bg1"/>
-                  </a:solidFill>
-                </a:endParaRPr>
-              </a:p>
-            </p:txBody>
-          </p:sp>
-        </p:grpSp>
-        <p:grpSp>
-          <p:nvGrpSpPr>
-            <p:cNvPr id="24" name="Group 23">
-              <a:extLst>
-                <a:ext uri="{FF2B5EF4-FFF2-40B4-BE49-F238E27FC236}">
-                  <a16:creationId xmlns:a16="http://schemas.microsoft.com/office/drawing/2014/main" id="{18590F91-6242-4B78-8995-CFDA556DCC1B}"/>
-                </a:ext>
-              </a:extLst>
-            </p:cNvPr>
-            <p:cNvGrpSpPr/>
-            <p:nvPr/>
-          </p:nvGrpSpPr>
-          <p:grpSpPr>
-            <a:xfrm>
-              <a:off x="3084485" y="4465318"/>
-              <a:ext cx="1375155" cy="307778"/>
-              <a:chOff x="579120" y="2171699"/>
-              <a:chExt cx="1375155" cy="307778"/>
-            </a:xfrm>
-          </p:grpSpPr>
-          <p:sp>
-            <p:nvSpPr>
-              <p:cNvPr id="25" name="TextBox 24">
-                <a:extLst>
-                  <a:ext uri="{FF2B5EF4-FFF2-40B4-BE49-F238E27FC236}">
-                    <a16:creationId xmlns:a16="http://schemas.microsoft.com/office/drawing/2014/main" id="{5589C3A3-1061-44B1-B97B-3A599BDF7348}"/>
-                  </a:ext>
-                </a:extLst>
-              </p:cNvPr>
-              <p:cNvSpPr txBox="1"/>
-              <p:nvPr/>
-            </p:nvSpPr>
-            <p:spPr>
-              <a:xfrm>
-                <a:off x="579120" y="2171700"/>
-                <a:ext cx="498855" cy="307777"/>
-              </a:xfrm>
-              <a:prstGeom prst="rect">
-                <a:avLst/>
-              </a:prstGeom>
-              <a:noFill/>
-            </p:spPr>
-            <p:txBody>
-              <a:bodyPr wrap="none" rtlCol="0">
-                <a:spAutoFit/>
-              </a:bodyPr>
-              <a:lstStyle/>
-              <a:p>
-                <a:r>
-                  <a:rPr lang="pt-BR" sz="1400" b="1" dirty="0">
-                    <a:solidFill>
-                      <a:schemeClr val="bg1"/>
-                    </a:solidFill>
-                  </a:rPr>
-                  <a:t>47%</a:t>
-                </a:r>
-                <a:endParaRPr lang="en-US" sz="1400" b="1" dirty="0">
-                  <a:solidFill>
-                    <a:schemeClr val="bg1"/>
-                  </a:solidFill>
-                </a:endParaRPr>
-              </a:p>
-            </p:txBody>
-          </p:sp>
-          <p:sp>
-            <p:nvSpPr>
-              <p:cNvPr id="26" name="TextBox 25">
-                <a:extLst>
-                  <a:ext uri="{FF2B5EF4-FFF2-40B4-BE49-F238E27FC236}">
-                    <a16:creationId xmlns:a16="http://schemas.microsoft.com/office/drawing/2014/main" id="{A2ECAADB-3124-447C-804B-03537A388BA2}"/>
-                  </a:ext>
-                </a:extLst>
-              </p:cNvPr>
-              <p:cNvSpPr txBox="1"/>
-              <p:nvPr/>
-            </p:nvSpPr>
-            <p:spPr>
-              <a:xfrm>
-                <a:off x="1455420" y="2171699"/>
-                <a:ext cx="498855" cy="307777"/>
-              </a:xfrm>
-              <a:prstGeom prst="rect">
-                <a:avLst/>
-              </a:prstGeom>
-              <a:noFill/>
-            </p:spPr>
-            <p:txBody>
-              <a:bodyPr wrap="none" rtlCol="0">
-                <a:spAutoFit/>
-              </a:bodyPr>
-              <a:lstStyle/>
-              <a:p>
-                <a:r>
-                  <a:rPr lang="pt-BR" sz="1400" b="1" dirty="0">
-                    <a:solidFill>
-                      <a:schemeClr val="bg1"/>
-                    </a:solidFill>
-                  </a:rPr>
-                  <a:t>53%</a:t>
-                </a:r>
-                <a:endParaRPr lang="en-US" sz="1400" b="1" dirty="0">
-                  <a:solidFill>
-                    <a:schemeClr val="bg1"/>
-                  </a:solidFill>
-                </a:endParaRPr>
-              </a:p>
-            </p:txBody>
-          </p:sp>
-        </p:grpSp>
-        <p:grpSp>
-          <p:nvGrpSpPr>
-            <p:cNvPr id="27" name="Group 26">
-              <a:extLst>
-                <a:ext uri="{FF2B5EF4-FFF2-40B4-BE49-F238E27FC236}">
-                  <a16:creationId xmlns:a16="http://schemas.microsoft.com/office/drawing/2014/main" id="{D1E6CC4A-3E1D-44F0-9F38-B75A699CEAA5}"/>
-                </a:ext>
-              </a:extLst>
-            </p:cNvPr>
-            <p:cNvGrpSpPr/>
-            <p:nvPr/>
-          </p:nvGrpSpPr>
-          <p:grpSpPr>
-            <a:xfrm>
-              <a:off x="5583845" y="4465317"/>
-              <a:ext cx="1375155" cy="307778"/>
-              <a:chOff x="579120" y="2171699"/>
-              <a:chExt cx="1375155" cy="307778"/>
-            </a:xfrm>
-          </p:grpSpPr>
-          <p:sp>
-            <p:nvSpPr>
-              <p:cNvPr id="28" name="TextBox 27">
-                <a:extLst>
-                  <a:ext uri="{FF2B5EF4-FFF2-40B4-BE49-F238E27FC236}">
-                    <a16:creationId xmlns:a16="http://schemas.microsoft.com/office/drawing/2014/main" id="{6E5A4AFA-F3C7-4A66-A84C-7924B609A6F4}"/>
-                  </a:ext>
-                </a:extLst>
-              </p:cNvPr>
-              <p:cNvSpPr txBox="1"/>
-              <p:nvPr/>
-            </p:nvSpPr>
-            <p:spPr>
-              <a:xfrm>
-                <a:off x="579120" y="2171700"/>
-                <a:ext cx="498855" cy="307777"/>
-              </a:xfrm>
-              <a:prstGeom prst="rect">
-                <a:avLst/>
-              </a:prstGeom>
-              <a:noFill/>
-            </p:spPr>
-            <p:txBody>
-              <a:bodyPr wrap="none" rtlCol="0">
-                <a:spAutoFit/>
-              </a:bodyPr>
-              <a:lstStyle/>
-              <a:p>
-                <a:r>
-                  <a:rPr lang="pt-BR" sz="1400" b="1" dirty="0">
-                    <a:solidFill>
-                      <a:schemeClr val="bg1"/>
-                    </a:solidFill>
-                  </a:rPr>
-                  <a:t>51%</a:t>
-                </a:r>
-                <a:endParaRPr lang="en-US" sz="1400" b="1" dirty="0">
-                  <a:solidFill>
-                    <a:schemeClr val="bg1"/>
-                  </a:solidFill>
-                </a:endParaRPr>
-              </a:p>
-            </p:txBody>
-          </p:sp>
-          <p:sp>
-            <p:nvSpPr>
-              <p:cNvPr id="29" name="TextBox 28">
-                <a:extLst>
-                  <a:ext uri="{FF2B5EF4-FFF2-40B4-BE49-F238E27FC236}">
-                    <a16:creationId xmlns:a16="http://schemas.microsoft.com/office/drawing/2014/main" id="{DEC6FFF2-7740-4077-8B0F-541947D639F8}"/>
-                  </a:ext>
-                </a:extLst>
-              </p:cNvPr>
-              <p:cNvSpPr txBox="1"/>
-              <p:nvPr/>
-            </p:nvSpPr>
-            <p:spPr>
-              <a:xfrm>
-                <a:off x="1455420" y="2171699"/>
-                <a:ext cx="498855" cy="307777"/>
-              </a:xfrm>
-              <a:prstGeom prst="rect">
-                <a:avLst/>
-              </a:prstGeom>
-              <a:noFill/>
-            </p:spPr>
-            <p:txBody>
-              <a:bodyPr wrap="none" rtlCol="0">
-                <a:spAutoFit/>
-              </a:bodyPr>
-              <a:lstStyle/>
-              <a:p>
-                <a:r>
-                  <a:rPr lang="pt-BR" sz="1400" b="1" dirty="0">
-                    <a:solidFill>
-                      <a:schemeClr val="bg1"/>
-                    </a:solidFill>
-                  </a:rPr>
-                  <a:t>48%</a:t>
-                </a:r>
-                <a:endParaRPr lang="en-US" sz="1400" b="1" dirty="0">
-                  <a:solidFill>
-                    <a:schemeClr val="bg1"/>
-                  </a:solidFill>
-                </a:endParaRPr>
-              </a:p>
-            </p:txBody>
-          </p:sp>
-        </p:grpSp>
-        <p:grpSp>
-          <p:nvGrpSpPr>
-            <p:cNvPr id="30" name="Group 29">
-              <a:extLst>
-                <a:ext uri="{FF2B5EF4-FFF2-40B4-BE49-F238E27FC236}">
-                  <a16:creationId xmlns:a16="http://schemas.microsoft.com/office/drawing/2014/main" id="{C16F722E-EBC8-4FE1-AF06-E56FFCC7D1FA}"/>
-                </a:ext>
-              </a:extLst>
-            </p:cNvPr>
-            <p:cNvGrpSpPr/>
-            <p:nvPr/>
-          </p:nvGrpSpPr>
-          <p:grpSpPr>
-            <a:xfrm>
-              <a:off x="8067965" y="4465316"/>
-              <a:ext cx="1375155" cy="307778"/>
-              <a:chOff x="579120" y="2171699"/>
-              <a:chExt cx="1375155" cy="307778"/>
-            </a:xfrm>
-          </p:grpSpPr>
-          <p:sp>
-            <p:nvSpPr>
-              <p:cNvPr id="31" name="TextBox 30">
-                <a:extLst>
-                  <a:ext uri="{FF2B5EF4-FFF2-40B4-BE49-F238E27FC236}">
-                    <a16:creationId xmlns:a16="http://schemas.microsoft.com/office/drawing/2014/main" id="{B551AA17-151C-40D6-8C89-128BAAF347BA}"/>
-                  </a:ext>
-                </a:extLst>
-              </p:cNvPr>
-              <p:cNvSpPr txBox="1"/>
-              <p:nvPr/>
-            </p:nvSpPr>
-            <p:spPr>
-              <a:xfrm>
-                <a:off x="579120" y="2171700"/>
-                <a:ext cx="498855" cy="307777"/>
-              </a:xfrm>
-              <a:prstGeom prst="rect">
-                <a:avLst/>
-              </a:prstGeom>
-              <a:noFill/>
-            </p:spPr>
-            <p:txBody>
-              <a:bodyPr wrap="none" rtlCol="0">
-                <a:spAutoFit/>
-              </a:bodyPr>
-              <a:lstStyle/>
-              <a:p>
-                <a:r>
-                  <a:rPr lang="pt-BR" sz="1400" b="1" dirty="0">
-                    <a:solidFill>
-                      <a:schemeClr val="bg1"/>
-                    </a:solidFill>
-                  </a:rPr>
-                  <a:t>50%</a:t>
-                </a:r>
-                <a:endParaRPr lang="en-US" sz="1400" b="1" dirty="0">
-                  <a:solidFill>
-                    <a:schemeClr val="bg1"/>
-                  </a:solidFill>
-                </a:endParaRPr>
-              </a:p>
-            </p:txBody>
-          </p:sp>
-          <p:sp>
-            <p:nvSpPr>
-              <p:cNvPr id="32" name="TextBox 31">
-                <a:extLst>
-                  <a:ext uri="{FF2B5EF4-FFF2-40B4-BE49-F238E27FC236}">
-                    <a16:creationId xmlns:a16="http://schemas.microsoft.com/office/drawing/2014/main" id="{EFFBF39E-14F6-4F13-B51C-5E6B8DCB1BB7}"/>
-                  </a:ext>
-                </a:extLst>
-              </p:cNvPr>
-              <p:cNvSpPr txBox="1"/>
-              <p:nvPr/>
-            </p:nvSpPr>
-            <p:spPr>
-              <a:xfrm>
-                <a:off x="1455420" y="2171699"/>
-                <a:ext cx="498855" cy="307777"/>
-              </a:xfrm>
-              <a:prstGeom prst="rect">
-                <a:avLst/>
-              </a:prstGeom>
-              <a:noFill/>
-            </p:spPr>
-            <p:txBody>
-              <a:bodyPr wrap="none" rtlCol="0">
-                <a:spAutoFit/>
-              </a:bodyPr>
-              <a:lstStyle/>
-              <a:p>
-                <a:r>
-                  <a:rPr lang="pt-BR" sz="1400" b="1" dirty="0">
-                    <a:solidFill>
-                      <a:schemeClr val="bg1"/>
-                    </a:solidFill>
-                  </a:rPr>
-                  <a:t>50%</a:t>
-                </a:r>
-                <a:endParaRPr lang="en-US" sz="1400" b="1" dirty="0">
-                  <a:solidFill>
-                    <a:schemeClr val="bg1"/>
-                  </a:solidFill>
-                </a:endParaRPr>
-              </a:p>
-            </p:txBody>
-          </p:sp>
-        </p:grpSp>
-        <p:grpSp>
-          <p:nvGrpSpPr>
-            <p:cNvPr id="33" name="Group 32">
-              <a:extLst>
-                <a:ext uri="{FF2B5EF4-FFF2-40B4-BE49-F238E27FC236}">
-                  <a16:creationId xmlns:a16="http://schemas.microsoft.com/office/drawing/2014/main" id="{04220A23-A38D-4235-BE5B-E58CFB94CB9B}"/>
-                </a:ext>
-              </a:extLst>
-            </p:cNvPr>
-            <p:cNvGrpSpPr/>
-            <p:nvPr/>
-          </p:nvGrpSpPr>
-          <p:grpSpPr>
-            <a:xfrm>
-              <a:off x="10559705" y="4465315"/>
-              <a:ext cx="1375155" cy="307778"/>
-              <a:chOff x="579120" y="2171699"/>
-              <a:chExt cx="1375155" cy="307778"/>
-            </a:xfrm>
-          </p:grpSpPr>
-          <p:sp>
-            <p:nvSpPr>
-              <p:cNvPr id="34" name="TextBox 33">
-                <a:extLst>
-                  <a:ext uri="{FF2B5EF4-FFF2-40B4-BE49-F238E27FC236}">
-                    <a16:creationId xmlns:a16="http://schemas.microsoft.com/office/drawing/2014/main" id="{71178028-EC99-4DE5-93E1-79DD0A882206}"/>
-                  </a:ext>
-                </a:extLst>
-              </p:cNvPr>
-              <p:cNvSpPr txBox="1"/>
-              <p:nvPr/>
-            </p:nvSpPr>
-            <p:spPr>
-              <a:xfrm>
-                <a:off x="579120" y="2171700"/>
-                <a:ext cx="498855" cy="307777"/>
-              </a:xfrm>
-              <a:prstGeom prst="rect">
-                <a:avLst/>
-              </a:prstGeom>
-              <a:noFill/>
-            </p:spPr>
-            <p:txBody>
-              <a:bodyPr wrap="none" rtlCol="0">
-                <a:spAutoFit/>
-              </a:bodyPr>
-              <a:lstStyle/>
-              <a:p>
-                <a:r>
-                  <a:rPr lang="pt-BR" sz="1400" b="1" dirty="0">
-                    <a:solidFill>
-                      <a:schemeClr val="bg1"/>
-                    </a:solidFill>
-                  </a:rPr>
-                  <a:t>50%</a:t>
-                </a:r>
-                <a:endParaRPr lang="en-US" sz="1400" b="1" dirty="0">
-                  <a:solidFill>
-                    <a:schemeClr val="bg1"/>
-                  </a:solidFill>
-                </a:endParaRPr>
-              </a:p>
-            </p:txBody>
-          </p:sp>
-          <p:sp>
-            <p:nvSpPr>
-              <p:cNvPr id="35" name="TextBox 34">
-                <a:extLst>
-                  <a:ext uri="{FF2B5EF4-FFF2-40B4-BE49-F238E27FC236}">
-                    <a16:creationId xmlns:a16="http://schemas.microsoft.com/office/drawing/2014/main" id="{7B4C97F6-EC9F-4E9D-BE51-C6A94EB7A600}"/>
-                  </a:ext>
-                </a:extLst>
-              </p:cNvPr>
-              <p:cNvSpPr txBox="1"/>
-              <p:nvPr/>
-            </p:nvSpPr>
-            <p:spPr>
-              <a:xfrm>
-                <a:off x="1455420" y="2171699"/>
-                <a:ext cx="498855" cy="307777"/>
-              </a:xfrm>
-              <a:prstGeom prst="rect">
-                <a:avLst/>
-              </a:prstGeom>
-              <a:noFill/>
-            </p:spPr>
-            <p:txBody>
-              <a:bodyPr wrap="none" rtlCol="0">
-                <a:spAutoFit/>
-              </a:bodyPr>
-              <a:lstStyle/>
-              <a:p>
-                <a:r>
-                  <a:rPr lang="pt-BR" sz="1400" b="1" dirty="0">
-                    <a:solidFill>
-                      <a:schemeClr val="bg1"/>
-                    </a:solidFill>
-                  </a:rPr>
-                  <a:t>50%</a:t>
-                </a:r>
-                <a:endParaRPr lang="en-US" sz="1400" b="1" dirty="0">
-                  <a:solidFill>
-                    <a:schemeClr val="bg1"/>
-                  </a:solidFill>
-                </a:endParaRPr>
-              </a:p>
-            </p:txBody>
-          </p:sp>
-        </p:grpSp>
-      </p:grpSp>
-    </p:spTree>
-    <p:extLst>
-      <p:ext uri="{BB962C8B-B14F-4D97-AF65-F5344CB8AC3E}">
-        <p14:creationId xmlns:p14="http://schemas.microsoft.com/office/powerpoint/2010/main" val="1429633486"/>
-      </p:ext>
-    </p:extLst>
-  </p:cSld>
-  <p:clrMapOvr>
-    <a:masterClrMapping/>
-  </p:clrMapOvr>
-</p:sld>
-</file>
-
 <file path=ppt/theme/theme1.xml><?xml version="1.0" encoding="utf-8"?>
 <a:theme xmlns:a="http://schemas.openxmlformats.org/drawingml/2006/main" name="Office Theme">
   <a:themeElements>
